--- a/test-springmvc/doc/2.JPA Programming.pptx
+++ b/test-springmvc/doc/2.JPA Programming.pptx
@@ -26,8 +26,8 @@
     <p:sldId id="409" r:id="rId20"/>
     <p:sldId id="328" r:id="rId21"/>
     <p:sldId id="410" r:id="rId22"/>
-    <p:sldId id="412" r:id="rId23"/>
-    <p:sldId id="411" r:id="rId24"/>
+    <p:sldId id="411" r:id="rId23"/>
+    <p:sldId id="412" r:id="rId24"/>
     <p:sldId id="389" r:id="rId25"/>
     <p:sldId id="391" r:id="rId26"/>
     <p:sldId id="413" r:id="rId27"/>
@@ -270,7 +270,7 @@
           <a:p>
             <a:fld id="{6E8ECDC8-BA8A-40BE-ADB5-07E1343FAE8E}" type="datetimeFigureOut">
               <a:rPr lang="zh-TW" altLang="en-US" smtClean="0"/>
-              <a:t>2018-11-12</a:t>
+              <a:t>2018-11-14</a:t>
             </a:fld>
             <a:endParaRPr lang="zh-TW" altLang="en-US"/>
           </a:p>
@@ -438,7 +438,7 @@
           <a:p>
             <a:fld id="{6E8ECDC8-BA8A-40BE-ADB5-07E1343FAE8E}" type="datetimeFigureOut">
               <a:rPr lang="zh-TW" altLang="en-US" smtClean="0"/>
-              <a:t>2018-11-12</a:t>
+              <a:t>2018-11-14</a:t>
             </a:fld>
             <a:endParaRPr lang="zh-TW" altLang="en-US"/>
           </a:p>
@@ -616,7 +616,7 @@
           <a:p>
             <a:fld id="{6E8ECDC8-BA8A-40BE-ADB5-07E1343FAE8E}" type="datetimeFigureOut">
               <a:rPr lang="zh-TW" altLang="en-US" smtClean="0"/>
-              <a:t>2018-11-12</a:t>
+              <a:t>2018-11-14</a:t>
             </a:fld>
             <a:endParaRPr lang="zh-TW" altLang="en-US"/>
           </a:p>
@@ -784,7 +784,7 @@
           <a:p>
             <a:fld id="{6E8ECDC8-BA8A-40BE-ADB5-07E1343FAE8E}" type="datetimeFigureOut">
               <a:rPr lang="zh-TW" altLang="en-US" smtClean="0"/>
-              <a:t>2018-11-12</a:t>
+              <a:t>2018-11-14</a:t>
             </a:fld>
             <a:endParaRPr lang="zh-TW" altLang="en-US"/>
           </a:p>
@@ -1029,7 +1029,7 @@
           <a:p>
             <a:fld id="{6E8ECDC8-BA8A-40BE-ADB5-07E1343FAE8E}" type="datetimeFigureOut">
               <a:rPr lang="zh-TW" altLang="en-US" smtClean="0"/>
-              <a:t>2018-11-12</a:t>
+              <a:t>2018-11-14</a:t>
             </a:fld>
             <a:endParaRPr lang="zh-TW" altLang="en-US"/>
           </a:p>
@@ -1258,7 +1258,7 @@
           <a:p>
             <a:fld id="{6E8ECDC8-BA8A-40BE-ADB5-07E1343FAE8E}" type="datetimeFigureOut">
               <a:rPr lang="zh-TW" altLang="en-US" smtClean="0"/>
-              <a:t>2018-11-12</a:t>
+              <a:t>2018-11-14</a:t>
             </a:fld>
             <a:endParaRPr lang="zh-TW" altLang="en-US"/>
           </a:p>
@@ -1622,7 +1622,7 @@
           <a:p>
             <a:fld id="{6E8ECDC8-BA8A-40BE-ADB5-07E1343FAE8E}" type="datetimeFigureOut">
               <a:rPr lang="zh-TW" altLang="en-US" smtClean="0"/>
-              <a:t>2018-11-12</a:t>
+              <a:t>2018-11-14</a:t>
             </a:fld>
             <a:endParaRPr lang="zh-TW" altLang="en-US"/>
           </a:p>
@@ -1739,7 +1739,7 @@
           <a:p>
             <a:fld id="{6E8ECDC8-BA8A-40BE-ADB5-07E1343FAE8E}" type="datetimeFigureOut">
               <a:rPr lang="zh-TW" altLang="en-US" smtClean="0"/>
-              <a:t>2018-11-12</a:t>
+              <a:t>2018-11-14</a:t>
             </a:fld>
             <a:endParaRPr lang="zh-TW" altLang="en-US"/>
           </a:p>
@@ -1834,7 +1834,7 @@
           <a:p>
             <a:fld id="{6E8ECDC8-BA8A-40BE-ADB5-07E1343FAE8E}" type="datetimeFigureOut">
               <a:rPr lang="zh-TW" altLang="en-US" smtClean="0"/>
-              <a:t>2018-11-12</a:t>
+              <a:t>2018-11-14</a:t>
             </a:fld>
             <a:endParaRPr lang="zh-TW" altLang="en-US"/>
           </a:p>
@@ -2109,7 +2109,7 @@
           <a:p>
             <a:fld id="{6E8ECDC8-BA8A-40BE-ADB5-07E1343FAE8E}" type="datetimeFigureOut">
               <a:rPr lang="zh-TW" altLang="en-US" smtClean="0"/>
-              <a:t>2018-11-12</a:t>
+              <a:t>2018-11-14</a:t>
             </a:fld>
             <a:endParaRPr lang="zh-TW" altLang="en-US"/>
           </a:p>
@@ -2361,7 +2361,7 @@
           <a:p>
             <a:fld id="{6E8ECDC8-BA8A-40BE-ADB5-07E1343FAE8E}" type="datetimeFigureOut">
               <a:rPr lang="zh-TW" altLang="en-US" smtClean="0"/>
-              <a:t>2018-11-12</a:t>
+              <a:t>2018-11-14</a:t>
             </a:fld>
             <a:endParaRPr lang="zh-TW" altLang="en-US"/>
           </a:p>
@@ -2572,7 +2572,7 @@
           <a:p>
             <a:fld id="{6E8ECDC8-BA8A-40BE-ADB5-07E1343FAE8E}" type="datetimeFigureOut">
               <a:rPr lang="zh-TW" altLang="en-US" smtClean="0"/>
-              <a:t>2018-11-12</a:t>
+              <a:t>2018-11-14</a:t>
             </a:fld>
             <a:endParaRPr lang="zh-TW" altLang="en-US"/>
           </a:p>
@@ -2987,25 +2987,30 @@
             <p:ph type="ctrTitle"/>
           </p:nvPr>
         </p:nvSpPr>
-        <p:spPr/>
+        <p:spPr>
+          <a:xfrm>
+            <a:off x="1524000" y="1122363"/>
+            <a:ext cx="9144000" cy="2867746"/>
+          </a:xfrm>
+        </p:spPr>
         <p:txBody>
           <a:bodyPr/>
           <a:lstStyle/>
           <a:p>
             <a:r>
-              <a:rPr lang="en-US" altLang="zh-TW" dirty="0"/>
+              <a:rPr lang="en-US" altLang="zh-TW" sz="6600" b="1" dirty="0"/>
               <a:t>JPA</a:t>
             </a:r>
             <a:r>
-              <a:rPr lang="zh-TW" altLang="en-US" dirty="0"/>
+              <a:rPr lang="zh-TW" altLang="en-US" sz="6600" b="1" dirty="0"/>
               <a:t> </a:t>
             </a:r>
             <a:r>
-              <a:rPr lang="en-US" altLang="zh-TW" dirty="0"/>
+              <a:rPr lang="en-US" altLang="zh-TW" sz="6600" b="1" dirty="0"/>
               <a:t>Tutorial</a:t>
             </a:r>
             <a:br>
-              <a:rPr lang="en-US" altLang="zh-TW" dirty="0"/>
+              <a:rPr lang="en-US" altLang="zh-TW" sz="6600" b="1" dirty="0"/>
             </a:br>
             <a:r>
               <a:rPr lang="en-US" altLang="zh-TW" dirty="0"/>
@@ -3025,7 +3030,12 @@
             <p:ph type="subTitle" idx="1"/>
           </p:nvPr>
         </p:nvSpPr>
-        <p:spPr/>
+        <p:spPr>
+          <a:xfrm>
+            <a:off x="1524000" y="4634344"/>
+            <a:ext cx="9144000" cy="623455"/>
+          </a:xfrm>
+        </p:spPr>
         <p:txBody>
           <a:bodyPr/>
           <a:lstStyle/>
@@ -3603,8 +3613,12 @@
           <a:lstStyle/>
           <a:p>
             <a:r>
+              <a:rPr lang="en-US" altLang="zh-TW" dirty="0" smtClean="0"/>
+              <a:t>5. JPA </a:t>
+            </a:r>
+            <a:r>
               <a:rPr lang="en-US" altLang="zh-TW" dirty="0"/>
-              <a:t>JPA Query API</a:t>
+              <a:t>Query API</a:t>
             </a:r>
             <a:endParaRPr lang="zh-TW" altLang="en-US" dirty="0"/>
           </a:p>
@@ -6947,8 +6961,12 @@
           <a:lstStyle/>
           <a:p>
             <a:r>
+              <a:rPr lang="en-US" altLang="zh-TW" dirty="0" smtClean="0"/>
+              <a:t>6. Named </a:t>
+            </a:r>
+            <a:r>
               <a:rPr lang="en-US" altLang="zh-TW" dirty="0"/>
-              <a:t>Named Queries</a:t>
+              <a:t>Queries</a:t>
             </a:r>
             <a:endParaRPr lang="zh-TW" altLang="en-US" dirty="0"/>
           </a:p>
@@ -9099,8 +9117,12 @@
           <a:lstStyle/>
           <a:p>
             <a:r>
+              <a:rPr lang="en-US" altLang="zh-TW" dirty="0" smtClean="0"/>
+              <a:t>7. Criteria </a:t>
+            </a:r>
+            <a:r>
               <a:rPr lang="en-US" altLang="zh-TW" dirty="0"/>
-              <a:t>Criteria API</a:t>
+              <a:t>API</a:t>
             </a:r>
             <a:endParaRPr lang="zh-TW" altLang="en-US" dirty="0"/>
           </a:p>
@@ -10689,12 +10711,8 @@
           <a:lstStyle/>
           <a:p>
             <a:r>
-              <a:rPr lang="en-US" altLang="zh-TW" dirty="0"/>
-              <a:t>Native </a:t>
-            </a:r>
-            <a:r>
               <a:rPr lang="en-US" altLang="zh-TW" dirty="0" smtClean="0"/>
-              <a:t>SQL Query</a:t>
+              <a:t>8. Native SQL Query</a:t>
             </a:r>
             <a:endParaRPr lang="zh-TW" altLang="en-US" dirty="0"/>
           </a:p>
@@ -11968,7 +11986,11 @@
           <a:lstStyle/>
           <a:p>
             <a:r>
-              <a:rPr lang="en-US" altLang="zh-TW" dirty="0" err="1"/>
+              <a:rPr lang="en-US" altLang="zh-TW" dirty="0" smtClean="0"/>
+              <a:t>1. </a:t>
+            </a:r>
+            <a:r>
+              <a:rPr lang="en-US" altLang="zh-TW" dirty="0" err="1" smtClean="0"/>
               <a:t>Enviorment</a:t>
             </a:r>
             <a:endParaRPr lang="zh-TW" altLang="en-US" dirty="0"/>
@@ -15039,6 +15061,101 @@
           <p:cNvPr id="2" name="標題 1">
             <a:extLst>
               <a:ext uri="{FF2B5EF4-FFF2-40B4-BE49-F238E27FC236}">
+                <a16:creationId xmlns:a16="http://schemas.microsoft.com/office/drawing/2014/main" id="{FFF6E0D1-8533-4B26-800D-5AED0AEAC375}"/>
+              </a:ext>
+            </a:extLst>
+          </p:cNvPr>
+          <p:cNvSpPr>
+            <a:spLocks noGrp="1"/>
+          </p:cNvSpPr>
+          <p:nvPr>
+            <p:ph type="title"/>
+          </p:nvPr>
+        </p:nvSpPr>
+        <p:spPr/>
+        <p:txBody>
+          <a:bodyPr/>
+          <a:lstStyle/>
+          <a:p>
+            <a:endParaRPr lang="zh-TW" altLang="en-US"/>
+          </a:p>
+        </p:txBody>
+      </p:sp>
+      <p:sp>
+        <p:nvSpPr>
+          <p:cNvPr id="3" name="內容版面配置區 2">
+            <a:extLst>
+              <a:ext uri="{FF2B5EF4-FFF2-40B4-BE49-F238E27FC236}">
+                <a16:creationId xmlns:a16="http://schemas.microsoft.com/office/drawing/2014/main" id="{4FED4A4E-54EF-486C-A38C-2F6900381187}"/>
+              </a:ext>
+            </a:extLst>
+          </p:cNvPr>
+          <p:cNvSpPr>
+            <a:spLocks noGrp="1"/>
+          </p:cNvSpPr>
+          <p:nvPr>
+            <p:ph idx="1"/>
+          </p:nvPr>
+        </p:nvSpPr>
+        <p:spPr/>
+        <p:txBody>
+          <a:bodyPr/>
+          <a:lstStyle/>
+          <a:p>
+            <a:r>
+              <a:rPr lang="en-US" altLang="zh-TW" dirty="0" smtClean="0"/>
+              <a:t>With Native SQL Query, If </a:t>
+            </a:r>
+            <a:r>
+              <a:rPr lang="en-US" altLang="zh-TW" dirty="0"/>
+              <a:t>the entity is mapped with a many-to-one or a child-side one-to-one to another entity, it is required to also load those entities into the persistence context</a:t>
+            </a:r>
+          </a:p>
+          <a:p>
+            <a:pPr lvl="1"/>
+            <a:r>
+              <a:rPr lang="en-US" altLang="zh-TW" dirty="0"/>
+              <a:t>otherwise, a database-specific column not found error will occur.</a:t>
+            </a:r>
+            <a:endParaRPr lang="zh-TW" altLang="en-US" dirty="0"/>
+          </a:p>
+        </p:txBody>
+      </p:sp>
+    </p:spTree>
+    <p:extLst>
+      <p:ext uri="{BB962C8B-B14F-4D97-AF65-F5344CB8AC3E}">
+        <p14:creationId xmlns:p14="http://schemas.microsoft.com/office/powerpoint/2010/main" val="659414880"/>
+      </p:ext>
+    </p:extLst>
+  </p:cSld>
+  <p:clrMapOvr>
+    <a:masterClrMapping/>
+  </p:clrMapOvr>
+</p:sld>
+</file>
+
+<file path=ppt/slides/slide23.xml><?xml version="1.0" encoding="utf-8"?>
+<p:sld xmlns:a="http://schemas.openxmlformats.org/drawingml/2006/main" xmlns:r="http://schemas.openxmlformats.org/officeDocument/2006/relationships" xmlns:p="http://schemas.openxmlformats.org/presentationml/2006/main">
+  <p:cSld>
+    <p:spTree>
+      <p:nvGrpSpPr>
+        <p:cNvPr id="1" name=""/>
+        <p:cNvGrpSpPr/>
+        <p:nvPr/>
+      </p:nvGrpSpPr>
+      <p:grpSpPr>
+        <a:xfrm>
+          <a:off x="0" y="0"/>
+          <a:ext cx="0" cy="0"/>
+          <a:chOff x="0" y="0"/>
+          <a:chExt cx="0" cy="0"/>
+        </a:xfrm>
+      </p:grpSpPr>
+      <p:sp>
+        <p:nvSpPr>
+          <p:cNvPr id="2" name="標題 1">
+            <a:extLst>
+              <a:ext uri="{FF2B5EF4-FFF2-40B4-BE49-F238E27FC236}">
                 <a16:creationId xmlns:a16="http://schemas.microsoft.com/office/drawing/2014/main" id="{41545DA8-1635-4F42-AEAB-AFB5FAA30E93}"/>
               </a:ext>
             </a:extLst>
@@ -15057,7 +15174,7 @@
           <a:p>
             <a:r>
               <a:rPr lang="en-US" altLang="zh-TW" dirty="0" smtClean="0"/>
-              <a:t>Named Native </a:t>
+              <a:t>9. Named Native </a:t>
             </a:r>
             <a:r>
               <a:rPr lang="en-US" altLang="zh-TW" dirty="0"/>
@@ -15494,97 +15611,6 @@
     <p:extLst>
       <p:ext uri="{BB962C8B-B14F-4D97-AF65-F5344CB8AC3E}">
         <p14:creationId xmlns:p14="http://schemas.microsoft.com/office/powerpoint/2010/main" val="2276909294"/>
-      </p:ext>
-    </p:extLst>
-  </p:cSld>
-  <p:clrMapOvr>
-    <a:masterClrMapping/>
-  </p:clrMapOvr>
-</p:sld>
-</file>
-
-<file path=ppt/slides/slide23.xml><?xml version="1.0" encoding="utf-8"?>
-<p:sld xmlns:a="http://schemas.openxmlformats.org/drawingml/2006/main" xmlns:r="http://schemas.openxmlformats.org/officeDocument/2006/relationships" xmlns:p="http://schemas.openxmlformats.org/presentationml/2006/main">
-  <p:cSld>
-    <p:spTree>
-      <p:nvGrpSpPr>
-        <p:cNvPr id="1" name=""/>
-        <p:cNvGrpSpPr/>
-        <p:nvPr/>
-      </p:nvGrpSpPr>
-      <p:grpSpPr>
-        <a:xfrm>
-          <a:off x="0" y="0"/>
-          <a:ext cx="0" cy="0"/>
-          <a:chOff x="0" y="0"/>
-          <a:chExt cx="0" cy="0"/>
-        </a:xfrm>
-      </p:grpSpPr>
-      <p:sp>
-        <p:nvSpPr>
-          <p:cNvPr id="2" name="標題 1">
-            <a:extLst>
-              <a:ext uri="{FF2B5EF4-FFF2-40B4-BE49-F238E27FC236}">
-                <a16:creationId xmlns:a16="http://schemas.microsoft.com/office/drawing/2014/main" id="{FFF6E0D1-8533-4B26-800D-5AED0AEAC375}"/>
-              </a:ext>
-            </a:extLst>
-          </p:cNvPr>
-          <p:cNvSpPr>
-            <a:spLocks noGrp="1"/>
-          </p:cNvSpPr>
-          <p:nvPr>
-            <p:ph type="title"/>
-          </p:nvPr>
-        </p:nvSpPr>
-        <p:spPr/>
-        <p:txBody>
-          <a:bodyPr/>
-          <a:lstStyle/>
-          <a:p>
-            <a:endParaRPr lang="zh-TW" altLang="en-US"/>
-          </a:p>
-        </p:txBody>
-      </p:sp>
-      <p:sp>
-        <p:nvSpPr>
-          <p:cNvPr id="3" name="內容版面配置區 2">
-            <a:extLst>
-              <a:ext uri="{FF2B5EF4-FFF2-40B4-BE49-F238E27FC236}">
-                <a16:creationId xmlns:a16="http://schemas.microsoft.com/office/drawing/2014/main" id="{4FED4A4E-54EF-486C-A38C-2F6900381187}"/>
-              </a:ext>
-            </a:extLst>
-          </p:cNvPr>
-          <p:cNvSpPr>
-            <a:spLocks noGrp="1"/>
-          </p:cNvSpPr>
-          <p:nvPr>
-            <p:ph idx="1"/>
-          </p:nvPr>
-        </p:nvSpPr>
-        <p:spPr/>
-        <p:txBody>
-          <a:bodyPr/>
-          <a:lstStyle/>
-          <a:p>
-            <a:r>
-              <a:rPr lang="en-US" altLang="zh-TW" dirty="0"/>
-              <a:t>If the entity is mapped with a many-to-one or a child-side one-to-one to another entity, it is required to also load those entities into the persistence context</a:t>
-            </a:r>
-          </a:p>
-          <a:p>
-            <a:pPr lvl="1"/>
-            <a:r>
-              <a:rPr lang="en-US" altLang="zh-TW" dirty="0"/>
-              <a:t>otherwise, a database-specific column not found error will occur.</a:t>
-            </a:r>
-            <a:endParaRPr lang="zh-TW" altLang="en-US" dirty="0"/>
-          </a:p>
-        </p:txBody>
-      </p:sp>
-    </p:spTree>
-    <p:extLst>
-      <p:ext uri="{BB962C8B-B14F-4D97-AF65-F5344CB8AC3E}">
-        <p14:creationId xmlns:p14="http://schemas.microsoft.com/office/powerpoint/2010/main" val="659414880"/>
       </p:ext>
     </p:extLst>
   </p:cSld>
@@ -15634,7 +15660,7 @@
           <a:p>
             <a:r>
               <a:rPr lang="en-US" altLang="zh-TW" dirty="0" smtClean="0"/>
-              <a:t>Locking</a:t>
+              <a:t>10. Locking</a:t>
             </a:r>
             <a:endParaRPr lang="zh-TW" altLang="en-US" dirty="0"/>
           </a:p>
@@ -19646,8 +19672,12 @@
           <a:lstStyle/>
           <a:p>
             <a:r>
+              <a:rPr lang="en-US" altLang="zh-TW" dirty="0" smtClean="0"/>
+              <a:t>2. Methods </a:t>
+            </a:r>
+            <a:r>
               <a:rPr lang="en-US" altLang="zh-TW" dirty="0"/>
-              <a:t>Methods of </a:t>
+              <a:t>of </a:t>
             </a:r>
             <a:r>
               <a:rPr lang="en-US" altLang="zh-TW" dirty="0" err="1"/>
@@ -19741,7 +19771,7 @@
         </p:nvSpPr>
         <p:spPr bwMode="auto">
           <a:xfrm>
-            <a:off x="1920313" y="2293679"/>
+            <a:off x="1639758" y="2214179"/>
             <a:ext cx="2564805" cy="861774"/>
           </a:xfrm>
           <a:prstGeom prst="rect">
@@ -20362,7 +20392,7 @@
         </p:nvSpPr>
         <p:spPr bwMode="auto">
           <a:xfrm>
-            <a:off x="1920313" y="4390777"/>
+            <a:off x="1639758" y="4311277"/>
             <a:ext cx="2633734" cy="215444"/>
           </a:xfrm>
           <a:prstGeom prst="rect">
@@ -20547,7 +20577,7 @@
         </p:nvSpPr>
         <p:spPr bwMode="auto">
           <a:xfrm>
-            <a:off x="1920313" y="3670083"/>
+            <a:off x="1639758" y="3590583"/>
             <a:ext cx="4967707" cy="215444"/>
           </a:xfrm>
           <a:prstGeom prst="rect">
@@ -20844,7 +20874,7 @@
         </p:nvSpPr>
         <p:spPr bwMode="auto">
           <a:xfrm>
-            <a:off x="1920313" y="5406415"/>
+            <a:off x="1639758" y="5326915"/>
             <a:ext cx="4977325" cy="430887"/>
           </a:xfrm>
           <a:prstGeom prst="rect">
@@ -21559,8 +21589,12 @@
           <a:lstStyle/>
           <a:p>
             <a:r>
+              <a:rPr lang="en-US" altLang="zh-TW" dirty="0" smtClean="0"/>
+              <a:t>3. Event </a:t>
+            </a:r>
+            <a:r>
               <a:rPr lang="en-US" altLang="zh-TW" dirty="0"/>
-              <a:t>Event Handling</a:t>
+              <a:t>Handling</a:t>
             </a:r>
             <a:endParaRPr lang="zh-TW" altLang="en-US" dirty="0"/>
           </a:p>
@@ -22492,8 +22526,12 @@
           <a:lstStyle/>
           <a:p>
             <a:r>
+              <a:rPr lang="en-US" altLang="zh-TW" dirty="0" smtClean="0"/>
+              <a:t>4. Java </a:t>
+            </a:r>
+            <a:r>
               <a:rPr lang="en-US" altLang="zh-TW" dirty="0"/>
-              <a:t>Java Persistence Query language(JPQL)</a:t>
+              <a:t>Persistence Query language(JPQL)</a:t>
             </a:r>
             <a:endParaRPr lang="zh-TW" altLang="en-US" dirty="0"/>
           </a:p>

--- a/test-springmvc/doc/2.JPA Programming.pptx
+++ b/test-springmvc/doc/2.JPA Programming.pptx
@@ -270,7 +270,7 @@
           <a:p>
             <a:fld id="{6E8ECDC8-BA8A-40BE-ADB5-07E1343FAE8E}" type="datetimeFigureOut">
               <a:rPr lang="zh-TW" altLang="en-US" smtClean="0"/>
-              <a:t>2018-11-14</a:t>
+              <a:t>2018-11-15</a:t>
             </a:fld>
             <a:endParaRPr lang="zh-TW" altLang="en-US"/>
           </a:p>
@@ -438,7 +438,7 @@
           <a:p>
             <a:fld id="{6E8ECDC8-BA8A-40BE-ADB5-07E1343FAE8E}" type="datetimeFigureOut">
               <a:rPr lang="zh-TW" altLang="en-US" smtClean="0"/>
-              <a:t>2018-11-14</a:t>
+              <a:t>2018-11-15</a:t>
             </a:fld>
             <a:endParaRPr lang="zh-TW" altLang="en-US"/>
           </a:p>
@@ -616,7 +616,7 @@
           <a:p>
             <a:fld id="{6E8ECDC8-BA8A-40BE-ADB5-07E1343FAE8E}" type="datetimeFigureOut">
               <a:rPr lang="zh-TW" altLang="en-US" smtClean="0"/>
-              <a:t>2018-11-14</a:t>
+              <a:t>2018-11-15</a:t>
             </a:fld>
             <a:endParaRPr lang="zh-TW" altLang="en-US"/>
           </a:p>
@@ -784,7 +784,7 @@
           <a:p>
             <a:fld id="{6E8ECDC8-BA8A-40BE-ADB5-07E1343FAE8E}" type="datetimeFigureOut">
               <a:rPr lang="zh-TW" altLang="en-US" smtClean="0"/>
-              <a:t>2018-11-14</a:t>
+              <a:t>2018-11-15</a:t>
             </a:fld>
             <a:endParaRPr lang="zh-TW" altLang="en-US"/>
           </a:p>
@@ -1029,7 +1029,7 @@
           <a:p>
             <a:fld id="{6E8ECDC8-BA8A-40BE-ADB5-07E1343FAE8E}" type="datetimeFigureOut">
               <a:rPr lang="zh-TW" altLang="en-US" smtClean="0"/>
-              <a:t>2018-11-14</a:t>
+              <a:t>2018-11-15</a:t>
             </a:fld>
             <a:endParaRPr lang="zh-TW" altLang="en-US"/>
           </a:p>
@@ -1258,7 +1258,7 @@
           <a:p>
             <a:fld id="{6E8ECDC8-BA8A-40BE-ADB5-07E1343FAE8E}" type="datetimeFigureOut">
               <a:rPr lang="zh-TW" altLang="en-US" smtClean="0"/>
-              <a:t>2018-11-14</a:t>
+              <a:t>2018-11-15</a:t>
             </a:fld>
             <a:endParaRPr lang="zh-TW" altLang="en-US"/>
           </a:p>
@@ -1622,7 +1622,7 @@
           <a:p>
             <a:fld id="{6E8ECDC8-BA8A-40BE-ADB5-07E1343FAE8E}" type="datetimeFigureOut">
               <a:rPr lang="zh-TW" altLang="en-US" smtClean="0"/>
-              <a:t>2018-11-14</a:t>
+              <a:t>2018-11-15</a:t>
             </a:fld>
             <a:endParaRPr lang="zh-TW" altLang="en-US"/>
           </a:p>
@@ -1739,7 +1739,7 @@
           <a:p>
             <a:fld id="{6E8ECDC8-BA8A-40BE-ADB5-07E1343FAE8E}" type="datetimeFigureOut">
               <a:rPr lang="zh-TW" altLang="en-US" smtClean="0"/>
-              <a:t>2018-11-14</a:t>
+              <a:t>2018-11-15</a:t>
             </a:fld>
             <a:endParaRPr lang="zh-TW" altLang="en-US"/>
           </a:p>
@@ -1834,7 +1834,7 @@
           <a:p>
             <a:fld id="{6E8ECDC8-BA8A-40BE-ADB5-07E1343FAE8E}" type="datetimeFigureOut">
               <a:rPr lang="zh-TW" altLang="en-US" smtClean="0"/>
-              <a:t>2018-11-14</a:t>
+              <a:t>2018-11-15</a:t>
             </a:fld>
             <a:endParaRPr lang="zh-TW" altLang="en-US"/>
           </a:p>
@@ -2109,7 +2109,7 @@
           <a:p>
             <a:fld id="{6E8ECDC8-BA8A-40BE-ADB5-07E1343FAE8E}" type="datetimeFigureOut">
               <a:rPr lang="zh-TW" altLang="en-US" smtClean="0"/>
-              <a:t>2018-11-14</a:t>
+              <a:t>2018-11-15</a:t>
             </a:fld>
             <a:endParaRPr lang="zh-TW" altLang="en-US"/>
           </a:p>
@@ -2361,7 +2361,7 @@
           <a:p>
             <a:fld id="{6E8ECDC8-BA8A-40BE-ADB5-07E1343FAE8E}" type="datetimeFigureOut">
               <a:rPr lang="zh-TW" altLang="en-US" smtClean="0"/>
-              <a:t>2018-11-14</a:t>
+              <a:t>2018-11-15</a:t>
             </a:fld>
             <a:endParaRPr lang="zh-TW" altLang="en-US"/>
           </a:p>
@@ -2572,7 +2572,7 @@
           <a:p>
             <a:fld id="{6E8ECDC8-BA8A-40BE-ADB5-07E1343FAE8E}" type="datetimeFigureOut">
               <a:rPr lang="zh-TW" altLang="en-US" smtClean="0"/>
-              <a:t>2018-11-14</a:t>
+              <a:t>2018-11-15</a:t>
             </a:fld>
             <a:endParaRPr lang="zh-TW" altLang="en-US"/>
           </a:p>
@@ -3203,6 +3203,13 @@
   <p:clrMapOvr>
     <a:masterClrMapping/>
   </p:clrMapOvr>
+  <p:timing>
+    <p:tnLst>
+      <p:par>
+        <p:cTn id="1" dur="indefinite" restart="never" nodeType="tmRoot"/>
+      </p:par>
+    </p:tnLst>
+  </p:timing>
 </p:sld>
 </file>
 
@@ -3410,6 +3417,13 @@
   <p:clrMapOvr>
     <a:masterClrMapping/>
   </p:clrMapOvr>
+  <p:timing>
+    <p:tnLst>
+      <p:par>
+        <p:cTn id="1" dur="indefinite" restart="never" nodeType="tmRoot"/>
+      </p:par>
+    </p:tnLst>
+  </p:timing>
 </p:sld>
 </file>
 
@@ -3577,6 +3591,13 @@
   <p:clrMapOvr>
     <a:masterClrMapping/>
   </p:clrMapOvr>
+  <p:timing>
+    <p:tnLst>
+      <p:par>
+        <p:cTn id="1" dur="indefinite" restart="never" nodeType="tmRoot"/>
+      </p:par>
+    </p:tnLst>
+  </p:timing>
 </p:sld>
 </file>
 
@@ -4936,6 +4957,13 @@
   <p:clrMapOvr>
     <a:masterClrMapping/>
   </p:clrMapOvr>
+  <p:timing>
+    <p:tnLst>
+      <p:par>
+        <p:cTn id="1" dur="indefinite" restart="never" nodeType="tmRoot"/>
+      </p:par>
+    </p:tnLst>
+  </p:timing>
 </p:sld>
 </file>
 
@@ -5113,6 +5141,13 @@
   <p:clrMapOvr>
     <a:masterClrMapping/>
   </p:clrMapOvr>
+  <p:timing>
+    <p:tnLst>
+      <p:par>
+        <p:cTn id="1" dur="indefinite" restart="never" nodeType="tmRoot"/>
+      </p:par>
+    </p:tnLst>
+  </p:timing>
 </p:sld>
 </file>
 
@@ -6925,6 +6960,13 @@
   <p:clrMapOvr>
     <a:masterClrMapping/>
   </p:clrMapOvr>
+  <p:timing>
+    <p:tnLst>
+      <p:par>
+        <p:cTn id="1" dur="indefinite" restart="never" nodeType="tmRoot"/>
+      </p:par>
+    </p:tnLst>
+  </p:timing>
 </p:sld>
 </file>
 
@@ -7053,6 +7095,13 @@
   <p:clrMapOvr>
     <a:masterClrMapping/>
   </p:clrMapOvr>
+  <p:timing>
+    <p:tnLst>
+      <p:par>
+        <p:cTn id="1" dur="indefinite" restart="never" nodeType="tmRoot"/>
+      </p:par>
+    </p:tnLst>
+  </p:timing>
 </p:sld>
 </file>
 
@@ -9081,6 +9130,13 @@
   <p:clrMapOvr>
     <a:masterClrMapping/>
   </p:clrMapOvr>
+  <p:timing>
+    <p:tnLst>
+      <p:par>
+        <p:cTn id="1" dur="indefinite" restart="never" nodeType="tmRoot"/>
+      </p:par>
+    </p:tnLst>
+  </p:timing>
 </p:sld>
 </file>
 
@@ -10675,6 +10731,13 @@
   <p:clrMapOvr>
     <a:masterClrMapping/>
   </p:clrMapOvr>
+  <p:timing>
+    <p:tnLst>
+      <p:par>
+        <p:cTn id="1" dur="indefinite" restart="never" nodeType="tmRoot"/>
+      </p:par>
+    </p:tnLst>
+  </p:timing>
 </p:sld>
 </file>
 
@@ -11944,6 +12007,13 @@
   <p:clrMapOvr>
     <a:masterClrMapping/>
   </p:clrMapOvr>
+  <p:timing>
+    <p:tnLst>
+      <p:par>
+        <p:cTn id="1" dur="indefinite" restart="never" nodeType="tmRoot"/>
+      </p:par>
+    </p:tnLst>
+  </p:timing>
 </p:sld>
 </file>
 
@@ -12074,6 +12144,13 @@
   <p:clrMapOvr>
     <a:masterClrMapping/>
   </p:clrMapOvr>
+  <p:timing>
+    <p:tnLst>
+      <p:par>
+        <p:cTn id="1" dur="indefinite" restart="never" nodeType="tmRoot"/>
+      </p:par>
+    </p:tnLst>
+  </p:timing>
 </p:sld>
 </file>
 
@@ -13649,6 +13726,13 @@
   <p:clrMapOvr>
     <a:masterClrMapping/>
   </p:clrMapOvr>
+  <p:timing>
+    <p:tnLst>
+      <p:par>
+        <p:cTn id="1" dur="indefinite" restart="never" nodeType="tmRoot"/>
+      </p:par>
+    </p:tnLst>
+  </p:timing>
 </p:sld>
 </file>
 
@@ -15036,6 +15120,13 @@
   <p:clrMapOvr>
     <a:masterClrMapping/>
   </p:clrMapOvr>
+  <p:timing>
+    <p:tnLst>
+      <p:par>
+        <p:cTn id="1" dur="indefinite" restart="never" nodeType="tmRoot"/>
+      </p:par>
+    </p:tnLst>
+  </p:timing>
 </p:sld>
 </file>
 
@@ -15131,6 +15222,13 @@
   <p:clrMapOvr>
     <a:masterClrMapping/>
   </p:clrMapOvr>
+  <p:timing>
+    <p:tnLst>
+      <p:par>
+        <p:cTn id="1" dur="indefinite" restart="never" nodeType="tmRoot"/>
+      </p:par>
+    </p:tnLst>
+  </p:timing>
 </p:sld>
 </file>
 
@@ -15617,6 +15715,13 @@
   <p:clrMapOvr>
     <a:masterClrMapping/>
   </p:clrMapOvr>
+  <p:timing>
+    <p:tnLst>
+      <p:par>
+        <p:cTn id="1" dur="indefinite" restart="never" nodeType="tmRoot"/>
+      </p:par>
+    </p:tnLst>
+  </p:timing>
 </p:sld>
 </file>
 
@@ -15734,6 +15839,13 @@
   <p:clrMapOvr>
     <a:masterClrMapping/>
   </p:clrMapOvr>
+  <p:timing>
+    <p:tnLst>
+      <p:par>
+        <p:cTn id="1" dur="indefinite" restart="never" nodeType="tmRoot"/>
+      </p:par>
+    </p:tnLst>
+  </p:timing>
 </p:sld>
 </file>
 
@@ -15853,6 +15965,13 @@
   <p:clrMapOvr>
     <a:masterClrMapping/>
   </p:clrMapOvr>
+  <p:timing>
+    <p:tnLst>
+      <p:par>
+        <p:cTn id="1" dur="indefinite" restart="never" nodeType="tmRoot"/>
+      </p:par>
+    </p:tnLst>
+  </p:timing>
 </p:sld>
 </file>
 
@@ -17110,6 +17229,13 @@
   <p:clrMapOvr>
     <a:masterClrMapping/>
   </p:clrMapOvr>
+  <p:timing>
+    <p:tnLst>
+      <p:par>
+        <p:cTn id="1" dur="indefinite" restart="never" nodeType="tmRoot"/>
+      </p:par>
+    </p:tnLst>
+  </p:timing>
 </p:sld>
 </file>
 
@@ -17221,6 +17347,13 @@
   <p:clrMapOvr>
     <a:masterClrMapping/>
   </p:clrMapOvr>
+  <p:timing>
+    <p:tnLst>
+      <p:par>
+        <p:cTn id="1" dur="indefinite" restart="never" nodeType="tmRoot"/>
+      </p:par>
+    </p:tnLst>
+  </p:timing>
 </p:sld>
 </file>
 
@@ -18772,6 +18905,13 @@
   <p:clrMapOvr>
     <a:masterClrMapping/>
   </p:clrMapOvr>
+  <p:timing>
+    <p:tnLst>
+      <p:par>
+        <p:cTn id="1" dur="indefinite" restart="never" nodeType="tmRoot"/>
+      </p:par>
+    </p:tnLst>
+  </p:timing>
 </p:sld>
 </file>
 
@@ -19334,6 +19474,13 @@
   <p:clrMapOvr>
     <a:masterClrMapping/>
   </p:clrMapOvr>
+  <p:timing>
+    <p:tnLst>
+      <p:par>
+        <p:cTn id="1" dur="indefinite" restart="never" nodeType="tmRoot"/>
+      </p:par>
+    </p:tnLst>
+  </p:timing>
 </p:sld>
 </file>
 
@@ -19464,6 +19611,13 @@
   <p:clrMapOvr>
     <a:masterClrMapping/>
   </p:clrMapOvr>
+  <p:timing>
+    <p:tnLst>
+      <p:par>
+        <p:cTn id="1" dur="indefinite" restart="never" nodeType="tmRoot"/>
+      </p:par>
+    </p:tnLst>
+  </p:timing>
 </p:sld>
 </file>
 
@@ -19630,6 +19784,13 @@
   <p:clrMapOvr>
     <a:masterClrMapping/>
   </p:clrMapOvr>
+  <p:timing>
+    <p:tnLst>
+      <p:par>
+        <p:cTn id="1" dur="indefinite" restart="never" nodeType="tmRoot"/>
+      </p:par>
+    </p:tnLst>
+  </p:timing>
 </p:sld>
 </file>
 
@@ -19716,8 +19877,16 @@
           <a:lstStyle/>
           <a:p>
             <a:r>
+              <a:rPr lang="en-US" altLang="zh-TW" dirty="0" smtClean="0"/>
+              <a:t>persist</a:t>
+            </a:r>
+            <a:r>
+              <a:rPr lang="en-US" altLang="zh-TW" dirty="0" smtClean="0"/>
+              <a:t>() </a:t>
+            </a:r>
+            <a:r>
               <a:rPr lang="en-US" altLang="zh-TW" dirty="0"/>
-              <a:t>create() : make a new entity instance persistent </a:t>
+              <a:t>: make a new entity instance persistent </a:t>
             </a:r>
           </a:p>
           <a:p>
@@ -21295,6 +21464,13 @@
   <p:clrMapOvr>
     <a:masterClrMapping/>
   </p:clrMapOvr>
+  <p:timing>
+    <p:tnLst>
+      <p:par>
+        <p:cTn id="1" dur="indefinite" restart="never" nodeType="tmRoot"/>
+      </p:par>
+    </p:tnLst>
+  </p:timing>
 </p:sld>
 </file>
 
@@ -21402,6 +21578,13 @@
   <p:clrMapOvr>
     <a:masterClrMapping/>
   </p:clrMapOvr>
+  <p:timing>
+    <p:tnLst>
+      <p:par>
+        <p:cTn id="1" dur="indefinite" restart="never" nodeType="tmRoot"/>
+      </p:par>
+    </p:tnLst>
+  </p:timing>
 </p:sld>
 </file>
 
@@ -21547,6 +21730,13 @@
   <p:clrMapOvr>
     <a:masterClrMapping/>
   </p:clrMapOvr>
+  <p:timing>
+    <p:tnLst>
+      <p:par>
+        <p:cTn id="1" dur="indefinite" restart="never" nodeType="tmRoot"/>
+      </p:par>
+    </p:tnLst>
+  </p:timing>
 </p:sld>
 </file>
 
@@ -22069,6 +22259,13 @@
   <p:clrMapOvr>
     <a:masterClrMapping/>
   </p:clrMapOvr>
+  <p:timing>
+    <p:tnLst>
+      <p:par>
+        <p:cTn id="1" dur="indefinite" restart="never" nodeType="tmRoot"/>
+      </p:par>
+    </p:tnLst>
+  </p:timing>
 </p:sld>
 </file>
 
@@ -22488,6 +22685,13 @@
   <p:clrMapOvr>
     <a:masterClrMapping/>
   </p:clrMapOvr>
+  <p:timing>
+    <p:tnLst>
+      <p:par>
+        <p:cTn id="1" dur="indefinite" restart="never" nodeType="tmRoot"/>
+      </p:par>
+    </p:tnLst>
+  </p:timing>
 </p:sld>
 </file>
 
@@ -22590,6 +22794,13 @@
   <p:clrMapOvr>
     <a:masterClrMapping/>
   </p:clrMapOvr>
+  <p:timing>
+    <p:tnLst>
+      <p:par>
+        <p:cTn id="1" dur="indefinite" restart="never" nodeType="tmRoot"/>
+      </p:par>
+    </p:tnLst>
+  </p:timing>
 </p:sld>
 </file>
 

--- a/test-springmvc/doc/2.JPA Programming.pptx
+++ b/test-springmvc/doc/2.JPA Programming.pptx
@@ -24,17 +24,16 @@
     <p:sldId id="397" r:id="rId18"/>
     <p:sldId id="407" r:id="rId19"/>
     <p:sldId id="409" r:id="rId20"/>
-    <p:sldId id="328" r:id="rId21"/>
-    <p:sldId id="410" r:id="rId22"/>
-    <p:sldId id="411" r:id="rId23"/>
-    <p:sldId id="412" r:id="rId24"/>
-    <p:sldId id="389" r:id="rId25"/>
-    <p:sldId id="391" r:id="rId26"/>
-    <p:sldId id="413" r:id="rId27"/>
-    <p:sldId id="392" r:id="rId28"/>
-    <p:sldId id="415" r:id="rId29"/>
-    <p:sldId id="414" r:id="rId30"/>
-    <p:sldId id="259" r:id="rId31"/>
+    <p:sldId id="410" r:id="rId21"/>
+    <p:sldId id="411" r:id="rId22"/>
+    <p:sldId id="412" r:id="rId23"/>
+    <p:sldId id="389" r:id="rId24"/>
+    <p:sldId id="391" r:id="rId25"/>
+    <p:sldId id="413" r:id="rId26"/>
+    <p:sldId id="392" r:id="rId27"/>
+    <p:sldId id="415" r:id="rId28"/>
+    <p:sldId id="414" r:id="rId29"/>
+    <p:sldId id="259" r:id="rId30"/>
   </p:sldIdLst>
   <p:sldSz cx="12192000" cy="6858000"/>
   <p:notesSz cx="6858000" cy="9144000"/>
@@ -6247,7 +6246,7 @@
         <p:spPr bwMode="auto">
           <a:xfrm>
             <a:off x="6806046" y="4001294"/>
-            <a:ext cx="3803926" cy="1477328"/>
+            <a:ext cx="4409862" cy="1477328"/>
           </a:xfrm>
           <a:prstGeom prst="rect">
             <a:avLst/>
@@ -6290,21 +6289,13 @@
           </a:bodyPr>
           <a:lstStyle/>
           <a:p>
-            <a:pPr marL="0" marR="0" lvl="0" indent="0" algn="l" defTabSz="914400" rtl="0" eaLnBrk="0" fontAlgn="base" latinLnBrk="0" hangingPunct="0">
-              <a:lnSpc>
-                <a:spcPct val="100000"/>
-              </a:lnSpc>
+            <a:pPr lvl="0" eaLnBrk="0" fontAlgn="base" hangingPunct="0">
               <a:spcBef>
                 <a:spcPct val="0"/>
               </a:spcBef>
               <a:spcAft>
                 <a:spcPct val="0"/>
               </a:spcAft>
-              <a:buClrTx/>
-              <a:buSzTx/>
-              <a:buFontTx/>
-              <a:buNone/>
-              <a:tabLst/>
             </a:pPr>
             <a:r>
               <a:rPr kumimoji="0" lang="zh-TW" altLang="zh-TW" sz="1600" b="0" i="0" u="none" strike="noStrike" cap="none" normalizeH="0" baseline="0" dirty="0" smtClean="0">
@@ -6360,7 +6351,17 @@
                 <a:latin typeface="Arial Unicode MS" panose="020B0604020202020204" pitchFamily="34" charset="-120"/>
                 <a:ea typeface="Droid Sans Mono"/>
               </a:rPr>
-              <a:t> session</a:t>
+              <a:t> </a:t>
+            </a:r>
+            <a:r>
+              <a:rPr lang="zh-TW" altLang="zh-TW" sz="1600" dirty="0">
+                <a:solidFill>
+                  <a:srgbClr val="000000"/>
+                </a:solidFill>
+                <a:latin typeface="Arial Unicode MS" panose="020B0604020202020204" pitchFamily="34" charset="-120"/>
+                <a:ea typeface="Droid Sans Mono"/>
+              </a:rPr>
+              <a:t>entityManager</a:t>
             </a:r>
             <a:r>
               <a:rPr kumimoji="0" lang="zh-TW" altLang="zh-TW" sz="1600" b="0" i="0" u="none" strike="noStrike" cap="none" normalizeH="0" baseline="0" dirty="0" smtClean="0">
@@ -12173,7 +12174,13 @@
       </p:grpSpPr>
       <p:sp>
         <p:nvSpPr>
-          <p:cNvPr id="2" name="標題 1"/>
+          <p:cNvPr id="2" name="標題 1">
+            <a:extLst>
+              <a:ext uri="{FF2B5EF4-FFF2-40B4-BE49-F238E27FC236}">
+                <a16:creationId xmlns:a16="http://schemas.microsoft.com/office/drawing/2014/main" id="{F7B71409-2D06-451E-8322-C5BA8ABC2122}"/>
+              </a:ext>
+            </a:extLst>
+          </p:cNvPr>
           <p:cNvSpPr>
             <a:spLocks noGrp="1"/>
           </p:cNvSpPr>
@@ -12192,7 +12199,13 @@
       </p:sp>
       <p:sp>
         <p:nvSpPr>
-          <p:cNvPr id="3" name="內容版面配置區 2"/>
+          <p:cNvPr id="3" name="內容版面配置區 2">
+            <a:extLst>
+              <a:ext uri="{FF2B5EF4-FFF2-40B4-BE49-F238E27FC236}">
+                <a16:creationId xmlns:a16="http://schemas.microsoft.com/office/drawing/2014/main" id="{D4DFFA74-048D-47F1-AA14-22912B8B2742}"/>
+              </a:ext>
+            </a:extLst>
+          </p:cNvPr>
           <p:cNvSpPr>
             <a:spLocks noGrp="1"/>
           </p:cNvSpPr>
@@ -12200,43 +12213,29 @@
             <p:ph idx="1"/>
           </p:nvPr>
         </p:nvSpPr>
-        <p:spPr>
-          <a:xfrm>
-            <a:off x="838200" y="2077928"/>
-            <a:ext cx="10515600" cy="1663056"/>
-          </a:xfrm>
-        </p:spPr>
+        <p:spPr/>
         <p:txBody>
           <a:bodyPr/>
           <a:lstStyle/>
           <a:p>
             <a:r>
               <a:rPr lang="en-US" altLang="zh-TW" dirty="0"/>
-              <a:t>To avoid the overhead of using </a:t>
-            </a:r>
-            <a:r>
-              <a:rPr lang="en-US" altLang="zh-TW" dirty="0" err="1"/>
-              <a:t>ResultSetMetadata</a:t>
-            </a:r>
+              <a:t>to map the returned values into a entity class</a:t>
+            </a:r>
+          </a:p>
+          <a:p>
+            <a:endParaRPr lang="en-US" altLang="zh-TW" dirty="0"/>
+          </a:p>
+          <a:p>
+            <a:endParaRPr lang="en-US" altLang="zh-TW" dirty="0"/>
+          </a:p>
+          <a:p>
+            <a:endParaRPr lang="en-US" altLang="zh-TW" dirty="0"/>
+          </a:p>
+          <a:p>
             <a:r>
               <a:rPr lang="en-US" altLang="zh-TW" dirty="0"/>
-              <a:t>, </a:t>
-            </a:r>
-            <a:r>
-              <a:rPr lang="en-US" altLang="zh-TW" dirty="0" smtClean="0"/>
-              <a:t>one </a:t>
-            </a:r>
-            <a:r>
-              <a:rPr lang="en-US" altLang="zh-TW" dirty="0"/>
-              <a:t>can use </a:t>
-            </a:r>
-            <a:r>
-              <a:rPr lang="en-US" altLang="zh-TW" dirty="0" err="1"/>
-              <a:t>addScalar</a:t>
-            </a:r>
-            <a:r>
-              <a:rPr lang="en-US" altLang="zh-TW" dirty="0"/>
-              <a:t>():</a:t>
+              <a:t>native query with parameters</a:t>
             </a:r>
             <a:endParaRPr lang="zh-TW" altLang="en-US" dirty="0"/>
           </a:p>
@@ -12244,7 +12243,13 @@
       </p:sp>
       <p:sp>
         <p:nvSpPr>
-          <p:cNvPr id="6" name="Rectangle 3"/>
+          <p:cNvPr id="4" name="Rectangle 4">
+            <a:extLst>
+              <a:ext uri="{FF2B5EF4-FFF2-40B4-BE49-F238E27FC236}">
+                <a16:creationId xmlns:a16="http://schemas.microsoft.com/office/drawing/2014/main" id="{D3300D80-E80B-4EA4-B531-8F05E8927518}"/>
+              </a:ext>
+            </a:extLst>
+          </p:cNvPr>
           <p:cNvSpPr>
             <a:spLocks noChangeArrowheads="1"/>
           </p:cNvSpPr>
@@ -12252,8 +12257,8 @@
         </p:nvSpPr>
         <p:spPr bwMode="auto">
           <a:xfrm>
-            <a:off x="1215736" y="3143339"/>
-            <a:ext cx="7510069" cy="1969770"/>
+            <a:off x="1261314" y="2511042"/>
+            <a:ext cx="5426165" cy="738664"/>
           </a:xfrm>
           <a:prstGeom prst="rect">
             <a:avLst/>
@@ -12352,21 +12357,21 @@
                 <a:latin typeface="Arial Unicode MS" panose="020B0604020202020204" pitchFamily="34" charset="-120"/>
                 <a:ea typeface="Droid Sans Mono"/>
               </a:rPr>
-              <a:t>Object</a:t>
-            </a:r>
-            <a:r>
-              <a:rPr kumimoji="0" lang="zh-TW" altLang="zh-TW" sz="1600" b="0" i="0" u="none" strike="noStrike" cap="none" normalizeH="0" baseline="0" dirty="0">
-                <a:ln>
-                  <a:noFill/>
-                </a:ln>
-                <a:solidFill>
-                  <a:srgbClr val="666600"/>
-                </a:solidFill>
-                <a:effectLst/>
-                <a:latin typeface="Arial Unicode MS" panose="020B0604020202020204" pitchFamily="34" charset="-120"/>
-                <a:ea typeface="Droid Sans Mono"/>
-              </a:rPr>
-              <a:t>[]&gt;</a:t>
+              <a:t>Person</a:t>
+            </a:r>
+            <a:r>
+              <a:rPr kumimoji="0" lang="zh-TW" altLang="zh-TW" sz="1600" b="0" i="0" u="none" strike="noStrike" cap="none" normalizeH="0" baseline="0" dirty="0">
+                <a:ln>
+                  <a:noFill/>
+                </a:ln>
+                <a:solidFill>
+                  <a:srgbClr val="666600"/>
+                </a:solidFill>
+                <a:effectLst/>
+                <a:latin typeface="Arial Unicode MS" panose="020B0604020202020204" pitchFamily="34" charset="-120"/>
+                <a:ea typeface="Droid Sans Mono"/>
+              </a:rPr>
+              <a:t>&gt;</a:t>
             </a:r>
             <a:r>
               <a:rPr kumimoji="0" lang="zh-TW" altLang="zh-TW" sz="1600" b="0" i="0" u="none" strike="noStrike" cap="none" normalizeH="0" baseline="0" dirty="0">
@@ -12408,7 +12413,7 @@
                 <a:latin typeface="Arial Unicode MS" panose="020B0604020202020204" pitchFamily="34" charset="-120"/>
                 <a:ea typeface="Droid Sans Mono"/>
               </a:rPr>
-              <a:t> session</a:t>
+              <a:t> entityManager</a:t>
             </a:r>
             <a:r>
               <a:rPr kumimoji="0" lang="zh-TW" altLang="zh-TW" sz="1600" b="0" i="0" u="none" strike="noStrike" cap="none" normalizeH="0" baseline="0" dirty="0">
@@ -12451,62 +12456,6 @@
                 <a:ea typeface="Droid Sans Mono"/>
               </a:rPr>
               <a:t>(</a:t>
-            </a:r>
-            <a:r>
-              <a:rPr kumimoji="0" lang="zh-TW" altLang="zh-TW" sz="1600" b="0" i="0" u="none" strike="noStrike" cap="none" normalizeH="0" baseline="0" dirty="0">
-                <a:ln>
-                  <a:noFill/>
-                </a:ln>
-                <a:solidFill>
-                  <a:srgbClr val="000000"/>
-                </a:solidFill>
-                <a:effectLst/>
-                <a:latin typeface="Arial Unicode MS" panose="020B0604020202020204" pitchFamily="34" charset="-120"/>
-                <a:ea typeface="Droid Sans Mono"/>
-              </a:rPr>
-              <a:t> </a:t>
-            </a:r>
-            <a:r>
-              <a:rPr kumimoji="0" lang="zh-TW" altLang="zh-TW" sz="1600" b="0" i="0" u="none" strike="noStrike" cap="none" normalizeH="0" baseline="0" dirty="0">
-                <a:ln>
-                  <a:noFill/>
-                </a:ln>
-                <a:solidFill>
-                  <a:srgbClr val="008800"/>
-                </a:solidFill>
-                <a:effectLst/>
-                <a:latin typeface="Arial Unicode MS" panose="020B0604020202020204" pitchFamily="34" charset="-120"/>
-                <a:ea typeface="Droid Sans Mono"/>
-              </a:rPr>
-              <a:t>"SELECT * FROM Person"</a:t>
-            </a:r>
-            <a:r>
-              <a:rPr kumimoji="0" lang="zh-TW" altLang="zh-TW" sz="1600" b="0" i="0" u="none" strike="noStrike" cap="none" normalizeH="0" baseline="0" dirty="0">
-                <a:ln>
-                  <a:noFill/>
-                </a:ln>
-                <a:solidFill>
-                  <a:srgbClr val="000000"/>
-                </a:solidFill>
-                <a:effectLst/>
-                <a:latin typeface="Arial Unicode MS" panose="020B0604020202020204" pitchFamily="34" charset="-120"/>
-                <a:ea typeface="Droid Sans Mono"/>
-              </a:rPr>
-              <a:t> </a:t>
-            </a:r>
-            <a:r>
-              <a:rPr kumimoji="0" lang="zh-TW" altLang="zh-TW" sz="1600" b="0" i="0" u="none" strike="noStrike" cap="none" normalizeH="0" baseline="0" dirty="0">
-                <a:ln>
-                  <a:noFill/>
-                </a:ln>
-                <a:solidFill>
-                  <a:srgbClr val="666600"/>
-                </a:solidFill>
-                <a:effectLst/>
-                <a:latin typeface="Arial Unicode MS" panose="020B0604020202020204" pitchFamily="34" charset="-120"/>
-                <a:ea typeface="Droid Sans Mono"/>
-              </a:rPr>
-              <a:t>)</a:t>
             </a:r>
             <a:r>
               <a:rPr kumimoji="0" lang="zh-TW" altLang="zh-TW" sz="1600" b="0" i="0" u="none" strike="noStrike" cap="none" normalizeH="0" baseline="0" dirty="0">
@@ -12552,18 +12501,70 @@
               <a:tabLst/>
             </a:pPr>
             <a:r>
-              <a:rPr kumimoji="0" lang="zh-TW" altLang="en-US" sz="1600" b="0" i="0" u="none" strike="noStrike" cap="none" normalizeH="0" baseline="0" dirty="0">
-                <a:ln>
-                  <a:noFill/>
-                </a:ln>
-                <a:solidFill>
-                  <a:srgbClr val="666600"/>
-                </a:solidFill>
-                <a:effectLst/>
-                <a:latin typeface="Arial Unicode MS" panose="020B0604020202020204" pitchFamily="34" charset="-120"/>
-                <a:ea typeface="Droid Sans Mono"/>
-              </a:rPr>
-              <a:t>               </a:t>
+              <a:rPr lang="en-US" altLang="zh-TW" sz="1600" dirty="0">
+                <a:solidFill>
+                  <a:srgbClr val="000000"/>
+                </a:solidFill>
+                <a:latin typeface="Arial Unicode MS" panose="020B0604020202020204" pitchFamily="34" charset="-120"/>
+                <a:ea typeface="Droid Sans Mono"/>
+              </a:rPr>
+              <a:t>              </a:t>
+            </a:r>
+            <a:r>
+              <a:rPr kumimoji="0" lang="zh-TW" altLang="zh-TW" sz="1600" b="0" i="0" u="none" strike="noStrike" cap="none" normalizeH="0" baseline="0" dirty="0">
+                <a:ln>
+                  <a:noFill/>
+                </a:ln>
+                <a:solidFill>
+                  <a:srgbClr val="008800"/>
+                </a:solidFill>
+                <a:effectLst/>
+                <a:latin typeface="Arial Unicode MS" panose="020B0604020202020204" pitchFamily="34" charset="-120"/>
+                <a:ea typeface="Droid Sans Mono"/>
+              </a:rPr>
+              <a:t>"SELECT * FROM Person"</a:t>
+            </a:r>
+            <a:r>
+              <a:rPr kumimoji="0" lang="zh-TW" altLang="zh-TW" sz="1600" b="0" i="0" u="none" strike="noStrike" cap="none" normalizeH="0" baseline="0" dirty="0">
+                <a:ln>
+                  <a:noFill/>
+                </a:ln>
+                <a:solidFill>
+                  <a:srgbClr val="666600"/>
+                </a:solidFill>
+                <a:effectLst/>
+                <a:latin typeface="Arial Unicode MS" panose="020B0604020202020204" pitchFamily="34" charset="-120"/>
+                <a:ea typeface="Droid Sans Mono"/>
+              </a:rPr>
+              <a:t>,</a:t>
+            </a:r>
+            <a:r>
+              <a:rPr kumimoji="0" lang="zh-TW" altLang="zh-TW" sz="1600" b="0" i="0" u="none" strike="noStrike" cap="none" normalizeH="0" baseline="0" dirty="0">
+                <a:ln>
+                  <a:noFill/>
+                </a:ln>
+                <a:solidFill>
+                  <a:srgbClr val="000000"/>
+                </a:solidFill>
+                <a:effectLst/>
+                <a:latin typeface="Arial Unicode MS" panose="020B0604020202020204" pitchFamily="34" charset="-120"/>
+                <a:ea typeface="Droid Sans Mono"/>
+              </a:rPr>
+              <a:t> </a:t>
+            </a:r>
+            <a:r>
+              <a:rPr kumimoji="0" lang="zh-TW" altLang="zh-TW" sz="1600" b="0" i="0" u="none" strike="noStrike" cap="none" normalizeH="0" baseline="0" dirty="0">
+                <a:ln>
+                  <a:noFill/>
+                </a:ln>
+                <a:solidFill>
+                  <a:srgbClr val="660066"/>
+                </a:solidFill>
+                <a:effectLst/>
+                <a:latin typeface="Arial Unicode MS" panose="020B0604020202020204" pitchFamily="34" charset="-120"/>
+                <a:ea typeface="Droid Sans Mono"/>
+              </a:rPr>
+              <a:t>Person</a:t>
             </a:r>
             <a:r>
               <a:rPr kumimoji="0" lang="zh-TW" altLang="zh-TW" sz="1600" b="0" i="0" u="none" strike="noStrike" cap="none" normalizeH="0" baseline="0" dirty="0">
@@ -12585,27 +12586,13 @@
                   <a:noFill/>
                 </a:ln>
                 <a:solidFill>
-                  <a:srgbClr val="000000"/>
-                </a:solidFill>
-                <a:effectLst/>
-                <a:latin typeface="Arial Unicode MS" panose="020B0604020202020204" pitchFamily="34" charset="-120"/>
-                <a:ea typeface="Droid Sans Mono"/>
-              </a:rPr>
-              <a:t>addScalar</a:t>
-            </a:r>
-            <a:r>
-              <a:rPr kumimoji="0" lang="zh-TW" altLang="zh-TW" sz="1600" b="0" i="0" u="none" strike="noStrike" cap="none" normalizeH="0" baseline="0" dirty="0">
-                <a:ln>
-                  <a:noFill/>
-                </a:ln>
-                <a:solidFill>
-                  <a:srgbClr val="666600"/>
-                </a:solidFill>
-                <a:effectLst/>
-                <a:latin typeface="Arial Unicode MS" panose="020B0604020202020204" pitchFamily="34" charset="-120"/>
-                <a:ea typeface="Droid Sans Mono"/>
-              </a:rPr>
-              <a:t>(</a:t>
+                  <a:srgbClr val="000088"/>
+                </a:solidFill>
+                <a:effectLst/>
+                <a:latin typeface="Arial Unicode MS" panose="020B0604020202020204" pitchFamily="34" charset="-120"/>
+                <a:ea typeface="Droid Sans Mono"/>
+              </a:rPr>
+              <a:t>class</a:t>
             </a:r>
             <a:r>
               <a:rPr kumimoji="0" lang="zh-TW" altLang="zh-TW" sz="1600" b="0" i="0" u="none" strike="noStrike" cap="none" normalizeH="0" baseline="0" dirty="0">
@@ -12627,90 +12614,6 @@
                   <a:noFill/>
                 </a:ln>
                 <a:solidFill>
-                  <a:srgbClr val="008800"/>
-                </a:solidFill>
-                <a:effectLst/>
-                <a:latin typeface="Arial Unicode MS" panose="020B0604020202020204" pitchFamily="34" charset="-120"/>
-                <a:ea typeface="Droid Sans Mono"/>
-              </a:rPr>
-              <a:t>"id"</a:t>
-            </a:r>
-            <a:r>
-              <a:rPr kumimoji="0" lang="zh-TW" altLang="zh-TW" sz="1600" b="0" i="0" u="none" strike="noStrike" cap="none" normalizeH="0" baseline="0" dirty="0">
-                <a:ln>
-                  <a:noFill/>
-                </a:ln>
-                <a:solidFill>
-                  <a:srgbClr val="666600"/>
-                </a:solidFill>
-                <a:effectLst/>
-                <a:latin typeface="Arial Unicode MS" panose="020B0604020202020204" pitchFamily="34" charset="-120"/>
-                <a:ea typeface="Droid Sans Mono"/>
-              </a:rPr>
-              <a:t>,</a:t>
-            </a:r>
-            <a:r>
-              <a:rPr kumimoji="0" lang="zh-TW" altLang="zh-TW" sz="1600" b="0" i="0" u="none" strike="noStrike" cap="none" normalizeH="0" baseline="0" dirty="0">
-                <a:ln>
-                  <a:noFill/>
-                </a:ln>
-                <a:solidFill>
-                  <a:srgbClr val="000000"/>
-                </a:solidFill>
-                <a:effectLst/>
-                <a:latin typeface="Arial Unicode MS" panose="020B0604020202020204" pitchFamily="34" charset="-120"/>
-                <a:ea typeface="Droid Sans Mono"/>
-              </a:rPr>
-              <a:t> </a:t>
-            </a:r>
-            <a:r>
-              <a:rPr kumimoji="0" lang="zh-TW" altLang="zh-TW" sz="1600" b="0" i="0" u="none" strike="noStrike" cap="none" normalizeH="0" baseline="0" dirty="0">
-                <a:ln>
-                  <a:noFill/>
-                </a:ln>
-                <a:solidFill>
-                  <a:srgbClr val="660066"/>
-                </a:solidFill>
-                <a:effectLst/>
-                <a:latin typeface="Arial Unicode MS" panose="020B0604020202020204" pitchFamily="34" charset="-120"/>
-                <a:ea typeface="Droid Sans Mono"/>
-              </a:rPr>
-              <a:t>LongType</a:t>
-            </a:r>
-            <a:r>
-              <a:rPr kumimoji="0" lang="zh-TW" altLang="zh-TW" sz="1600" b="0" i="0" u="none" strike="noStrike" cap="none" normalizeH="0" baseline="0" dirty="0">
-                <a:ln>
-                  <a:noFill/>
-                </a:ln>
-                <a:solidFill>
-                  <a:srgbClr val="666600"/>
-                </a:solidFill>
-                <a:effectLst/>
-                <a:latin typeface="Arial Unicode MS" panose="020B0604020202020204" pitchFamily="34" charset="-120"/>
-                <a:ea typeface="Droid Sans Mono"/>
-              </a:rPr>
-              <a:t>.</a:t>
-            </a:r>
-            <a:r>
-              <a:rPr kumimoji="0" lang="zh-TW" altLang="zh-TW" sz="1600" b="0" i="0" u="none" strike="noStrike" cap="none" normalizeH="0" baseline="0" dirty="0">
-                <a:ln>
-                  <a:noFill/>
-                </a:ln>
-                <a:solidFill>
-                  <a:srgbClr val="000000"/>
-                </a:solidFill>
-                <a:effectLst/>
-                <a:latin typeface="Arial Unicode MS" panose="020B0604020202020204" pitchFamily="34" charset="-120"/>
-                <a:ea typeface="Droid Sans Mono"/>
-              </a:rPr>
-              <a:t>INSTANCE </a:t>
-            </a:r>
-            <a:r>
-              <a:rPr kumimoji="0" lang="zh-TW" altLang="zh-TW" sz="1600" b="0" i="0" u="none" strike="noStrike" cap="none" normalizeH="0" baseline="0" dirty="0">
-                <a:ln>
-                  <a:noFill/>
-                </a:ln>
-                <a:solidFill>
                   <a:srgbClr val="666600"/>
                 </a:solidFill>
                 <a:effectLst/>
@@ -12718,27 +12621,13 @@
                 <a:ea typeface="Droid Sans Mono"/>
               </a:rPr>
               <a:t>)</a:t>
-            </a:r>
-            <a:r>
-              <a:rPr kumimoji="0" lang="zh-TW" altLang="zh-TW" sz="1600" b="0" i="0" u="none" strike="noStrike" cap="none" normalizeH="0" baseline="0" dirty="0">
-                <a:ln>
-                  <a:noFill/>
-                </a:ln>
-                <a:solidFill>
-                  <a:srgbClr val="000000"/>
-                </a:solidFill>
-                <a:effectLst/>
-                <a:latin typeface="Arial Unicode MS" panose="020B0604020202020204" pitchFamily="34" charset="-120"/>
-                <a:ea typeface="Droid Sans Mono"/>
-              </a:rPr>
-              <a:t> </a:t>
             </a:r>
             <a:endParaRPr kumimoji="0" lang="en-US" altLang="zh-TW" sz="1600" b="0" i="0" u="none" strike="noStrike" cap="none" normalizeH="0" baseline="0" dirty="0">
               <a:ln>
                 <a:noFill/>
               </a:ln>
               <a:solidFill>
-                <a:srgbClr val="000000"/>
+                <a:srgbClr val="666600"/>
               </a:solidFill>
               <a:effectLst/>
               <a:latin typeface="Arial Unicode MS" panose="020B0604020202020204" pitchFamily="34" charset="-120"/>
@@ -12763,18 +12652,32 @@
               <a:tabLst/>
             </a:pPr>
             <a:r>
-              <a:rPr kumimoji="0" lang="zh-TW" altLang="en-US" sz="1600" b="0" i="0" u="none" strike="noStrike" cap="none" normalizeH="0" baseline="0" dirty="0">
-                <a:ln>
-                  <a:noFill/>
-                </a:ln>
-                <a:solidFill>
-                  <a:srgbClr val="666600"/>
-                </a:solidFill>
-                <a:effectLst/>
-                <a:latin typeface="Arial Unicode MS" panose="020B0604020202020204" pitchFamily="34" charset="-120"/>
-                <a:ea typeface="Droid Sans Mono"/>
-              </a:rPr>
-              <a:t>                </a:t>
+              <a:rPr kumimoji="0" lang="en-US" altLang="zh-TW" sz="1600" b="0" i="0" u="none" strike="noStrike" cap="none" normalizeH="0" baseline="0" dirty="0">
+                <a:ln>
+                  <a:noFill/>
+                </a:ln>
+                <a:solidFill>
+                  <a:srgbClr val="000000"/>
+                </a:solidFill>
+                <a:effectLst/>
+                <a:latin typeface="Arial Unicode MS" panose="020B0604020202020204" pitchFamily="34" charset="-120"/>
+                <a:ea typeface="Droid Sans Mono"/>
+              </a:rPr>
+              <a:t>             </a:t>
+            </a:r>
+            <a:r>
+              <a:rPr kumimoji="0" lang="zh-TW" altLang="zh-TW" sz="1600" b="0" i="0" u="none" strike="noStrike" cap="none" normalizeH="0" baseline="0" dirty="0">
+                <a:ln>
+                  <a:noFill/>
+                </a:ln>
+                <a:solidFill>
+                  <a:srgbClr val="000000"/>
+                </a:solidFill>
+                <a:effectLst/>
+                <a:latin typeface="Arial Unicode MS" panose="020B0604020202020204" pitchFamily="34" charset="-120"/>
+                <a:ea typeface="Droid Sans Mono"/>
+              </a:rPr>
+              <a:t> </a:t>
             </a:r>
             <a:r>
               <a:rPr kumimoji="0" lang="zh-TW" altLang="zh-TW" sz="1600" b="0" i="0" u="none" strike="noStrike" cap="none" normalizeH="0" baseline="0" dirty="0">
@@ -12802,7 +12705,250 @@
                 <a:latin typeface="Arial Unicode MS" panose="020B0604020202020204" pitchFamily="34" charset="-120"/>
                 <a:ea typeface="Droid Sans Mono"/>
               </a:rPr>
-              <a:t>addScalar</a:t>
+              <a:t>getResultList</a:t>
+            </a:r>
+            <a:r>
+              <a:rPr kumimoji="0" lang="zh-TW" altLang="zh-TW" sz="1600" b="0" i="0" u="none" strike="noStrike" cap="none" normalizeH="0" baseline="0" dirty="0">
+                <a:ln>
+                  <a:noFill/>
+                </a:ln>
+                <a:solidFill>
+                  <a:srgbClr val="666600"/>
+                </a:solidFill>
+                <a:effectLst/>
+                <a:latin typeface="Arial Unicode MS" panose="020B0604020202020204" pitchFamily="34" charset="-120"/>
+                <a:ea typeface="Droid Sans Mono"/>
+              </a:rPr>
+              <a:t>();</a:t>
+            </a:r>
+            <a:r>
+              <a:rPr kumimoji="0" lang="zh-TW" altLang="zh-TW" sz="1600" b="0" i="0" u="none" strike="noStrike" cap="none" normalizeH="0" baseline="0" dirty="0">
+                <a:ln>
+                  <a:noFill/>
+                </a:ln>
+                <a:solidFill>
+                  <a:schemeClr val="tx1"/>
+                </a:solidFill>
+                <a:effectLst/>
+              </a:rPr>
+              <a:t> </a:t>
+            </a:r>
+            <a:endParaRPr kumimoji="0" lang="zh-TW" altLang="zh-TW" sz="1600" b="0" i="0" u="none" strike="noStrike" cap="none" normalizeH="0" baseline="0" dirty="0">
+              <a:ln>
+                <a:noFill/>
+              </a:ln>
+              <a:solidFill>
+                <a:schemeClr val="tx1"/>
+              </a:solidFill>
+              <a:effectLst/>
+              <a:latin typeface="Arial" panose="020B0604020202020204" pitchFamily="34" charset="0"/>
+            </a:endParaRPr>
+          </a:p>
+        </p:txBody>
+      </p:sp>
+      <p:sp>
+        <p:nvSpPr>
+          <p:cNvPr id="5" name="Rectangle 1">
+            <a:extLst>
+              <a:ext uri="{FF2B5EF4-FFF2-40B4-BE49-F238E27FC236}">
+                <a16:creationId xmlns:a16="http://schemas.microsoft.com/office/drawing/2014/main" id="{8412BDF4-9171-48C2-AB4D-901C7BAC301F}"/>
+              </a:ext>
+            </a:extLst>
+          </p:cNvPr>
+          <p:cNvSpPr>
+            <a:spLocks noChangeArrowheads="1"/>
+          </p:cNvSpPr>
+          <p:nvPr/>
+        </p:nvSpPr>
+        <p:spPr bwMode="auto">
+          <a:xfrm>
+            <a:off x="1261314" y="4451887"/>
+            <a:ext cx="5762796" cy="1231106"/>
+          </a:xfrm>
+          <a:prstGeom prst="rect">
+            <a:avLst/>
+          </a:prstGeom>
+          <a:solidFill>
+            <a:srgbClr val="F7F7F8"/>
+          </a:solidFill>
+          <a:ln>
+            <a:noFill/>
+          </a:ln>
+          <a:effectLst/>
+          <a:extLst>
+            <a:ext uri="{91240B29-F687-4F45-9708-019B960494DF}">
+              <a14:hiddenLine xmlns:a14="http://schemas.microsoft.com/office/drawing/2010/main" w="9525">
+                <a:solidFill>
+                  <a:schemeClr val="tx1"/>
+                </a:solidFill>
+                <a:miter lim="800000"/>
+                <a:headEnd/>
+                <a:tailEnd/>
+              </a14:hiddenLine>
+            </a:ext>
+            <a:ext uri="{AF507438-7753-43E0-B8FC-AC1667EBCBE1}">
+              <a14:hiddenEffects xmlns:a14="http://schemas.microsoft.com/office/drawing/2010/main">
+                <a:effectLst>
+                  <a:outerShdw dist="35921" dir="2700000" algn="ctr" rotWithShape="0">
+                    <a:schemeClr val="bg2"/>
+                  </a:outerShdw>
+                </a:effectLst>
+              </a14:hiddenEffects>
+            </a:ext>
+          </a:extLst>
+        </p:spPr>
+        <p:txBody>
+          <a:bodyPr vert="horz" wrap="none" lIns="0" tIns="0" rIns="0" bIns="0" numCol="1" anchor="ctr" anchorCtr="0" compatLnSpc="1">
+            <a:prstTxWarp prst="textNoShape">
+              <a:avLst/>
+            </a:prstTxWarp>
+            <a:spAutoFit/>
+          </a:bodyPr>
+          <a:lstStyle/>
+          <a:p>
+            <a:pPr lvl="0" eaLnBrk="0" fontAlgn="base" hangingPunct="0">
+              <a:spcBef>
+                <a:spcPct val="0"/>
+              </a:spcBef>
+              <a:spcAft>
+                <a:spcPct val="0"/>
+              </a:spcAft>
+            </a:pPr>
+            <a:r>
+              <a:rPr kumimoji="0" lang="zh-TW" altLang="zh-TW" sz="1600" b="0" i="0" u="none" strike="noStrike" cap="none" normalizeH="0" baseline="0" dirty="0">
+                <a:ln>
+                  <a:noFill/>
+                </a:ln>
+                <a:solidFill>
+                  <a:srgbClr val="660066"/>
+                </a:solidFill>
+                <a:effectLst/>
+                <a:latin typeface="Arial Unicode MS" panose="020B0604020202020204" pitchFamily="34" charset="-120"/>
+                <a:ea typeface="Droid Sans Mono"/>
+              </a:rPr>
+              <a:t>List</a:t>
+            </a:r>
+            <a:r>
+              <a:rPr kumimoji="0" lang="zh-TW" altLang="zh-TW" sz="1600" b="0" i="0" u="none" strike="noStrike" cap="none" normalizeH="0" baseline="0" dirty="0">
+                <a:ln>
+                  <a:noFill/>
+                </a:ln>
+                <a:solidFill>
+                  <a:srgbClr val="666600"/>
+                </a:solidFill>
+                <a:effectLst/>
+                <a:latin typeface="Arial Unicode MS" panose="020B0604020202020204" pitchFamily="34" charset="-120"/>
+                <a:ea typeface="Droid Sans Mono"/>
+              </a:rPr>
+              <a:t>&lt;</a:t>
+            </a:r>
+            <a:r>
+              <a:rPr kumimoji="0" lang="zh-TW" altLang="zh-TW" sz="1600" b="0" i="0" u="none" strike="noStrike" cap="none" normalizeH="0" baseline="0" dirty="0">
+                <a:ln>
+                  <a:noFill/>
+                </a:ln>
+                <a:solidFill>
+                  <a:srgbClr val="660066"/>
+                </a:solidFill>
+                <a:effectLst/>
+                <a:latin typeface="Arial Unicode MS" panose="020B0604020202020204" pitchFamily="34" charset="-120"/>
+                <a:ea typeface="Droid Sans Mono"/>
+              </a:rPr>
+              <a:t>Person</a:t>
+            </a:r>
+            <a:r>
+              <a:rPr kumimoji="0" lang="zh-TW" altLang="zh-TW" sz="1600" b="0" i="0" u="none" strike="noStrike" cap="none" normalizeH="0" baseline="0" dirty="0">
+                <a:ln>
+                  <a:noFill/>
+                </a:ln>
+                <a:solidFill>
+                  <a:srgbClr val="666600"/>
+                </a:solidFill>
+                <a:effectLst/>
+                <a:latin typeface="Arial Unicode MS" panose="020B0604020202020204" pitchFamily="34" charset="-120"/>
+                <a:ea typeface="Droid Sans Mono"/>
+              </a:rPr>
+              <a:t>&gt;</a:t>
+            </a:r>
+            <a:r>
+              <a:rPr kumimoji="0" lang="zh-TW" altLang="zh-TW" sz="1600" b="0" i="0" u="none" strike="noStrike" cap="none" normalizeH="0" baseline="0" dirty="0">
+                <a:ln>
+                  <a:noFill/>
+                </a:ln>
+                <a:solidFill>
+                  <a:srgbClr val="000000"/>
+                </a:solidFill>
+                <a:effectLst/>
+                <a:latin typeface="Arial Unicode MS" panose="020B0604020202020204" pitchFamily="34" charset="-120"/>
+                <a:ea typeface="Droid Sans Mono"/>
+              </a:rPr>
+              <a:t> persons </a:t>
+            </a:r>
+            <a:r>
+              <a:rPr kumimoji="0" lang="zh-TW" altLang="zh-TW" sz="1600" b="0" i="0" u="none" strike="noStrike" cap="none" normalizeH="0" baseline="0" dirty="0">
+                <a:ln>
+                  <a:noFill/>
+                </a:ln>
+                <a:solidFill>
+                  <a:srgbClr val="666600"/>
+                </a:solidFill>
+                <a:effectLst/>
+                <a:latin typeface="Arial Unicode MS" panose="020B0604020202020204" pitchFamily="34" charset="-120"/>
+                <a:ea typeface="Droid Sans Mono"/>
+              </a:rPr>
+              <a:t>=</a:t>
+            </a:r>
+            <a:r>
+              <a:rPr kumimoji="0" lang="zh-TW" altLang="zh-TW" sz="1600" b="0" i="0" u="none" strike="noStrike" cap="none" normalizeH="0" baseline="0" dirty="0">
+                <a:ln>
+                  <a:noFill/>
+                </a:ln>
+                <a:solidFill>
+                  <a:srgbClr val="000000"/>
+                </a:solidFill>
+                <a:effectLst/>
+                <a:latin typeface="Arial Unicode MS" panose="020B0604020202020204" pitchFamily="34" charset="-120"/>
+                <a:ea typeface="Droid Sans Mono"/>
+              </a:rPr>
+              <a:t> </a:t>
+            </a:r>
+            <a:r>
+              <a:rPr lang="zh-TW" altLang="zh-TW" sz="1600" dirty="0">
+                <a:solidFill>
+                  <a:srgbClr val="000000"/>
+                </a:solidFill>
+                <a:latin typeface="Arial Unicode MS" panose="020B0604020202020204" pitchFamily="34" charset="-120"/>
+                <a:ea typeface="Droid Sans Mono"/>
+              </a:rPr>
+              <a:t>entityManager</a:t>
+            </a:r>
+            <a:r>
+              <a:rPr kumimoji="0" lang="zh-TW" altLang="zh-TW" sz="1600" b="0" i="0" u="none" strike="noStrike" cap="none" normalizeH="0" baseline="0" dirty="0" smtClean="0">
+                <a:ln>
+                  <a:noFill/>
+                </a:ln>
+                <a:solidFill>
+                  <a:srgbClr val="666600"/>
+                </a:solidFill>
+                <a:effectLst/>
+                <a:latin typeface="Arial Unicode MS" panose="020B0604020202020204" pitchFamily="34" charset="-120"/>
+                <a:ea typeface="Droid Sans Mono"/>
+              </a:rPr>
+              <a:t>.</a:t>
+            </a:r>
+            <a:r>
+              <a:rPr kumimoji="0" lang="zh-TW" altLang="zh-TW" sz="1600" b="0" i="0" u="none" strike="noStrike" cap="none" normalizeH="0" baseline="0" dirty="0" smtClean="0">
+                <a:ln>
+                  <a:noFill/>
+                </a:ln>
+                <a:solidFill>
+                  <a:srgbClr val="000000"/>
+                </a:solidFill>
+                <a:effectLst/>
+                <a:latin typeface="Arial Unicode MS" panose="020B0604020202020204" pitchFamily="34" charset="-120"/>
+                <a:ea typeface="Droid Sans Mono"/>
+              </a:rPr>
+              <a:t>createNativeQuery</a:t>
             </a:r>
             <a:r>
               <a:rPr kumimoji="0" lang="zh-TW" altLang="zh-TW" sz="1600" b="0" i="0" u="none" strike="noStrike" cap="none" normalizeH="0" baseline="0" dirty="0">
@@ -12817,118 +12963,6 @@
                 <a:ea typeface="Droid Sans Mono"/>
               </a:rPr>
               <a:t>(</a:t>
-            </a:r>
-            <a:r>
-              <a:rPr kumimoji="0" lang="zh-TW" altLang="zh-TW" sz="1600" b="0" i="0" u="none" strike="noStrike" cap="none" normalizeH="0" baseline="0" dirty="0">
-                <a:ln>
-                  <a:noFill/>
-                </a:ln>
-                <a:solidFill>
-                  <a:srgbClr val="000000"/>
-                </a:solidFill>
-                <a:effectLst/>
-                <a:latin typeface="Arial Unicode MS" panose="020B0604020202020204" pitchFamily="34" charset="-120"/>
-                <a:ea typeface="Droid Sans Mono"/>
-              </a:rPr>
-              <a:t> </a:t>
-            </a:r>
-            <a:r>
-              <a:rPr kumimoji="0" lang="zh-TW" altLang="zh-TW" sz="1600" b="0" i="0" u="none" strike="noStrike" cap="none" normalizeH="0" baseline="0" dirty="0">
-                <a:ln>
-                  <a:noFill/>
-                </a:ln>
-                <a:solidFill>
-                  <a:srgbClr val="008800"/>
-                </a:solidFill>
-                <a:effectLst/>
-                <a:latin typeface="Arial Unicode MS" panose="020B0604020202020204" pitchFamily="34" charset="-120"/>
-                <a:ea typeface="Droid Sans Mono"/>
-              </a:rPr>
-              <a:t>"name"</a:t>
-            </a:r>
-            <a:r>
-              <a:rPr kumimoji="0" lang="zh-TW" altLang="zh-TW" sz="1600" b="0" i="0" u="none" strike="noStrike" cap="none" normalizeH="0" baseline="0" dirty="0">
-                <a:ln>
-                  <a:noFill/>
-                </a:ln>
-                <a:solidFill>
-                  <a:srgbClr val="666600"/>
-                </a:solidFill>
-                <a:effectLst/>
-                <a:latin typeface="Arial Unicode MS" panose="020B0604020202020204" pitchFamily="34" charset="-120"/>
-                <a:ea typeface="Droid Sans Mono"/>
-              </a:rPr>
-              <a:t>,</a:t>
-            </a:r>
-            <a:r>
-              <a:rPr kumimoji="0" lang="zh-TW" altLang="zh-TW" sz="1600" b="0" i="0" u="none" strike="noStrike" cap="none" normalizeH="0" baseline="0" dirty="0">
-                <a:ln>
-                  <a:noFill/>
-                </a:ln>
-                <a:solidFill>
-                  <a:srgbClr val="000000"/>
-                </a:solidFill>
-                <a:effectLst/>
-                <a:latin typeface="Arial Unicode MS" panose="020B0604020202020204" pitchFamily="34" charset="-120"/>
-                <a:ea typeface="Droid Sans Mono"/>
-              </a:rPr>
-              <a:t> </a:t>
-            </a:r>
-            <a:r>
-              <a:rPr kumimoji="0" lang="zh-TW" altLang="zh-TW" sz="1600" b="0" i="0" u="none" strike="noStrike" cap="none" normalizeH="0" baseline="0" dirty="0">
-                <a:ln>
-                  <a:noFill/>
-                </a:ln>
-                <a:solidFill>
-                  <a:srgbClr val="660066"/>
-                </a:solidFill>
-                <a:effectLst/>
-                <a:latin typeface="Arial Unicode MS" panose="020B0604020202020204" pitchFamily="34" charset="-120"/>
-                <a:ea typeface="Droid Sans Mono"/>
-              </a:rPr>
-              <a:t>StringType</a:t>
-            </a:r>
-            <a:r>
-              <a:rPr kumimoji="0" lang="zh-TW" altLang="zh-TW" sz="1600" b="0" i="0" u="none" strike="noStrike" cap="none" normalizeH="0" baseline="0" dirty="0">
-                <a:ln>
-                  <a:noFill/>
-                </a:ln>
-                <a:solidFill>
-                  <a:srgbClr val="666600"/>
-                </a:solidFill>
-                <a:effectLst/>
-                <a:latin typeface="Arial Unicode MS" panose="020B0604020202020204" pitchFamily="34" charset="-120"/>
-                <a:ea typeface="Droid Sans Mono"/>
-              </a:rPr>
-              <a:t>.</a:t>
-            </a:r>
-            <a:r>
-              <a:rPr kumimoji="0" lang="zh-TW" altLang="zh-TW" sz="1600" b="0" i="0" u="none" strike="noStrike" cap="none" normalizeH="0" baseline="0" dirty="0">
-                <a:ln>
-                  <a:noFill/>
-                </a:ln>
-                <a:solidFill>
-                  <a:srgbClr val="000000"/>
-                </a:solidFill>
-                <a:effectLst/>
-                <a:latin typeface="Arial Unicode MS" panose="020B0604020202020204" pitchFamily="34" charset="-120"/>
-                <a:ea typeface="Droid Sans Mono"/>
-              </a:rPr>
-              <a:t>INSTANCE </a:t>
-            </a:r>
-            <a:r>
-              <a:rPr kumimoji="0" lang="zh-TW" altLang="zh-TW" sz="1600" b="0" i="0" u="none" strike="noStrike" cap="none" normalizeH="0" baseline="0" dirty="0">
-                <a:ln>
-                  <a:noFill/>
-                </a:ln>
-                <a:solidFill>
-                  <a:srgbClr val="666600"/>
-                </a:solidFill>
-                <a:effectLst/>
-                <a:latin typeface="Arial Unicode MS" panose="020B0604020202020204" pitchFamily="34" charset="-120"/>
-                <a:ea typeface="Droid Sans Mono"/>
-              </a:rPr>
-              <a:t>)</a:t>
             </a:r>
             <a:r>
               <a:rPr kumimoji="0" lang="zh-TW" altLang="zh-TW" sz="1600" b="0" i="0" u="none" strike="noStrike" cap="none" normalizeH="0" baseline="0" dirty="0">
@@ -12974,60 +13008,28 @@
               <a:tabLst/>
             </a:pPr>
             <a:r>
-              <a:rPr kumimoji="0" lang="zh-TW" altLang="en-US" sz="1600" b="0" i="0" u="none" strike="noStrike" cap="none" normalizeH="0" baseline="0" dirty="0">
-                <a:ln>
-                  <a:noFill/>
-                </a:ln>
-                <a:solidFill>
-                  <a:srgbClr val="666600"/>
-                </a:solidFill>
-                <a:effectLst/>
-                <a:latin typeface="Arial Unicode MS" panose="020B0604020202020204" pitchFamily="34" charset="-120"/>
-                <a:ea typeface="Droid Sans Mono"/>
-              </a:rPr>
-              <a:t>                </a:t>
-            </a:r>
-            <a:r>
-              <a:rPr kumimoji="0" lang="zh-TW" altLang="zh-TW" sz="1600" b="0" i="0" u="none" strike="noStrike" cap="none" normalizeH="0" baseline="0" dirty="0">
-                <a:ln>
-                  <a:noFill/>
-                </a:ln>
-                <a:solidFill>
-                  <a:srgbClr val="666600"/>
-                </a:solidFill>
-                <a:effectLst/>
-                <a:latin typeface="Arial Unicode MS" panose="020B0604020202020204" pitchFamily="34" charset="-120"/>
-                <a:ea typeface="Droid Sans Mono"/>
-              </a:rPr>
-              <a:t>.</a:t>
-            </a:r>
-            <a:r>
-              <a:rPr kumimoji="0" lang="zh-TW" altLang="zh-TW" sz="1600" b="0" i="0" u="none" strike="noStrike" cap="none" normalizeH="0" baseline="0" dirty="0">
-                <a:ln>
-                  <a:noFill/>
-                </a:ln>
-                <a:solidFill>
-                  <a:srgbClr val="000000"/>
-                </a:solidFill>
-                <a:effectLst/>
-                <a:latin typeface="Arial Unicode MS" panose="020B0604020202020204" pitchFamily="34" charset="-120"/>
-                <a:ea typeface="Droid Sans Mono"/>
-              </a:rPr>
-              <a:t>list</a:t>
-            </a:r>
-            <a:r>
-              <a:rPr kumimoji="0" lang="zh-TW" altLang="zh-TW" sz="1600" b="0" i="0" u="none" strike="noStrike" cap="none" normalizeH="0" baseline="0" dirty="0">
-                <a:ln>
-                  <a:noFill/>
-                </a:ln>
-                <a:solidFill>
-                  <a:srgbClr val="666600"/>
-                </a:solidFill>
-                <a:effectLst/>
-                <a:latin typeface="Arial Unicode MS" panose="020B0604020202020204" pitchFamily="34" charset="-120"/>
-                <a:ea typeface="Droid Sans Mono"/>
-              </a:rPr>
-              <a:t>();</a:t>
+              <a:rPr lang="en-US" altLang="zh-TW" sz="1600" dirty="0">
+                <a:solidFill>
+                  <a:srgbClr val="000000"/>
+                </a:solidFill>
+                <a:latin typeface="Arial Unicode MS" panose="020B0604020202020204" pitchFamily="34" charset="-120"/>
+                <a:ea typeface="Droid Sans Mono"/>
+              </a:rPr>
+              <a:t>              </a:t>
+            </a:r>
+            <a:r>
+              <a:rPr kumimoji="0" lang="zh-TW" altLang="zh-TW" sz="1600" b="0" i="0" u="none" strike="noStrike" cap="none" normalizeH="0" baseline="0" dirty="0">
+                <a:ln>
+                  <a:noFill/>
+                </a:ln>
+                <a:solidFill>
+                  <a:srgbClr val="008800"/>
+                </a:solidFill>
+                <a:effectLst/>
+                <a:latin typeface="Arial Unicode MS" panose="020B0604020202020204" pitchFamily="34" charset="-120"/>
+                <a:ea typeface="Droid Sans Mono"/>
+              </a:rPr>
+              <a:t>"SELECT * FROM Person WHERE name like :name"</a:t>
             </a:r>
             <a:r>
               <a:rPr kumimoji="0" lang="zh-TW" altLang="zh-TW" sz="1600" b="0" i="0" u="none" strike="noStrike" cap="none" normalizeH="0" baseline="0" dirty="0">
@@ -13048,7 +13050,7 @@
                 <a:noFill/>
               </a:ln>
               <a:solidFill>
-                <a:srgbClr val="000000"/>
+                <a:srgbClr val="666600"/>
               </a:solidFill>
               <a:effectLst/>
               <a:latin typeface="Arial Unicode MS" panose="020B0604020202020204" pitchFamily="34" charset="-120"/>
@@ -13073,6 +13075,86 @@
               <a:tabLst/>
             </a:pPr>
             <a:r>
+              <a:rPr kumimoji="0" lang="en-US" altLang="zh-TW" sz="1600" b="0" i="0" u="none" strike="noStrike" cap="none" normalizeH="0" baseline="0" dirty="0">
+                <a:ln>
+                  <a:noFill/>
+                </a:ln>
+                <a:solidFill>
+                  <a:srgbClr val="000000"/>
+                </a:solidFill>
+                <a:effectLst/>
+                <a:latin typeface="Arial Unicode MS" panose="020B0604020202020204" pitchFamily="34" charset="-120"/>
+                <a:ea typeface="Droid Sans Mono"/>
+              </a:rPr>
+              <a:t>             </a:t>
+            </a:r>
+            <a:r>
+              <a:rPr kumimoji="0" lang="zh-TW" altLang="zh-TW" sz="1600" b="0" i="0" u="none" strike="noStrike" cap="none" normalizeH="0" baseline="0" dirty="0" smtClean="0">
+                <a:ln>
+                  <a:noFill/>
+                </a:ln>
+                <a:solidFill>
+                  <a:srgbClr val="000000"/>
+                </a:solidFill>
+                <a:effectLst/>
+                <a:latin typeface="Arial Unicode MS" panose="020B0604020202020204" pitchFamily="34" charset="-120"/>
+                <a:ea typeface="Droid Sans Mono"/>
+              </a:rPr>
+              <a:t> </a:t>
+            </a:r>
+            <a:r>
+              <a:rPr lang="en-US" altLang="zh-TW" sz="1600" dirty="0">
+                <a:solidFill>
+                  <a:srgbClr val="666600"/>
+                </a:solidFill>
+                <a:latin typeface="Arial Unicode MS" panose="020B0604020202020204" pitchFamily="34" charset="-120"/>
+                <a:ea typeface="Droid Sans Mono"/>
+              </a:rPr>
+              <a:t>,</a:t>
+            </a:r>
+            <a:r>
+              <a:rPr kumimoji="0" lang="zh-TW" altLang="zh-TW" sz="1600" b="0" i="0" u="none" strike="noStrike" cap="none" normalizeH="0" baseline="0" dirty="0" smtClean="0">
+                <a:ln>
+                  <a:noFill/>
+                </a:ln>
+                <a:solidFill>
+                  <a:srgbClr val="000000"/>
+                </a:solidFill>
+                <a:effectLst/>
+                <a:latin typeface="Arial Unicode MS" panose="020B0604020202020204" pitchFamily="34" charset="-120"/>
+                <a:ea typeface="Droid Sans Mono"/>
+              </a:rPr>
+              <a:t> </a:t>
+            </a:r>
+            <a:r>
+              <a:rPr kumimoji="0" lang="zh-TW" altLang="zh-TW" sz="1600" b="0" i="0" u="none" strike="noStrike" cap="none" normalizeH="0" baseline="0" dirty="0" smtClean="0">
+                <a:ln>
+                  <a:noFill/>
+                </a:ln>
+                <a:solidFill>
+                  <a:srgbClr val="660066"/>
+                </a:solidFill>
+                <a:effectLst/>
+                <a:latin typeface="Arial Unicode MS" panose="020B0604020202020204" pitchFamily="34" charset="-120"/>
+                <a:ea typeface="Droid Sans Mono"/>
+              </a:rPr>
+              <a:t>Person</a:t>
+            </a:r>
+            <a:r>
+              <a:rPr kumimoji="0" lang="zh-TW" altLang="zh-TW" sz="1600" b="0" i="0" u="none" strike="noStrike" cap="none" normalizeH="0" baseline="0" dirty="0">
+                <a:ln>
+                  <a:noFill/>
+                </a:ln>
+                <a:solidFill>
+                  <a:srgbClr val="666600"/>
+                </a:solidFill>
+                <a:effectLst/>
+                <a:latin typeface="Arial Unicode MS" panose="020B0604020202020204" pitchFamily="34" charset="-120"/>
+                <a:ea typeface="Droid Sans Mono"/>
+              </a:rPr>
+              <a:t>.</a:t>
+            </a:r>
+            <a:r>
               <a:rPr kumimoji="0" lang="zh-TW" altLang="zh-TW" sz="1600" b="0" i="0" u="none" strike="noStrike" cap="none" normalizeH="0" baseline="0" dirty="0">
                 <a:ln>
                   <a:noFill/>
@@ -13084,91 +13166,21 @@
                 <a:latin typeface="Arial Unicode MS" panose="020B0604020202020204" pitchFamily="34" charset="-120"/>
                 <a:ea typeface="Droid Sans Mono"/>
               </a:rPr>
-              <a:t>for</a:t>
-            </a:r>
-            <a:r>
-              <a:rPr kumimoji="0" lang="zh-TW" altLang="zh-TW" sz="1600" b="0" i="0" u="none" strike="noStrike" cap="none" normalizeH="0" baseline="0" dirty="0">
-                <a:ln>
-                  <a:noFill/>
-                </a:ln>
-                <a:solidFill>
-                  <a:srgbClr val="666600"/>
-                </a:solidFill>
-                <a:effectLst/>
-                <a:latin typeface="Arial Unicode MS" panose="020B0604020202020204" pitchFamily="34" charset="-120"/>
-                <a:ea typeface="Droid Sans Mono"/>
-              </a:rPr>
-              <a:t>(</a:t>
-            </a:r>
-            <a:r>
-              <a:rPr kumimoji="0" lang="zh-TW" altLang="zh-TW" sz="1600" b="0" i="0" u="none" strike="noStrike" cap="none" normalizeH="0" baseline="0" dirty="0">
-                <a:ln>
-                  <a:noFill/>
-                </a:ln>
-                <a:solidFill>
-                  <a:srgbClr val="660066"/>
-                </a:solidFill>
-                <a:effectLst/>
-                <a:latin typeface="Arial Unicode MS" panose="020B0604020202020204" pitchFamily="34" charset="-120"/>
-                <a:ea typeface="Droid Sans Mono"/>
-              </a:rPr>
-              <a:t>Object</a:t>
-            </a:r>
-            <a:r>
-              <a:rPr kumimoji="0" lang="zh-TW" altLang="zh-TW" sz="1600" b="0" i="0" u="none" strike="noStrike" cap="none" normalizeH="0" baseline="0" dirty="0">
-                <a:ln>
-                  <a:noFill/>
-                </a:ln>
-                <a:solidFill>
-                  <a:srgbClr val="666600"/>
-                </a:solidFill>
-                <a:effectLst/>
-                <a:latin typeface="Arial Unicode MS" panose="020B0604020202020204" pitchFamily="34" charset="-120"/>
-                <a:ea typeface="Droid Sans Mono"/>
-              </a:rPr>
-              <a:t>[]</a:t>
-            </a:r>
-            <a:r>
-              <a:rPr kumimoji="0" lang="zh-TW" altLang="zh-TW" sz="1600" b="0" i="0" u="none" strike="noStrike" cap="none" normalizeH="0" baseline="0" dirty="0">
-                <a:ln>
-                  <a:noFill/>
-                </a:ln>
-                <a:solidFill>
-                  <a:srgbClr val="000000"/>
-                </a:solidFill>
-                <a:effectLst/>
-                <a:latin typeface="Arial Unicode MS" panose="020B0604020202020204" pitchFamily="34" charset="-120"/>
-                <a:ea typeface="Droid Sans Mono"/>
-              </a:rPr>
-              <a:t> person </a:t>
-            </a:r>
-            <a:r>
-              <a:rPr kumimoji="0" lang="zh-TW" altLang="zh-TW" sz="1600" b="0" i="0" u="none" strike="noStrike" cap="none" normalizeH="0" baseline="0" dirty="0">
-                <a:ln>
-                  <a:noFill/>
-                </a:ln>
-                <a:solidFill>
-                  <a:srgbClr val="666600"/>
-                </a:solidFill>
-                <a:effectLst/>
-                <a:latin typeface="Arial Unicode MS" panose="020B0604020202020204" pitchFamily="34" charset="-120"/>
-                <a:ea typeface="Droid Sans Mono"/>
-              </a:rPr>
-              <a:t>:</a:t>
-            </a:r>
-            <a:r>
-              <a:rPr kumimoji="0" lang="zh-TW" altLang="zh-TW" sz="1600" b="0" i="0" u="none" strike="noStrike" cap="none" normalizeH="0" baseline="0" dirty="0">
-                <a:ln>
-                  <a:noFill/>
-                </a:ln>
-                <a:solidFill>
-                  <a:srgbClr val="000000"/>
-                </a:solidFill>
-                <a:effectLst/>
-                <a:latin typeface="Arial Unicode MS" panose="020B0604020202020204" pitchFamily="34" charset="-120"/>
-                <a:ea typeface="Droid Sans Mono"/>
-              </a:rPr>
-              <a:t> persons</a:t>
+              <a:t>class</a:t>
+            </a:r>
+            <a:r>
+              <a:rPr kumimoji="0" lang="zh-TW" altLang="zh-TW" sz="1600" b="0" i="0" u="none" strike="noStrike" cap="none" normalizeH="0" baseline="0" dirty="0">
+                <a:ln>
+                  <a:noFill/>
+                </a:ln>
+                <a:solidFill>
+                  <a:srgbClr val="000000"/>
+                </a:solidFill>
+                <a:effectLst/>
+                <a:latin typeface="Arial Unicode MS" panose="020B0604020202020204" pitchFamily="34" charset="-120"/>
+                <a:ea typeface="Droid Sans Mono"/>
+              </a:rPr>
+              <a:t> </a:t>
             </a:r>
             <a:r>
               <a:rPr kumimoji="0" lang="zh-TW" altLang="zh-TW" sz="1600" b="0" i="0" u="none" strike="noStrike" cap="none" normalizeH="0" baseline="0" dirty="0">
@@ -13183,55 +13195,13 @@
                 <a:ea typeface="Droid Sans Mono"/>
               </a:rPr>
               <a:t>)</a:t>
-            </a:r>
-            <a:r>
-              <a:rPr kumimoji="0" lang="zh-TW" altLang="zh-TW" sz="1600" b="0" i="0" u="none" strike="noStrike" cap="none" normalizeH="0" baseline="0" dirty="0">
-                <a:ln>
-                  <a:noFill/>
-                </a:ln>
-                <a:solidFill>
-                  <a:srgbClr val="000000"/>
-                </a:solidFill>
-                <a:effectLst/>
-                <a:latin typeface="Arial Unicode MS" panose="020B0604020202020204" pitchFamily="34" charset="-120"/>
-                <a:ea typeface="Droid Sans Mono"/>
-              </a:rPr>
-              <a:t> </a:t>
-            </a:r>
-            <a:r>
-              <a:rPr kumimoji="0" lang="zh-TW" altLang="zh-TW" sz="1600" b="0" i="0" u="none" strike="noStrike" cap="none" normalizeH="0" baseline="0" dirty="0">
-                <a:ln>
-                  <a:noFill/>
-                </a:ln>
-                <a:solidFill>
-                  <a:srgbClr val="666600"/>
-                </a:solidFill>
-                <a:effectLst/>
-                <a:latin typeface="Arial Unicode MS" panose="020B0604020202020204" pitchFamily="34" charset="-120"/>
-                <a:ea typeface="Droid Sans Mono"/>
-              </a:rPr>
-              <a:t>{</a:t>
-            </a:r>
-            <a:r>
-              <a:rPr kumimoji="0" lang="zh-TW" altLang="zh-TW" sz="1600" b="0" i="0" u="none" strike="noStrike" cap="none" normalizeH="0" baseline="0" dirty="0">
-                <a:ln>
-                  <a:noFill/>
-                </a:ln>
-                <a:solidFill>
-                  <a:srgbClr val="000000"/>
-                </a:solidFill>
-                <a:effectLst/>
-                <a:latin typeface="Arial Unicode MS" panose="020B0604020202020204" pitchFamily="34" charset="-120"/>
-                <a:ea typeface="Droid Sans Mono"/>
-              </a:rPr>
-              <a:t> </a:t>
             </a:r>
             <a:endParaRPr kumimoji="0" lang="en-US" altLang="zh-TW" sz="1600" b="0" i="0" u="none" strike="noStrike" cap="none" normalizeH="0" baseline="0" dirty="0">
               <a:ln>
                 <a:noFill/>
               </a:ln>
               <a:solidFill>
-                <a:srgbClr val="000000"/>
+                <a:srgbClr val="666600"/>
               </a:solidFill>
               <a:effectLst/>
               <a:latin typeface="Arial Unicode MS" panose="020B0604020202020204" pitchFamily="34" charset="-120"/>
@@ -13256,60 +13226,18 @@
               <a:tabLst/>
             </a:pPr>
             <a:r>
-              <a:rPr kumimoji="0" lang="zh-TW" altLang="en-US" sz="1600" b="0" i="0" u="none" strike="noStrike" cap="none" normalizeH="0" baseline="0" dirty="0">
-                <a:ln>
-                  <a:noFill/>
-                </a:ln>
-                <a:solidFill>
-                  <a:srgbClr val="660066"/>
-                </a:solidFill>
-                <a:effectLst/>
-                <a:latin typeface="Arial Unicode MS" panose="020B0604020202020204" pitchFamily="34" charset="-120"/>
-                <a:ea typeface="Droid Sans Mono"/>
-              </a:rPr>
-              <a:t>           </a:t>
-            </a:r>
-            <a:r>
-              <a:rPr kumimoji="0" lang="zh-TW" altLang="zh-TW" sz="1600" b="0" i="0" u="none" strike="noStrike" cap="none" normalizeH="0" baseline="0" dirty="0">
-                <a:ln>
-                  <a:noFill/>
-                </a:ln>
-                <a:solidFill>
-                  <a:srgbClr val="660066"/>
-                </a:solidFill>
-                <a:effectLst/>
-                <a:latin typeface="Arial Unicode MS" panose="020B0604020202020204" pitchFamily="34" charset="-120"/>
-                <a:ea typeface="Droid Sans Mono"/>
-              </a:rPr>
-              <a:t>Long</a:t>
-            </a:r>
-            <a:r>
-              <a:rPr kumimoji="0" lang="zh-TW" altLang="zh-TW" sz="1600" b="0" i="0" u="none" strike="noStrike" cap="none" normalizeH="0" baseline="0" dirty="0">
-                <a:ln>
-                  <a:noFill/>
-                </a:ln>
-                <a:solidFill>
-                  <a:srgbClr val="000000"/>
-                </a:solidFill>
-                <a:effectLst/>
-                <a:latin typeface="Arial Unicode MS" panose="020B0604020202020204" pitchFamily="34" charset="-120"/>
-                <a:ea typeface="Droid Sans Mono"/>
-              </a:rPr>
-              <a:t> id </a:t>
-            </a:r>
-            <a:r>
-              <a:rPr kumimoji="0" lang="zh-TW" altLang="zh-TW" sz="1600" b="0" i="0" u="none" strike="noStrike" cap="none" normalizeH="0" baseline="0" dirty="0">
-                <a:ln>
-                  <a:noFill/>
-                </a:ln>
-                <a:solidFill>
-                  <a:srgbClr val="666600"/>
-                </a:solidFill>
-                <a:effectLst/>
-                <a:latin typeface="Arial Unicode MS" panose="020B0604020202020204" pitchFamily="34" charset="-120"/>
-                <a:ea typeface="Droid Sans Mono"/>
-              </a:rPr>
-              <a:t>=</a:t>
+              <a:rPr kumimoji="0" lang="en-US" altLang="zh-TW" sz="1600" b="0" i="0" u="none" strike="noStrike" cap="none" normalizeH="0" baseline="0" dirty="0">
+                <a:ln>
+                  <a:noFill/>
+                </a:ln>
+                <a:solidFill>
+                  <a:srgbClr val="000000"/>
+                </a:solidFill>
+                <a:effectLst/>
+                <a:latin typeface="Arial Unicode MS" panose="020B0604020202020204" pitchFamily="34" charset="-120"/>
+                <a:ea typeface="Droid Sans Mono"/>
+              </a:rPr>
+              <a:t>             </a:t>
             </a:r>
             <a:r>
               <a:rPr kumimoji="0" lang="zh-TW" altLang="zh-TW" sz="1600" b="0" i="0" u="none" strike="noStrike" cap="none" normalizeH="0" baseline="0" dirty="0">
@@ -13337,6 +13265,34 @@
                 <a:latin typeface="Arial Unicode MS" panose="020B0604020202020204" pitchFamily="34" charset="-120"/>
                 <a:ea typeface="Droid Sans Mono"/>
               </a:rPr>
+              <a:t>.</a:t>
+            </a:r>
+            <a:r>
+              <a:rPr kumimoji="0" lang="zh-TW" altLang="zh-TW" sz="1600" b="0" i="0" u="none" strike="noStrike" cap="none" normalizeH="0" baseline="0" dirty="0">
+                <a:ln>
+                  <a:noFill/>
+                </a:ln>
+                <a:solidFill>
+                  <a:srgbClr val="000000"/>
+                </a:solidFill>
+                <a:effectLst/>
+                <a:latin typeface="Arial Unicode MS" panose="020B0604020202020204" pitchFamily="34" charset="-120"/>
+                <a:ea typeface="Droid Sans Mono"/>
+              </a:rPr>
+              <a:t>setParameter</a:t>
+            </a:r>
+            <a:r>
+              <a:rPr kumimoji="0" lang="zh-TW" altLang="zh-TW" sz="1600" b="0" i="0" u="none" strike="noStrike" cap="none" normalizeH="0" baseline="0" dirty="0">
+                <a:ln>
+                  <a:noFill/>
+                </a:ln>
+                <a:solidFill>
+                  <a:srgbClr val="666600"/>
+                </a:solidFill>
+                <a:effectLst/>
+                <a:latin typeface="Arial Unicode MS" panose="020B0604020202020204" pitchFamily="34" charset="-120"/>
+                <a:ea typeface="Droid Sans Mono"/>
+              </a:rPr>
               <a:t>(</a:t>
             </a:r>
             <a:r>
@@ -13345,13 +13301,55 @@
                   <a:noFill/>
                 </a:ln>
                 <a:solidFill>
-                  <a:srgbClr val="660066"/>
-                </a:solidFill>
-                <a:effectLst/>
-                <a:latin typeface="Arial Unicode MS" panose="020B0604020202020204" pitchFamily="34" charset="-120"/>
-                <a:ea typeface="Droid Sans Mono"/>
-              </a:rPr>
-              <a:t>Long</a:t>
+                  <a:srgbClr val="008800"/>
+                </a:solidFill>
+                <a:effectLst/>
+                <a:latin typeface="Arial Unicode MS" panose="020B0604020202020204" pitchFamily="34" charset="-120"/>
+                <a:ea typeface="Droid Sans Mono"/>
+              </a:rPr>
+              <a:t>"name"</a:t>
+            </a:r>
+            <a:r>
+              <a:rPr kumimoji="0" lang="zh-TW" altLang="zh-TW" sz="1600" b="0" i="0" u="none" strike="noStrike" cap="none" normalizeH="0" baseline="0" dirty="0">
+                <a:ln>
+                  <a:noFill/>
+                </a:ln>
+                <a:solidFill>
+                  <a:srgbClr val="666600"/>
+                </a:solidFill>
+                <a:effectLst/>
+                <a:latin typeface="Arial Unicode MS" panose="020B0604020202020204" pitchFamily="34" charset="-120"/>
+                <a:ea typeface="Droid Sans Mono"/>
+              </a:rPr>
+              <a:t>,</a:t>
+            </a:r>
+            <a:r>
+              <a:rPr kumimoji="0" lang="zh-TW" altLang="zh-TW" sz="1600" b="0" i="0" u="none" strike="noStrike" cap="none" normalizeH="0" baseline="0" dirty="0">
+                <a:ln>
+                  <a:noFill/>
+                </a:ln>
+                <a:solidFill>
+                  <a:srgbClr val="000000"/>
+                </a:solidFill>
+                <a:effectLst/>
+                <a:latin typeface="Arial Unicode MS" panose="020B0604020202020204" pitchFamily="34" charset="-120"/>
+                <a:ea typeface="Droid Sans Mono"/>
+              </a:rPr>
+              <a:t> </a:t>
+            </a:r>
+            <a:r>
+              <a:rPr kumimoji="0" lang="zh-TW" altLang="zh-TW" sz="1600" b="0" i="0" u="none" strike="noStrike" cap="none" normalizeH="0" baseline="0" dirty="0">
+                <a:ln>
+                  <a:noFill/>
+                </a:ln>
+                <a:solidFill>
+                  <a:srgbClr val="008800"/>
+                </a:solidFill>
+                <a:effectLst/>
+                <a:latin typeface="Arial Unicode MS" panose="020B0604020202020204" pitchFamily="34" charset="-120"/>
+                <a:ea typeface="Droid Sans Mono"/>
+              </a:rPr>
+              <a:t>"J%"</a:t>
             </a:r>
             <a:r>
               <a:rPr kumimoji="0" lang="zh-TW" altLang="zh-TW" sz="1600" b="0" i="0" u="none" strike="noStrike" cap="none" normalizeH="0" baseline="0" dirty="0">
@@ -13366,83 +13364,13 @@
                 <a:ea typeface="Droid Sans Mono"/>
               </a:rPr>
               <a:t>)</a:t>
-            </a:r>
-            <a:r>
-              <a:rPr kumimoji="0" lang="zh-TW" altLang="zh-TW" sz="1600" b="0" i="0" u="none" strike="noStrike" cap="none" normalizeH="0" baseline="0" dirty="0">
-                <a:ln>
-                  <a:noFill/>
-                </a:ln>
-                <a:solidFill>
-                  <a:srgbClr val="000000"/>
-                </a:solidFill>
-                <a:effectLst/>
-                <a:latin typeface="Arial Unicode MS" panose="020B0604020202020204" pitchFamily="34" charset="-120"/>
-                <a:ea typeface="Droid Sans Mono"/>
-              </a:rPr>
-              <a:t> person</a:t>
-            </a:r>
-            <a:r>
-              <a:rPr kumimoji="0" lang="zh-TW" altLang="zh-TW" sz="1600" b="0" i="0" u="none" strike="noStrike" cap="none" normalizeH="0" baseline="0" dirty="0">
-                <a:ln>
-                  <a:noFill/>
-                </a:ln>
-                <a:solidFill>
-                  <a:srgbClr val="666600"/>
-                </a:solidFill>
-                <a:effectLst/>
-                <a:latin typeface="Arial Unicode MS" panose="020B0604020202020204" pitchFamily="34" charset="-120"/>
-                <a:ea typeface="Droid Sans Mono"/>
-              </a:rPr>
-              <a:t>[</a:t>
-            </a:r>
-            <a:r>
-              <a:rPr kumimoji="0" lang="zh-TW" altLang="zh-TW" sz="1600" b="0" i="0" u="none" strike="noStrike" cap="none" normalizeH="0" baseline="0" dirty="0">
-                <a:ln>
-                  <a:noFill/>
-                </a:ln>
-                <a:solidFill>
-                  <a:srgbClr val="006666"/>
-                </a:solidFill>
-                <a:effectLst/>
-                <a:latin typeface="Arial Unicode MS" panose="020B0604020202020204" pitchFamily="34" charset="-120"/>
-                <a:ea typeface="Droid Sans Mono"/>
-              </a:rPr>
-              <a:t>0</a:t>
-            </a:r>
-            <a:r>
-              <a:rPr kumimoji="0" lang="zh-TW" altLang="zh-TW" sz="1600" b="0" i="0" u="none" strike="noStrike" cap="none" normalizeH="0" baseline="0" dirty="0">
-                <a:ln>
-                  <a:noFill/>
-                </a:ln>
-                <a:solidFill>
-                  <a:srgbClr val="666600"/>
-                </a:solidFill>
-                <a:effectLst/>
-                <a:latin typeface="Arial Unicode MS" panose="020B0604020202020204" pitchFamily="34" charset="-120"/>
-                <a:ea typeface="Droid Sans Mono"/>
-              </a:rPr>
-              <a:t>];</a:t>
-            </a:r>
-            <a:r>
-              <a:rPr kumimoji="0" lang="zh-TW" altLang="zh-TW" sz="1600" b="0" i="0" u="none" strike="noStrike" cap="none" normalizeH="0" baseline="0" dirty="0">
-                <a:ln>
-                  <a:noFill/>
-                </a:ln>
-                <a:solidFill>
-                  <a:srgbClr val="000000"/>
-                </a:solidFill>
-                <a:effectLst/>
-                <a:latin typeface="Arial Unicode MS" panose="020B0604020202020204" pitchFamily="34" charset="-120"/>
-                <a:ea typeface="Droid Sans Mono"/>
-              </a:rPr>
-              <a:t> </a:t>
             </a:r>
             <a:endParaRPr kumimoji="0" lang="en-US" altLang="zh-TW" sz="1600" b="0" i="0" u="none" strike="noStrike" cap="none" normalizeH="0" baseline="0" dirty="0">
               <a:ln>
                 <a:noFill/>
               </a:ln>
               <a:solidFill>
-                <a:srgbClr val="000000"/>
+                <a:srgbClr val="666600"/>
               </a:solidFill>
               <a:effectLst/>
               <a:latin typeface="Arial Unicode MS" panose="020B0604020202020204" pitchFamily="34" charset="-120"/>
@@ -13467,60 +13395,14 @@
               <a:tabLst/>
             </a:pPr>
             <a:r>
-              <a:rPr kumimoji="0" lang="zh-TW" altLang="en-US" sz="1600" b="0" i="0" u="none" strike="noStrike" cap="none" normalizeH="0" baseline="0" dirty="0">
-                <a:ln>
-                  <a:noFill/>
-                </a:ln>
-                <a:solidFill>
-                  <a:srgbClr val="660066"/>
-                </a:solidFill>
-                <a:effectLst/>
-                <a:latin typeface="Arial Unicode MS" panose="020B0604020202020204" pitchFamily="34" charset="-120"/>
-                <a:ea typeface="Droid Sans Mono"/>
-              </a:rPr>
-              <a:t>           </a:t>
-            </a:r>
-            <a:r>
-              <a:rPr kumimoji="0" lang="zh-TW" altLang="zh-TW" sz="1600" b="0" i="0" u="none" strike="noStrike" cap="none" normalizeH="0" baseline="0" dirty="0">
-                <a:ln>
-                  <a:noFill/>
-                </a:ln>
-                <a:solidFill>
-                  <a:srgbClr val="660066"/>
-                </a:solidFill>
-                <a:effectLst/>
-                <a:latin typeface="Arial Unicode MS" panose="020B0604020202020204" pitchFamily="34" charset="-120"/>
-                <a:ea typeface="Droid Sans Mono"/>
-              </a:rPr>
-              <a:t>String</a:t>
-            </a:r>
-            <a:r>
-              <a:rPr kumimoji="0" lang="zh-TW" altLang="zh-TW" sz="1600" b="0" i="0" u="none" strike="noStrike" cap="none" normalizeH="0" baseline="0" dirty="0">
-                <a:ln>
-                  <a:noFill/>
-                </a:ln>
-                <a:solidFill>
-                  <a:srgbClr val="000000"/>
-                </a:solidFill>
-                <a:effectLst/>
-                <a:latin typeface="Arial Unicode MS" panose="020B0604020202020204" pitchFamily="34" charset="-120"/>
-                <a:ea typeface="Droid Sans Mono"/>
-              </a:rPr>
-              <a:t> name </a:t>
-            </a:r>
-            <a:r>
-              <a:rPr kumimoji="0" lang="zh-TW" altLang="zh-TW" sz="1600" b="0" i="0" u="none" strike="noStrike" cap="none" normalizeH="0" baseline="0" dirty="0">
-                <a:ln>
-                  <a:noFill/>
-                </a:ln>
-                <a:solidFill>
-                  <a:srgbClr val="666600"/>
-                </a:solidFill>
-                <a:effectLst/>
-                <a:latin typeface="Arial Unicode MS" panose="020B0604020202020204" pitchFamily="34" charset="-120"/>
-                <a:ea typeface="Droid Sans Mono"/>
-              </a:rPr>
-              <a:t>=</a:t>
+              <a:rPr lang="en-US" altLang="zh-TW" sz="1600" dirty="0">
+                <a:solidFill>
+                  <a:srgbClr val="666600"/>
+                </a:solidFill>
+                <a:latin typeface="Arial Unicode MS" panose="020B0604020202020204" pitchFamily="34" charset="-120"/>
+                <a:ea typeface="Droid Sans Mono"/>
+              </a:rPr>
+              <a:t>             </a:t>
             </a:r>
             <a:r>
               <a:rPr kumimoji="0" lang="zh-TW" altLang="zh-TW" sz="1600" b="0" i="0" u="none" strike="noStrike" cap="none" normalizeH="0" baseline="0" dirty="0">
@@ -13548,148 +13430,35 @@
                 <a:latin typeface="Arial Unicode MS" panose="020B0604020202020204" pitchFamily="34" charset="-120"/>
                 <a:ea typeface="Droid Sans Mono"/>
               </a:rPr>
-              <a:t>(</a:t>
-            </a:r>
-            <a:r>
-              <a:rPr kumimoji="0" lang="zh-TW" altLang="zh-TW" sz="1600" b="0" i="0" u="none" strike="noStrike" cap="none" normalizeH="0" baseline="0" dirty="0">
-                <a:ln>
-                  <a:noFill/>
-                </a:ln>
-                <a:solidFill>
-                  <a:srgbClr val="660066"/>
-                </a:solidFill>
-                <a:effectLst/>
-                <a:latin typeface="Arial Unicode MS" panose="020B0604020202020204" pitchFamily="34" charset="-120"/>
-                <a:ea typeface="Droid Sans Mono"/>
-              </a:rPr>
-              <a:t>String</a:t>
-            </a:r>
-            <a:r>
-              <a:rPr kumimoji="0" lang="zh-TW" altLang="zh-TW" sz="1600" b="0" i="0" u="none" strike="noStrike" cap="none" normalizeH="0" baseline="0" dirty="0">
-                <a:ln>
-                  <a:noFill/>
-                </a:ln>
-                <a:solidFill>
-                  <a:srgbClr val="666600"/>
-                </a:solidFill>
-                <a:effectLst/>
-                <a:latin typeface="Arial Unicode MS" panose="020B0604020202020204" pitchFamily="34" charset="-120"/>
-                <a:ea typeface="Droid Sans Mono"/>
-              </a:rPr>
-              <a:t>)</a:t>
-            </a:r>
-            <a:r>
-              <a:rPr kumimoji="0" lang="zh-TW" altLang="zh-TW" sz="1600" b="0" i="0" u="none" strike="noStrike" cap="none" normalizeH="0" baseline="0" dirty="0">
-                <a:ln>
-                  <a:noFill/>
-                </a:ln>
-                <a:solidFill>
-                  <a:srgbClr val="000000"/>
-                </a:solidFill>
-                <a:effectLst/>
-                <a:latin typeface="Arial Unicode MS" panose="020B0604020202020204" pitchFamily="34" charset="-120"/>
-                <a:ea typeface="Droid Sans Mono"/>
-              </a:rPr>
-              <a:t> person</a:t>
-            </a:r>
-            <a:r>
-              <a:rPr kumimoji="0" lang="zh-TW" altLang="zh-TW" sz="1600" b="0" i="0" u="none" strike="noStrike" cap="none" normalizeH="0" baseline="0" dirty="0">
-                <a:ln>
-                  <a:noFill/>
-                </a:ln>
-                <a:solidFill>
-                  <a:srgbClr val="666600"/>
-                </a:solidFill>
-                <a:effectLst/>
-                <a:latin typeface="Arial Unicode MS" panose="020B0604020202020204" pitchFamily="34" charset="-120"/>
-                <a:ea typeface="Droid Sans Mono"/>
-              </a:rPr>
-              <a:t>[</a:t>
-            </a:r>
-            <a:r>
-              <a:rPr kumimoji="0" lang="zh-TW" altLang="zh-TW" sz="1600" b="0" i="0" u="none" strike="noStrike" cap="none" normalizeH="0" baseline="0" dirty="0">
-                <a:ln>
-                  <a:noFill/>
-                </a:ln>
-                <a:solidFill>
-                  <a:srgbClr val="006666"/>
-                </a:solidFill>
-                <a:effectLst/>
-                <a:latin typeface="Arial Unicode MS" panose="020B0604020202020204" pitchFamily="34" charset="-120"/>
-                <a:ea typeface="Droid Sans Mono"/>
-              </a:rPr>
-              <a:t>1</a:t>
-            </a:r>
-            <a:r>
-              <a:rPr kumimoji="0" lang="zh-TW" altLang="zh-TW" sz="1600" b="0" i="0" u="none" strike="noStrike" cap="none" normalizeH="0" baseline="0" dirty="0">
-                <a:ln>
-                  <a:noFill/>
-                </a:ln>
-                <a:solidFill>
-                  <a:srgbClr val="666600"/>
-                </a:solidFill>
-                <a:effectLst/>
-                <a:latin typeface="Arial Unicode MS" panose="020B0604020202020204" pitchFamily="34" charset="-120"/>
-                <a:ea typeface="Droid Sans Mono"/>
-              </a:rPr>
-              <a:t>];</a:t>
-            </a:r>
-            <a:r>
-              <a:rPr kumimoji="0" lang="zh-TW" altLang="zh-TW" sz="1600" b="0" i="0" u="none" strike="noStrike" cap="none" normalizeH="0" baseline="0" dirty="0">
-                <a:ln>
-                  <a:noFill/>
-                </a:ln>
-                <a:solidFill>
-                  <a:srgbClr val="000000"/>
-                </a:solidFill>
-                <a:effectLst/>
-                <a:latin typeface="Arial Unicode MS" panose="020B0604020202020204" pitchFamily="34" charset="-120"/>
-                <a:ea typeface="Droid Sans Mono"/>
-              </a:rPr>
-              <a:t> </a:t>
-            </a:r>
-            <a:endParaRPr kumimoji="0" lang="en-US" altLang="zh-TW" sz="1600" b="0" i="0" u="none" strike="noStrike" cap="none" normalizeH="0" baseline="0" dirty="0">
-              <a:ln>
-                <a:noFill/>
-              </a:ln>
-              <a:solidFill>
-                <a:srgbClr val="000000"/>
-              </a:solidFill>
-              <a:effectLst/>
-              <a:latin typeface="Arial Unicode MS" panose="020B0604020202020204" pitchFamily="34" charset="-120"/>
-              <a:ea typeface="Droid Sans Mono"/>
-            </a:endParaRPr>
-          </a:p>
-          <a:p>
-            <a:pPr marL="0" marR="0" lvl="0" indent="0" algn="l" defTabSz="914400" rtl="0" eaLnBrk="0" fontAlgn="base" latinLnBrk="0" hangingPunct="0">
-              <a:lnSpc>
-                <a:spcPct val="100000"/>
-              </a:lnSpc>
-              <a:spcBef>
-                <a:spcPct val="0"/>
-              </a:spcBef>
-              <a:spcAft>
-                <a:spcPct val="0"/>
-              </a:spcAft>
-              <a:buClrTx/>
-              <a:buSzTx/>
-              <a:buFontTx/>
-              <a:buNone/>
-              <a:tabLst/>
-            </a:pPr>
-            <a:r>
-              <a:rPr kumimoji="0" lang="zh-TW" altLang="zh-TW" sz="1600" b="0" i="0" u="none" strike="noStrike" cap="none" normalizeH="0" baseline="0" dirty="0">
-                <a:ln>
-                  <a:noFill/>
-                </a:ln>
-                <a:solidFill>
-                  <a:srgbClr val="666600"/>
-                </a:solidFill>
-                <a:effectLst/>
-                <a:latin typeface="Arial Unicode MS" panose="020B0604020202020204" pitchFamily="34" charset="-120"/>
-                <a:ea typeface="Droid Sans Mono"/>
-              </a:rPr>
-              <a:t>}</a:t>
+              <a:t>.</a:t>
+            </a:r>
+            <a:r>
+              <a:rPr kumimoji="0" lang="zh-TW" altLang="zh-TW" sz="1600" b="0" i="0" u="none" strike="noStrike" cap="none" normalizeH="0" baseline="0" dirty="0">
+                <a:ln>
+                  <a:noFill/>
+                </a:ln>
+                <a:solidFill>
+                  <a:srgbClr val="000000"/>
+                </a:solidFill>
+                <a:effectLst/>
+                <a:latin typeface="Arial Unicode MS" panose="020B0604020202020204" pitchFamily="34" charset="-120"/>
+                <a:ea typeface="Droid Sans Mono"/>
+              </a:rPr>
+              <a:t>list</a:t>
+            </a:r>
+            <a:r>
+              <a:rPr kumimoji="0" lang="zh-TW" altLang="zh-TW" sz="1600" b="0" i="0" u="none" strike="noStrike" cap="none" normalizeH="0" baseline="0" dirty="0">
+                <a:ln>
+                  <a:noFill/>
+                </a:ln>
+                <a:solidFill>
+                  <a:srgbClr val="666600"/>
+                </a:solidFill>
+                <a:effectLst/>
+                <a:latin typeface="Arial Unicode MS" panose="020B0604020202020204" pitchFamily="34" charset="-120"/>
+                <a:ea typeface="Droid Sans Mono"/>
+              </a:rPr>
+              <a:t>();</a:t>
             </a:r>
             <a:r>
               <a:rPr kumimoji="0" lang="zh-TW" altLang="zh-TW" sz="1600" b="0" i="0" u="none" strike="noStrike" cap="none" normalizeH="0" baseline="0" dirty="0">
@@ -13719,7 +13488,7 @@
     </p:spTree>
     <p:extLst>
       <p:ext uri="{BB962C8B-B14F-4D97-AF65-F5344CB8AC3E}">
-        <p14:creationId xmlns:p14="http://schemas.microsoft.com/office/powerpoint/2010/main" val="596084472"/>
+        <p14:creationId xmlns:p14="http://schemas.microsoft.com/office/powerpoint/2010/main" val="1447447846"/>
       </p:ext>
     </p:extLst>
   </p:cSld>
@@ -13758,7 +13527,7 @@
           <p:cNvPr id="2" name="標題 1">
             <a:extLst>
               <a:ext uri="{FF2B5EF4-FFF2-40B4-BE49-F238E27FC236}">
-                <a16:creationId xmlns:a16="http://schemas.microsoft.com/office/drawing/2014/main" id="{F7B71409-2D06-451E-8322-C5BA8ABC2122}"/>
+                <a16:creationId xmlns:a16="http://schemas.microsoft.com/office/drawing/2014/main" id="{FFF6E0D1-8533-4B26-800D-5AED0AEAC375}"/>
               </a:ext>
             </a:extLst>
           </p:cNvPr>
@@ -13783,7 +13552,7 @@
           <p:cNvPr id="3" name="內容版面配置區 2">
             <a:extLst>
               <a:ext uri="{FF2B5EF4-FFF2-40B4-BE49-F238E27FC236}">
-                <a16:creationId xmlns:a16="http://schemas.microsoft.com/office/drawing/2014/main" id="{D4DFFA74-048D-47F1-AA14-22912B8B2742}"/>
+                <a16:creationId xmlns:a16="http://schemas.microsoft.com/office/drawing/2014/main" id="{4FED4A4E-54EF-486C-A38C-2F6900381187}"/>
               </a:ext>
             </a:extLst>
           </p:cNvPr>
@@ -13800,1320 +13569,28 @@
           <a:lstStyle/>
           <a:p>
             <a:r>
+              <a:rPr lang="en-US" altLang="zh-TW" dirty="0" smtClean="0"/>
+              <a:t>With Native SQL Query, If </a:t>
+            </a:r>
+            <a:r>
               <a:rPr lang="en-US" altLang="zh-TW" dirty="0"/>
-              <a:t>to map the returned values into a entity class</a:t>
-            </a:r>
-          </a:p>
-          <a:p>
-            <a:endParaRPr lang="en-US" altLang="zh-TW" dirty="0"/>
-          </a:p>
-          <a:p>
-            <a:endParaRPr lang="en-US" altLang="zh-TW" dirty="0"/>
-          </a:p>
-          <a:p>
-            <a:endParaRPr lang="en-US" altLang="zh-TW" dirty="0"/>
-          </a:p>
-          <a:p>
+              <a:t>the entity is mapped with a many-to-one or a child-side one-to-one to another entity, it is required to also load those entities into the persistence context</a:t>
+            </a:r>
+          </a:p>
+          <a:p>
+            <a:pPr lvl="1"/>
             <a:r>
               <a:rPr lang="en-US" altLang="zh-TW" dirty="0"/>
-              <a:t>native query with parameters</a:t>
+              <a:t>otherwise, a database-specific column not found error will occur.</a:t>
             </a:r>
             <a:endParaRPr lang="zh-TW" altLang="en-US" dirty="0"/>
-          </a:p>
-        </p:txBody>
-      </p:sp>
-      <p:sp>
-        <p:nvSpPr>
-          <p:cNvPr id="4" name="Rectangle 4">
-            <a:extLst>
-              <a:ext uri="{FF2B5EF4-FFF2-40B4-BE49-F238E27FC236}">
-                <a16:creationId xmlns:a16="http://schemas.microsoft.com/office/drawing/2014/main" id="{D3300D80-E80B-4EA4-B531-8F05E8927518}"/>
-              </a:ext>
-            </a:extLst>
-          </p:cNvPr>
-          <p:cNvSpPr>
-            <a:spLocks noChangeArrowheads="1"/>
-          </p:cNvSpPr>
-          <p:nvPr/>
-        </p:nvSpPr>
-        <p:spPr bwMode="auto">
-          <a:xfrm>
-            <a:off x="1261314" y="2511042"/>
-            <a:ext cx="5426165" cy="738664"/>
-          </a:xfrm>
-          <a:prstGeom prst="rect">
-            <a:avLst/>
-          </a:prstGeom>
-          <a:solidFill>
-            <a:srgbClr val="F7F7F8"/>
-          </a:solidFill>
-          <a:ln>
-            <a:noFill/>
-          </a:ln>
-          <a:effectLst/>
-          <a:extLst>
-            <a:ext uri="{91240B29-F687-4F45-9708-019B960494DF}">
-              <a14:hiddenLine xmlns:a14="http://schemas.microsoft.com/office/drawing/2010/main" w="9525">
-                <a:solidFill>
-                  <a:schemeClr val="tx1"/>
-                </a:solidFill>
-                <a:miter lim="800000"/>
-                <a:headEnd/>
-                <a:tailEnd/>
-              </a14:hiddenLine>
-            </a:ext>
-            <a:ext uri="{AF507438-7753-43E0-B8FC-AC1667EBCBE1}">
-              <a14:hiddenEffects xmlns:a14="http://schemas.microsoft.com/office/drawing/2010/main">
-                <a:effectLst>
-                  <a:outerShdw dist="35921" dir="2700000" algn="ctr" rotWithShape="0">
-                    <a:schemeClr val="bg2"/>
-                  </a:outerShdw>
-                </a:effectLst>
-              </a14:hiddenEffects>
-            </a:ext>
-          </a:extLst>
-        </p:spPr>
-        <p:txBody>
-          <a:bodyPr vert="horz" wrap="none" lIns="0" tIns="0" rIns="0" bIns="0" numCol="1" anchor="ctr" anchorCtr="0" compatLnSpc="1">
-            <a:prstTxWarp prst="textNoShape">
-              <a:avLst/>
-            </a:prstTxWarp>
-            <a:spAutoFit/>
-          </a:bodyPr>
-          <a:lstStyle/>
-          <a:p>
-            <a:pPr marL="0" marR="0" lvl="0" indent="0" algn="l" defTabSz="914400" rtl="0" eaLnBrk="0" fontAlgn="base" latinLnBrk="0" hangingPunct="0">
-              <a:lnSpc>
-                <a:spcPct val="100000"/>
-              </a:lnSpc>
-              <a:spcBef>
-                <a:spcPct val="0"/>
-              </a:spcBef>
-              <a:spcAft>
-                <a:spcPct val="0"/>
-              </a:spcAft>
-              <a:buClrTx/>
-              <a:buSzTx/>
-              <a:buFontTx/>
-              <a:buNone/>
-              <a:tabLst/>
-            </a:pPr>
-            <a:r>
-              <a:rPr kumimoji="0" lang="zh-TW" altLang="zh-TW" sz="1600" b="0" i="0" u="none" strike="noStrike" cap="none" normalizeH="0" baseline="0" dirty="0">
-                <a:ln>
-                  <a:noFill/>
-                </a:ln>
-                <a:solidFill>
-                  <a:srgbClr val="660066"/>
-                </a:solidFill>
-                <a:effectLst/>
-                <a:latin typeface="Arial Unicode MS" panose="020B0604020202020204" pitchFamily="34" charset="-120"/>
-                <a:ea typeface="Droid Sans Mono"/>
-              </a:rPr>
-              <a:t>List</a:t>
-            </a:r>
-            <a:r>
-              <a:rPr kumimoji="0" lang="zh-TW" altLang="zh-TW" sz="1600" b="0" i="0" u="none" strike="noStrike" cap="none" normalizeH="0" baseline="0" dirty="0">
-                <a:ln>
-                  <a:noFill/>
-                </a:ln>
-                <a:solidFill>
-                  <a:srgbClr val="666600"/>
-                </a:solidFill>
-                <a:effectLst/>
-                <a:latin typeface="Arial Unicode MS" panose="020B0604020202020204" pitchFamily="34" charset="-120"/>
-                <a:ea typeface="Droid Sans Mono"/>
-              </a:rPr>
-              <a:t>&lt;</a:t>
-            </a:r>
-            <a:r>
-              <a:rPr kumimoji="0" lang="zh-TW" altLang="zh-TW" sz="1600" b="0" i="0" u="none" strike="noStrike" cap="none" normalizeH="0" baseline="0" dirty="0">
-                <a:ln>
-                  <a:noFill/>
-                </a:ln>
-                <a:solidFill>
-                  <a:srgbClr val="660066"/>
-                </a:solidFill>
-                <a:effectLst/>
-                <a:latin typeface="Arial Unicode MS" panose="020B0604020202020204" pitchFamily="34" charset="-120"/>
-                <a:ea typeface="Droid Sans Mono"/>
-              </a:rPr>
-              <a:t>Person</a:t>
-            </a:r>
-            <a:r>
-              <a:rPr kumimoji="0" lang="zh-TW" altLang="zh-TW" sz="1600" b="0" i="0" u="none" strike="noStrike" cap="none" normalizeH="0" baseline="0" dirty="0">
-                <a:ln>
-                  <a:noFill/>
-                </a:ln>
-                <a:solidFill>
-                  <a:srgbClr val="666600"/>
-                </a:solidFill>
-                <a:effectLst/>
-                <a:latin typeface="Arial Unicode MS" panose="020B0604020202020204" pitchFamily="34" charset="-120"/>
-                <a:ea typeface="Droid Sans Mono"/>
-              </a:rPr>
-              <a:t>&gt;</a:t>
-            </a:r>
-            <a:r>
-              <a:rPr kumimoji="0" lang="zh-TW" altLang="zh-TW" sz="1600" b="0" i="0" u="none" strike="noStrike" cap="none" normalizeH="0" baseline="0" dirty="0">
-                <a:ln>
-                  <a:noFill/>
-                </a:ln>
-                <a:solidFill>
-                  <a:srgbClr val="000000"/>
-                </a:solidFill>
-                <a:effectLst/>
-                <a:latin typeface="Arial Unicode MS" panose="020B0604020202020204" pitchFamily="34" charset="-120"/>
-                <a:ea typeface="Droid Sans Mono"/>
-              </a:rPr>
-              <a:t> persons </a:t>
-            </a:r>
-            <a:r>
-              <a:rPr kumimoji="0" lang="zh-TW" altLang="zh-TW" sz="1600" b="0" i="0" u="none" strike="noStrike" cap="none" normalizeH="0" baseline="0" dirty="0">
-                <a:ln>
-                  <a:noFill/>
-                </a:ln>
-                <a:solidFill>
-                  <a:srgbClr val="666600"/>
-                </a:solidFill>
-                <a:effectLst/>
-                <a:latin typeface="Arial Unicode MS" panose="020B0604020202020204" pitchFamily="34" charset="-120"/>
-                <a:ea typeface="Droid Sans Mono"/>
-              </a:rPr>
-              <a:t>=</a:t>
-            </a:r>
-            <a:r>
-              <a:rPr kumimoji="0" lang="zh-TW" altLang="zh-TW" sz="1600" b="0" i="0" u="none" strike="noStrike" cap="none" normalizeH="0" baseline="0" dirty="0">
-                <a:ln>
-                  <a:noFill/>
-                </a:ln>
-                <a:solidFill>
-                  <a:srgbClr val="000000"/>
-                </a:solidFill>
-                <a:effectLst/>
-                <a:latin typeface="Arial Unicode MS" panose="020B0604020202020204" pitchFamily="34" charset="-120"/>
-                <a:ea typeface="Droid Sans Mono"/>
-              </a:rPr>
-              <a:t> entityManager</a:t>
-            </a:r>
-            <a:r>
-              <a:rPr kumimoji="0" lang="zh-TW" altLang="zh-TW" sz="1600" b="0" i="0" u="none" strike="noStrike" cap="none" normalizeH="0" baseline="0" dirty="0">
-                <a:ln>
-                  <a:noFill/>
-                </a:ln>
-                <a:solidFill>
-                  <a:srgbClr val="666600"/>
-                </a:solidFill>
-                <a:effectLst/>
-                <a:latin typeface="Arial Unicode MS" panose="020B0604020202020204" pitchFamily="34" charset="-120"/>
-                <a:ea typeface="Droid Sans Mono"/>
-              </a:rPr>
-              <a:t>.</a:t>
-            </a:r>
-            <a:r>
-              <a:rPr kumimoji="0" lang="zh-TW" altLang="zh-TW" sz="1600" b="0" i="0" u="none" strike="noStrike" cap="none" normalizeH="0" baseline="0" dirty="0">
-                <a:ln>
-                  <a:noFill/>
-                </a:ln>
-                <a:solidFill>
-                  <a:srgbClr val="000000"/>
-                </a:solidFill>
-                <a:effectLst/>
-                <a:latin typeface="Arial Unicode MS" panose="020B0604020202020204" pitchFamily="34" charset="-120"/>
-                <a:ea typeface="Droid Sans Mono"/>
-              </a:rPr>
-              <a:t>createNativeQuery</a:t>
-            </a:r>
-            <a:r>
-              <a:rPr kumimoji="0" lang="zh-TW" altLang="zh-TW" sz="1600" b="0" i="0" u="none" strike="noStrike" cap="none" normalizeH="0" baseline="0" dirty="0">
-                <a:ln>
-                  <a:noFill/>
-                </a:ln>
-                <a:solidFill>
-                  <a:srgbClr val="666600"/>
-                </a:solidFill>
-                <a:effectLst/>
-                <a:latin typeface="Arial Unicode MS" panose="020B0604020202020204" pitchFamily="34" charset="-120"/>
-                <a:ea typeface="Droid Sans Mono"/>
-              </a:rPr>
-              <a:t>(</a:t>
-            </a:r>
-            <a:r>
-              <a:rPr kumimoji="0" lang="zh-TW" altLang="zh-TW" sz="1600" b="0" i="0" u="none" strike="noStrike" cap="none" normalizeH="0" baseline="0" dirty="0">
-                <a:ln>
-                  <a:noFill/>
-                </a:ln>
-                <a:solidFill>
-                  <a:srgbClr val="000000"/>
-                </a:solidFill>
-                <a:effectLst/>
-                <a:latin typeface="Arial Unicode MS" panose="020B0604020202020204" pitchFamily="34" charset="-120"/>
-                <a:ea typeface="Droid Sans Mono"/>
-              </a:rPr>
-              <a:t> </a:t>
-            </a:r>
-            <a:endParaRPr kumimoji="0" lang="en-US" altLang="zh-TW" sz="1600" b="0" i="0" u="none" strike="noStrike" cap="none" normalizeH="0" baseline="0" dirty="0">
-              <a:ln>
-                <a:noFill/>
-              </a:ln>
-              <a:solidFill>
-                <a:srgbClr val="000000"/>
-              </a:solidFill>
-              <a:effectLst/>
-              <a:latin typeface="Arial Unicode MS" panose="020B0604020202020204" pitchFamily="34" charset="-120"/>
-              <a:ea typeface="Droid Sans Mono"/>
-            </a:endParaRPr>
-          </a:p>
-          <a:p>
-            <a:pPr marL="0" marR="0" lvl="0" indent="0" algn="l" defTabSz="914400" rtl="0" eaLnBrk="0" fontAlgn="base" latinLnBrk="0" hangingPunct="0">
-              <a:lnSpc>
-                <a:spcPct val="100000"/>
-              </a:lnSpc>
-              <a:spcBef>
-                <a:spcPct val="0"/>
-              </a:spcBef>
-              <a:spcAft>
-                <a:spcPct val="0"/>
-              </a:spcAft>
-              <a:buClrTx/>
-              <a:buSzTx/>
-              <a:buFontTx/>
-              <a:buNone/>
-              <a:tabLst/>
-            </a:pPr>
-            <a:r>
-              <a:rPr lang="en-US" altLang="zh-TW" sz="1600" dirty="0">
-                <a:solidFill>
-                  <a:srgbClr val="000000"/>
-                </a:solidFill>
-                <a:latin typeface="Arial Unicode MS" panose="020B0604020202020204" pitchFamily="34" charset="-120"/>
-                <a:ea typeface="Droid Sans Mono"/>
-              </a:rPr>
-              <a:t>              </a:t>
-            </a:r>
-            <a:r>
-              <a:rPr kumimoji="0" lang="zh-TW" altLang="zh-TW" sz="1600" b="0" i="0" u="none" strike="noStrike" cap="none" normalizeH="0" baseline="0" dirty="0">
-                <a:ln>
-                  <a:noFill/>
-                </a:ln>
-                <a:solidFill>
-                  <a:srgbClr val="008800"/>
-                </a:solidFill>
-                <a:effectLst/>
-                <a:latin typeface="Arial Unicode MS" panose="020B0604020202020204" pitchFamily="34" charset="-120"/>
-                <a:ea typeface="Droid Sans Mono"/>
-              </a:rPr>
-              <a:t>"SELECT * FROM Person"</a:t>
-            </a:r>
-            <a:r>
-              <a:rPr kumimoji="0" lang="zh-TW" altLang="zh-TW" sz="1600" b="0" i="0" u="none" strike="noStrike" cap="none" normalizeH="0" baseline="0" dirty="0">
-                <a:ln>
-                  <a:noFill/>
-                </a:ln>
-                <a:solidFill>
-                  <a:srgbClr val="666600"/>
-                </a:solidFill>
-                <a:effectLst/>
-                <a:latin typeface="Arial Unicode MS" panose="020B0604020202020204" pitchFamily="34" charset="-120"/>
-                <a:ea typeface="Droid Sans Mono"/>
-              </a:rPr>
-              <a:t>,</a:t>
-            </a:r>
-            <a:r>
-              <a:rPr kumimoji="0" lang="zh-TW" altLang="zh-TW" sz="1600" b="0" i="0" u="none" strike="noStrike" cap="none" normalizeH="0" baseline="0" dirty="0">
-                <a:ln>
-                  <a:noFill/>
-                </a:ln>
-                <a:solidFill>
-                  <a:srgbClr val="000000"/>
-                </a:solidFill>
-                <a:effectLst/>
-                <a:latin typeface="Arial Unicode MS" panose="020B0604020202020204" pitchFamily="34" charset="-120"/>
-                <a:ea typeface="Droid Sans Mono"/>
-              </a:rPr>
-              <a:t> </a:t>
-            </a:r>
-            <a:r>
-              <a:rPr kumimoji="0" lang="zh-TW" altLang="zh-TW" sz="1600" b="0" i="0" u="none" strike="noStrike" cap="none" normalizeH="0" baseline="0" dirty="0">
-                <a:ln>
-                  <a:noFill/>
-                </a:ln>
-                <a:solidFill>
-                  <a:srgbClr val="660066"/>
-                </a:solidFill>
-                <a:effectLst/>
-                <a:latin typeface="Arial Unicode MS" panose="020B0604020202020204" pitchFamily="34" charset="-120"/>
-                <a:ea typeface="Droid Sans Mono"/>
-              </a:rPr>
-              <a:t>Person</a:t>
-            </a:r>
-            <a:r>
-              <a:rPr kumimoji="0" lang="zh-TW" altLang="zh-TW" sz="1600" b="0" i="0" u="none" strike="noStrike" cap="none" normalizeH="0" baseline="0" dirty="0">
-                <a:ln>
-                  <a:noFill/>
-                </a:ln>
-                <a:solidFill>
-                  <a:srgbClr val="666600"/>
-                </a:solidFill>
-                <a:effectLst/>
-                <a:latin typeface="Arial Unicode MS" panose="020B0604020202020204" pitchFamily="34" charset="-120"/>
-                <a:ea typeface="Droid Sans Mono"/>
-              </a:rPr>
-              <a:t>.</a:t>
-            </a:r>
-            <a:r>
-              <a:rPr kumimoji="0" lang="zh-TW" altLang="zh-TW" sz="1600" b="0" i="0" u="none" strike="noStrike" cap="none" normalizeH="0" baseline="0" dirty="0">
-                <a:ln>
-                  <a:noFill/>
-                </a:ln>
-                <a:solidFill>
-                  <a:srgbClr val="000088"/>
-                </a:solidFill>
-                <a:effectLst/>
-                <a:latin typeface="Arial Unicode MS" panose="020B0604020202020204" pitchFamily="34" charset="-120"/>
-                <a:ea typeface="Droid Sans Mono"/>
-              </a:rPr>
-              <a:t>class</a:t>
-            </a:r>
-            <a:r>
-              <a:rPr kumimoji="0" lang="zh-TW" altLang="zh-TW" sz="1600" b="0" i="0" u="none" strike="noStrike" cap="none" normalizeH="0" baseline="0" dirty="0">
-                <a:ln>
-                  <a:noFill/>
-                </a:ln>
-                <a:solidFill>
-                  <a:srgbClr val="000000"/>
-                </a:solidFill>
-                <a:effectLst/>
-                <a:latin typeface="Arial Unicode MS" panose="020B0604020202020204" pitchFamily="34" charset="-120"/>
-                <a:ea typeface="Droid Sans Mono"/>
-              </a:rPr>
-              <a:t> </a:t>
-            </a:r>
-            <a:r>
-              <a:rPr kumimoji="0" lang="zh-TW" altLang="zh-TW" sz="1600" b="0" i="0" u="none" strike="noStrike" cap="none" normalizeH="0" baseline="0" dirty="0">
-                <a:ln>
-                  <a:noFill/>
-                </a:ln>
-                <a:solidFill>
-                  <a:srgbClr val="666600"/>
-                </a:solidFill>
-                <a:effectLst/>
-                <a:latin typeface="Arial Unicode MS" panose="020B0604020202020204" pitchFamily="34" charset="-120"/>
-                <a:ea typeface="Droid Sans Mono"/>
-              </a:rPr>
-              <a:t>)</a:t>
-            </a:r>
-            <a:endParaRPr kumimoji="0" lang="en-US" altLang="zh-TW" sz="1600" b="0" i="0" u="none" strike="noStrike" cap="none" normalizeH="0" baseline="0" dirty="0">
-              <a:ln>
-                <a:noFill/>
-              </a:ln>
-              <a:solidFill>
-                <a:srgbClr val="666600"/>
-              </a:solidFill>
-              <a:effectLst/>
-              <a:latin typeface="Arial Unicode MS" panose="020B0604020202020204" pitchFamily="34" charset="-120"/>
-              <a:ea typeface="Droid Sans Mono"/>
-            </a:endParaRPr>
-          </a:p>
-          <a:p>
-            <a:pPr marL="0" marR="0" lvl="0" indent="0" algn="l" defTabSz="914400" rtl="0" eaLnBrk="0" fontAlgn="base" latinLnBrk="0" hangingPunct="0">
-              <a:lnSpc>
-                <a:spcPct val="100000"/>
-              </a:lnSpc>
-              <a:spcBef>
-                <a:spcPct val="0"/>
-              </a:spcBef>
-              <a:spcAft>
-                <a:spcPct val="0"/>
-              </a:spcAft>
-              <a:buClrTx/>
-              <a:buSzTx/>
-              <a:buFontTx/>
-              <a:buNone/>
-              <a:tabLst/>
-            </a:pPr>
-            <a:r>
-              <a:rPr kumimoji="0" lang="en-US" altLang="zh-TW" sz="1600" b="0" i="0" u="none" strike="noStrike" cap="none" normalizeH="0" baseline="0" dirty="0">
-                <a:ln>
-                  <a:noFill/>
-                </a:ln>
-                <a:solidFill>
-                  <a:srgbClr val="000000"/>
-                </a:solidFill>
-                <a:effectLst/>
-                <a:latin typeface="Arial Unicode MS" panose="020B0604020202020204" pitchFamily="34" charset="-120"/>
-                <a:ea typeface="Droid Sans Mono"/>
-              </a:rPr>
-              <a:t>             </a:t>
-            </a:r>
-            <a:r>
-              <a:rPr kumimoji="0" lang="zh-TW" altLang="zh-TW" sz="1600" b="0" i="0" u="none" strike="noStrike" cap="none" normalizeH="0" baseline="0" dirty="0">
-                <a:ln>
-                  <a:noFill/>
-                </a:ln>
-                <a:solidFill>
-                  <a:srgbClr val="000000"/>
-                </a:solidFill>
-                <a:effectLst/>
-                <a:latin typeface="Arial Unicode MS" panose="020B0604020202020204" pitchFamily="34" charset="-120"/>
-                <a:ea typeface="Droid Sans Mono"/>
-              </a:rPr>
-              <a:t> </a:t>
-            </a:r>
-            <a:r>
-              <a:rPr kumimoji="0" lang="zh-TW" altLang="zh-TW" sz="1600" b="0" i="0" u="none" strike="noStrike" cap="none" normalizeH="0" baseline="0" dirty="0">
-                <a:ln>
-                  <a:noFill/>
-                </a:ln>
-                <a:solidFill>
-                  <a:srgbClr val="666600"/>
-                </a:solidFill>
-                <a:effectLst/>
-                <a:latin typeface="Arial Unicode MS" panose="020B0604020202020204" pitchFamily="34" charset="-120"/>
-                <a:ea typeface="Droid Sans Mono"/>
-              </a:rPr>
-              <a:t>.</a:t>
-            </a:r>
-            <a:r>
-              <a:rPr kumimoji="0" lang="zh-TW" altLang="zh-TW" sz="1600" b="0" i="0" u="none" strike="noStrike" cap="none" normalizeH="0" baseline="0" dirty="0">
-                <a:ln>
-                  <a:noFill/>
-                </a:ln>
-                <a:solidFill>
-                  <a:srgbClr val="000000"/>
-                </a:solidFill>
-                <a:effectLst/>
-                <a:latin typeface="Arial Unicode MS" panose="020B0604020202020204" pitchFamily="34" charset="-120"/>
-                <a:ea typeface="Droid Sans Mono"/>
-              </a:rPr>
-              <a:t>getResultList</a:t>
-            </a:r>
-            <a:r>
-              <a:rPr kumimoji="0" lang="zh-TW" altLang="zh-TW" sz="1600" b="0" i="0" u="none" strike="noStrike" cap="none" normalizeH="0" baseline="0" dirty="0">
-                <a:ln>
-                  <a:noFill/>
-                </a:ln>
-                <a:solidFill>
-                  <a:srgbClr val="666600"/>
-                </a:solidFill>
-                <a:effectLst/>
-                <a:latin typeface="Arial Unicode MS" panose="020B0604020202020204" pitchFamily="34" charset="-120"/>
-                <a:ea typeface="Droid Sans Mono"/>
-              </a:rPr>
-              <a:t>();</a:t>
-            </a:r>
-            <a:r>
-              <a:rPr kumimoji="0" lang="zh-TW" altLang="zh-TW" sz="1600" b="0" i="0" u="none" strike="noStrike" cap="none" normalizeH="0" baseline="0" dirty="0">
-                <a:ln>
-                  <a:noFill/>
-                </a:ln>
-                <a:solidFill>
-                  <a:schemeClr val="tx1"/>
-                </a:solidFill>
-                <a:effectLst/>
-              </a:rPr>
-              <a:t> </a:t>
-            </a:r>
-            <a:endParaRPr kumimoji="0" lang="zh-TW" altLang="zh-TW" sz="1600" b="0" i="0" u="none" strike="noStrike" cap="none" normalizeH="0" baseline="0" dirty="0">
-              <a:ln>
-                <a:noFill/>
-              </a:ln>
-              <a:solidFill>
-                <a:schemeClr val="tx1"/>
-              </a:solidFill>
-              <a:effectLst/>
-              <a:latin typeface="Arial" panose="020B0604020202020204" pitchFamily="34" charset="0"/>
-            </a:endParaRPr>
-          </a:p>
-        </p:txBody>
-      </p:sp>
-      <p:sp>
-        <p:nvSpPr>
-          <p:cNvPr id="5" name="Rectangle 1">
-            <a:extLst>
-              <a:ext uri="{FF2B5EF4-FFF2-40B4-BE49-F238E27FC236}">
-                <a16:creationId xmlns:a16="http://schemas.microsoft.com/office/drawing/2014/main" id="{8412BDF4-9171-48C2-AB4D-901C7BAC301F}"/>
-              </a:ext>
-            </a:extLst>
-          </p:cNvPr>
-          <p:cNvSpPr>
-            <a:spLocks noChangeArrowheads="1"/>
-          </p:cNvSpPr>
-          <p:nvPr/>
-        </p:nvSpPr>
-        <p:spPr bwMode="auto">
-          <a:xfrm>
-            <a:off x="1261314" y="4451887"/>
-            <a:ext cx="5762796" cy="1231106"/>
-          </a:xfrm>
-          <a:prstGeom prst="rect">
-            <a:avLst/>
-          </a:prstGeom>
-          <a:solidFill>
-            <a:srgbClr val="F7F7F8"/>
-          </a:solidFill>
-          <a:ln>
-            <a:noFill/>
-          </a:ln>
-          <a:effectLst/>
-          <a:extLst>
-            <a:ext uri="{91240B29-F687-4F45-9708-019B960494DF}">
-              <a14:hiddenLine xmlns:a14="http://schemas.microsoft.com/office/drawing/2010/main" w="9525">
-                <a:solidFill>
-                  <a:schemeClr val="tx1"/>
-                </a:solidFill>
-                <a:miter lim="800000"/>
-                <a:headEnd/>
-                <a:tailEnd/>
-              </a14:hiddenLine>
-            </a:ext>
-            <a:ext uri="{AF507438-7753-43E0-B8FC-AC1667EBCBE1}">
-              <a14:hiddenEffects xmlns:a14="http://schemas.microsoft.com/office/drawing/2010/main">
-                <a:effectLst>
-                  <a:outerShdw dist="35921" dir="2700000" algn="ctr" rotWithShape="0">
-                    <a:schemeClr val="bg2"/>
-                  </a:outerShdw>
-                </a:effectLst>
-              </a14:hiddenEffects>
-            </a:ext>
-          </a:extLst>
-        </p:spPr>
-        <p:txBody>
-          <a:bodyPr vert="horz" wrap="none" lIns="0" tIns="0" rIns="0" bIns="0" numCol="1" anchor="ctr" anchorCtr="0" compatLnSpc="1">
-            <a:prstTxWarp prst="textNoShape">
-              <a:avLst/>
-            </a:prstTxWarp>
-            <a:spAutoFit/>
-          </a:bodyPr>
-          <a:lstStyle/>
-          <a:p>
-            <a:pPr marL="0" marR="0" lvl="0" indent="0" algn="l" defTabSz="914400" rtl="0" eaLnBrk="0" fontAlgn="base" latinLnBrk="0" hangingPunct="0">
-              <a:lnSpc>
-                <a:spcPct val="100000"/>
-              </a:lnSpc>
-              <a:spcBef>
-                <a:spcPct val="0"/>
-              </a:spcBef>
-              <a:spcAft>
-                <a:spcPct val="0"/>
-              </a:spcAft>
-              <a:buClrTx/>
-              <a:buSzTx/>
-              <a:buFontTx/>
-              <a:buNone/>
-              <a:tabLst/>
-            </a:pPr>
-            <a:r>
-              <a:rPr kumimoji="0" lang="zh-TW" altLang="zh-TW" sz="1600" b="0" i="0" u="none" strike="noStrike" cap="none" normalizeH="0" baseline="0" dirty="0">
-                <a:ln>
-                  <a:noFill/>
-                </a:ln>
-                <a:solidFill>
-                  <a:srgbClr val="660066"/>
-                </a:solidFill>
-                <a:effectLst/>
-                <a:latin typeface="Arial Unicode MS" panose="020B0604020202020204" pitchFamily="34" charset="-120"/>
-                <a:ea typeface="Droid Sans Mono"/>
-              </a:rPr>
-              <a:t>List</a:t>
-            </a:r>
-            <a:r>
-              <a:rPr kumimoji="0" lang="zh-TW" altLang="zh-TW" sz="1600" b="0" i="0" u="none" strike="noStrike" cap="none" normalizeH="0" baseline="0" dirty="0">
-                <a:ln>
-                  <a:noFill/>
-                </a:ln>
-                <a:solidFill>
-                  <a:srgbClr val="666600"/>
-                </a:solidFill>
-                <a:effectLst/>
-                <a:latin typeface="Arial Unicode MS" panose="020B0604020202020204" pitchFamily="34" charset="-120"/>
-                <a:ea typeface="Droid Sans Mono"/>
-              </a:rPr>
-              <a:t>&lt;</a:t>
-            </a:r>
-            <a:r>
-              <a:rPr kumimoji="0" lang="zh-TW" altLang="zh-TW" sz="1600" b="0" i="0" u="none" strike="noStrike" cap="none" normalizeH="0" baseline="0" dirty="0">
-                <a:ln>
-                  <a:noFill/>
-                </a:ln>
-                <a:solidFill>
-                  <a:srgbClr val="660066"/>
-                </a:solidFill>
-                <a:effectLst/>
-                <a:latin typeface="Arial Unicode MS" panose="020B0604020202020204" pitchFamily="34" charset="-120"/>
-                <a:ea typeface="Droid Sans Mono"/>
-              </a:rPr>
-              <a:t>Person</a:t>
-            </a:r>
-            <a:r>
-              <a:rPr kumimoji="0" lang="zh-TW" altLang="zh-TW" sz="1600" b="0" i="0" u="none" strike="noStrike" cap="none" normalizeH="0" baseline="0" dirty="0">
-                <a:ln>
-                  <a:noFill/>
-                </a:ln>
-                <a:solidFill>
-                  <a:srgbClr val="666600"/>
-                </a:solidFill>
-                <a:effectLst/>
-                <a:latin typeface="Arial Unicode MS" panose="020B0604020202020204" pitchFamily="34" charset="-120"/>
-                <a:ea typeface="Droid Sans Mono"/>
-              </a:rPr>
-              <a:t>&gt;</a:t>
-            </a:r>
-            <a:r>
-              <a:rPr kumimoji="0" lang="zh-TW" altLang="zh-TW" sz="1600" b="0" i="0" u="none" strike="noStrike" cap="none" normalizeH="0" baseline="0" dirty="0">
-                <a:ln>
-                  <a:noFill/>
-                </a:ln>
-                <a:solidFill>
-                  <a:srgbClr val="000000"/>
-                </a:solidFill>
-                <a:effectLst/>
-                <a:latin typeface="Arial Unicode MS" panose="020B0604020202020204" pitchFamily="34" charset="-120"/>
-                <a:ea typeface="Droid Sans Mono"/>
-              </a:rPr>
-              <a:t> persons </a:t>
-            </a:r>
-            <a:r>
-              <a:rPr kumimoji="0" lang="zh-TW" altLang="zh-TW" sz="1600" b="0" i="0" u="none" strike="noStrike" cap="none" normalizeH="0" baseline="0" dirty="0">
-                <a:ln>
-                  <a:noFill/>
-                </a:ln>
-                <a:solidFill>
-                  <a:srgbClr val="666600"/>
-                </a:solidFill>
-                <a:effectLst/>
-                <a:latin typeface="Arial Unicode MS" panose="020B0604020202020204" pitchFamily="34" charset="-120"/>
-                <a:ea typeface="Droid Sans Mono"/>
-              </a:rPr>
-              <a:t>=</a:t>
-            </a:r>
-            <a:r>
-              <a:rPr kumimoji="0" lang="zh-TW" altLang="zh-TW" sz="1600" b="0" i="0" u="none" strike="noStrike" cap="none" normalizeH="0" baseline="0" dirty="0">
-                <a:ln>
-                  <a:noFill/>
-                </a:ln>
-                <a:solidFill>
-                  <a:srgbClr val="000000"/>
-                </a:solidFill>
-                <a:effectLst/>
-                <a:latin typeface="Arial Unicode MS" panose="020B0604020202020204" pitchFamily="34" charset="-120"/>
-                <a:ea typeface="Droid Sans Mono"/>
-              </a:rPr>
-              <a:t> session</a:t>
-            </a:r>
-            <a:r>
-              <a:rPr kumimoji="0" lang="zh-TW" altLang="zh-TW" sz="1600" b="0" i="0" u="none" strike="noStrike" cap="none" normalizeH="0" baseline="0" dirty="0">
-                <a:ln>
-                  <a:noFill/>
-                </a:ln>
-                <a:solidFill>
-                  <a:srgbClr val="666600"/>
-                </a:solidFill>
-                <a:effectLst/>
-                <a:latin typeface="Arial Unicode MS" panose="020B0604020202020204" pitchFamily="34" charset="-120"/>
-                <a:ea typeface="Droid Sans Mono"/>
-              </a:rPr>
-              <a:t>.</a:t>
-            </a:r>
-            <a:r>
-              <a:rPr kumimoji="0" lang="zh-TW" altLang="zh-TW" sz="1600" b="0" i="0" u="none" strike="noStrike" cap="none" normalizeH="0" baseline="0" dirty="0">
-                <a:ln>
-                  <a:noFill/>
-                </a:ln>
-                <a:solidFill>
-                  <a:srgbClr val="000000"/>
-                </a:solidFill>
-                <a:effectLst/>
-                <a:latin typeface="Arial Unicode MS" panose="020B0604020202020204" pitchFamily="34" charset="-120"/>
-                <a:ea typeface="Droid Sans Mono"/>
-              </a:rPr>
-              <a:t>createNativeQuery</a:t>
-            </a:r>
-            <a:r>
-              <a:rPr kumimoji="0" lang="zh-TW" altLang="zh-TW" sz="1600" b="0" i="0" u="none" strike="noStrike" cap="none" normalizeH="0" baseline="0" dirty="0">
-                <a:ln>
-                  <a:noFill/>
-                </a:ln>
-                <a:solidFill>
-                  <a:srgbClr val="666600"/>
-                </a:solidFill>
-                <a:effectLst/>
-                <a:latin typeface="Arial Unicode MS" panose="020B0604020202020204" pitchFamily="34" charset="-120"/>
-                <a:ea typeface="Droid Sans Mono"/>
-              </a:rPr>
-              <a:t>(</a:t>
-            </a:r>
-            <a:r>
-              <a:rPr kumimoji="0" lang="zh-TW" altLang="zh-TW" sz="1600" b="0" i="0" u="none" strike="noStrike" cap="none" normalizeH="0" baseline="0" dirty="0">
-                <a:ln>
-                  <a:noFill/>
-                </a:ln>
-                <a:solidFill>
-                  <a:srgbClr val="000000"/>
-                </a:solidFill>
-                <a:effectLst/>
-                <a:latin typeface="Arial Unicode MS" panose="020B0604020202020204" pitchFamily="34" charset="-120"/>
-                <a:ea typeface="Droid Sans Mono"/>
-              </a:rPr>
-              <a:t> </a:t>
-            </a:r>
-            <a:endParaRPr kumimoji="0" lang="en-US" altLang="zh-TW" sz="1600" b="0" i="0" u="none" strike="noStrike" cap="none" normalizeH="0" baseline="0" dirty="0">
-              <a:ln>
-                <a:noFill/>
-              </a:ln>
-              <a:solidFill>
-                <a:srgbClr val="000000"/>
-              </a:solidFill>
-              <a:effectLst/>
-              <a:latin typeface="Arial Unicode MS" panose="020B0604020202020204" pitchFamily="34" charset="-120"/>
-              <a:ea typeface="Droid Sans Mono"/>
-            </a:endParaRPr>
-          </a:p>
-          <a:p>
-            <a:pPr marL="0" marR="0" lvl="0" indent="0" algn="l" defTabSz="914400" rtl="0" eaLnBrk="0" fontAlgn="base" latinLnBrk="0" hangingPunct="0">
-              <a:lnSpc>
-                <a:spcPct val="100000"/>
-              </a:lnSpc>
-              <a:spcBef>
-                <a:spcPct val="0"/>
-              </a:spcBef>
-              <a:spcAft>
-                <a:spcPct val="0"/>
-              </a:spcAft>
-              <a:buClrTx/>
-              <a:buSzTx/>
-              <a:buFontTx/>
-              <a:buNone/>
-              <a:tabLst/>
-            </a:pPr>
-            <a:r>
-              <a:rPr lang="en-US" altLang="zh-TW" sz="1600" dirty="0">
-                <a:solidFill>
-                  <a:srgbClr val="000000"/>
-                </a:solidFill>
-                <a:latin typeface="Arial Unicode MS" panose="020B0604020202020204" pitchFamily="34" charset="-120"/>
-                <a:ea typeface="Droid Sans Mono"/>
-              </a:rPr>
-              <a:t>              </a:t>
-            </a:r>
-            <a:r>
-              <a:rPr kumimoji="0" lang="zh-TW" altLang="zh-TW" sz="1600" b="0" i="0" u="none" strike="noStrike" cap="none" normalizeH="0" baseline="0" dirty="0">
-                <a:ln>
-                  <a:noFill/>
-                </a:ln>
-                <a:solidFill>
-                  <a:srgbClr val="008800"/>
-                </a:solidFill>
-                <a:effectLst/>
-                <a:latin typeface="Arial Unicode MS" panose="020B0604020202020204" pitchFamily="34" charset="-120"/>
-                <a:ea typeface="Droid Sans Mono"/>
-              </a:rPr>
-              <a:t>"SELECT * FROM Person WHERE name like :name"</a:t>
-            </a:r>
-            <a:r>
-              <a:rPr kumimoji="0" lang="zh-TW" altLang="zh-TW" sz="1600" b="0" i="0" u="none" strike="noStrike" cap="none" normalizeH="0" baseline="0" dirty="0">
-                <a:ln>
-                  <a:noFill/>
-                </a:ln>
-                <a:solidFill>
-                  <a:srgbClr val="000000"/>
-                </a:solidFill>
-                <a:effectLst/>
-                <a:latin typeface="Arial Unicode MS" panose="020B0604020202020204" pitchFamily="34" charset="-120"/>
-                <a:ea typeface="Droid Sans Mono"/>
-              </a:rPr>
-              <a:t> </a:t>
-            </a:r>
-            <a:r>
-              <a:rPr kumimoji="0" lang="zh-TW" altLang="zh-TW" sz="1600" b="0" i="0" u="none" strike="noStrike" cap="none" normalizeH="0" baseline="0" dirty="0">
-                <a:ln>
-                  <a:noFill/>
-                </a:ln>
-                <a:solidFill>
-                  <a:srgbClr val="666600"/>
-                </a:solidFill>
-                <a:effectLst/>
-                <a:latin typeface="Arial Unicode MS" panose="020B0604020202020204" pitchFamily="34" charset="-120"/>
-                <a:ea typeface="Droid Sans Mono"/>
-              </a:rPr>
-              <a:t>)</a:t>
-            </a:r>
-            <a:endParaRPr kumimoji="0" lang="en-US" altLang="zh-TW" sz="1600" b="0" i="0" u="none" strike="noStrike" cap="none" normalizeH="0" baseline="0" dirty="0">
-              <a:ln>
-                <a:noFill/>
-              </a:ln>
-              <a:solidFill>
-                <a:srgbClr val="666600"/>
-              </a:solidFill>
-              <a:effectLst/>
-              <a:latin typeface="Arial Unicode MS" panose="020B0604020202020204" pitchFamily="34" charset="-120"/>
-              <a:ea typeface="Droid Sans Mono"/>
-            </a:endParaRPr>
-          </a:p>
-          <a:p>
-            <a:pPr marL="0" marR="0" lvl="0" indent="0" algn="l" defTabSz="914400" rtl="0" eaLnBrk="0" fontAlgn="base" latinLnBrk="0" hangingPunct="0">
-              <a:lnSpc>
-                <a:spcPct val="100000"/>
-              </a:lnSpc>
-              <a:spcBef>
-                <a:spcPct val="0"/>
-              </a:spcBef>
-              <a:spcAft>
-                <a:spcPct val="0"/>
-              </a:spcAft>
-              <a:buClrTx/>
-              <a:buSzTx/>
-              <a:buFontTx/>
-              <a:buNone/>
-              <a:tabLst/>
-            </a:pPr>
-            <a:r>
-              <a:rPr kumimoji="0" lang="en-US" altLang="zh-TW" sz="1600" b="0" i="0" u="none" strike="noStrike" cap="none" normalizeH="0" baseline="0" dirty="0">
-                <a:ln>
-                  <a:noFill/>
-                </a:ln>
-                <a:solidFill>
-                  <a:srgbClr val="000000"/>
-                </a:solidFill>
-                <a:effectLst/>
-                <a:latin typeface="Arial Unicode MS" panose="020B0604020202020204" pitchFamily="34" charset="-120"/>
-                <a:ea typeface="Droid Sans Mono"/>
-              </a:rPr>
-              <a:t>             </a:t>
-            </a:r>
-            <a:r>
-              <a:rPr kumimoji="0" lang="zh-TW" altLang="zh-TW" sz="1600" b="0" i="0" u="none" strike="noStrike" cap="none" normalizeH="0" baseline="0" dirty="0">
-                <a:ln>
-                  <a:noFill/>
-                </a:ln>
-                <a:solidFill>
-                  <a:srgbClr val="000000"/>
-                </a:solidFill>
-                <a:effectLst/>
-                <a:latin typeface="Arial Unicode MS" panose="020B0604020202020204" pitchFamily="34" charset="-120"/>
-                <a:ea typeface="Droid Sans Mono"/>
-              </a:rPr>
-              <a:t> </a:t>
-            </a:r>
-            <a:r>
-              <a:rPr kumimoji="0" lang="zh-TW" altLang="zh-TW" sz="1600" b="0" i="0" u="none" strike="noStrike" cap="none" normalizeH="0" baseline="0" dirty="0">
-                <a:ln>
-                  <a:noFill/>
-                </a:ln>
-                <a:solidFill>
-                  <a:srgbClr val="666600"/>
-                </a:solidFill>
-                <a:effectLst/>
-                <a:latin typeface="Arial Unicode MS" panose="020B0604020202020204" pitchFamily="34" charset="-120"/>
-                <a:ea typeface="Droid Sans Mono"/>
-              </a:rPr>
-              <a:t>.</a:t>
-            </a:r>
-            <a:r>
-              <a:rPr kumimoji="0" lang="zh-TW" altLang="zh-TW" sz="1600" b="0" i="0" u="none" strike="noStrike" cap="none" normalizeH="0" baseline="0" dirty="0">
-                <a:ln>
-                  <a:noFill/>
-                </a:ln>
-                <a:solidFill>
-                  <a:srgbClr val="000000"/>
-                </a:solidFill>
-                <a:effectLst/>
-                <a:latin typeface="Arial Unicode MS" panose="020B0604020202020204" pitchFamily="34" charset="-120"/>
-                <a:ea typeface="Droid Sans Mono"/>
-              </a:rPr>
-              <a:t>addEntity</a:t>
-            </a:r>
-            <a:r>
-              <a:rPr kumimoji="0" lang="zh-TW" altLang="zh-TW" sz="1600" b="0" i="0" u="none" strike="noStrike" cap="none" normalizeH="0" baseline="0" dirty="0">
-                <a:ln>
-                  <a:noFill/>
-                </a:ln>
-                <a:solidFill>
-                  <a:srgbClr val="666600"/>
-                </a:solidFill>
-                <a:effectLst/>
-                <a:latin typeface="Arial Unicode MS" panose="020B0604020202020204" pitchFamily="34" charset="-120"/>
-                <a:ea typeface="Droid Sans Mono"/>
-              </a:rPr>
-              <a:t>(</a:t>
-            </a:r>
-            <a:r>
-              <a:rPr kumimoji="0" lang="zh-TW" altLang="zh-TW" sz="1600" b="0" i="0" u="none" strike="noStrike" cap="none" normalizeH="0" baseline="0" dirty="0">
-                <a:ln>
-                  <a:noFill/>
-                </a:ln>
-                <a:solidFill>
-                  <a:srgbClr val="000000"/>
-                </a:solidFill>
-                <a:effectLst/>
-                <a:latin typeface="Arial Unicode MS" panose="020B0604020202020204" pitchFamily="34" charset="-120"/>
-                <a:ea typeface="Droid Sans Mono"/>
-              </a:rPr>
-              <a:t> </a:t>
-            </a:r>
-            <a:r>
-              <a:rPr kumimoji="0" lang="zh-TW" altLang="zh-TW" sz="1600" b="0" i="0" u="none" strike="noStrike" cap="none" normalizeH="0" baseline="0" dirty="0">
-                <a:ln>
-                  <a:noFill/>
-                </a:ln>
-                <a:solidFill>
-                  <a:srgbClr val="660066"/>
-                </a:solidFill>
-                <a:effectLst/>
-                <a:latin typeface="Arial Unicode MS" panose="020B0604020202020204" pitchFamily="34" charset="-120"/>
-                <a:ea typeface="Droid Sans Mono"/>
-              </a:rPr>
-              <a:t>Person</a:t>
-            </a:r>
-            <a:r>
-              <a:rPr kumimoji="0" lang="zh-TW" altLang="zh-TW" sz="1600" b="0" i="0" u="none" strike="noStrike" cap="none" normalizeH="0" baseline="0" dirty="0">
-                <a:ln>
-                  <a:noFill/>
-                </a:ln>
-                <a:solidFill>
-                  <a:srgbClr val="666600"/>
-                </a:solidFill>
-                <a:effectLst/>
-                <a:latin typeface="Arial Unicode MS" panose="020B0604020202020204" pitchFamily="34" charset="-120"/>
-                <a:ea typeface="Droid Sans Mono"/>
-              </a:rPr>
-              <a:t>.</a:t>
-            </a:r>
-            <a:r>
-              <a:rPr kumimoji="0" lang="zh-TW" altLang="zh-TW" sz="1600" b="0" i="0" u="none" strike="noStrike" cap="none" normalizeH="0" baseline="0" dirty="0">
-                <a:ln>
-                  <a:noFill/>
-                </a:ln>
-                <a:solidFill>
-                  <a:srgbClr val="000088"/>
-                </a:solidFill>
-                <a:effectLst/>
-                <a:latin typeface="Arial Unicode MS" panose="020B0604020202020204" pitchFamily="34" charset="-120"/>
-                <a:ea typeface="Droid Sans Mono"/>
-              </a:rPr>
-              <a:t>class</a:t>
-            </a:r>
-            <a:r>
-              <a:rPr kumimoji="0" lang="zh-TW" altLang="zh-TW" sz="1600" b="0" i="0" u="none" strike="noStrike" cap="none" normalizeH="0" baseline="0" dirty="0">
-                <a:ln>
-                  <a:noFill/>
-                </a:ln>
-                <a:solidFill>
-                  <a:srgbClr val="000000"/>
-                </a:solidFill>
-                <a:effectLst/>
-                <a:latin typeface="Arial Unicode MS" panose="020B0604020202020204" pitchFamily="34" charset="-120"/>
-                <a:ea typeface="Droid Sans Mono"/>
-              </a:rPr>
-              <a:t> </a:t>
-            </a:r>
-            <a:r>
-              <a:rPr kumimoji="0" lang="zh-TW" altLang="zh-TW" sz="1600" b="0" i="0" u="none" strike="noStrike" cap="none" normalizeH="0" baseline="0" dirty="0">
-                <a:ln>
-                  <a:noFill/>
-                </a:ln>
-                <a:solidFill>
-                  <a:srgbClr val="666600"/>
-                </a:solidFill>
-                <a:effectLst/>
-                <a:latin typeface="Arial Unicode MS" panose="020B0604020202020204" pitchFamily="34" charset="-120"/>
-                <a:ea typeface="Droid Sans Mono"/>
-              </a:rPr>
-              <a:t>)</a:t>
-            </a:r>
-            <a:endParaRPr kumimoji="0" lang="en-US" altLang="zh-TW" sz="1600" b="0" i="0" u="none" strike="noStrike" cap="none" normalizeH="0" baseline="0" dirty="0">
-              <a:ln>
-                <a:noFill/>
-              </a:ln>
-              <a:solidFill>
-                <a:srgbClr val="666600"/>
-              </a:solidFill>
-              <a:effectLst/>
-              <a:latin typeface="Arial Unicode MS" panose="020B0604020202020204" pitchFamily="34" charset="-120"/>
-              <a:ea typeface="Droid Sans Mono"/>
-            </a:endParaRPr>
-          </a:p>
-          <a:p>
-            <a:pPr marL="0" marR="0" lvl="0" indent="0" algn="l" defTabSz="914400" rtl="0" eaLnBrk="0" fontAlgn="base" latinLnBrk="0" hangingPunct="0">
-              <a:lnSpc>
-                <a:spcPct val="100000"/>
-              </a:lnSpc>
-              <a:spcBef>
-                <a:spcPct val="0"/>
-              </a:spcBef>
-              <a:spcAft>
-                <a:spcPct val="0"/>
-              </a:spcAft>
-              <a:buClrTx/>
-              <a:buSzTx/>
-              <a:buFontTx/>
-              <a:buNone/>
-              <a:tabLst/>
-            </a:pPr>
-            <a:r>
-              <a:rPr kumimoji="0" lang="en-US" altLang="zh-TW" sz="1600" b="0" i="0" u="none" strike="noStrike" cap="none" normalizeH="0" baseline="0" dirty="0">
-                <a:ln>
-                  <a:noFill/>
-                </a:ln>
-                <a:solidFill>
-                  <a:srgbClr val="000000"/>
-                </a:solidFill>
-                <a:effectLst/>
-                <a:latin typeface="Arial Unicode MS" panose="020B0604020202020204" pitchFamily="34" charset="-120"/>
-                <a:ea typeface="Droid Sans Mono"/>
-              </a:rPr>
-              <a:t>             </a:t>
-            </a:r>
-            <a:r>
-              <a:rPr kumimoji="0" lang="zh-TW" altLang="zh-TW" sz="1600" b="0" i="0" u="none" strike="noStrike" cap="none" normalizeH="0" baseline="0" dirty="0">
-                <a:ln>
-                  <a:noFill/>
-                </a:ln>
-                <a:solidFill>
-                  <a:srgbClr val="000000"/>
-                </a:solidFill>
-                <a:effectLst/>
-                <a:latin typeface="Arial Unicode MS" panose="020B0604020202020204" pitchFamily="34" charset="-120"/>
-                <a:ea typeface="Droid Sans Mono"/>
-              </a:rPr>
-              <a:t> </a:t>
-            </a:r>
-            <a:r>
-              <a:rPr kumimoji="0" lang="zh-TW" altLang="zh-TW" sz="1600" b="0" i="0" u="none" strike="noStrike" cap="none" normalizeH="0" baseline="0" dirty="0">
-                <a:ln>
-                  <a:noFill/>
-                </a:ln>
-                <a:solidFill>
-                  <a:srgbClr val="666600"/>
-                </a:solidFill>
-                <a:effectLst/>
-                <a:latin typeface="Arial Unicode MS" panose="020B0604020202020204" pitchFamily="34" charset="-120"/>
-                <a:ea typeface="Droid Sans Mono"/>
-              </a:rPr>
-              <a:t>.</a:t>
-            </a:r>
-            <a:r>
-              <a:rPr kumimoji="0" lang="zh-TW" altLang="zh-TW" sz="1600" b="0" i="0" u="none" strike="noStrike" cap="none" normalizeH="0" baseline="0" dirty="0">
-                <a:ln>
-                  <a:noFill/>
-                </a:ln>
-                <a:solidFill>
-                  <a:srgbClr val="000000"/>
-                </a:solidFill>
-                <a:effectLst/>
-                <a:latin typeface="Arial Unicode MS" panose="020B0604020202020204" pitchFamily="34" charset="-120"/>
-                <a:ea typeface="Droid Sans Mono"/>
-              </a:rPr>
-              <a:t>setParameter</a:t>
-            </a:r>
-            <a:r>
-              <a:rPr kumimoji="0" lang="zh-TW" altLang="zh-TW" sz="1600" b="0" i="0" u="none" strike="noStrike" cap="none" normalizeH="0" baseline="0" dirty="0">
-                <a:ln>
-                  <a:noFill/>
-                </a:ln>
-                <a:solidFill>
-                  <a:srgbClr val="666600"/>
-                </a:solidFill>
-                <a:effectLst/>
-                <a:latin typeface="Arial Unicode MS" panose="020B0604020202020204" pitchFamily="34" charset="-120"/>
-                <a:ea typeface="Droid Sans Mono"/>
-              </a:rPr>
-              <a:t>(</a:t>
-            </a:r>
-            <a:r>
-              <a:rPr kumimoji="0" lang="zh-TW" altLang="zh-TW" sz="1600" b="0" i="0" u="none" strike="noStrike" cap="none" normalizeH="0" baseline="0" dirty="0">
-                <a:ln>
-                  <a:noFill/>
-                </a:ln>
-                <a:solidFill>
-                  <a:srgbClr val="008800"/>
-                </a:solidFill>
-                <a:effectLst/>
-                <a:latin typeface="Arial Unicode MS" panose="020B0604020202020204" pitchFamily="34" charset="-120"/>
-                <a:ea typeface="Droid Sans Mono"/>
-              </a:rPr>
-              <a:t>"name"</a:t>
-            </a:r>
-            <a:r>
-              <a:rPr kumimoji="0" lang="zh-TW" altLang="zh-TW" sz="1600" b="0" i="0" u="none" strike="noStrike" cap="none" normalizeH="0" baseline="0" dirty="0">
-                <a:ln>
-                  <a:noFill/>
-                </a:ln>
-                <a:solidFill>
-                  <a:srgbClr val="666600"/>
-                </a:solidFill>
-                <a:effectLst/>
-                <a:latin typeface="Arial Unicode MS" panose="020B0604020202020204" pitchFamily="34" charset="-120"/>
-                <a:ea typeface="Droid Sans Mono"/>
-              </a:rPr>
-              <a:t>,</a:t>
-            </a:r>
-            <a:r>
-              <a:rPr kumimoji="0" lang="zh-TW" altLang="zh-TW" sz="1600" b="0" i="0" u="none" strike="noStrike" cap="none" normalizeH="0" baseline="0" dirty="0">
-                <a:ln>
-                  <a:noFill/>
-                </a:ln>
-                <a:solidFill>
-                  <a:srgbClr val="000000"/>
-                </a:solidFill>
-                <a:effectLst/>
-                <a:latin typeface="Arial Unicode MS" panose="020B0604020202020204" pitchFamily="34" charset="-120"/>
-                <a:ea typeface="Droid Sans Mono"/>
-              </a:rPr>
-              <a:t> </a:t>
-            </a:r>
-            <a:r>
-              <a:rPr kumimoji="0" lang="zh-TW" altLang="zh-TW" sz="1600" b="0" i="0" u="none" strike="noStrike" cap="none" normalizeH="0" baseline="0" dirty="0">
-                <a:ln>
-                  <a:noFill/>
-                </a:ln>
-                <a:solidFill>
-                  <a:srgbClr val="008800"/>
-                </a:solidFill>
-                <a:effectLst/>
-                <a:latin typeface="Arial Unicode MS" panose="020B0604020202020204" pitchFamily="34" charset="-120"/>
-                <a:ea typeface="Droid Sans Mono"/>
-              </a:rPr>
-              <a:t>"J%"</a:t>
-            </a:r>
-            <a:r>
-              <a:rPr kumimoji="0" lang="zh-TW" altLang="zh-TW" sz="1600" b="0" i="0" u="none" strike="noStrike" cap="none" normalizeH="0" baseline="0" dirty="0">
-                <a:ln>
-                  <a:noFill/>
-                </a:ln>
-                <a:solidFill>
-                  <a:srgbClr val="666600"/>
-                </a:solidFill>
-                <a:effectLst/>
-                <a:latin typeface="Arial Unicode MS" panose="020B0604020202020204" pitchFamily="34" charset="-120"/>
-                <a:ea typeface="Droid Sans Mono"/>
-              </a:rPr>
-              <a:t>)</a:t>
-            </a:r>
-            <a:endParaRPr kumimoji="0" lang="en-US" altLang="zh-TW" sz="1600" b="0" i="0" u="none" strike="noStrike" cap="none" normalizeH="0" baseline="0" dirty="0">
-              <a:ln>
-                <a:noFill/>
-              </a:ln>
-              <a:solidFill>
-                <a:srgbClr val="666600"/>
-              </a:solidFill>
-              <a:effectLst/>
-              <a:latin typeface="Arial Unicode MS" panose="020B0604020202020204" pitchFamily="34" charset="-120"/>
-              <a:ea typeface="Droid Sans Mono"/>
-            </a:endParaRPr>
-          </a:p>
-          <a:p>
-            <a:pPr marL="0" marR="0" lvl="0" indent="0" algn="l" defTabSz="914400" rtl="0" eaLnBrk="0" fontAlgn="base" latinLnBrk="0" hangingPunct="0">
-              <a:lnSpc>
-                <a:spcPct val="100000"/>
-              </a:lnSpc>
-              <a:spcBef>
-                <a:spcPct val="0"/>
-              </a:spcBef>
-              <a:spcAft>
-                <a:spcPct val="0"/>
-              </a:spcAft>
-              <a:buClrTx/>
-              <a:buSzTx/>
-              <a:buFontTx/>
-              <a:buNone/>
-              <a:tabLst/>
-            </a:pPr>
-            <a:r>
-              <a:rPr lang="en-US" altLang="zh-TW" sz="1600" dirty="0">
-                <a:solidFill>
-                  <a:srgbClr val="666600"/>
-                </a:solidFill>
-                <a:latin typeface="Arial Unicode MS" panose="020B0604020202020204" pitchFamily="34" charset="-120"/>
-                <a:ea typeface="Droid Sans Mono"/>
-              </a:rPr>
-              <a:t>             </a:t>
-            </a:r>
-            <a:r>
-              <a:rPr kumimoji="0" lang="zh-TW" altLang="zh-TW" sz="1600" b="0" i="0" u="none" strike="noStrike" cap="none" normalizeH="0" baseline="0" dirty="0">
-                <a:ln>
-                  <a:noFill/>
-                </a:ln>
-                <a:solidFill>
-                  <a:srgbClr val="000000"/>
-                </a:solidFill>
-                <a:effectLst/>
-                <a:latin typeface="Arial Unicode MS" panose="020B0604020202020204" pitchFamily="34" charset="-120"/>
-                <a:ea typeface="Droid Sans Mono"/>
-              </a:rPr>
-              <a:t> </a:t>
-            </a:r>
-            <a:r>
-              <a:rPr kumimoji="0" lang="zh-TW" altLang="zh-TW" sz="1600" b="0" i="0" u="none" strike="noStrike" cap="none" normalizeH="0" baseline="0" dirty="0">
-                <a:ln>
-                  <a:noFill/>
-                </a:ln>
-                <a:solidFill>
-                  <a:srgbClr val="666600"/>
-                </a:solidFill>
-                <a:effectLst/>
-                <a:latin typeface="Arial Unicode MS" panose="020B0604020202020204" pitchFamily="34" charset="-120"/>
-                <a:ea typeface="Droid Sans Mono"/>
-              </a:rPr>
-              <a:t>.</a:t>
-            </a:r>
-            <a:r>
-              <a:rPr kumimoji="0" lang="zh-TW" altLang="zh-TW" sz="1600" b="0" i="0" u="none" strike="noStrike" cap="none" normalizeH="0" baseline="0" dirty="0">
-                <a:ln>
-                  <a:noFill/>
-                </a:ln>
-                <a:solidFill>
-                  <a:srgbClr val="000000"/>
-                </a:solidFill>
-                <a:effectLst/>
-                <a:latin typeface="Arial Unicode MS" panose="020B0604020202020204" pitchFamily="34" charset="-120"/>
-                <a:ea typeface="Droid Sans Mono"/>
-              </a:rPr>
-              <a:t>list</a:t>
-            </a:r>
-            <a:r>
-              <a:rPr kumimoji="0" lang="zh-TW" altLang="zh-TW" sz="1600" b="0" i="0" u="none" strike="noStrike" cap="none" normalizeH="0" baseline="0" dirty="0">
-                <a:ln>
-                  <a:noFill/>
-                </a:ln>
-                <a:solidFill>
-                  <a:srgbClr val="666600"/>
-                </a:solidFill>
-                <a:effectLst/>
-                <a:latin typeface="Arial Unicode MS" panose="020B0604020202020204" pitchFamily="34" charset="-120"/>
-                <a:ea typeface="Droid Sans Mono"/>
-              </a:rPr>
-              <a:t>();</a:t>
-            </a:r>
-            <a:r>
-              <a:rPr kumimoji="0" lang="zh-TW" altLang="zh-TW" sz="1600" b="0" i="0" u="none" strike="noStrike" cap="none" normalizeH="0" baseline="0" dirty="0">
-                <a:ln>
-                  <a:noFill/>
-                </a:ln>
-                <a:solidFill>
-                  <a:schemeClr val="tx1"/>
-                </a:solidFill>
-                <a:effectLst/>
-              </a:rPr>
-              <a:t> </a:t>
-            </a:r>
-            <a:endParaRPr kumimoji="0" lang="zh-TW" altLang="zh-TW" sz="1600" b="0" i="0" u="none" strike="noStrike" cap="none" normalizeH="0" baseline="0" dirty="0">
-              <a:ln>
-                <a:noFill/>
-              </a:ln>
-              <a:solidFill>
-                <a:schemeClr val="tx1"/>
-              </a:solidFill>
-              <a:effectLst/>
-              <a:latin typeface="Arial" panose="020B0604020202020204" pitchFamily="34" charset="0"/>
-            </a:endParaRPr>
           </a:p>
         </p:txBody>
       </p:sp>
     </p:spTree>
     <p:extLst>
       <p:ext uri="{BB962C8B-B14F-4D97-AF65-F5344CB8AC3E}">
-        <p14:creationId xmlns:p14="http://schemas.microsoft.com/office/powerpoint/2010/main" val="1447447846"/>
+        <p14:creationId xmlns:p14="http://schemas.microsoft.com/office/powerpoint/2010/main" val="659414880"/>
       </p:ext>
     </p:extLst>
   </p:cSld>
@@ -15152,108 +13629,6 @@
           <p:cNvPr id="2" name="標題 1">
             <a:extLst>
               <a:ext uri="{FF2B5EF4-FFF2-40B4-BE49-F238E27FC236}">
-                <a16:creationId xmlns:a16="http://schemas.microsoft.com/office/drawing/2014/main" id="{FFF6E0D1-8533-4B26-800D-5AED0AEAC375}"/>
-              </a:ext>
-            </a:extLst>
-          </p:cNvPr>
-          <p:cNvSpPr>
-            <a:spLocks noGrp="1"/>
-          </p:cNvSpPr>
-          <p:nvPr>
-            <p:ph type="title"/>
-          </p:nvPr>
-        </p:nvSpPr>
-        <p:spPr/>
-        <p:txBody>
-          <a:bodyPr/>
-          <a:lstStyle/>
-          <a:p>
-            <a:endParaRPr lang="zh-TW" altLang="en-US"/>
-          </a:p>
-        </p:txBody>
-      </p:sp>
-      <p:sp>
-        <p:nvSpPr>
-          <p:cNvPr id="3" name="內容版面配置區 2">
-            <a:extLst>
-              <a:ext uri="{FF2B5EF4-FFF2-40B4-BE49-F238E27FC236}">
-                <a16:creationId xmlns:a16="http://schemas.microsoft.com/office/drawing/2014/main" id="{4FED4A4E-54EF-486C-A38C-2F6900381187}"/>
-              </a:ext>
-            </a:extLst>
-          </p:cNvPr>
-          <p:cNvSpPr>
-            <a:spLocks noGrp="1"/>
-          </p:cNvSpPr>
-          <p:nvPr>
-            <p:ph idx="1"/>
-          </p:nvPr>
-        </p:nvSpPr>
-        <p:spPr/>
-        <p:txBody>
-          <a:bodyPr/>
-          <a:lstStyle/>
-          <a:p>
-            <a:r>
-              <a:rPr lang="en-US" altLang="zh-TW" dirty="0" smtClean="0"/>
-              <a:t>With Native SQL Query, If </a:t>
-            </a:r>
-            <a:r>
-              <a:rPr lang="en-US" altLang="zh-TW" dirty="0"/>
-              <a:t>the entity is mapped with a many-to-one or a child-side one-to-one to another entity, it is required to also load those entities into the persistence context</a:t>
-            </a:r>
-          </a:p>
-          <a:p>
-            <a:pPr lvl="1"/>
-            <a:r>
-              <a:rPr lang="en-US" altLang="zh-TW" dirty="0"/>
-              <a:t>otherwise, a database-specific column not found error will occur.</a:t>
-            </a:r>
-            <a:endParaRPr lang="zh-TW" altLang="en-US" dirty="0"/>
-          </a:p>
-        </p:txBody>
-      </p:sp>
-    </p:spTree>
-    <p:extLst>
-      <p:ext uri="{BB962C8B-B14F-4D97-AF65-F5344CB8AC3E}">
-        <p14:creationId xmlns:p14="http://schemas.microsoft.com/office/powerpoint/2010/main" val="659414880"/>
-      </p:ext>
-    </p:extLst>
-  </p:cSld>
-  <p:clrMapOvr>
-    <a:masterClrMapping/>
-  </p:clrMapOvr>
-  <p:timing>
-    <p:tnLst>
-      <p:par>
-        <p:cTn id="1" dur="indefinite" restart="never" nodeType="tmRoot"/>
-      </p:par>
-    </p:tnLst>
-  </p:timing>
-</p:sld>
-</file>
-
-<file path=ppt/slides/slide23.xml><?xml version="1.0" encoding="utf-8"?>
-<p:sld xmlns:a="http://schemas.openxmlformats.org/drawingml/2006/main" xmlns:r="http://schemas.openxmlformats.org/officeDocument/2006/relationships" xmlns:p="http://schemas.openxmlformats.org/presentationml/2006/main">
-  <p:cSld>
-    <p:spTree>
-      <p:nvGrpSpPr>
-        <p:cNvPr id="1" name=""/>
-        <p:cNvGrpSpPr/>
-        <p:nvPr/>
-      </p:nvGrpSpPr>
-      <p:grpSpPr>
-        <a:xfrm>
-          <a:off x="0" y="0"/>
-          <a:ext cx="0" cy="0"/>
-          <a:chOff x="0" y="0"/>
-          <a:chExt cx="0" cy="0"/>
-        </a:xfrm>
-      </p:grpSpPr>
-      <p:sp>
-        <p:nvSpPr>
-          <p:cNvPr id="2" name="標題 1">
-            <a:extLst>
-              <a:ext uri="{FF2B5EF4-FFF2-40B4-BE49-F238E27FC236}">
                 <a16:creationId xmlns:a16="http://schemas.microsoft.com/office/drawing/2014/main" id="{41545DA8-1635-4F42-AEAB-AFB5FAA30E93}"/>
               </a:ext>
             </a:extLst>
@@ -15725,7 +14100,7 @@
 </p:sld>
 </file>
 
-<file path=ppt/slides/slide24.xml><?xml version="1.0" encoding="utf-8"?>
+<file path=ppt/slides/slide23.xml><?xml version="1.0" encoding="utf-8"?>
 <p:sld xmlns:a="http://schemas.openxmlformats.org/drawingml/2006/main" xmlns:r="http://schemas.openxmlformats.org/officeDocument/2006/relationships" xmlns:p="http://schemas.openxmlformats.org/presentationml/2006/main">
   <p:cSld>
     <p:spTree>
@@ -15833,6 +14208,132 @@
     <p:extLst>
       <p:ext uri="{BB962C8B-B14F-4D97-AF65-F5344CB8AC3E}">
         <p14:creationId xmlns:p14="http://schemas.microsoft.com/office/powerpoint/2010/main" val="3221697328"/>
+      </p:ext>
+    </p:extLst>
+  </p:cSld>
+  <p:clrMapOvr>
+    <a:masterClrMapping/>
+  </p:clrMapOvr>
+  <p:timing>
+    <p:tnLst>
+      <p:par>
+        <p:cTn id="1" dur="indefinite" restart="never" nodeType="tmRoot"/>
+      </p:par>
+    </p:tnLst>
+  </p:timing>
+</p:sld>
+</file>
+
+<file path=ppt/slides/slide24.xml><?xml version="1.0" encoding="utf-8"?>
+<p:sld xmlns:a="http://schemas.openxmlformats.org/drawingml/2006/main" xmlns:r="http://schemas.openxmlformats.org/officeDocument/2006/relationships" xmlns:p="http://schemas.openxmlformats.org/presentationml/2006/main">
+  <p:cSld>
+    <p:spTree>
+      <p:nvGrpSpPr>
+        <p:cNvPr id="1" name=""/>
+        <p:cNvGrpSpPr/>
+        <p:nvPr/>
+      </p:nvGrpSpPr>
+      <p:grpSpPr>
+        <a:xfrm>
+          <a:off x="0" y="0"/>
+          <a:ext cx="0" cy="0"/>
+          <a:chOff x="0" y="0"/>
+          <a:chExt cx="0" cy="0"/>
+        </a:xfrm>
+      </p:grpSpPr>
+      <p:sp>
+        <p:nvSpPr>
+          <p:cNvPr id="2" name="標題 1">
+            <a:extLst>
+              <a:ext uri="{FF2B5EF4-FFF2-40B4-BE49-F238E27FC236}">
+                <a16:creationId xmlns:a16="http://schemas.microsoft.com/office/drawing/2014/main" id="{0713047E-F9F6-4710-A972-097E78616B26}"/>
+              </a:ext>
+            </a:extLst>
+          </p:cNvPr>
+          <p:cNvSpPr>
+            <a:spLocks noGrp="1"/>
+          </p:cNvSpPr>
+          <p:nvPr>
+            <p:ph type="title"/>
+          </p:nvPr>
+        </p:nvSpPr>
+        <p:spPr/>
+        <p:txBody>
+          <a:bodyPr/>
+          <a:lstStyle/>
+          <a:p>
+            <a:r>
+              <a:rPr lang="en-US" altLang="zh-TW" dirty="0"/>
+              <a:t>Optimistic </a:t>
+            </a:r>
+            <a:r>
+              <a:rPr lang="en-US" altLang="zh-TW" dirty="0" smtClean="0"/>
+              <a:t>Lock</a:t>
+            </a:r>
+            <a:endParaRPr lang="zh-TW" altLang="en-US" dirty="0"/>
+          </a:p>
+        </p:txBody>
+      </p:sp>
+      <p:sp>
+        <p:nvSpPr>
+          <p:cNvPr id="3" name="內容版面配置區 2">
+            <a:extLst>
+              <a:ext uri="{FF2B5EF4-FFF2-40B4-BE49-F238E27FC236}">
+                <a16:creationId xmlns:a16="http://schemas.microsoft.com/office/drawing/2014/main" id="{329C173E-5B53-4805-A87E-C99D7C1B4E6F}"/>
+              </a:ext>
+            </a:extLst>
+          </p:cNvPr>
+          <p:cNvSpPr>
+            <a:spLocks noGrp="1"/>
+          </p:cNvSpPr>
+          <p:nvPr>
+            <p:ph idx="1"/>
+          </p:nvPr>
+        </p:nvSpPr>
+        <p:spPr/>
+        <p:txBody>
+          <a:bodyPr>
+            <a:normAutofit/>
+          </a:bodyPr>
+          <a:lstStyle/>
+          <a:p>
+            <a:r>
+              <a:rPr lang="en-US" altLang="zh-TW" dirty="0" smtClean="0"/>
+              <a:t>keep </a:t>
+            </a:r>
+            <a:r>
+              <a:rPr lang="en-US" altLang="zh-TW" dirty="0"/>
+              <a:t>a version number in database record, so is in the entity</a:t>
+            </a:r>
+          </a:p>
+          <a:p>
+            <a:r>
+              <a:rPr lang="en-US" altLang="zh-TW" dirty="0"/>
+              <a:t>check that the version before writing any changes back to the database record</a:t>
+            </a:r>
+          </a:p>
+          <a:p>
+            <a:r>
+              <a:rPr lang="en-US" altLang="zh-TW" dirty="0"/>
+              <a:t>if version of the entity is older than the version of the database record, transaction rolls back</a:t>
+            </a:r>
+          </a:p>
+          <a:p>
+            <a:r>
+              <a:rPr lang="en-US" altLang="zh-TW" dirty="0"/>
+              <a:t>the version number will be increased while the transaction is committed</a:t>
+            </a:r>
+          </a:p>
+          <a:p>
+            <a:pPr lvl="1"/>
+            <a:endParaRPr lang="en-US" altLang="zh-TW" dirty="0"/>
+          </a:p>
+        </p:txBody>
+      </p:sp>
+    </p:spTree>
+    <p:extLst>
+      <p:ext uri="{BB962C8B-B14F-4D97-AF65-F5344CB8AC3E}">
+        <p14:creationId xmlns:p14="http://schemas.microsoft.com/office/powerpoint/2010/main" val="2635295988"/>
       </p:ext>
     </p:extLst>
   </p:cSld>
@@ -15871,7 +14372,7 @@
           <p:cNvPr id="2" name="標題 1">
             <a:extLst>
               <a:ext uri="{FF2B5EF4-FFF2-40B4-BE49-F238E27FC236}">
-                <a16:creationId xmlns:a16="http://schemas.microsoft.com/office/drawing/2014/main" id="{0713047E-F9F6-4710-A972-097E78616B26}"/>
+                <a16:creationId xmlns:a16="http://schemas.microsoft.com/office/drawing/2014/main" id="{5DF2C64D-1628-4D47-A1A7-7249424DB254}"/>
               </a:ext>
             </a:extLst>
           </p:cNvPr>
@@ -15887,15 +14388,7 @@
           <a:bodyPr/>
           <a:lstStyle/>
           <a:p>
-            <a:r>
-              <a:rPr lang="en-US" altLang="zh-TW" dirty="0"/>
-              <a:t>Optimistic </a:t>
-            </a:r>
-            <a:r>
-              <a:rPr lang="en-US" altLang="zh-TW" dirty="0" smtClean="0"/>
-              <a:t>Lock</a:t>
-            </a:r>
-            <a:endParaRPr lang="zh-TW" altLang="en-US" dirty="0"/>
+            <a:endParaRPr lang="zh-TW" altLang="en-US"/>
           </a:p>
         </p:txBody>
       </p:sp>
@@ -15904,7 +14397,7 @@
           <p:cNvPr id="3" name="內容版面配置區 2">
             <a:extLst>
               <a:ext uri="{FF2B5EF4-FFF2-40B4-BE49-F238E27FC236}">
-                <a16:creationId xmlns:a16="http://schemas.microsoft.com/office/drawing/2014/main" id="{329C173E-5B53-4805-A87E-C99D7C1B4E6F}"/>
+                <a16:creationId xmlns:a16="http://schemas.microsoft.com/office/drawing/2014/main" id="{106FEE81-1FF4-41E3-8816-AB16ACE878E6}"/>
               </a:ext>
             </a:extLst>
           </p:cNvPr>
@@ -15917,48 +14410,1194 @@
         </p:nvSpPr>
         <p:spPr/>
         <p:txBody>
-          <a:bodyPr>
-            <a:normAutofit/>
+          <a:bodyPr/>
+          <a:lstStyle/>
+          <a:p>
+            <a:r>
+              <a:rPr lang="en-US" altLang="zh-TW" dirty="0"/>
+              <a:t>The version number mechanism for optimistic locking is provided through a @Version annotation.</a:t>
+            </a:r>
+          </a:p>
+          <a:p>
+            <a:r>
+              <a:rPr lang="en-US" altLang="zh-TW" dirty="0"/>
+              <a:t>the entity manager uses it to detect conflicting updates, and prevent the loss of updates.</a:t>
+            </a:r>
+            <a:endParaRPr lang="zh-TW" altLang="en-US" dirty="0"/>
+          </a:p>
+        </p:txBody>
+      </p:sp>
+      <p:sp>
+        <p:nvSpPr>
+          <p:cNvPr id="4" name="Rectangle 1">
+            <a:extLst>
+              <a:ext uri="{FF2B5EF4-FFF2-40B4-BE49-F238E27FC236}">
+                <a16:creationId xmlns:a16="http://schemas.microsoft.com/office/drawing/2014/main" id="{DF970128-59B0-4274-A656-6817D7818517}"/>
+              </a:ext>
+            </a:extLst>
+          </p:cNvPr>
+          <p:cNvSpPr>
+            <a:spLocks noChangeArrowheads="1"/>
+          </p:cNvSpPr>
+          <p:nvPr/>
+        </p:nvSpPr>
+        <p:spPr bwMode="auto">
+          <a:xfrm>
+            <a:off x="1990164" y="3784441"/>
+            <a:ext cx="4930590" cy="2708434"/>
+          </a:xfrm>
+          <a:prstGeom prst="rect">
+            <a:avLst/>
+          </a:prstGeom>
+          <a:solidFill>
+            <a:srgbClr val="F7F7F8"/>
+          </a:solidFill>
+          <a:ln>
+            <a:noFill/>
+          </a:ln>
+          <a:effectLst/>
+          <a:extLst>
+            <a:ext uri="{91240B29-F687-4F45-9708-019B960494DF}">
+              <a14:hiddenLine xmlns:a14="http://schemas.microsoft.com/office/drawing/2010/main" w="9525">
+                <a:solidFill>
+                  <a:schemeClr val="tx1"/>
+                </a:solidFill>
+                <a:miter lim="800000"/>
+                <a:headEnd/>
+                <a:tailEnd/>
+              </a14:hiddenLine>
+            </a:ext>
+            <a:ext uri="{AF507438-7753-43E0-B8FC-AC1667EBCBE1}">
+              <a14:hiddenEffects xmlns:a14="http://schemas.microsoft.com/office/drawing/2010/main">
+                <a:effectLst>
+                  <a:outerShdw dist="35921" dir="2700000" algn="ctr" rotWithShape="0">
+                    <a:schemeClr val="bg2"/>
+                  </a:outerShdw>
+                </a:effectLst>
+              </a14:hiddenEffects>
+            </a:ext>
+          </a:extLst>
+        </p:spPr>
+        <p:txBody>
+          <a:bodyPr vert="horz" wrap="square" lIns="0" tIns="0" rIns="0" bIns="0" numCol="1" anchor="ctr" anchorCtr="0" compatLnSpc="1">
+            <a:prstTxWarp prst="textNoShape">
+              <a:avLst/>
+            </a:prstTxWarp>
+            <a:spAutoFit/>
           </a:bodyPr>
           <a:lstStyle/>
           <a:p>
-            <a:r>
-              <a:rPr lang="en-US" altLang="zh-TW" dirty="0" smtClean="0"/>
-              <a:t>keep </a:t>
-            </a:r>
-            <a:r>
-              <a:rPr lang="en-US" altLang="zh-TW" dirty="0"/>
-              <a:t>a version number in database record, so is in the entity</a:t>
-            </a:r>
-          </a:p>
-          <a:p>
-            <a:r>
-              <a:rPr lang="en-US" altLang="zh-TW" dirty="0"/>
-              <a:t>check that the version before writing any changes back to the database record</a:t>
-            </a:r>
-          </a:p>
-          <a:p>
-            <a:r>
-              <a:rPr lang="en-US" altLang="zh-TW" dirty="0"/>
-              <a:t>if version of the entity is older than the version of the database record, transaction rolls back</a:t>
-            </a:r>
-          </a:p>
-          <a:p>
-            <a:r>
-              <a:rPr lang="en-US" altLang="zh-TW" dirty="0"/>
-              <a:t>the version number will be increased while the transaction is committed</a:t>
-            </a:r>
-          </a:p>
-          <a:p>
-            <a:pPr lvl="1"/>
-            <a:endParaRPr lang="en-US" altLang="zh-TW" dirty="0"/>
+            <a:pPr marL="0" marR="0" lvl="0" indent="0" algn="l" defTabSz="914400" rtl="0" eaLnBrk="0" fontAlgn="base" latinLnBrk="0" hangingPunct="0">
+              <a:lnSpc>
+                <a:spcPct val="100000"/>
+              </a:lnSpc>
+              <a:spcBef>
+                <a:spcPct val="0"/>
+              </a:spcBef>
+              <a:spcAft>
+                <a:spcPct val="0"/>
+              </a:spcAft>
+              <a:buClrTx/>
+              <a:buSzTx/>
+              <a:buFontTx/>
+              <a:buNone/>
+              <a:tabLst/>
+            </a:pPr>
+            <a:r>
+              <a:rPr kumimoji="0" lang="zh-TW" altLang="zh-TW" sz="1600" b="0" i="0" u="none" strike="noStrike" cap="none" normalizeH="0" baseline="0" dirty="0">
+                <a:ln>
+                  <a:noFill/>
+                </a:ln>
+                <a:solidFill>
+                  <a:srgbClr val="006666"/>
+                </a:solidFill>
+                <a:effectLst/>
+                <a:latin typeface="Arial Unicode MS" panose="020B0604020202020204" pitchFamily="34" charset="-120"/>
+                <a:ea typeface="Droid Sans Mono"/>
+              </a:rPr>
+              <a:t>@Entity</a:t>
+            </a:r>
+            <a:r>
+              <a:rPr kumimoji="0" lang="zh-TW" altLang="zh-TW" sz="1600" b="0" i="0" u="none" strike="noStrike" cap="none" normalizeH="0" baseline="0" dirty="0">
+                <a:ln>
+                  <a:noFill/>
+                </a:ln>
+                <a:solidFill>
+                  <a:srgbClr val="666600"/>
+                </a:solidFill>
+                <a:effectLst/>
+                <a:latin typeface="Arial Unicode MS" panose="020B0604020202020204" pitchFamily="34" charset="-120"/>
+                <a:ea typeface="Droid Sans Mono"/>
+              </a:rPr>
+              <a:t>(</a:t>
+            </a:r>
+            <a:r>
+              <a:rPr kumimoji="0" lang="zh-TW" altLang="zh-TW" sz="1600" b="0" i="0" u="none" strike="noStrike" cap="none" normalizeH="0" baseline="0" dirty="0">
+                <a:ln>
+                  <a:noFill/>
+                </a:ln>
+                <a:solidFill>
+                  <a:srgbClr val="000000"/>
+                </a:solidFill>
+                <a:effectLst/>
+                <a:latin typeface="Arial Unicode MS" panose="020B0604020202020204" pitchFamily="34" charset="-120"/>
+                <a:ea typeface="Droid Sans Mono"/>
+              </a:rPr>
+              <a:t>name </a:t>
+            </a:r>
+            <a:r>
+              <a:rPr kumimoji="0" lang="zh-TW" altLang="zh-TW" sz="1600" b="0" i="0" u="none" strike="noStrike" cap="none" normalizeH="0" baseline="0" dirty="0">
+                <a:ln>
+                  <a:noFill/>
+                </a:ln>
+                <a:solidFill>
+                  <a:srgbClr val="666600"/>
+                </a:solidFill>
+                <a:effectLst/>
+                <a:latin typeface="Arial Unicode MS" panose="020B0604020202020204" pitchFamily="34" charset="-120"/>
+                <a:ea typeface="Droid Sans Mono"/>
+              </a:rPr>
+              <a:t>=</a:t>
+            </a:r>
+            <a:r>
+              <a:rPr kumimoji="0" lang="zh-TW" altLang="zh-TW" sz="1600" b="0" i="0" u="none" strike="noStrike" cap="none" normalizeH="0" baseline="0" dirty="0">
+                <a:ln>
+                  <a:noFill/>
+                </a:ln>
+                <a:solidFill>
+                  <a:srgbClr val="000000"/>
+                </a:solidFill>
+                <a:effectLst/>
+                <a:latin typeface="Arial Unicode MS" panose="020B0604020202020204" pitchFamily="34" charset="-120"/>
+                <a:ea typeface="Droid Sans Mono"/>
+              </a:rPr>
+              <a:t> </a:t>
+            </a:r>
+            <a:r>
+              <a:rPr kumimoji="0" lang="zh-TW" altLang="zh-TW" sz="1600" b="0" i="0" u="none" strike="noStrike" cap="none" normalizeH="0" baseline="0" dirty="0">
+                <a:ln>
+                  <a:noFill/>
+                </a:ln>
+                <a:solidFill>
+                  <a:srgbClr val="008800"/>
+                </a:solidFill>
+                <a:effectLst/>
+                <a:latin typeface="Arial Unicode MS" panose="020B0604020202020204" pitchFamily="34" charset="-120"/>
+                <a:ea typeface="Droid Sans Mono"/>
+              </a:rPr>
+              <a:t>"Person"</a:t>
+            </a:r>
+            <a:r>
+              <a:rPr kumimoji="0" lang="zh-TW" altLang="zh-TW" sz="1600" b="0" i="0" u="none" strike="noStrike" cap="none" normalizeH="0" baseline="0" dirty="0">
+                <a:ln>
+                  <a:noFill/>
+                </a:ln>
+                <a:solidFill>
+                  <a:srgbClr val="666600"/>
+                </a:solidFill>
+                <a:effectLst/>
+                <a:latin typeface="Arial Unicode MS" panose="020B0604020202020204" pitchFamily="34" charset="-120"/>
+                <a:ea typeface="Droid Sans Mono"/>
+              </a:rPr>
+              <a:t>)</a:t>
+            </a:r>
+            <a:r>
+              <a:rPr kumimoji="0" lang="zh-TW" altLang="zh-TW" sz="1600" b="0" i="0" u="none" strike="noStrike" cap="none" normalizeH="0" baseline="0" dirty="0">
+                <a:ln>
+                  <a:noFill/>
+                </a:ln>
+                <a:solidFill>
+                  <a:srgbClr val="000000"/>
+                </a:solidFill>
+                <a:effectLst/>
+                <a:latin typeface="Arial Unicode MS" panose="020B0604020202020204" pitchFamily="34" charset="-120"/>
+                <a:ea typeface="Droid Sans Mono"/>
+              </a:rPr>
+              <a:t> </a:t>
+            </a:r>
+            <a:endParaRPr kumimoji="0" lang="en-US" altLang="zh-TW" sz="1600" b="0" i="0" u="none" strike="noStrike" cap="none" normalizeH="0" baseline="0" dirty="0">
+              <a:ln>
+                <a:noFill/>
+              </a:ln>
+              <a:solidFill>
+                <a:srgbClr val="000000"/>
+              </a:solidFill>
+              <a:effectLst/>
+              <a:latin typeface="Arial Unicode MS" panose="020B0604020202020204" pitchFamily="34" charset="-120"/>
+              <a:ea typeface="Droid Sans Mono"/>
+            </a:endParaRPr>
+          </a:p>
+          <a:p>
+            <a:pPr marL="0" marR="0" lvl="0" indent="0" algn="l" defTabSz="914400" rtl="0" eaLnBrk="0" fontAlgn="base" latinLnBrk="0" hangingPunct="0">
+              <a:lnSpc>
+                <a:spcPct val="100000"/>
+              </a:lnSpc>
+              <a:spcBef>
+                <a:spcPct val="0"/>
+              </a:spcBef>
+              <a:spcAft>
+                <a:spcPct val="0"/>
+              </a:spcAft>
+              <a:buClrTx/>
+              <a:buSzTx/>
+              <a:buFontTx/>
+              <a:buNone/>
+              <a:tabLst/>
+            </a:pPr>
+            <a:r>
+              <a:rPr kumimoji="0" lang="zh-TW" altLang="zh-TW" sz="1600" b="0" i="0" u="none" strike="noStrike" cap="none" normalizeH="0" baseline="0" dirty="0">
+                <a:ln>
+                  <a:noFill/>
+                </a:ln>
+                <a:solidFill>
+                  <a:srgbClr val="000088"/>
+                </a:solidFill>
+                <a:effectLst/>
+                <a:latin typeface="Arial Unicode MS" panose="020B0604020202020204" pitchFamily="34" charset="-120"/>
+                <a:ea typeface="Droid Sans Mono"/>
+              </a:rPr>
+              <a:t>public</a:t>
+            </a:r>
+            <a:r>
+              <a:rPr kumimoji="0" lang="zh-TW" altLang="zh-TW" sz="1600" b="0" i="0" u="none" strike="noStrike" cap="none" normalizeH="0" baseline="0" dirty="0">
+                <a:ln>
+                  <a:noFill/>
+                </a:ln>
+                <a:solidFill>
+                  <a:srgbClr val="000000"/>
+                </a:solidFill>
+                <a:effectLst/>
+                <a:latin typeface="Arial Unicode MS" panose="020B0604020202020204" pitchFamily="34" charset="-120"/>
+                <a:ea typeface="Droid Sans Mono"/>
+              </a:rPr>
+              <a:t> </a:t>
+            </a:r>
+            <a:r>
+              <a:rPr kumimoji="0" lang="zh-TW" altLang="zh-TW" sz="1600" b="0" i="0" u="none" strike="noStrike" cap="none" normalizeH="0" baseline="0" dirty="0">
+                <a:ln>
+                  <a:noFill/>
+                </a:ln>
+                <a:solidFill>
+                  <a:srgbClr val="000088"/>
+                </a:solidFill>
+                <a:effectLst/>
+                <a:latin typeface="Arial Unicode MS" panose="020B0604020202020204" pitchFamily="34" charset="-120"/>
+                <a:ea typeface="Droid Sans Mono"/>
+              </a:rPr>
+              <a:t>static</a:t>
+            </a:r>
+            <a:r>
+              <a:rPr kumimoji="0" lang="zh-TW" altLang="zh-TW" sz="1600" b="0" i="0" u="none" strike="noStrike" cap="none" normalizeH="0" baseline="0" dirty="0">
+                <a:ln>
+                  <a:noFill/>
+                </a:ln>
+                <a:solidFill>
+                  <a:srgbClr val="000000"/>
+                </a:solidFill>
+                <a:effectLst/>
+                <a:latin typeface="Arial Unicode MS" panose="020B0604020202020204" pitchFamily="34" charset="-120"/>
+                <a:ea typeface="Droid Sans Mono"/>
+              </a:rPr>
+              <a:t> </a:t>
+            </a:r>
+            <a:r>
+              <a:rPr kumimoji="0" lang="zh-TW" altLang="zh-TW" sz="1600" b="0" i="0" u="none" strike="noStrike" cap="none" normalizeH="0" baseline="0" dirty="0">
+                <a:ln>
+                  <a:noFill/>
+                </a:ln>
+                <a:solidFill>
+                  <a:srgbClr val="000088"/>
+                </a:solidFill>
+                <a:effectLst/>
+                <a:latin typeface="Arial Unicode MS" panose="020B0604020202020204" pitchFamily="34" charset="-120"/>
+                <a:ea typeface="Droid Sans Mono"/>
+              </a:rPr>
+              <a:t>class</a:t>
+            </a:r>
+            <a:r>
+              <a:rPr kumimoji="0" lang="zh-TW" altLang="zh-TW" sz="1600" b="0" i="0" u="none" strike="noStrike" cap="none" normalizeH="0" baseline="0" dirty="0">
+                <a:ln>
+                  <a:noFill/>
+                </a:ln>
+                <a:solidFill>
+                  <a:srgbClr val="000000"/>
+                </a:solidFill>
+                <a:effectLst/>
+                <a:latin typeface="Arial Unicode MS" panose="020B0604020202020204" pitchFamily="34" charset="-120"/>
+                <a:ea typeface="Droid Sans Mono"/>
+              </a:rPr>
+              <a:t> </a:t>
+            </a:r>
+            <a:r>
+              <a:rPr kumimoji="0" lang="zh-TW" altLang="zh-TW" sz="1600" b="0" i="0" u="none" strike="noStrike" cap="none" normalizeH="0" baseline="0" dirty="0">
+                <a:ln>
+                  <a:noFill/>
+                </a:ln>
+                <a:solidFill>
+                  <a:srgbClr val="660066"/>
+                </a:solidFill>
+                <a:effectLst/>
+                <a:latin typeface="Arial Unicode MS" panose="020B0604020202020204" pitchFamily="34" charset="-120"/>
+                <a:ea typeface="Droid Sans Mono"/>
+              </a:rPr>
+              <a:t>Person</a:t>
+            </a:r>
+            <a:r>
+              <a:rPr kumimoji="0" lang="zh-TW" altLang="zh-TW" sz="1600" b="0" i="0" u="none" strike="noStrike" cap="none" normalizeH="0" baseline="0" dirty="0">
+                <a:ln>
+                  <a:noFill/>
+                </a:ln>
+                <a:solidFill>
+                  <a:srgbClr val="000000"/>
+                </a:solidFill>
+                <a:effectLst/>
+                <a:latin typeface="Arial Unicode MS" panose="020B0604020202020204" pitchFamily="34" charset="-120"/>
+                <a:ea typeface="Droid Sans Mono"/>
+              </a:rPr>
+              <a:t> </a:t>
+            </a:r>
+            <a:r>
+              <a:rPr kumimoji="0" lang="zh-TW" altLang="zh-TW" sz="1600" b="0" i="0" u="none" strike="noStrike" cap="none" normalizeH="0" baseline="0" dirty="0">
+                <a:ln>
+                  <a:noFill/>
+                </a:ln>
+                <a:solidFill>
+                  <a:srgbClr val="666600"/>
+                </a:solidFill>
+                <a:effectLst/>
+                <a:latin typeface="Arial Unicode MS" panose="020B0604020202020204" pitchFamily="34" charset="-120"/>
+                <a:ea typeface="Droid Sans Mono"/>
+              </a:rPr>
+              <a:t>{</a:t>
+            </a:r>
+            <a:r>
+              <a:rPr kumimoji="0" lang="zh-TW" altLang="zh-TW" sz="1600" b="0" i="0" u="none" strike="noStrike" cap="none" normalizeH="0" baseline="0" dirty="0">
+                <a:ln>
+                  <a:noFill/>
+                </a:ln>
+                <a:solidFill>
+                  <a:srgbClr val="000000"/>
+                </a:solidFill>
+                <a:effectLst/>
+                <a:latin typeface="Arial Unicode MS" panose="020B0604020202020204" pitchFamily="34" charset="-120"/>
+                <a:ea typeface="Droid Sans Mono"/>
+              </a:rPr>
+              <a:t> </a:t>
+            </a:r>
+            <a:endParaRPr kumimoji="0" lang="en-US" altLang="zh-TW" sz="1600" b="0" i="0" u="none" strike="noStrike" cap="none" normalizeH="0" baseline="0" dirty="0">
+              <a:ln>
+                <a:noFill/>
+              </a:ln>
+              <a:solidFill>
+                <a:srgbClr val="000000"/>
+              </a:solidFill>
+              <a:effectLst/>
+              <a:latin typeface="Arial Unicode MS" panose="020B0604020202020204" pitchFamily="34" charset="-120"/>
+              <a:ea typeface="Droid Sans Mono"/>
+            </a:endParaRPr>
+          </a:p>
+          <a:p>
+            <a:pPr marL="0" marR="0" lvl="0" indent="0" algn="l" defTabSz="914400" rtl="0" eaLnBrk="0" fontAlgn="base" latinLnBrk="0" hangingPunct="0">
+              <a:lnSpc>
+                <a:spcPct val="100000"/>
+              </a:lnSpc>
+              <a:spcBef>
+                <a:spcPct val="0"/>
+              </a:spcBef>
+              <a:spcAft>
+                <a:spcPct val="0"/>
+              </a:spcAft>
+              <a:buClrTx/>
+              <a:buSzTx/>
+              <a:buFontTx/>
+              <a:buNone/>
+              <a:tabLst/>
+            </a:pPr>
+            <a:r>
+              <a:rPr kumimoji="0" lang="en-US" altLang="zh-TW" sz="1600" b="0" i="0" u="none" strike="noStrike" cap="none" normalizeH="0" baseline="0" dirty="0">
+                <a:ln>
+                  <a:noFill/>
+                </a:ln>
+                <a:solidFill>
+                  <a:srgbClr val="006666"/>
+                </a:solidFill>
+                <a:effectLst/>
+                <a:latin typeface="Arial Unicode MS" panose="020B0604020202020204" pitchFamily="34" charset="-120"/>
+                <a:ea typeface="Droid Sans Mono"/>
+              </a:rPr>
+              <a:t>    </a:t>
+            </a:r>
+            <a:r>
+              <a:rPr kumimoji="0" lang="zh-TW" altLang="zh-TW" sz="1600" b="0" i="0" u="none" strike="noStrike" cap="none" normalizeH="0" baseline="0" dirty="0">
+                <a:ln>
+                  <a:noFill/>
+                </a:ln>
+                <a:solidFill>
+                  <a:srgbClr val="006666"/>
+                </a:solidFill>
+                <a:effectLst/>
+                <a:latin typeface="Arial Unicode MS" panose="020B0604020202020204" pitchFamily="34" charset="-120"/>
+                <a:ea typeface="Droid Sans Mono"/>
+              </a:rPr>
+              <a:t>@Id</a:t>
+            </a:r>
+            <a:r>
+              <a:rPr kumimoji="0" lang="zh-TW" altLang="zh-TW" sz="1600" b="0" i="0" u="none" strike="noStrike" cap="none" normalizeH="0" baseline="0" dirty="0">
+                <a:ln>
+                  <a:noFill/>
+                </a:ln>
+                <a:solidFill>
+                  <a:srgbClr val="000000"/>
+                </a:solidFill>
+                <a:effectLst/>
+                <a:latin typeface="Arial Unicode MS" panose="020B0604020202020204" pitchFamily="34" charset="-120"/>
+                <a:ea typeface="Droid Sans Mono"/>
+              </a:rPr>
+              <a:t> </a:t>
+            </a:r>
+            <a:endParaRPr kumimoji="0" lang="en-US" altLang="zh-TW" sz="1600" b="0" i="0" u="none" strike="noStrike" cap="none" normalizeH="0" baseline="0" dirty="0">
+              <a:ln>
+                <a:noFill/>
+              </a:ln>
+              <a:solidFill>
+                <a:srgbClr val="000000"/>
+              </a:solidFill>
+              <a:effectLst/>
+              <a:latin typeface="Arial Unicode MS" panose="020B0604020202020204" pitchFamily="34" charset="-120"/>
+              <a:ea typeface="Droid Sans Mono"/>
+            </a:endParaRPr>
+          </a:p>
+          <a:p>
+            <a:pPr marL="0" marR="0" lvl="0" indent="0" algn="l" defTabSz="914400" rtl="0" eaLnBrk="0" fontAlgn="base" latinLnBrk="0" hangingPunct="0">
+              <a:lnSpc>
+                <a:spcPct val="100000"/>
+              </a:lnSpc>
+              <a:spcBef>
+                <a:spcPct val="0"/>
+              </a:spcBef>
+              <a:spcAft>
+                <a:spcPct val="0"/>
+              </a:spcAft>
+              <a:buClrTx/>
+              <a:buSzTx/>
+              <a:buFontTx/>
+              <a:buNone/>
+              <a:tabLst/>
+            </a:pPr>
+            <a:r>
+              <a:rPr kumimoji="0" lang="en-US" altLang="zh-TW" sz="1600" b="0" i="0" u="none" strike="noStrike" cap="none" normalizeH="0" baseline="0" dirty="0">
+                <a:ln>
+                  <a:noFill/>
+                </a:ln>
+                <a:solidFill>
+                  <a:srgbClr val="006666"/>
+                </a:solidFill>
+                <a:effectLst/>
+                <a:latin typeface="Arial Unicode MS" panose="020B0604020202020204" pitchFamily="34" charset="-120"/>
+                <a:ea typeface="Droid Sans Mono"/>
+              </a:rPr>
+              <a:t>    </a:t>
+            </a:r>
+            <a:r>
+              <a:rPr kumimoji="0" lang="zh-TW" altLang="zh-TW" sz="1600" b="0" i="0" u="none" strike="noStrike" cap="none" normalizeH="0" baseline="0" dirty="0">
+                <a:ln>
+                  <a:noFill/>
+                </a:ln>
+                <a:solidFill>
+                  <a:srgbClr val="006666"/>
+                </a:solidFill>
+                <a:effectLst/>
+                <a:latin typeface="Arial Unicode MS" panose="020B0604020202020204" pitchFamily="34" charset="-120"/>
+                <a:ea typeface="Droid Sans Mono"/>
+              </a:rPr>
+              <a:t>@GeneratedValue</a:t>
+            </a:r>
+            <a:r>
+              <a:rPr kumimoji="0" lang="zh-TW" altLang="zh-TW" sz="1600" b="0" i="0" u="none" strike="noStrike" cap="none" normalizeH="0" baseline="0" dirty="0">
+                <a:ln>
+                  <a:noFill/>
+                </a:ln>
+                <a:solidFill>
+                  <a:srgbClr val="000000"/>
+                </a:solidFill>
+                <a:effectLst/>
+                <a:latin typeface="Arial Unicode MS" panose="020B0604020202020204" pitchFamily="34" charset="-120"/>
+                <a:ea typeface="Droid Sans Mono"/>
+              </a:rPr>
+              <a:t> </a:t>
+            </a:r>
+            <a:endParaRPr kumimoji="0" lang="en-US" altLang="zh-TW" sz="1600" b="0" i="0" u="none" strike="noStrike" cap="none" normalizeH="0" baseline="0" dirty="0">
+              <a:ln>
+                <a:noFill/>
+              </a:ln>
+              <a:solidFill>
+                <a:srgbClr val="000000"/>
+              </a:solidFill>
+              <a:effectLst/>
+              <a:latin typeface="Arial Unicode MS" panose="020B0604020202020204" pitchFamily="34" charset="-120"/>
+              <a:ea typeface="Droid Sans Mono"/>
+            </a:endParaRPr>
+          </a:p>
+          <a:p>
+            <a:pPr marL="0" marR="0" lvl="0" indent="0" algn="l" defTabSz="914400" rtl="0" eaLnBrk="0" fontAlgn="base" latinLnBrk="0" hangingPunct="0">
+              <a:lnSpc>
+                <a:spcPct val="100000"/>
+              </a:lnSpc>
+              <a:spcBef>
+                <a:spcPct val="0"/>
+              </a:spcBef>
+              <a:spcAft>
+                <a:spcPct val="0"/>
+              </a:spcAft>
+              <a:buClrTx/>
+              <a:buSzTx/>
+              <a:buFontTx/>
+              <a:buNone/>
+              <a:tabLst/>
+            </a:pPr>
+            <a:r>
+              <a:rPr kumimoji="0" lang="en-US" altLang="zh-TW" sz="1600" b="0" i="0" u="none" strike="noStrike" cap="none" normalizeH="0" baseline="0" dirty="0">
+                <a:ln>
+                  <a:noFill/>
+                </a:ln>
+                <a:solidFill>
+                  <a:srgbClr val="000088"/>
+                </a:solidFill>
+                <a:effectLst/>
+                <a:latin typeface="Arial Unicode MS" panose="020B0604020202020204" pitchFamily="34" charset="-120"/>
+                <a:ea typeface="Droid Sans Mono"/>
+              </a:rPr>
+              <a:t>    </a:t>
+            </a:r>
+            <a:r>
+              <a:rPr kumimoji="0" lang="zh-TW" altLang="zh-TW" sz="1600" b="0" i="0" u="none" strike="noStrike" cap="none" normalizeH="0" baseline="0" dirty="0">
+                <a:ln>
+                  <a:noFill/>
+                </a:ln>
+                <a:solidFill>
+                  <a:srgbClr val="000088"/>
+                </a:solidFill>
+                <a:effectLst/>
+                <a:latin typeface="Arial Unicode MS" panose="020B0604020202020204" pitchFamily="34" charset="-120"/>
+                <a:ea typeface="Droid Sans Mono"/>
+              </a:rPr>
+              <a:t>private</a:t>
+            </a:r>
+            <a:r>
+              <a:rPr kumimoji="0" lang="zh-TW" altLang="zh-TW" sz="1600" b="0" i="0" u="none" strike="noStrike" cap="none" normalizeH="0" baseline="0" dirty="0">
+                <a:ln>
+                  <a:noFill/>
+                </a:ln>
+                <a:solidFill>
+                  <a:srgbClr val="000000"/>
+                </a:solidFill>
+                <a:effectLst/>
+                <a:latin typeface="Arial Unicode MS" panose="020B0604020202020204" pitchFamily="34" charset="-120"/>
+                <a:ea typeface="Droid Sans Mono"/>
+              </a:rPr>
+              <a:t> </a:t>
+            </a:r>
+            <a:r>
+              <a:rPr kumimoji="0" lang="zh-TW" altLang="zh-TW" sz="1600" b="0" i="0" u="none" strike="noStrike" cap="none" normalizeH="0" baseline="0" dirty="0">
+                <a:ln>
+                  <a:noFill/>
+                </a:ln>
+                <a:solidFill>
+                  <a:srgbClr val="660066"/>
+                </a:solidFill>
+                <a:effectLst/>
+                <a:latin typeface="Arial Unicode MS" panose="020B0604020202020204" pitchFamily="34" charset="-120"/>
+                <a:ea typeface="Droid Sans Mono"/>
+              </a:rPr>
+              <a:t>Long</a:t>
+            </a:r>
+            <a:r>
+              <a:rPr kumimoji="0" lang="zh-TW" altLang="zh-TW" sz="1600" b="0" i="0" u="none" strike="noStrike" cap="none" normalizeH="0" baseline="0" dirty="0">
+                <a:ln>
+                  <a:noFill/>
+                </a:ln>
+                <a:solidFill>
+                  <a:srgbClr val="000000"/>
+                </a:solidFill>
+                <a:effectLst/>
+                <a:latin typeface="Arial Unicode MS" panose="020B0604020202020204" pitchFamily="34" charset="-120"/>
+                <a:ea typeface="Droid Sans Mono"/>
+              </a:rPr>
+              <a:t> id</a:t>
+            </a:r>
+            <a:r>
+              <a:rPr kumimoji="0" lang="zh-TW" altLang="zh-TW" sz="1600" b="0" i="0" u="none" strike="noStrike" cap="none" normalizeH="0" baseline="0" dirty="0">
+                <a:ln>
+                  <a:noFill/>
+                </a:ln>
+                <a:solidFill>
+                  <a:srgbClr val="666600"/>
+                </a:solidFill>
+                <a:effectLst/>
+                <a:latin typeface="Arial Unicode MS" panose="020B0604020202020204" pitchFamily="34" charset="-120"/>
+                <a:ea typeface="Droid Sans Mono"/>
+              </a:rPr>
+              <a:t>;</a:t>
+            </a:r>
+            <a:r>
+              <a:rPr kumimoji="0" lang="zh-TW" altLang="zh-TW" sz="1600" b="0" i="0" u="none" strike="noStrike" cap="none" normalizeH="0" baseline="0" dirty="0">
+                <a:ln>
+                  <a:noFill/>
+                </a:ln>
+                <a:solidFill>
+                  <a:srgbClr val="000000"/>
+                </a:solidFill>
+                <a:effectLst/>
+                <a:latin typeface="Arial Unicode MS" panose="020B0604020202020204" pitchFamily="34" charset="-120"/>
+                <a:ea typeface="Droid Sans Mono"/>
+              </a:rPr>
+              <a:t> </a:t>
+            </a:r>
+            <a:endParaRPr kumimoji="0" lang="en-US" altLang="zh-TW" sz="1600" b="0" i="0" u="none" strike="noStrike" cap="none" normalizeH="0" baseline="0" dirty="0">
+              <a:ln>
+                <a:noFill/>
+              </a:ln>
+              <a:solidFill>
+                <a:srgbClr val="000000"/>
+              </a:solidFill>
+              <a:effectLst/>
+              <a:latin typeface="Arial Unicode MS" panose="020B0604020202020204" pitchFamily="34" charset="-120"/>
+              <a:ea typeface="Droid Sans Mono"/>
+            </a:endParaRPr>
+          </a:p>
+          <a:p>
+            <a:pPr marL="0" marR="0" lvl="0" indent="0" algn="l" defTabSz="914400" rtl="0" eaLnBrk="0" fontAlgn="base" latinLnBrk="0" hangingPunct="0">
+              <a:lnSpc>
+                <a:spcPct val="100000"/>
+              </a:lnSpc>
+              <a:spcBef>
+                <a:spcPct val="0"/>
+              </a:spcBef>
+              <a:spcAft>
+                <a:spcPct val="0"/>
+              </a:spcAft>
+              <a:buClrTx/>
+              <a:buSzTx/>
+              <a:buFontTx/>
+              <a:buNone/>
+              <a:tabLst/>
+            </a:pPr>
+            <a:r>
+              <a:rPr kumimoji="0" lang="en-US" altLang="zh-TW" sz="1600" b="0" i="0" u="none" strike="noStrike" cap="none" normalizeH="0" baseline="0" dirty="0">
+                <a:ln>
+                  <a:noFill/>
+                </a:ln>
+                <a:solidFill>
+                  <a:srgbClr val="006666"/>
+                </a:solidFill>
+                <a:effectLst/>
+                <a:latin typeface="Arial Unicode MS" panose="020B0604020202020204" pitchFamily="34" charset="-120"/>
+                <a:ea typeface="Droid Sans Mono"/>
+              </a:rPr>
+              <a:t>    </a:t>
+            </a:r>
+            <a:r>
+              <a:rPr kumimoji="0" lang="zh-TW" altLang="zh-TW" sz="1600" b="0" i="0" u="none" strike="noStrike" cap="none" normalizeH="0" baseline="0" dirty="0">
+                <a:ln>
+                  <a:noFill/>
+                </a:ln>
+                <a:solidFill>
+                  <a:srgbClr val="006666"/>
+                </a:solidFill>
+                <a:effectLst/>
+                <a:latin typeface="Arial Unicode MS" panose="020B0604020202020204" pitchFamily="34" charset="-120"/>
+                <a:ea typeface="Droid Sans Mono"/>
+              </a:rPr>
+              <a:t>@Column</a:t>
+            </a:r>
+            <a:r>
+              <a:rPr kumimoji="0" lang="zh-TW" altLang="zh-TW" sz="1600" b="0" i="0" u="none" strike="noStrike" cap="none" normalizeH="0" baseline="0" dirty="0">
+                <a:ln>
+                  <a:noFill/>
+                </a:ln>
+                <a:solidFill>
+                  <a:srgbClr val="666600"/>
+                </a:solidFill>
+                <a:effectLst/>
+                <a:latin typeface="Arial Unicode MS" panose="020B0604020202020204" pitchFamily="34" charset="-120"/>
+                <a:ea typeface="Droid Sans Mono"/>
+              </a:rPr>
+              <a:t>(</a:t>
+            </a:r>
+            <a:r>
+              <a:rPr kumimoji="0" lang="zh-TW" altLang="zh-TW" sz="1600" b="0" i="0" u="none" strike="noStrike" cap="none" normalizeH="0" baseline="0" dirty="0">
+                <a:ln>
+                  <a:noFill/>
+                </a:ln>
+                <a:solidFill>
+                  <a:srgbClr val="000000"/>
+                </a:solidFill>
+                <a:effectLst/>
+                <a:latin typeface="Arial Unicode MS" panose="020B0604020202020204" pitchFamily="34" charset="-120"/>
+                <a:ea typeface="Droid Sans Mono"/>
+              </a:rPr>
+              <a:t>name </a:t>
+            </a:r>
+            <a:r>
+              <a:rPr kumimoji="0" lang="zh-TW" altLang="zh-TW" sz="1600" b="0" i="0" u="none" strike="noStrike" cap="none" normalizeH="0" baseline="0" dirty="0">
+                <a:ln>
+                  <a:noFill/>
+                </a:ln>
+                <a:solidFill>
+                  <a:srgbClr val="666600"/>
+                </a:solidFill>
+                <a:effectLst/>
+                <a:latin typeface="Arial Unicode MS" panose="020B0604020202020204" pitchFamily="34" charset="-120"/>
+                <a:ea typeface="Droid Sans Mono"/>
+              </a:rPr>
+              <a:t>=</a:t>
+            </a:r>
+            <a:r>
+              <a:rPr kumimoji="0" lang="zh-TW" altLang="zh-TW" sz="1600" b="0" i="0" u="none" strike="noStrike" cap="none" normalizeH="0" baseline="0" dirty="0">
+                <a:ln>
+                  <a:noFill/>
+                </a:ln>
+                <a:solidFill>
+                  <a:srgbClr val="000000"/>
+                </a:solidFill>
+                <a:effectLst/>
+                <a:latin typeface="Arial Unicode MS" panose="020B0604020202020204" pitchFamily="34" charset="-120"/>
+                <a:ea typeface="Droid Sans Mono"/>
+              </a:rPr>
+              <a:t> </a:t>
+            </a:r>
+            <a:r>
+              <a:rPr kumimoji="0" lang="zh-TW" altLang="zh-TW" sz="1600" b="0" i="0" u="none" strike="noStrike" cap="none" normalizeH="0" baseline="0" dirty="0">
+                <a:ln>
+                  <a:noFill/>
+                </a:ln>
+                <a:solidFill>
+                  <a:srgbClr val="008800"/>
+                </a:solidFill>
+                <a:effectLst/>
+                <a:latin typeface="Arial Unicode MS" panose="020B0604020202020204" pitchFamily="34" charset="-120"/>
+                <a:ea typeface="Droid Sans Mono"/>
+              </a:rPr>
+              <a:t>"`name`"</a:t>
+            </a:r>
+            <a:r>
+              <a:rPr kumimoji="0" lang="zh-TW" altLang="zh-TW" sz="1600" b="0" i="0" u="none" strike="noStrike" cap="none" normalizeH="0" baseline="0" dirty="0">
+                <a:ln>
+                  <a:noFill/>
+                </a:ln>
+                <a:solidFill>
+                  <a:srgbClr val="666600"/>
+                </a:solidFill>
+                <a:effectLst/>
+                <a:latin typeface="Arial Unicode MS" panose="020B0604020202020204" pitchFamily="34" charset="-120"/>
+                <a:ea typeface="Droid Sans Mono"/>
+              </a:rPr>
+              <a:t>)</a:t>
+            </a:r>
+            <a:r>
+              <a:rPr kumimoji="0" lang="zh-TW" altLang="zh-TW" sz="1600" b="0" i="0" u="none" strike="noStrike" cap="none" normalizeH="0" baseline="0" dirty="0">
+                <a:ln>
+                  <a:noFill/>
+                </a:ln>
+                <a:solidFill>
+                  <a:srgbClr val="000000"/>
+                </a:solidFill>
+                <a:effectLst/>
+                <a:latin typeface="Arial Unicode MS" panose="020B0604020202020204" pitchFamily="34" charset="-120"/>
+                <a:ea typeface="Droid Sans Mono"/>
+              </a:rPr>
+              <a:t> </a:t>
+            </a:r>
+            <a:endParaRPr kumimoji="0" lang="en-US" altLang="zh-TW" sz="1600" b="0" i="0" u="none" strike="noStrike" cap="none" normalizeH="0" baseline="0" dirty="0">
+              <a:ln>
+                <a:noFill/>
+              </a:ln>
+              <a:solidFill>
+                <a:srgbClr val="000000"/>
+              </a:solidFill>
+              <a:effectLst/>
+              <a:latin typeface="Arial Unicode MS" panose="020B0604020202020204" pitchFamily="34" charset="-120"/>
+              <a:ea typeface="Droid Sans Mono"/>
+            </a:endParaRPr>
+          </a:p>
+          <a:p>
+            <a:pPr marL="0" marR="0" lvl="0" indent="0" algn="l" defTabSz="914400" rtl="0" eaLnBrk="0" fontAlgn="base" latinLnBrk="0" hangingPunct="0">
+              <a:lnSpc>
+                <a:spcPct val="100000"/>
+              </a:lnSpc>
+              <a:spcBef>
+                <a:spcPct val="0"/>
+              </a:spcBef>
+              <a:spcAft>
+                <a:spcPct val="0"/>
+              </a:spcAft>
+              <a:buClrTx/>
+              <a:buSzTx/>
+              <a:buFontTx/>
+              <a:buNone/>
+              <a:tabLst/>
+            </a:pPr>
+            <a:r>
+              <a:rPr kumimoji="0" lang="en-US" altLang="zh-TW" sz="1600" b="0" i="0" u="none" strike="noStrike" cap="none" normalizeH="0" baseline="0" dirty="0">
+                <a:ln>
+                  <a:noFill/>
+                </a:ln>
+                <a:solidFill>
+                  <a:srgbClr val="000088"/>
+                </a:solidFill>
+                <a:effectLst/>
+                <a:latin typeface="Arial Unicode MS" panose="020B0604020202020204" pitchFamily="34" charset="-120"/>
+                <a:ea typeface="Droid Sans Mono"/>
+              </a:rPr>
+              <a:t>    </a:t>
+            </a:r>
+            <a:r>
+              <a:rPr kumimoji="0" lang="zh-TW" altLang="zh-TW" sz="1600" b="0" i="0" u="none" strike="noStrike" cap="none" normalizeH="0" baseline="0" dirty="0">
+                <a:ln>
+                  <a:noFill/>
+                </a:ln>
+                <a:solidFill>
+                  <a:srgbClr val="000088"/>
+                </a:solidFill>
+                <a:effectLst/>
+                <a:latin typeface="Arial Unicode MS" panose="020B0604020202020204" pitchFamily="34" charset="-120"/>
+                <a:ea typeface="Droid Sans Mono"/>
+              </a:rPr>
+              <a:t>private</a:t>
+            </a:r>
+            <a:r>
+              <a:rPr kumimoji="0" lang="zh-TW" altLang="zh-TW" sz="1600" b="0" i="0" u="none" strike="noStrike" cap="none" normalizeH="0" baseline="0" dirty="0">
+                <a:ln>
+                  <a:noFill/>
+                </a:ln>
+                <a:solidFill>
+                  <a:srgbClr val="000000"/>
+                </a:solidFill>
+                <a:effectLst/>
+                <a:latin typeface="Arial Unicode MS" panose="020B0604020202020204" pitchFamily="34" charset="-120"/>
+                <a:ea typeface="Droid Sans Mono"/>
+              </a:rPr>
+              <a:t> </a:t>
+            </a:r>
+            <a:r>
+              <a:rPr kumimoji="0" lang="zh-TW" altLang="zh-TW" sz="1600" b="0" i="0" u="none" strike="noStrike" cap="none" normalizeH="0" baseline="0" dirty="0">
+                <a:ln>
+                  <a:noFill/>
+                </a:ln>
+                <a:solidFill>
+                  <a:srgbClr val="660066"/>
+                </a:solidFill>
+                <a:effectLst/>
+                <a:latin typeface="Arial Unicode MS" panose="020B0604020202020204" pitchFamily="34" charset="-120"/>
+                <a:ea typeface="Droid Sans Mono"/>
+              </a:rPr>
+              <a:t>String</a:t>
+            </a:r>
+            <a:r>
+              <a:rPr kumimoji="0" lang="zh-TW" altLang="zh-TW" sz="1600" b="0" i="0" u="none" strike="noStrike" cap="none" normalizeH="0" baseline="0" dirty="0">
+                <a:ln>
+                  <a:noFill/>
+                </a:ln>
+                <a:solidFill>
+                  <a:srgbClr val="000000"/>
+                </a:solidFill>
+                <a:effectLst/>
+                <a:latin typeface="Arial Unicode MS" panose="020B0604020202020204" pitchFamily="34" charset="-120"/>
+                <a:ea typeface="Droid Sans Mono"/>
+              </a:rPr>
+              <a:t> name</a:t>
+            </a:r>
+            <a:r>
+              <a:rPr kumimoji="0" lang="zh-TW" altLang="zh-TW" sz="1600" b="0" i="0" u="none" strike="noStrike" cap="none" normalizeH="0" baseline="0" dirty="0">
+                <a:ln>
+                  <a:noFill/>
+                </a:ln>
+                <a:solidFill>
+                  <a:srgbClr val="666600"/>
+                </a:solidFill>
+                <a:effectLst/>
+                <a:latin typeface="Arial Unicode MS" panose="020B0604020202020204" pitchFamily="34" charset="-120"/>
+                <a:ea typeface="Droid Sans Mono"/>
+              </a:rPr>
+              <a:t>;</a:t>
+            </a:r>
+            <a:r>
+              <a:rPr kumimoji="0" lang="zh-TW" altLang="zh-TW" sz="1600" b="0" i="0" u="none" strike="noStrike" cap="none" normalizeH="0" baseline="0" dirty="0">
+                <a:ln>
+                  <a:noFill/>
+                </a:ln>
+                <a:solidFill>
+                  <a:srgbClr val="000000"/>
+                </a:solidFill>
+                <a:effectLst/>
+                <a:latin typeface="Arial Unicode MS" panose="020B0604020202020204" pitchFamily="34" charset="-120"/>
+                <a:ea typeface="Droid Sans Mono"/>
+              </a:rPr>
+              <a:t> </a:t>
+            </a:r>
+            <a:endParaRPr kumimoji="0" lang="en-US" altLang="zh-TW" sz="1600" b="0" i="0" u="none" strike="noStrike" cap="none" normalizeH="0" baseline="0" dirty="0">
+              <a:ln>
+                <a:noFill/>
+              </a:ln>
+              <a:solidFill>
+                <a:srgbClr val="000000"/>
+              </a:solidFill>
+              <a:effectLst/>
+              <a:latin typeface="Arial Unicode MS" panose="020B0604020202020204" pitchFamily="34" charset="-120"/>
+              <a:ea typeface="Droid Sans Mono"/>
+            </a:endParaRPr>
+          </a:p>
+          <a:p>
+            <a:pPr marL="0" marR="0" lvl="0" indent="0" algn="l" defTabSz="914400" rtl="0" eaLnBrk="0" fontAlgn="base" latinLnBrk="0" hangingPunct="0">
+              <a:lnSpc>
+                <a:spcPct val="100000"/>
+              </a:lnSpc>
+              <a:spcBef>
+                <a:spcPct val="0"/>
+              </a:spcBef>
+              <a:spcAft>
+                <a:spcPct val="0"/>
+              </a:spcAft>
+              <a:buClrTx/>
+              <a:buSzTx/>
+              <a:buFontTx/>
+              <a:buNone/>
+              <a:tabLst/>
+            </a:pPr>
+            <a:endParaRPr kumimoji="0" lang="en-US" altLang="zh-TW" sz="1600" b="0" i="0" u="none" strike="noStrike" cap="none" normalizeH="0" baseline="0" dirty="0">
+              <a:ln>
+                <a:noFill/>
+              </a:ln>
+              <a:solidFill>
+                <a:srgbClr val="006666"/>
+              </a:solidFill>
+              <a:effectLst/>
+              <a:latin typeface="Arial Unicode MS" panose="020B0604020202020204" pitchFamily="34" charset="-120"/>
+              <a:ea typeface="Droid Sans Mono"/>
+            </a:endParaRPr>
+          </a:p>
+          <a:p>
+            <a:pPr marL="0" marR="0" lvl="0" indent="0" algn="l" defTabSz="914400" rtl="0" eaLnBrk="0" fontAlgn="base" latinLnBrk="0" hangingPunct="0">
+              <a:lnSpc>
+                <a:spcPct val="100000"/>
+              </a:lnSpc>
+              <a:spcBef>
+                <a:spcPct val="0"/>
+              </a:spcBef>
+              <a:spcAft>
+                <a:spcPct val="0"/>
+              </a:spcAft>
+              <a:buClrTx/>
+              <a:buSzTx/>
+              <a:buFontTx/>
+              <a:buNone/>
+              <a:tabLst/>
+            </a:pPr>
+            <a:r>
+              <a:rPr lang="en-US" altLang="zh-TW" sz="1600" dirty="0">
+                <a:solidFill>
+                  <a:srgbClr val="006666"/>
+                </a:solidFill>
+                <a:latin typeface="Arial Unicode MS" panose="020B0604020202020204" pitchFamily="34" charset="-120"/>
+                <a:ea typeface="Droid Sans Mono"/>
+              </a:rPr>
+              <a:t>    </a:t>
+            </a:r>
+            <a:r>
+              <a:rPr kumimoji="0" lang="zh-TW" altLang="zh-TW" sz="1600" b="0" i="0" u="none" strike="noStrike" cap="none" normalizeH="0" baseline="0" dirty="0">
+                <a:ln>
+                  <a:noFill/>
+                </a:ln>
+                <a:solidFill>
+                  <a:srgbClr val="006666"/>
+                </a:solidFill>
+                <a:effectLst/>
+                <a:latin typeface="Arial Unicode MS" panose="020B0604020202020204" pitchFamily="34" charset="-120"/>
+                <a:ea typeface="Droid Sans Mono"/>
+              </a:rPr>
+              <a:t>@Version</a:t>
+            </a:r>
+            <a:r>
+              <a:rPr kumimoji="0" lang="zh-TW" altLang="zh-TW" sz="1600" b="0" i="0" u="none" strike="noStrike" cap="none" normalizeH="0" baseline="0" dirty="0">
+                <a:ln>
+                  <a:noFill/>
+                </a:ln>
+                <a:solidFill>
+                  <a:srgbClr val="000000"/>
+                </a:solidFill>
+                <a:effectLst/>
+                <a:latin typeface="Arial Unicode MS" panose="020B0604020202020204" pitchFamily="34" charset="-120"/>
+                <a:ea typeface="Droid Sans Mono"/>
+              </a:rPr>
+              <a:t> </a:t>
+            </a:r>
+            <a:endParaRPr kumimoji="0" lang="en-US" altLang="zh-TW" sz="1600" b="0" i="0" u="none" strike="noStrike" cap="none" normalizeH="0" baseline="0" dirty="0">
+              <a:ln>
+                <a:noFill/>
+              </a:ln>
+              <a:solidFill>
+                <a:srgbClr val="000000"/>
+              </a:solidFill>
+              <a:effectLst/>
+              <a:latin typeface="Arial Unicode MS" panose="020B0604020202020204" pitchFamily="34" charset="-120"/>
+              <a:ea typeface="Droid Sans Mono"/>
+            </a:endParaRPr>
+          </a:p>
+          <a:p>
+            <a:pPr marL="0" marR="0" lvl="0" indent="0" algn="l" defTabSz="914400" rtl="0" eaLnBrk="0" fontAlgn="base" latinLnBrk="0" hangingPunct="0">
+              <a:lnSpc>
+                <a:spcPct val="100000"/>
+              </a:lnSpc>
+              <a:spcBef>
+                <a:spcPct val="0"/>
+              </a:spcBef>
+              <a:spcAft>
+                <a:spcPct val="0"/>
+              </a:spcAft>
+              <a:buClrTx/>
+              <a:buSzTx/>
+              <a:buFontTx/>
+              <a:buNone/>
+              <a:tabLst/>
+            </a:pPr>
+            <a:r>
+              <a:rPr kumimoji="0" lang="en-US" altLang="zh-TW" sz="1600" b="0" i="0" u="none" strike="noStrike" cap="none" normalizeH="0" baseline="0" dirty="0">
+                <a:ln>
+                  <a:noFill/>
+                </a:ln>
+                <a:solidFill>
+                  <a:srgbClr val="000088"/>
+                </a:solidFill>
+                <a:effectLst/>
+                <a:latin typeface="Arial Unicode MS" panose="020B0604020202020204" pitchFamily="34" charset="-120"/>
+                <a:ea typeface="Droid Sans Mono"/>
+              </a:rPr>
+              <a:t>    </a:t>
+            </a:r>
+            <a:r>
+              <a:rPr kumimoji="0" lang="zh-TW" altLang="zh-TW" sz="1600" b="0" i="0" u="none" strike="noStrike" cap="none" normalizeH="0" baseline="0" dirty="0">
+                <a:ln>
+                  <a:noFill/>
+                </a:ln>
+                <a:solidFill>
+                  <a:srgbClr val="000088"/>
+                </a:solidFill>
+                <a:effectLst/>
+                <a:latin typeface="Arial Unicode MS" panose="020B0604020202020204" pitchFamily="34" charset="-120"/>
+                <a:ea typeface="Droid Sans Mono"/>
+              </a:rPr>
+              <a:t>private</a:t>
+            </a:r>
+            <a:r>
+              <a:rPr kumimoji="0" lang="zh-TW" altLang="zh-TW" sz="1600" b="0" i="0" u="none" strike="noStrike" cap="none" normalizeH="0" baseline="0" dirty="0">
+                <a:ln>
+                  <a:noFill/>
+                </a:ln>
+                <a:solidFill>
+                  <a:srgbClr val="000000"/>
+                </a:solidFill>
+                <a:effectLst/>
+                <a:latin typeface="Arial Unicode MS" panose="020B0604020202020204" pitchFamily="34" charset="-120"/>
+                <a:ea typeface="Droid Sans Mono"/>
+              </a:rPr>
+              <a:t> </a:t>
+            </a:r>
+            <a:r>
+              <a:rPr kumimoji="0" lang="zh-TW" altLang="zh-TW" sz="1600" b="0" i="0" u="none" strike="noStrike" cap="none" normalizeH="0" baseline="0" dirty="0">
+                <a:ln>
+                  <a:noFill/>
+                </a:ln>
+                <a:solidFill>
+                  <a:srgbClr val="000088"/>
+                </a:solidFill>
+                <a:effectLst/>
+                <a:latin typeface="Arial Unicode MS" panose="020B0604020202020204" pitchFamily="34" charset="-120"/>
+                <a:ea typeface="Droid Sans Mono"/>
+              </a:rPr>
+              <a:t>long</a:t>
+            </a:r>
+            <a:r>
+              <a:rPr kumimoji="0" lang="zh-TW" altLang="zh-TW" sz="1600" b="0" i="0" u="none" strike="noStrike" cap="none" normalizeH="0" baseline="0" dirty="0">
+                <a:ln>
+                  <a:noFill/>
+                </a:ln>
+                <a:solidFill>
+                  <a:srgbClr val="000000"/>
+                </a:solidFill>
+                <a:effectLst/>
+                <a:latin typeface="Arial Unicode MS" panose="020B0604020202020204" pitchFamily="34" charset="-120"/>
+                <a:ea typeface="Droid Sans Mono"/>
+              </a:rPr>
+              <a:t> version</a:t>
+            </a:r>
+            <a:r>
+              <a:rPr kumimoji="0" lang="zh-TW" altLang="zh-TW" sz="1600" b="0" i="0" u="none" strike="noStrike" cap="none" normalizeH="0" baseline="0" dirty="0">
+                <a:ln>
+                  <a:noFill/>
+                </a:ln>
+                <a:solidFill>
+                  <a:srgbClr val="666600"/>
+                </a:solidFill>
+                <a:effectLst/>
+                <a:latin typeface="Arial Unicode MS" panose="020B0604020202020204" pitchFamily="34" charset="-120"/>
+                <a:ea typeface="Droid Sans Mono"/>
+              </a:rPr>
+              <a:t>;</a:t>
+            </a:r>
+            <a:r>
+              <a:rPr kumimoji="0" lang="zh-TW" altLang="zh-TW" sz="1600" b="0" i="0" u="none" strike="noStrike" cap="none" normalizeH="0" baseline="0" dirty="0">
+                <a:ln>
+                  <a:noFill/>
+                </a:ln>
+                <a:solidFill>
+                  <a:srgbClr val="000000"/>
+                </a:solidFill>
+                <a:effectLst/>
+                <a:latin typeface="Arial Unicode MS" panose="020B0604020202020204" pitchFamily="34" charset="-120"/>
+                <a:ea typeface="Droid Sans Mono"/>
+              </a:rPr>
+              <a:t> </a:t>
+            </a:r>
+            <a:r>
+              <a:rPr kumimoji="0" lang="zh-TW" altLang="zh-TW" sz="1600" b="0" i="0" u="none" strike="noStrike" cap="none" normalizeH="0" baseline="0" dirty="0">
+                <a:ln>
+                  <a:noFill/>
+                </a:ln>
+                <a:solidFill>
+                  <a:schemeClr val="tx1"/>
+                </a:solidFill>
+                <a:effectLst/>
+              </a:rPr>
+              <a:t/>
+            </a:r>
+            <a:br>
+              <a:rPr kumimoji="0" lang="zh-TW" altLang="zh-TW" sz="1600" b="0" i="0" u="none" strike="noStrike" cap="none" normalizeH="0" baseline="0" dirty="0">
+                <a:ln>
+                  <a:noFill/>
+                </a:ln>
+                <a:solidFill>
+                  <a:schemeClr val="tx1"/>
+                </a:solidFill>
+                <a:effectLst/>
+              </a:rPr>
+            </a:br>
+            <a:endParaRPr kumimoji="0" lang="zh-TW" altLang="zh-TW" sz="1600" b="0" i="0" u="none" strike="noStrike" cap="none" normalizeH="0" baseline="0" dirty="0">
+              <a:ln>
+                <a:noFill/>
+              </a:ln>
+              <a:solidFill>
+                <a:schemeClr val="tx1"/>
+              </a:solidFill>
+              <a:effectLst/>
+              <a:latin typeface="Arial" panose="020B0604020202020204" pitchFamily="34" charset="0"/>
+            </a:endParaRPr>
           </a:p>
         </p:txBody>
       </p:sp>
     </p:spTree>
     <p:extLst>
       <p:ext uri="{BB962C8B-B14F-4D97-AF65-F5344CB8AC3E}">
-        <p14:creationId xmlns:p14="http://schemas.microsoft.com/office/powerpoint/2010/main" val="2635295988"/>
+        <p14:creationId xmlns:p14="http://schemas.microsoft.com/office/powerpoint/2010/main" val="578347301"/>
       </p:ext>
     </p:extLst>
   </p:cSld>
@@ -15997,7 +15636,7 @@
           <p:cNvPr id="2" name="標題 1">
             <a:extLst>
               <a:ext uri="{FF2B5EF4-FFF2-40B4-BE49-F238E27FC236}">
-                <a16:creationId xmlns:a16="http://schemas.microsoft.com/office/drawing/2014/main" id="{5DF2C64D-1628-4D47-A1A7-7249424DB254}"/>
+                <a16:creationId xmlns:a16="http://schemas.microsoft.com/office/drawing/2014/main" id="{F985A374-126B-46FE-8523-DE35818ED9BD}"/>
               </a:ext>
             </a:extLst>
           </p:cNvPr>
@@ -16013,7 +15652,15 @@
           <a:bodyPr/>
           <a:lstStyle/>
           <a:p>
-            <a:endParaRPr lang="zh-TW" altLang="en-US"/>
+            <a:r>
+              <a:rPr lang="en-US" altLang="zh-TW" dirty="0"/>
+              <a:t>Pessimistic </a:t>
+            </a:r>
+            <a:r>
+              <a:rPr lang="en-US" altLang="zh-TW" dirty="0" smtClean="0"/>
+              <a:t>Lock</a:t>
+            </a:r>
+            <a:endParaRPr lang="zh-TW" altLang="en-US" dirty="0"/>
           </a:p>
         </p:txBody>
       </p:sp>
@@ -16022,7 +15669,7 @@
           <p:cNvPr id="3" name="內容版面配置區 2">
             <a:extLst>
               <a:ext uri="{FF2B5EF4-FFF2-40B4-BE49-F238E27FC236}">
-                <a16:creationId xmlns:a16="http://schemas.microsoft.com/office/drawing/2014/main" id="{106FEE81-1FF4-41E3-8816-AB16ACE878E6}"/>
+                <a16:creationId xmlns:a16="http://schemas.microsoft.com/office/drawing/2014/main" id="{AF7511FB-38FC-4523-AD73-8F1B1B393A01}"/>
               </a:ext>
             </a:extLst>
           </p:cNvPr>
@@ -16039,1190 +15686,36 @@
           <a:lstStyle/>
           <a:p>
             <a:r>
+              <a:rPr lang="en-US" altLang="zh-TW" dirty="0" smtClean="0"/>
+              <a:t>lock </a:t>
+            </a:r>
+            <a:r>
               <a:rPr lang="en-US" altLang="zh-TW" dirty="0"/>
-              <a:t>The version number mechanism for optimistic locking is provided through a @Version annotation.</a:t>
+              <a:t>resources after they are read</a:t>
             </a:r>
           </a:p>
           <a:p>
             <a:r>
               <a:rPr lang="en-US" altLang="zh-TW" dirty="0"/>
-              <a:t>the entity manager uses it to detect conflicting updates, and prevent the loss of updates.</a:t>
+              <a:t>unlocked after the application has finished using the data.</a:t>
+            </a:r>
+          </a:p>
+          <a:p>
+            <a:r>
+              <a:rPr lang="en-US" altLang="zh-TW" dirty="0"/>
+              <a:t>may specify an isolation level for the JDBC connections and instruct the database to handle locking issues. </a:t>
             </a:r>
             <a:endParaRPr lang="zh-TW" altLang="en-US" dirty="0"/>
           </a:p>
-        </p:txBody>
-      </p:sp>
-      <p:sp>
-        <p:nvSpPr>
-          <p:cNvPr id="4" name="Rectangle 1">
-            <a:extLst>
-              <a:ext uri="{FF2B5EF4-FFF2-40B4-BE49-F238E27FC236}">
-                <a16:creationId xmlns:a16="http://schemas.microsoft.com/office/drawing/2014/main" id="{DF970128-59B0-4274-A656-6817D7818517}"/>
-              </a:ext>
-            </a:extLst>
-          </p:cNvPr>
-          <p:cNvSpPr>
-            <a:spLocks noChangeArrowheads="1"/>
-          </p:cNvSpPr>
-          <p:nvPr/>
-        </p:nvSpPr>
-        <p:spPr bwMode="auto">
-          <a:xfrm>
-            <a:off x="1990164" y="3784441"/>
-            <a:ext cx="4930590" cy="2708434"/>
-          </a:xfrm>
-          <a:prstGeom prst="rect">
-            <a:avLst/>
-          </a:prstGeom>
-          <a:solidFill>
-            <a:srgbClr val="F7F7F8"/>
-          </a:solidFill>
-          <a:ln>
-            <a:noFill/>
-          </a:ln>
-          <a:effectLst/>
-          <a:extLst>
-            <a:ext uri="{91240B29-F687-4F45-9708-019B960494DF}">
-              <a14:hiddenLine xmlns:a14="http://schemas.microsoft.com/office/drawing/2010/main" w="9525">
-                <a:solidFill>
-                  <a:schemeClr val="tx1"/>
-                </a:solidFill>
-                <a:miter lim="800000"/>
-                <a:headEnd/>
-                <a:tailEnd/>
-              </a14:hiddenLine>
-            </a:ext>
-            <a:ext uri="{AF507438-7753-43E0-B8FC-AC1667EBCBE1}">
-              <a14:hiddenEffects xmlns:a14="http://schemas.microsoft.com/office/drawing/2010/main">
-                <a:effectLst>
-                  <a:outerShdw dist="35921" dir="2700000" algn="ctr" rotWithShape="0">
-                    <a:schemeClr val="bg2"/>
-                  </a:outerShdw>
-                </a:effectLst>
-              </a14:hiddenEffects>
-            </a:ext>
-          </a:extLst>
-        </p:spPr>
-        <p:txBody>
-          <a:bodyPr vert="horz" wrap="square" lIns="0" tIns="0" rIns="0" bIns="0" numCol="1" anchor="ctr" anchorCtr="0" compatLnSpc="1">
-            <a:prstTxWarp prst="textNoShape">
-              <a:avLst/>
-            </a:prstTxWarp>
-            <a:spAutoFit/>
-          </a:bodyPr>
-          <a:lstStyle/>
-          <a:p>
-            <a:pPr marL="0" marR="0" lvl="0" indent="0" algn="l" defTabSz="914400" rtl="0" eaLnBrk="0" fontAlgn="base" latinLnBrk="0" hangingPunct="0">
-              <a:lnSpc>
-                <a:spcPct val="100000"/>
-              </a:lnSpc>
-              <a:spcBef>
-                <a:spcPct val="0"/>
-              </a:spcBef>
-              <a:spcAft>
-                <a:spcPct val="0"/>
-              </a:spcAft>
-              <a:buClrTx/>
-              <a:buSzTx/>
-              <a:buFontTx/>
-              <a:buNone/>
-              <a:tabLst/>
-            </a:pPr>
-            <a:r>
-              <a:rPr kumimoji="0" lang="zh-TW" altLang="zh-TW" sz="1600" b="0" i="0" u="none" strike="noStrike" cap="none" normalizeH="0" baseline="0" dirty="0">
-                <a:ln>
-                  <a:noFill/>
-                </a:ln>
-                <a:solidFill>
-                  <a:srgbClr val="006666"/>
-                </a:solidFill>
-                <a:effectLst/>
-                <a:latin typeface="Arial Unicode MS" panose="020B0604020202020204" pitchFamily="34" charset="-120"/>
-                <a:ea typeface="Droid Sans Mono"/>
-              </a:rPr>
-              <a:t>@Entity</a:t>
-            </a:r>
-            <a:r>
-              <a:rPr kumimoji="0" lang="zh-TW" altLang="zh-TW" sz="1600" b="0" i="0" u="none" strike="noStrike" cap="none" normalizeH="0" baseline="0" dirty="0">
-                <a:ln>
-                  <a:noFill/>
-                </a:ln>
-                <a:solidFill>
-                  <a:srgbClr val="666600"/>
-                </a:solidFill>
-                <a:effectLst/>
-                <a:latin typeface="Arial Unicode MS" panose="020B0604020202020204" pitchFamily="34" charset="-120"/>
-                <a:ea typeface="Droid Sans Mono"/>
-              </a:rPr>
-              <a:t>(</a:t>
-            </a:r>
-            <a:r>
-              <a:rPr kumimoji="0" lang="zh-TW" altLang="zh-TW" sz="1600" b="0" i="0" u="none" strike="noStrike" cap="none" normalizeH="0" baseline="0" dirty="0">
-                <a:ln>
-                  <a:noFill/>
-                </a:ln>
-                <a:solidFill>
-                  <a:srgbClr val="000000"/>
-                </a:solidFill>
-                <a:effectLst/>
-                <a:latin typeface="Arial Unicode MS" panose="020B0604020202020204" pitchFamily="34" charset="-120"/>
-                <a:ea typeface="Droid Sans Mono"/>
-              </a:rPr>
-              <a:t>name </a:t>
-            </a:r>
-            <a:r>
-              <a:rPr kumimoji="0" lang="zh-TW" altLang="zh-TW" sz="1600" b="0" i="0" u="none" strike="noStrike" cap="none" normalizeH="0" baseline="0" dirty="0">
-                <a:ln>
-                  <a:noFill/>
-                </a:ln>
-                <a:solidFill>
-                  <a:srgbClr val="666600"/>
-                </a:solidFill>
-                <a:effectLst/>
-                <a:latin typeface="Arial Unicode MS" panose="020B0604020202020204" pitchFamily="34" charset="-120"/>
-                <a:ea typeface="Droid Sans Mono"/>
-              </a:rPr>
-              <a:t>=</a:t>
-            </a:r>
-            <a:r>
-              <a:rPr kumimoji="0" lang="zh-TW" altLang="zh-TW" sz="1600" b="0" i="0" u="none" strike="noStrike" cap="none" normalizeH="0" baseline="0" dirty="0">
-                <a:ln>
-                  <a:noFill/>
-                </a:ln>
-                <a:solidFill>
-                  <a:srgbClr val="000000"/>
-                </a:solidFill>
-                <a:effectLst/>
-                <a:latin typeface="Arial Unicode MS" panose="020B0604020202020204" pitchFamily="34" charset="-120"/>
-                <a:ea typeface="Droid Sans Mono"/>
-              </a:rPr>
-              <a:t> </a:t>
-            </a:r>
-            <a:r>
-              <a:rPr kumimoji="0" lang="zh-TW" altLang="zh-TW" sz="1600" b="0" i="0" u="none" strike="noStrike" cap="none" normalizeH="0" baseline="0" dirty="0">
-                <a:ln>
-                  <a:noFill/>
-                </a:ln>
-                <a:solidFill>
-                  <a:srgbClr val="008800"/>
-                </a:solidFill>
-                <a:effectLst/>
-                <a:latin typeface="Arial Unicode MS" panose="020B0604020202020204" pitchFamily="34" charset="-120"/>
-                <a:ea typeface="Droid Sans Mono"/>
-              </a:rPr>
-              <a:t>"Person"</a:t>
-            </a:r>
-            <a:r>
-              <a:rPr kumimoji="0" lang="zh-TW" altLang="zh-TW" sz="1600" b="0" i="0" u="none" strike="noStrike" cap="none" normalizeH="0" baseline="0" dirty="0">
-                <a:ln>
-                  <a:noFill/>
-                </a:ln>
-                <a:solidFill>
-                  <a:srgbClr val="666600"/>
-                </a:solidFill>
-                <a:effectLst/>
-                <a:latin typeface="Arial Unicode MS" panose="020B0604020202020204" pitchFamily="34" charset="-120"/>
-                <a:ea typeface="Droid Sans Mono"/>
-              </a:rPr>
-              <a:t>)</a:t>
-            </a:r>
-            <a:r>
-              <a:rPr kumimoji="0" lang="zh-TW" altLang="zh-TW" sz="1600" b="0" i="0" u="none" strike="noStrike" cap="none" normalizeH="0" baseline="0" dirty="0">
-                <a:ln>
-                  <a:noFill/>
-                </a:ln>
-                <a:solidFill>
-                  <a:srgbClr val="000000"/>
-                </a:solidFill>
-                <a:effectLst/>
-                <a:latin typeface="Arial Unicode MS" panose="020B0604020202020204" pitchFamily="34" charset="-120"/>
-                <a:ea typeface="Droid Sans Mono"/>
-              </a:rPr>
-              <a:t> </a:t>
-            </a:r>
-            <a:endParaRPr kumimoji="0" lang="en-US" altLang="zh-TW" sz="1600" b="0" i="0" u="none" strike="noStrike" cap="none" normalizeH="0" baseline="0" dirty="0">
-              <a:ln>
-                <a:noFill/>
-              </a:ln>
-              <a:solidFill>
-                <a:srgbClr val="000000"/>
-              </a:solidFill>
-              <a:effectLst/>
-              <a:latin typeface="Arial Unicode MS" panose="020B0604020202020204" pitchFamily="34" charset="-120"/>
-              <a:ea typeface="Droid Sans Mono"/>
-            </a:endParaRPr>
-          </a:p>
-          <a:p>
-            <a:pPr marL="0" marR="0" lvl="0" indent="0" algn="l" defTabSz="914400" rtl="0" eaLnBrk="0" fontAlgn="base" latinLnBrk="0" hangingPunct="0">
-              <a:lnSpc>
-                <a:spcPct val="100000"/>
-              </a:lnSpc>
-              <a:spcBef>
-                <a:spcPct val="0"/>
-              </a:spcBef>
-              <a:spcAft>
-                <a:spcPct val="0"/>
-              </a:spcAft>
-              <a:buClrTx/>
-              <a:buSzTx/>
-              <a:buFontTx/>
-              <a:buNone/>
-              <a:tabLst/>
-            </a:pPr>
-            <a:r>
-              <a:rPr kumimoji="0" lang="zh-TW" altLang="zh-TW" sz="1600" b="0" i="0" u="none" strike="noStrike" cap="none" normalizeH="0" baseline="0" dirty="0">
-                <a:ln>
-                  <a:noFill/>
-                </a:ln>
-                <a:solidFill>
-                  <a:srgbClr val="000088"/>
-                </a:solidFill>
-                <a:effectLst/>
-                <a:latin typeface="Arial Unicode MS" panose="020B0604020202020204" pitchFamily="34" charset="-120"/>
-                <a:ea typeface="Droid Sans Mono"/>
-              </a:rPr>
-              <a:t>public</a:t>
-            </a:r>
-            <a:r>
-              <a:rPr kumimoji="0" lang="zh-TW" altLang="zh-TW" sz="1600" b="0" i="0" u="none" strike="noStrike" cap="none" normalizeH="0" baseline="0" dirty="0">
-                <a:ln>
-                  <a:noFill/>
-                </a:ln>
-                <a:solidFill>
-                  <a:srgbClr val="000000"/>
-                </a:solidFill>
-                <a:effectLst/>
-                <a:latin typeface="Arial Unicode MS" panose="020B0604020202020204" pitchFamily="34" charset="-120"/>
-                <a:ea typeface="Droid Sans Mono"/>
-              </a:rPr>
-              <a:t> </a:t>
-            </a:r>
-            <a:r>
-              <a:rPr kumimoji="0" lang="zh-TW" altLang="zh-TW" sz="1600" b="0" i="0" u="none" strike="noStrike" cap="none" normalizeH="0" baseline="0" dirty="0">
-                <a:ln>
-                  <a:noFill/>
-                </a:ln>
-                <a:solidFill>
-                  <a:srgbClr val="000088"/>
-                </a:solidFill>
-                <a:effectLst/>
-                <a:latin typeface="Arial Unicode MS" panose="020B0604020202020204" pitchFamily="34" charset="-120"/>
-                <a:ea typeface="Droid Sans Mono"/>
-              </a:rPr>
-              <a:t>static</a:t>
-            </a:r>
-            <a:r>
-              <a:rPr kumimoji="0" lang="zh-TW" altLang="zh-TW" sz="1600" b="0" i="0" u="none" strike="noStrike" cap="none" normalizeH="0" baseline="0" dirty="0">
-                <a:ln>
-                  <a:noFill/>
-                </a:ln>
-                <a:solidFill>
-                  <a:srgbClr val="000000"/>
-                </a:solidFill>
-                <a:effectLst/>
-                <a:latin typeface="Arial Unicode MS" panose="020B0604020202020204" pitchFamily="34" charset="-120"/>
-                <a:ea typeface="Droid Sans Mono"/>
-              </a:rPr>
-              <a:t> </a:t>
-            </a:r>
-            <a:r>
-              <a:rPr kumimoji="0" lang="zh-TW" altLang="zh-TW" sz="1600" b="0" i="0" u="none" strike="noStrike" cap="none" normalizeH="0" baseline="0" dirty="0">
-                <a:ln>
-                  <a:noFill/>
-                </a:ln>
-                <a:solidFill>
-                  <a:srgbClr val="000088"/>
-                </a:solidFill>
-                <a:effectLst/>
-                <a:latin typeface="Arial Unicode MS" panose="020B0604020202020204" pitchFamily="34" charset="-120"/>
-                <a:ea typeface="Droid Sans Mono"/>
-              </a:rPr>
-              <a:t>class</a:t>
-            </a:r>
-            <a:r>
-              <a:rPr kumimoji="0" lang="zh-TW" altLang="zh-TW" sz="1600" b="0" i="0" u="none" strike="noStrike" cap="none" normalizeH="0" baseline="0" dirty="0">
-                <a:ln>
-                  <a:noFill/>
-                </a:ln>
-                <a:solidFill>
-                  <a:srgbClr val="000000"/>
-                </a:solidFill>
-                <a:effectLst/>
-                <a:latin typeface="Arial Unicode MS" panose="020B0604020202020204" pitchFamily="34" charset="-120"/>
-                <a:ea typeface="Droid Sans Mono"/>
-              </a:rPr>
-              <a:t> </a:t>
-            </a:r>
-            <a:r>
-              <a:rPr kumimoji="0" lang="zh-TW" altLang="zh-TW" sz="1600" b="0" i="0" u="none" strike="noStrike" cap="none" normalizeH="0" baseline="0" dirty="0">
-                <a:ln>
-                  <a:noFill/>
-                </a:ln>
-                <a:solidFill>
-                  <a:srgbClr val="660066"/>
-                </a:solidFill>
-                <a:effectLst/>
-                <a:latin typeface="Arial Unicode MS" panose="020B0604020202020204" pitchFamily="34" charset="-120"/>
-                <a:ea typeface="Droid Sans Mono"/>
-              </a:rPr>
-              <a:t>Person</a:t>
-            </a:r>
-            <a:r>
-              <a:rPr kumimoji="0" lang="zh-TW" altLang="zh-TW" sz="1600" b="0" i="0" u="none" strike="noStrike" cap="none" normalizeH="0" baseline="0" dirty="0">
-                <a:ln>
-                  <a:noFill/>
-                </a:ln>
-                <a:solidFill>
-                  <a:srgbClr val="000000"/>
-                </a:solidFill>
-                <a:effectLst/>
-                <a:latin typeface="Arial Unicode MS" panose="020B0604020202020204" pitchFamily="34" charset="-120"/>
-                <a:ea typeface="Droid Sans Mono"/>
-              </a:rPr>
-              <a:t> </a:t>
-            </a:r>
-            <a:r>
-              <a:rPr kumimoji="0" lang="zh-TW" altLang="zh-TW" sz="1600" b="0" i="0" u="none" strike="noStrike" cap="none" normalizeH="0" baseline="0" dirty="0">
-                <a:ln>
-                  <a:noFill/>
-                </a:ln>
-                <a:solidFill>
-                  <a:srgbClr val="666600"/>
-                </a:solidFill>
-                <a:effectLst/>
-                <a:latin typeface="Arial Unicode MS" panose="020B0604020202020204" pitchFamily="34" charset="-120"/>
-                <a:ea typeface="Droid Sans Mono"/>
-              </a:rPr>
-              <a:t>{</a:t>
-            </a:r>
-            <a:r>
-              <a:rPr kumimoji="0" lang="zh-TW" altLang="zh-TW" sz="1600" b="0" i="0" u="none" strike="noStrike" cap="none" normalizeH="0" baseline="0" dirty="0">
-                <a:ln>
-                  <a:noFill/>
-                </a:ln>
-                <a:solidFill>
-                  <a:srgbClr val="000000"/>
-                </a:solidFill>
-                <a:effectLst/>
-                <a:latin typeface="Arial Unicode MS" panose="020B0604020202020204" pitchFamily="34" charset="-120"/>
-                <a:ea typeface="Droid Sans Mono"/>
-              </a:rPr>
-              <a:t> </a:t>
-            </a:r>
-            <a:endParaRPr kumimoji="0" lang="en-US" altLang="zh-TW" sz="1600" b="0" i="0" u="none" strike="noStrike" cap="none" normalizeH="0" baseline="0" dirty="0">
-              <a:ln>
-                <a:noFill/>
-              </a:ln>
-              <a:solidFill>
-                <a:srgbClr val="000000"/>
-              </a:solidFill>
-              <a:effectLst/>
-              <a:latin typeface="Arial Unicode MS" panose="020B0604020202020204" pitchFamily="34" charset="-120"/>
-              <a:ea typeface="Droid Sans Mono"/>
-            </a:endParaRPr>
-          </a:p>
-          <a:p>
-            <a:pPr marL="0" marR="0" lvl="0" indent="0" algn="l" defTabSz="914400" rtl="0" eaLnBrk="0" fontAlgn="base" latinLnBrk="0" hangingPunct="0">
-              <a:lnSpc>
-                <a:spcPct val="100000"/>
-              </a:lnSpc>
-              <a:spcBef>
-                <a:spcPct val="0"/>
-              </a:spcBef>
-              <a:spcAft>
-                <a:spcPct val="0"/>
-              </a:spcAft>
-              <a:buClrTx/>
-              <a:buSzTx/>
-              <a:buFontTx/>
-              <a:buNone/>
-              <a:tabLst/>
-            </a:pPr>
-            <a:r>
-              <a:rPr kumimoji="0" lang="en-US" altLang="zh-TW" sz="1600" b="0" i="0" u="none" strike="noStrike" cap="none" normalizeH="0" baseline="0" dirty="0">
-                <a:ln>
-                  <a:noFill/>
-                </a:ln>
-                <a:solidFill>
-                  <a:srgbClr val="006666"/>
-                </a:solidFill>
-                <a:effectLst/>
-                <a:latin typeface="Arial Unicode MS" panose="020B0604020202020204" pitchFamily="34" charset="-120"/>
-                <a:ea typeface="Droid Sans Mono"/>
-              </a:rPr>
-              <a:t>    </a:t>
-            </a:r>
-            <a:r>
-              <a:rPr kumimoji="0" lang="zh-TW" altLang="zh-TW" sz="1600" b="0" i="0" u="none" strike="noStrike" cap="none" normalizeH="0" baseline="0" dirty="0">
-                <a:ln>
-                  <a:noFill/>
-                </a:ln>
-                <a:solidFill>
-                  <a:srgbClr val="006666"/>
-                </a:solidFill>
-                <a:effectLst/>
-                <a:latin typeface="Arial Unicode MS" panose="020B0604020202020204" pitchFamily="34" charset="-120"/>
-                <a:ea typeface="Droid Sans Mono"/>
-              </a:rPr>
-              <a:t>@Id</a:t>
-            </a:r>
-            <a:r>
-              <a:rPr kumimoji="0" lang="zh-TW" altLang="zh-TW" sz="1600" b="0" i="0" u="none" strike="noStrike" cap="none" normalizeH="0" baseline="0" dirty="0">
-                <a:ln>
-                  <a:noFill/>
-                </a:ln>
-                <a:solidFill>
-                  <a:srgbClr val="000000"/>
-                </a:solidFill>
-                <a:effectLst/>
-                <a:latin typeface="Arial Unicode MS" panose="020B0604020202020204" pitchFamily="34" charset="-120"/>
-                <a:ea typeface="Droid Sans Mono"/>
-              </a:rPr>
-              <a:t> </a:t>
-            </a:r>
-            <a:endParaRPr kumimoji="0" lang="en-US" altLang="zh-TW" sz="1600" b="0" i="0" u="none" strike="noStrike" cap="none" normalizeH="0" baseline="0" dirty="0">
-              <a:ln>
-                <a:noFill/>
-              </a:ln>
-              <a:solidFill>
-                <a:srgbClr val="000000"/>
-              </a:solidFill>
-              <a:effectLst/>
-              <a:latin typeface="Arial Unicode MS" panose="020B0604020202020204" pitchFamily="34" charset="-120"/>
-              <a:ea typeface="Droid Sans Mono"/>
-            </a:endParaRPr>
-          </a:p>
-          <a:p>
-            <a:pPr marL="0" marR="0" lvl="0" indent="0" algn="l" defTabSz="914400" rtl="0" eaLnBrk="0" fontAlgn="base" latinLnBrk="0" hangingPunct="0">
-              <a:lnSpc>
-                <a:spcPct val="100000"/>
-              </a:lnSpc>
-              <a:spcBef>
-                <a:spcPct val="0"/>
-              </a:spcBef>
-              <a:spcAft>
-                <a:spcPct val="0"/>
-              </a:spcAft>
-              <a:buClrTx/>
-              <a:buSzTx/>
-              <a:buFontTx/>
-              <a:buNone/>
-              <a:tabLst/>
-            </a:pPr>
-            <a:r>
-              <a:rPr kumimoji="0" lang="en-US" altLang="zh-TW" sz="1600" b="0" i="0" u="none" strike="noStrike" cap="none" normalizeH="0" baseline="0" dirty="0">
-                <a:ln>
-                  <a:noFill/>
-                </a:ln>
-                <a:solidFill>
-                  <a:srgbClr val="006666"/>
-                </a:solidFill>
-                <a:effectLst/>
-                <a:latin typeface="Arial Unicode MS" panose="020B0604020202020204" pitchFamily="34" charset="-120"/>
-                <a:ea typeface="Droid Sans Mono"/>
-              </a:rPr>
-              <a:t>    </a:t>
-            </a:r>
-            <a:r>
-              <a:rPr kumimoji="0" lang="zh-TW" altLang="zh-TW" sz="1600" b="0" i="0" u="none" strike="noStrike" cap="none" normalizeH="0" baseline="0" dirty="0">
-                <a:ln>
-                  <a:noFill/>
-                </a:ln>
-                <a:solidFill>
-                  <a:srgbClr val="006666"/>
-                </a:solidFill>
-                <a:effectLst/>
-                <a:latin typeface="Arial Unicode MS" panose="020B0604020202020204" pitchFamily="34" charset="-120"/>
-                <a:ea typeface="Droid Sans Mono"/>
-              </a:rPr>
-              <a:t>@GeneratedValue</a:t>
-            </a:r>
-            <a:r>
-              <a:rPr kumimoji="0" lang="zh-TW" altLang="zh-TW" sz="1600" b="0" i="0" u="none" strike="noStrike" cap="none" normalizeH="0" baseline="0" dirty="0">
-                <a:ln>
-                  <a:noFill/>
-                </a:ln>
-                <a:solidFill>
-                  <a:srgbClr val="000000"/>
-                </a:solidFill>
-                <a:effectLst/>
-                <a:latin typeface="Arial Unicode MS" panose="020B0604020202020204" pitchFamily="34" charset="-120"/>
-                <a:ea typeface="Droid Sans Mono"/>
-              </a:rPr>
-              <a:t> </a:t>
-            </a:r>
-            <a:endParaRPr kumimoji="0" lang="en-US" altLang="zh-TW" sz="1600" b="0" i="0" u="none" strike="noStrike" cap="none" normalizeH="0" baseline="0" dirty="0">
-              <a:ln>
-                <a:noFill/>
-              </a:ln>
-              <a:solidFill>
-                <a:srgbClr val="000000"/>
-              </a:solidFill>
-              <a:effectLst/>
-              <a:latin typeface="Arial Unicode MS" panose="020B0604020202020204" pitchFamily="34" charset="-120"/>
-              <a:ea typeface="Droid Sans Mono"/>
-            </a:endParaRPr>
-          </a:p>
-          <a:p>
-            <a:pPr marL="0" marR="0" lvl="0" indent="0" algn="l" defTabSz="914400" rtl="0" eaLnBrk="0" fontAlgn="base" latinLnBrk="0" hangingPunct="0">
-              <a:lnSpc>
-                <a:spcPct val="100000"/>
-              </a:lnSpc>
-              <a:spcBef>
-                <a:spcPct val="0"/>
-              </a:spcBef>
-              <a:spcAft>
-                <a:spcPct val="0"/>
-              </a:spcAft>
-              <a:buClrTx/>
-              <a:buSzTx/>
-              <a:buFontTx/>
-              <a:buNone/>
-              <a:tabLst/>
-            </a:pPr>
-            <a:r>
-              <a:rPr kumimoji="0" lang="en-US" altLang="zh-TW" sz="1600" b="0" i="0" u="none" strike="noStrike" cap="none" normalizeH="0" baseline="0" dirty="0">
-                <a:ln>
-                  <a:noFill/>
-                </a:ln>
-                <a:solidFill>
-                  <a:srgbClr val="000088"/>
-                </a:solidFill>
-                <a:effectLst/>
-                <a:latin typeface="Arial Unicode MS" panose="020B0604020202020204" pitchFamily="34" charset="-120"/>
-                <a:ea typeface="Droid Sans Mono"/>
-              </a:rPr>
-              <a:t>    </a:t>
-            </a:r>
-            <a:r>
-              <a:rPr kumimoji="0" lang="zh-TW" altLang="zh-TW" sz="1600" b="0" i="0" u="none" strike="noStrike" cap="none" normalizeH="0" baseline="0" dirty="0">
-                <a:ln>
-                  <a:noFill/>
-                </a:ln>
-                <a:solidFill>
-                  <a:srgbClr val="000088"/>
-                </a:solidFill>
-                <a:effectLst/>
-                <a:latin typeface="Arial Unicode MS" panose="020B0604020202020204" pitchFamily="34" charset="-120"/>
-                <a:ea typeface="Droid Sans Mono"/>
-              </a:rPr>
-              <a:t>private</a:t>
-            </a:r>
-            <a:r>
-              <a:rPr kumimoji="0" lang="zh-TW" altLang="zh-TW" sz="1600" b="0" i="0" u="none" strike="noStrike" cap="none" normalizeH="0" baseline="0" dirty="0">
-                <a:ln>
-                  <a:noFill/>
-                </a:ln>
-                <a:solidFill>
-                  <a:srgbClr val="000000"/>
-                </a:solidFill>
-                <a:effectLst/>
-                <a:latin typeface="Arial Unicode MS" panose="020B0604020202020204" pitchFamily="34" charset="-120"/>
-                <a:ea typeface="Droid Sans Mono"/>
-              </a:rPr>
-              <a:t> </a:t>
-            </a:r>
-            <a:r>
-              <a:rPr kumimoji="0" lang="zh-TW" altLang="zh-TW" sz="1600" b="0" i="0" u="none" strike="noStrike" cap="none" normalizeH="0" baseline="0" dirty="0">
-                <a:ln>
-                  <a:noFill/>
-                </a:ln>
-                <a:solidFill>
-                  <a:srgbClr val="660066"/>
-                </a:solidFill>
-                <a:effectLst/>
-                <a:latin typeface="Arial Unicode MS" panose="020B0604020202020204" pitchFamily="34" charset="-120"/>
-                <a:ea typeface="Droid Sans Mono"/>
-              </a:rPr>
-              <a:t>Long</a:t>
-            </a:r>
-            <a:r>
-              <a:rPr kumimoji="0" lang="zh-TW" altLang="zh-TW" sz="1600" b="0" i="0" u="none" strike="noStrike" cap="none" normalizeH="0" baseline="0" dirty="0">
-                <a:ln>
-                  <a:noFill/>
-                </a:ln>
-                <a:solidFill>
-                  <a:srgbClr val="000000"/>
-                </a:solidFill>
-                <a:effectLst/>
-                <a:latin typeface="Arial Unicode MS" panose="020B0604020202020204" pitchFamily="34" charset="-120"/>
-                <a:ea typeface="Droid Sans Mono"/>
-              </a:rPr>
-              <a:t> id</a:t>
-            </a:r>
-            <a:r>
-              <a:rPr kumimoji="0" lang="zh-TW" altLang="zh-TW" sz="1600" b="0" i="0" u="none" strike="noStrike" cap="none" normalizeH="0" baseline="0" dirty="0">
-                <a:ln>
-                  <a:noFill/>
-                </a:ln>
-                <a:solidFill>
-                  <a:srgbClr val="666600"/>
-                </a:solidFill>
-                <a:effectLst/>
-                <a:latin typeface="Arial Unicode MS" panose="020B0604020202020204" pitchFamily="34" charset="-120"/>
-                <a:ea typeface="Droid Sans Mono"/>
-              </a:rPr>
-              <a:t>;</a:t>
-            </a:r>
-            <a:r>
-              <a:rPr kumimoji="0" lang="zh-TW" altLang="zh-TW" sz="1600" b="0" i="0" u="none" strike="noStrike" cap="none" normalizeH="0" baseline="0" dirty="0">
-                <a:ln>
-                  <a:noFill/>
-                </a:ln>
-                <a:solidFill>
-                  <a:srgbClr val="000000"/>
-                </a:solidFill>
-                <a:effectLst/>
-                <a:latin typeface="Arial Unicode MS" panose="020B0604020202020204" pitchFamily="34" charset="-120"/>
-                <a:ea typeface="Droid Sans Mono"/>
-              </a:rPr>
-              <a:t> </a:t>
-            </a:r>
-            <a:endParaRPr kumimoji="0" lang="en-US" altLang="zh-TW" sz="1600" b="0" i="0" u="none" strike="noStrike" cap="none" normalizeH="0" baseline="0" dirty="0">
-              <a:ln>
-                <a:noFill/>
-              </a:ln>
-              <a:solidFill>
-                <a:srgbClr val="000000"/>
-              </a:solidFill>
-              <a:effectLst/>
-              <a:latin typeface="Arial Unicode MS" panose="020B0604020202020204" pitchFamily="34" charset="-120"/>
-              <a:ea typeface="Droid Sans Mono"/>
-            </a:endParaRPr>
-          </a:p>
-          <a:p>
-            <a:pPr marL="0" marR="0" lvl="0" indent="0" algn="l" defTabSz="914400" rtl="0" eaLnBrk="0" fontAlgn="base" latinLnBrk="0" hangingPunct="0">
-              <a:lnSpc>
-                <a:spcPct val="100000"/>
-              </a:lnSpc>
-              <a:spcBef>
-                <a:spcPct val="0"/>
-              </a:spcBef>
-              <a:spcAft>
-                <a:spcPct val="0"/>
-              </a:spcAft>
-              <a:buClrTx/>
-              <a:buSzTx/>
-              <a:buFontTx/>
-              <a:buNone/>
-              <a:tabLst/>
-            </a:pPr>
-            <a:r>
-              <a:rPr kumimoji="0" lang="en-US" altLang="zh-TW" sz="1600" b="0" i="0" u="none" strike="noStrike" cap="none" normalizeH="0" baseline="0" dirty="0">
-                <a:ln>
-                  <a:noFill/>
-                </a:ln>
-                <a:solidFill>
-                  <a:srgbClr val="006666"/>
-                </a:solidFill>
-                <a:effectLst/>
-                <a:latin typeface="Arial Unicode MS" panose="020B0604020202020204" pitchFamily="34" charset="-120"/>
-                <a:ea typeface="Droid Sans Mono"/>
-              </a:rPr>
-              <a:t>    </a:t>
-            </a:r>
-            <a:r>
-              <a:rPr kumimoji="0" lang="zh-TW" altLang="zh-TW" sz="1600" b="0" i="0" u="none" strike="noStrike" cap="none" normalizeH="0" baseline="0" dirty="0">
-                <a:ln>
-                  <a:noFill/>
-                </a:ln>
-                <a:solidFill>
-                  <a:srgbClr val="006666"/>
-                </a:solidFill>
-                <a:effectLst/>
-                <a:latin typeface="Arial Unicode MS" panose="020B0604020202020204" pitchFamily="34" charset="-120"/>
-                <a:ea typeface="Droid Sans Mono"/>
-              </a:rPr>
-              <a:t>@Column</a:t>
-            </a:r>
-            <a:r>
-              <a:rPr kumimoji="0" lang="zh-TW" altLang="zh-TW" sz="1600" b="0" i="0" u="none" strike="noStrike" cap="none" normalizeH="0" baseline="0" dirty="0">
-                <a:ln>
-                  <a:noFill/>
-                </a:ln>
-                <a:solidFill>
-                  <a:srgbClr val="666600"/>
-                </a:solidFill>
-                <a:effectLst/>
-                <a:latin typeface="Arial Unicode MS" panose="020B0604020202020204" pitchFamily="34" charset="-120"/>
-                <a:ea typeface="Droid Sans Mono"/>
-              </a:rPr>
-              <a:t>(</a:t>
-            </a:r>
-            <a:r>
-              <a:rPr kumimoji="0" lang="zh-TW" altLang="zh-TW" sz="1600" b="0" i="0" u="none" strike="noStrike" cap="none" normalizeH="0" baseline="0" dirty="0">
-                <a:ln>
-                  <a:noFill/>
-                </a:ln>
-                <a:solidFill>
-                  <a:srgbClr val="000000"/>
-                </a:solidFill>
-                <a:effectLst/>
-                <a:latin typeface="Arial Unicode MS" panose="020B0604020202020204" pitchFamily="34" charset="-120"/>
-                <a:ea typeface="Droid Sans Mono"/>
-              </a:rPr>
-              <a:t>name </a:t>
-            </a:r>
-            <a:r>
-              <a:rPr kumimoji="0" lang="zh-TW" altLang="zh-TW" sz="1600" b="0" i="0" u="none" strike="noStrike" cap="none" normalizeH="0" baseline="0" dirty="0">
-                <a:ln>
-                  <a:noFill/>
-                </a:ln>
-                <a:solidFill>
-                  <a:srgbClr val="666600"/>
-                </a:solidFill>
-                <a:effectLst/>
-                <a:latin typeface="Arial Unicode MS" panose="020B0604020202020204" pitchFamily="34" charset="-120"/>
-                <a:ea typeface="Droid Sans Mono"/>
-              </a:rPr>
-              <a:t>=</a:t>
-            </a:r>
-            <a:r>
-              <a:rPr kumimoji="0" lang="zh-TW" altLang="zh-TW" sz="1600" b="0" i="0" u="none" strike="noStrike" cap="none" normalizeH="0" baseline="0" dirty="0">
-                <a:ln>
-                  <a:noFill/>
-                </a:ln>
-                <a:solidFill>
-                  <a:srgbClr val="000000"/>
-                </a:solidFill>
-                <a:effectLst/>
-                <a:latin typeface="Arial Unicode MS" panose="020B0604020202020204" pitchFamily="34" charset="-120"/>
-                <a:ea typeface="Droid Sans Mono"/>
-              </a:rPr>
-              <a:t> </a:t>
-            </a:r>
-            <a:r>
-              <a:rPr kumimoji="0" lang="zh-TW" altLang="zh-TW" sz="1600" b="0" i="0" u="none" strike="noStrike" cap="none" normalizeH="0" baseline="0" dirty="0">
-                <a:ln>
-                  <a:noFill/>
-                </a:ln>
-                <a:solidFill>
-                  <a:srgbClr val="008800"/>
-                </a:solidFill>
-                <a:effectLst/>
-                <a:latin typeface="Arial Unicode MS" panose="020B0604020202020204" pitchFamily="34" charset="-120"/>
-                <a:ea typeface="Droid Sans Mono"/>
-              </a:rPr>
-              <a:t>"`name`"</a:t>
-            </a:r>
-            <a:r>
-              <a:rPr kumimoji="0" lang="zh-TW" altLang="zh-TW" sz="1600" b="0" i="0" u="none" strike="noStrike" cap="none" normalizeH="0" baseline="0" dirty="0">
-                <a:ln>
-                  <a:noFill/>
-                </a:ln>
-                <a:solidFill>
-                  <a:srgbClr val="666600"/>
-                </a:solidFill>
-                <a:effectLst/>
-                <a:latin typeface="Arial Unicode MS" panose="020B0604020202020204" pitchFamily="34" charset="-120"/>
-                <a:ea typeface="Droid Sans Mono"/>
-              </a:rPr>
-              <a:t>)</a:t>
-            </a:r>
-            <a:r>
-              <a:rPr kumimoji="0" lang="zh-TW" altLang="zh-TW" sz="1600" b="0" i="0" u="none" strike="noStrike" cap="none" normalizeH="0" baseline="0" dirty="0">
-                <a:ln>
-                  <a:noFill/>
-                </a:ln>
-                <a:solidFill>
-                  <a:srgbClr val="000000"/>
-                </a:solidFill>
-                <a:effectLst/>
-                <a:latin typeface="Arial Unicode MS" panose="020B0604020202020204" pitchFamily="34" charset="-120"/>
-                <a:ea typeface="Droid Sans Mono"/>
-              </a:rPr>
-              <a:t> </a:t>
-            </a:r>
-            <a:endParaRPr kumimoji="0" lang="en-US" altLang="zh-TW" sz="1600" b="0" i="0" u="none" strike="noStrike" cap="none" normalizeH="0" baseline="0" dirty="0">
-              <a:ln>
-                <a:noFill/>
-              </a:ln>
-              <a:solidFill>
-                <a:srgbClr val="000000"/>
-              </a:solidFill>
-              <a:effectLst/>
-              <a:latin typeface="Arial Unicode MS" panose="020B0604020202020204" pitchFamily="34" charset="-120"/>
-              <a:ea typeface="Droid Sans Mono"/>
-            </a:endParaRPr>
-          </a:p>
-          <a:p>
-            <a:pPr marL="0" marR="0" lvl="0" indent="0" algn="l" defTabSz="914400" rtl="0" eaLnBrk="0" fontAlgn="base" latinLnBrk="0" hangingPunct="0">
-              <a:lnSpc>
-                <a:spcPct val="100000"/>
-              </a:lnSpc>
-              <a:spcBef>
-                <a:spcPct val="0"/>
-              </a:spcBef>
-              <a:spcAft>
-                <a:spcPct val="0"/>
-              </a:spcAft>
-              <a:buClrTx/>
-              <a:buSzTx/>
-              <a:buFontTx/>
-              <a:buNone/>
-              <a:tabLst/>
-            </a:pPr>
-            <a:r>
-              <a:rPr kumimoji="0" lang="en-US" altLang="zh-TW" sz="1600" b="0" i="0" u="none" strike="noStrike" cap="none" normalizeH="0" baseline="0" dirty="0">
-                <a:ln>
-                  <a:noFill/>
-                </a:ln>
-                <a:solidFill>
-                  <a:srgbClr val="000088"/>
-                </a:solidFill>
-                <a:effectLst/>
-                <a:latin typeface="Arial Unicode MS" panose="020B0604020202020204" pitchFamily="34" charset="-120"/>
-                <a:ea typeface="Droid Sans Mono"/>
-              </a:rPr>
-              <a:t>    </a:t>
-            </a:r>
-            <a:r>
-              <a:rPr kumimoji="0" lang="zh-TW" altLang="zh-TW" sz="1600" b="0" i="0" u="none" strike="noStrike" cap="none" normalizeH="0" baseline="0" dirty="0">
-                <a:ln>
-                  <a:noFill/>
-                </a:ln>
-                <a:solidFill>
-                  <a:srgbClr val="000088"/>
-                </a:solidFill>
-                <a:effectLst/>
-                <a:latin typeface="Arial Unicode MS" panose="020B0604020202020204" pitchFamily="34" charset="-120"/>
-                <a:ea typeface="Droid Sans Mono"/>
-              </a:rPr>
-              <a:t>private</a:t>
-            </a:r>
-            <a:r>
-              <a:rPr kumimoji="0" lang="zh-TW" altLang="zh-TW" sz="1600" b="0" i="0" u="none" strike="noStrike" cap="none" normalizeH="0" baseline="0" dirty="0">
-                <a:ln>
-                  <a:noFill/>
-                </a:ln>
-                <a:solidFill>
-                  <a:srgbClr val="000000"/>
-                </a:solidFill>
-                <a:effectLst/>
-                <a:latin typeface="Arial Unicode MS" panose="020B0604020202020204" pitchFamily="34" charset="-120"/>
-                <a:ea typeface="Droid Sans Mono"/>
-              </a:rPr>
-              <a:t> </a:t>
-            </a:r>
-            <a:r>
-              <a:rPr kumimoji="0" lang="zh-TW" altLang="zh-TW" sz="1600" b="0" i="0" u="none" strike="noStrike" cap="none" normalizeH="0" baseline="0" dirty="0">
-                <a:ln>
-                  <a:noFill/>
-                </a:ln>
-                <a:solidFill>
-                  <a:srgbClr val="660066"/>
-                </a:solidFill>
-                <a:effectLst/>
-                <a:latin typeface="Arial Unicode MS" panose="020B0604020202020204" pitchFamily="34" charset="-120"/>
-                <a:ea typeface="Droid Sans Mono"/>
-              </a:rPr>
-              <a:t>String</a:t>
-            </a:r>
-            <a:r>
-              <a:rPr kumimoji="0" lang="zh-TW" altLang="zh-TW" sz="1600" b="0" i="0" u="none" strike="noStrike" cap="none" normalizeH="0" baseline="0" dirty="0">
-                <a:ln>
-                  <a:noFill/>
-                </a:ln>
-                <a:solidFill>
-                  <a:srgbClr val="000000"/>
-                </a:solidFill>
-                <a:effectLst/>
-                <a:latin typeface="Arial Unicode MS" panose="020B0604020202020204" pitchFamily="34" charset="-120"/>
-                <a:ea typeface="Droid Sans Mono"/>
-              </a:rPr>
-              <a:t> name</a:t>
-            </a:r>
-            <a:r>
-              <a:rPr kumimoji="0" lang="zh-TW" altLang="zh-TW" sz="1600" b="0" i="0" u="none" strike="noStrike" cap="none" normalizeH="0" baseline="0" dirty="0">
-                <a:ln>
-                  <a:noFill/>
-                </a:ln>
-                <a:solidFill>
-                  <a:srgbClr val="666600"/>
-                </a:solidFill>
-                <a:effectLst/>
-                <a:latin typeface="Arial Unicode MS" panose="020B0604020202020204" pitchFamily="34" charset="-120"/>
-                <a:ea typeface="Droid Sans Mono"/>
-              </a:rPr>
-              <a:t>;</a:t>
-            </a:r>
-            <a:r>
-              <a:rPr kumimoji="0" lang="zh-TW" altLang="zh-TW" sz="1600" b="0" i="0" u="none" strike="noStrike" cap="none" normalizeH="0" baseline="0" dirty="0">
-                <a:ln>
-                  <a:noFill/>
-                </a:ln>
-                <a:solidFill>
-                  <a:srgbClr val="000000"/>
-                </a:solidFill>
-                <a:effectLst/>
-                <a:latin typeface="Arial Unicode MS" panose="020B0604020202020204" pitchFamily="34" charset="-120"/>
-                <a:ea typeface="Droid Sans Mono"/>
-              </a:rPr>
-              <a:t> </a:t>
-            </a:r>
-            <a:endParaRPr kumimoji="0" lang="en-US" altLang="zh-TW" sz="1600" b="0" i="0" u="none" strike="noStrike" cap="none" normalizeH="0" baseline="0" dirty="0">
-              <a:ln>
-                <a:noFill/>
-              </a:ln>
-              <a:solidFill>
-                <a:srgbClr val="000000"/>
-              </a:solidFill>
-              <a:effectLst/>
-              <a:latin typeface="Arial Unicode MS" panose="020B0604020202020204" pitchFamily="34" charset="-120"/>
-              <a:ea typeface="Droid Sans Mono"/>
-            </a:endParaRPr>
-          </a:p>
-          <a:p>
-            <a:pPr marL="0" marR="0" lvl="0" indent="0" algn="l" defTabSz="914400" rtl="0" eaLnBrk="0" fontAlgn="base" latinLnBrk="0" hangingPunct="0">
-              <a:lnSpc>
-                <a:spcPct val="100000"/>
-              </a:lnSpc>
-              <a:spcBef>
-                <a:spcPct val="0"/>
-              </a:spcBef>
-              <a:spcAft>
-                <a:spcPct val="0"/>
-              </a:spcAft>
-              <a:buClrTx/>
-              <a:buSzTx/>
-              <a:buFontTx/>
-              <a:buNone/>
-              <a:tabLst/>
-            </a:pPr>
-            <a:endParaRPr kumimoji="0" lang="en-US" altLang="zh-TW" sz="1600" b="0" i="0" u="none" strike="noStrike" cap="none" normalizeH="0" baseline="0" dirty="0">
-              <a:ln>
-                <a:noFill/>
-              </a:ln>
-              <a:solidFill>
-                <a:srgbClr val="006666"/>
-              </a:solidFill>
-              <a:effectLst/>
-              <a:latin typeface="Arial Unicode MS" panose="020B0604020202020204" pitchFamily="34" charset="-120"/>
-              <a:ea typeface="Droid Sans Mono"/>
-            </a:endParaRPr>
-          </a:p>
-          <a:p>
-            <a:pPr marL="0" marR="0" lvl="0" indent="0" algn="l" defTabSz="914400" rtl="0" eaLnBrk="0" fontAlgn="base" latinLnBrk="0" hangingPunct="0">
-              <a:lnSpc>
-                <a:spcPct val="100000"/>
-              </a:lnSpc>
-              <a:spcBef>
-                <a:spcPct val="0"/>
-              </a:spcBef>
-              <a:spcAft>
-                <a:spcPct val="0"/>
-              </a:spcAft>
-              <a:buClrTx/>
-              <a:buSzTx/>
-              <a:buFontTx/>
-              <a:buNone/>
-              <a:tabLst/>
-            </a:pPr>
-            <a:r>
-              <a:rPr lang="en-US" altLang="zh-TW" sz="1600" dirty="0">
-                <a:solidFill>
-                  <a:srgbClr val="006666"/>
-                </a:solidFill>
-                <a:latin typeface="Arial Unicode MS" panose="020B0604020202020204" pitchFamily="34" charset="-120"/>
-                <a:ea typeface="Droid Sans Mono"/>
-              </a:rPr>
-              <a:t>    </a:t>
-            </a:r>
-            <a:r>
-              <a:rPr kumimoji="0" lang="zh-TW" altLang="zh-TW" sz="1600" b="0" i="0" u="none" strike="noStrike" cap="none" normalizeH="0" baseline="0" dirty="0">
-                <a:ln>
-                  <a:noFill/>
-                </a:ln>
-                <a:solidFill>
-                  <a:srgbClr val="006666"/>
-                </a:solidFill>
-                <a:effectLst/>
-                <a:latin typeface="Arial Unicode MS" panose="020B0604020202020204" pitchFamily="34" charset="-120"/>
-                <a:ea typeface="Droid Sans Mono"/>
-              </a:rPr>
-              <a:t>@Version</a:t>
-            </a:r>
-            <a:r>
-              <a:rPr kumimoji="0" lang="zh-TW" altLang="zh-TW" sz="1600" b="0" i="0" u="none" strike="noStrike" cap="none" normalizeH="0" baseline="0" dirty="0">
-                <a:ln>
-                  <a:noFill/>
-                </a:ln>
-                <a:solidFill>
-                  <a:srgbClr val="000000"/>
-                </a:solidFill>
-                <a:effectLst/>
-                <a:latin typeface="Arial Unicode MS" panose="020B0604020202020204" pitchFamily="34" charset="-120"/>
-                <a:ea typeface="Droid Sans Mono"/>
-              </a:rPr>
-              <a:t> </a:t>
-            </a:r>
-            <a:endParaRPr kumimoji="0" lang="en-US" altLang="zh-TW" sz="1600" b="0" i="0" u="none" strike="noStrike" cap="none" normalizeH="0" baseline="0" dirty="0">
-              <a:ln>
-                <a:noFill/>
-              </a:ln>
-              <a:solidFill>
-                <a:srgbClr val="000000"/>
-              </a:solidFill>
-              <a:effectLst/>
-              <a:latin typeface="Arial Unicode MS" panose="020B0604020202020204" pitchFamily="34" charset="-120"/>
-              <a:ea typeface="Droid Sans Mono"/>
-            </a:endParaRPr>
-          </a:p>
-          <a:p>
-            <a:pPr marL="0" marR="0" lvl="0" indent="0" algn="l" defTabSz="914400" rtl="0" eaLnBrk="0" fontAlgn="base" latinLnBrk="0" hangingPunct="0">
-              <a:lnSpc>
-                <a:spcPct val="100000"/>
-              </a:lnSpc>
-              <a:spcBef>
-                <a:spcPct val="0"/>
-              </a:spcBef>
-              <a:spcAft>
-                <a:spcPct val="0"/>
-              </a:spcAft>
-              <a:buClrTx/>
-              <a:buSzTx/>
-              <a:buFontTx/>
-              <a:buNone/>
-              <a:tabLst/>
-            </a:pPr>
-            <a:r>
-              <a:rPr kumimoji="0" lang="en-US" altLang="zh-TW" sz="1600" b="0" i="0" u="none" strike="noStrike" cap="none" normalizeH="0" baseline="0" dirty="0">
-                <a:ln>
-                  <a:noFill/>
-                </a:ln>
-                <a:solidFill>
-                  <a:srgbClr val="000088"/>
-                </a:solidFill>
-                <a:effectLst/>
-                <a:latin typeface="Arial Unicode MS" panose="020B0604020202020204" pitchFamily="34" charset="-120"/>
-                <a:ea typeface="Droid Sans Mono"/>
-              </a:rPr>
-              <a:t>    </a:t>
-            </a:r>
-            <a:r>
-              <a:rPr kumimoji="0" lang="zh-TW" altLang="zh-TW" sz="1600" b="0" i="0" u="none" strike="noStrike" cap="none" normalizeH="0" baseline="0" dirty="0">
-                <a:ln>
-                  <a:noFill/>
-                </a:ln>
-                <a:solidFill>
-                  <a:srgbClr val="000088"/>
-                </a:solidFill>
-                <a:effectLst/>
-                <a:latin typeface="Arial Unicode MS" panose="020B0604020202020204" pitchFamily="34" charset="-120"/>
-                <a:ea typeface="Droid Sans Mono"/>
-              </a:rPr>
-              <a:t>private</a:t>
-            </a:r>
-            <a:r>
-              <a:rPr kumimoji="0" lang="zh-TW" altLang="zh-TW" sz="1600" b="0" i="0" u="none" strike="noStrike" cap="none" normalizeH="0" baseline="0" dirty="0">
-                <a:ln>
-                  <a:noFill/>
-                </a:ln>
-                <a:solidFill>
-                  <a:srgbClr val="000000"/>
-                </a:solidFill>
-                <a:effectLst/>
-                <a:latin typeface="Arial Unicode MS" panose="020B0604020202020204" pitchFamily="34" charset="-120"/>
-                <a:ea typeface="Droid Sans Mono"/>
-              </a:rPr>
-              <a:t> </a:t>
-            </a:r>
-            <a:r>
-              <a:rPr kumimoji="0" lang="zh-TW" altLang="zh-TW" sz="1600" b="0" i="0" u="none" strike="noStrike" cap="none" normalizeH="0" baseline="0" dirty="0">
-                <a:ln>
-                  <a:noFill/>
-                </a:ln>
-                <a:solidFill>
-                  <a:srgbClr val="000088"/>
-                </a:solidFill>
-                <a:effectLst/>
-                <a:latin typeface="Arial Unicode MS" panose="020B0604020202020204" pitchFamily="34" charset="-120"/>
-                <a:ea typeface="Droid Sans Mono"/>
-              </a:rPr>
-              <a:t>long</a:t>
-            </a:r>
-            <a:r>
-              <a:rPr kumimoji="0" lang="zh-TW" altLang="zh-TW" sz="1600" b="0" i="0" u="none" strike="noStrike" cap="none" normalizeH="0" baseline="0" dirty="0">
-                <a:ln>
-                  <a:noFill/>
-                </a:ln>
-                <a:solidFill>
-                  <a:srgbClr val="000000"/>
-                </a:solidFill>
-                <a:effectLst/>
-                <a:latin typeface="Arial Unicode MS" panose="020B0604020202020204" pitchFamily="34" charset="-120"/>
-                <a:ea typeface="Droid Sans Mono"/>
-              </a:rPr>
-              <a:t> version</a:t>
-            </a:r>
-            <a:r>
-              <a:rPr kumimoji="0" lang="zh-TW" altLang="zh-TW" sz="1600" b="0" i="0" u="none" strike="noStrike" cap="none" normalizeH="0" baseline="0" dirty="0">
-                <a:ln>
-                  <a:noFill/>
-                </a:ln>
-                <a:solidFill>
-                  <a:srgbClr val="666600"/>
-                </a:solidFill>
-                <a:effectLst/>
-                <a:latin typeface="Arial Unicode MS" panose="020B0604020202020204" pitchFamily="34" charset="-120"/>
-                <a:ea typeface="Droid Sans Mono"/>
-              </a:rPr>
-              <a:t>;</a:t>
-            </a:r>
-            <a:r>
-              <a:rPr kumimoji="0" lang="zh-TW" altLang="zh-TW" sz="1600" b="0" i="0" u="none" strike="noStrike" cap="none" normalizeH="0" baseline="0" dirty="0">
-                <a:ln>
-                  <a:noFill/>
-                </a:ln>
-                <a:solidFill>
-                  <a:srgbClr val="000000"/>
-                </a:solidFill>
-                <a:effectLst/>
-                <a:latin typeface="Arial Unicode MS" panose="020B0604020202020204" pitchFamily="34" charset="-120"/>
-                <a:ea typeface="Droid Sans Mono"/>
-              </a:rPr>
-              <a:t> </a:t>
-            </a:r>
-            <a:r>
-              <a:rPr kumimoji="0" lang="zh-TW" altLang="zh-TW" sz="1600" b="0" i="0" u="none" strike="noStrike" cap="none" normalizeH="0" baseline="0" dirty="0">
-                <a:ln>
-                  <a:noFill/>
-                </a:ln>
-                <a:solidFill>
-                  <a:schemeClr val="tx1"/>
-                </a:solidFill>
-                <a:effectLst/>
-              </a:rPr>
-              <a:t/>
-            </a:r>
-            <a:br>
-              <a:rPr kumimoji="0" lang="zh-TW" altLang="zh-TW" sz="1600" b="0" i="0" u="none" strike="noStrike" cap="none" normalizeH="0" baseline="0" dirty="0">
-                <a:ln>
-                  <a:noFill/>
-                </a:ln>
-                <a:solidFill>
-                  <a:schemeClr val="tx1"/>
-                </a:solidFill>
-                <a:effectLst/>
-              </a:rPr>
-            </a:br>
-            <a:endParaRPr kumimoji="0" lang="zh-TW" altLang="zh-TW" sz="1600" b="0" i="0" u="none" strike="noStrike" cap="none" normalizeH="0" baseline="0" dirty="0">
-              <a:ln>
-                <a:noFill/>
-              </a:ln>
-              <a:solidFill>
-                <a:schemeClr val="tx1"/>
-              </a:solidFill>
-              <a:effectLst/>
-              <a:latin typeface="Arial" panose="020B0604020202020204" pitchFamily="34" charset="0"/>
-            </a:endParaRPr>
+          <a:p>
+            <a:endParaRPr lang="zh-TW" altLang="en-US" dirty="0"/>
           </a:p>
         </p:txBody>
       </p:sp>
     </p:spTree>
     <p:extLst>
       <p:ext uri="{BB962C8B-B14F-4D97-AF65-F5344CB8AC3E}">
-        <p14:creationId xmlns:p14="http://schemas.microsoft.com/office/powerpoint/2010/main" val="578347301"/>
+        <p14:creationId xmlns:p14="http://schemas.microsoft.com/office/powerpoint/2010/main" val="287941569"/>
       </p:ext>
     </p:extLst>
   </p:cSld>
@@ -17258,124 +15751,6 @@
       </p:grpSpPr>
       <p:sp>
         <p:nvSpPr>
-          <p:cNvPr id="2" name="標題 1">
-            <a:extLst>
-              <a:ext uri="{FF2B5EF4-FFF2-40B4-BE49-F238E27FC236}">
-                <a16:creationId xmlns:a16="http://schemas.microsoft.com/office/drawing/2014/main" id="{F985A374-126B-46FE-8523-DE35818ED9BD}"/>
-              </a:ext>
-            </a:extLst>
-          </p:cNvPr>
-          <p:cNvSpPr>
-            <a:spLocks noGrp="1"/>
-          </p:cNvSpPr>
-          <p:nvPr>
-            <p:ph type="title"/>
-          </p:nvPr>
-        </p:nvSpPr>
-        <p:spPr/>
-        <p:txBody>
-          <a:bodyPr/>
-          <a:lstStyle/>
-          <a:p>
-            <a:r>
-              <a:rPr lang="en-US" altLang="zh-TW" dirty="0"/>
-              <a:t>Pessimistic </a:t>
-            </a:r>
-            <a:r>
-              <a:rPr lang="en-US" altLang="zh-TW" dirty="0" smtClean="0"/>
-              <a:t>Lock</a:t>
-            </a:r>
-            <a:endParaRPr lang="zh-TW" altLang="en-US" dirty="0"/>
-          </a:p>
-        </p:txBody>
-      </p:sp>
-      <p:sp>
-        <p:nvSpPr>
-          <p:cNvPr id="3" name="內容版面配置區 2">
-            <a:extLst>
-              <a:ext uri="{FF2B5EF4-FFF2-40B4-BE49-F238E27FC236}">
-                <a16:creationId xmlns:a16="http://schemas.microsoft.com/office/drawing/2014/main" id="{AF7511FB-38FC-4523-AD73-8F1B1B393A01}"/>
-              </a:ext>
-            </a:extLst>
-          </p:cNvPr>
-          <p:cNvSpPr>
-            <a:spLocks noGrp="1"/>
-          </p:cNvSpPr>
-          <p:nvPr>
-            <p:ph idx="1"/>
-          </p:nvPr>
-        </p:nvSpPr>
-        <p:spPr/>
-        <p:txBody>
-          <a:bodyPr/>
-          <a:lstStyle/>
-          <a:p>
-            <a:r>
-              <a:rPr lang="en-US" altLang="zh-TW" dirty="0" smtClean="0"/>
-              <a:t>lock </a:t>
-            </a:r>
-            <a:r>
-              <a:rPr lang="en-US" altLang="zh-TW" dirty="0"/>
-              <a:t>resources after they are read</a:t>
-            </a:r>
-          </a:p>
-          <a:p>
-            <a:r>
-              <a:rPr lang="en-US" altLang="zh-TW" dirty="0"/>
-              <a:t>unlocked after the application has finished using the data.</a:t>
-            </a:r>
-          </a:p>
-          <a:p>
-            <a:r>
-              <a:rPr lang="en-US" altLang="zh-TW" dirty="0"/>
-              <a:t>may specify an isolation level for the JDBC connections and instruct the database to handle locking issues. </a:t>
-            </a:r>
-            <a:endParaRPr lang="zh-TW" altLang="en-US" dirty="0"/>
-          </a:p>
-          <a:p>
-            <a:endParaRPr lang="zh-TW" altLang="en-US" dirty="0"/>
-          </a:p>
-        </p:txBody>
-      </p:sp>
-    </p:spTree>
-    <p:extLst>
-      <p:ext uri="{BB962C8B-B14F-4D97-AF65-F5344CB8AC3E}">
-        <p14:creationId xmlns:p14="http://schemas.microsoft.com/office/powerpoint/2010/main" val="287941569"/>
-      </p:ext>
-    </p:extLst>
-  </p:cSld>
-  <p:clrMapOvr>
-    <a:masterClrMapping/>
-  </p:clrMapOvr>
-  <p:timing>
-    <p:tnLst>
-      <p:par>
-        <p:cTn id="1" dur="indefinite" restart="never" nodeType="tmRoot"/>
-      </p:par>
-    </p:tnLst>
-  </p:timing>
-</p:sld>
-</file>
-
-<file path=ppt/slides/slide28.xml><?xml version="1.0" encoding="utf-8"?>
-<p:sld xmlns:a="http://schemas.openxmlformats.org/drawingml/2006/main" xmlns:r="http://schemas.openxmlformats.org/officeDocument/2006/relationships" xmlns:p="http://schemas.openxmlformats.org/presentationml/2006/main">
-  <p:cSld>
-    <p:spTree>
-      <p:nvGrpSpPr>
-        <p:cNvPr id="1" name=""/>
-        <p:cNvGrpSpPr/>
-        <p:nvPr/>
-      </p:nvGrpSpPr>
-      <p:grpSpPr>
-        <a:xfrm>
-          <a:off x="0" y="0"/>
-          <a:ext cx="0" cy="0"/>
-          <a:chOff x="0" y="0"/>
-          <a:chExt cx="0" cy="0"/>
-        </a:xfrm>
-      </p:grpSpPr>
-      <p:sp>
-        <p:nvSpPr>
           <p:cNvPr id="2" name="標題 1"/>
           <p:cNvSpPr>
             <a:spLocks noGrp="1"/>
@@ -18915,7 +17290,7 @@
 </p:sld>
 </file>
 
-<file path=ppt/slides/slide29.xml><?xml version="1.0" encoding="utf-8"?>
+<file path=ppt/slides/slide28.xml><?xml version="1.0" encoding="utf-8"?>
 <p:sld xmlns:a="http://schemas.openxmlformats.org/drawingml/2006/main" xmlns:r="http://schemas.openxmlformats.org/officeDocument/2006/relationships" xmlns:p="http://schemas.openxmlformats.org/presentationml/2006/main">
   <p:cSld>
     <p:spTree>
@@ -19484,6 +17859,179 @@
 </p:sld>
 </file>
 
+<file path=ppt/slides/slide29.xml><?xml version="1.0" encoding="utf-8"?>
+<p:sld xmlns:a="http://schemas.openxmlformats.org/drawingml/2006/main" xmlns:r="http://schemas.openxmlformats.org/officeDocument/2006/relationships" xmlns:p="http://schemas.openxmlformats.org/presentationml/2006/main">
+  <p:cSld>
+    <p:spTree>
+      <p:nvGrpSpPr>
+        <p:cNvPr id="1" name=""/>
+        <p:cNvGrpSpPr/>
+        <p:nvPr/>
+      </p:nvGrpSpPr>
+      <p:grpSpPr>
+        <a:xfrm>
+          <a:off x="0" y="0"/>
+          <a:ext cx="0" cy="0"/>
+          <a:chOff x="0" y="0"/>
+          <a:chExt cx="0" cy="0"/>
+        </a:xfrm>
+      </p:grpSpPr>
+      <p:sp>
+        <p:nvSpPr>
+          <p:cNvPr id="2" name="標題 1"/>
+          <p:cNvSpPr>
+            <a:spLocks noGrp="1"/>
+          </p:cNvSpPr>
+          <p:nvPr>
+            <p:ph type="title"/>
+          </p:nvPr>
+        </p:nvSpPr>
+        <p:spPr/>
+        <p:txBody>
+          <a:bodyPr/>
+          <a:lstStyle/>
+          <a:p>
+            <a:r>
+              <a:rPr lang="en-US" altLang="zh-TW" dirty="0"/>
+              <a:t>references</a:t>
+            </a:r>
+            <a:endParaRPr lang="zh-TW" altLang="en-US" dirty="0"/>
+          </a:p>
+        </p:txBody>
+      </p:sp>
+      <p:sp>
+        <p:nvSpPr>
+          <p:cNvPr id="3" name="內容版面配置區 2"/>
+          <p:cNvSpPr>
+            <a:spLocks noGrp="1"/>
+          </p:cNvSpPr>
+          <p:nvPr>
+            <p:ph idx="1"/>
+          </p:nvPr>
+        </p:nvSpPr>
+        <p:spPr/>
+        <p:txBody>
+          <a:bodyPr>
+            <a:normAutofit fontScale="55000" lnSpcReduction="20000"/>
+          </a:bodyPr>
+          <a:lstStyle/>
+          <a:p>
+            <a:r>
+              <a:rPr lang="en-US" altLang="zh-TW" dirty="0"/>
+              <a:t>Hibernate ORM 5.3.7.Final User Guide</a:t>
+            </a:r>
+          </a:p>
+          <a:p>
+            <a:pPr lvl="1"/>
+            <a:r>
+              <a:rPr lang="en-US" altLang="zh-TW" dirty="0"/>
+              <a:t>http://docs.jboss.org/hibernate/orm/5.3/userguide/html_single/Hibernate_User_Guide.html</a:t>
+            </a:r>
+          </a:p>
+          <a:p>
+            <a:endParaRPr lang="en-US" altLang="zh-TW" dirty="0"/>
+          </a:p>
+          <a:p>
+            <a:r>
+              <a:rPr lang="en-US" altLang="zh-TW" dirty="0"/>
+              <a:t>JPA Tutorial</a:t>
+            </a:r>
+          </a:p>
+          <a:p>
+            <a:pPr lvl="1"/>
+            <a:r>
+              <a:rPr lang="en-US" altLang="zh-TW" dirty="0"/>
+              <a:t>https://www.tutorialspoint.com/jpa/index.htm</a:t>
+            </a:r>
+          </a:p>
+          <a:p>
+            <a:endParaRPr lang="en-US" altLang="zh-TW" dirty="0"/>
+          </a:p>
+          <a:p>
+            <a:r>
+              <a:rPr lang="en-US" altLang="zh-TW" dirty="0"/>
+              <a:t>JPA Tutorial</a:t>
+            </a:r>
+          </a:p>
+          <a:p>
+            <a:pPr lvl="1"/>
+            <a:r>
+              <a:rPr lang="en-US" altLang="zh-TW" dirty="0"/>
+              <a:t>https://www.javatpoint.com/jpa-tutorial</a:t>
+            </a:r>
+          </a:p>
+          <a:p>
+            <a:endParaRPr lang="en-US" altLang="zh-TW" dirty="0"/>
+          </a:p>
+          <a:p>
+            <a:r>
+              <a:rPr lang="en-US" altLang="zh-TW" dirty="0"/>
+              <a:t>JPA Tutorial</a:t>
+            </a:r>
+          </a:p>
+          <a:p>
+            <a:pPr lvl="1"/>
+            <a:r>
+              <a:rPr lang="en-US" altLang="zh-TW" dirty="0"/>
+              <a:t>http://www.java2s.com/Tutorials/Java/JPA/index.htm</a:t>
+            </a:r>
+          </a:p>
+          <a:p>
+            <a:endParaRPr lang="en-US" altLang="zh-TW" dirty="0"/>
+          </a:p>
+          <a:p>
+            <a:r>
+              <a:rPr lang="en-US" altLang="zh-TW" dirty="0"/>
+              <a:t>A Guide to JPA with Spring</a:t>
+            </a:r>
+          </a:p>
+          <a:p>
+            <a:pPr lvl="1"/>
+            <a:r>
+              <a:rPr lang="en-US" altLang="zh-TW" dirty="0"/>
+              <a:t>https://www.baeldung.com/the-persistence-layer-with-spring-and-jpa</a:t>
+            </a:r>
+          </a:p>
+          <a:p>
+            <a:pPr lvl="1"/>
+            <a:endParaRPr lang="en-US" altLang="zh-TW" dirty="0"/>
+          </a:p>
+          <a:p>
+            <a:r>
+              <a:rPr lang="en-US" altLang="zh-TW" dirty="0"/>
+              <a:t>Spring Framework reference</a:t>
+            </a:r>
+          </a:p>
+          <a:p>
+            <a:pPr lvl="1"/>
+            <a:r>
+              <a:rPr lang="en-US" altLang="zh-TW" dirty="0"/>
+              <a:t>https://docs.spring.io/spring/docs/4.3.x/spring-framework-reference/html/index.html</a:t>
+            </a:r>
+            <a:endParaRPr lang="zh-TW" altLang="en-US" dirty="0"/>
+          </a:p>
+        </p:txBody>
+      </p:sp>
+    </p:spTree>
+    <p:extLst>
+      <p:ext uri="{BB962C8B-B14F-4D97-AF65-F5344CB8AC3E}">
+        <p14:creationId xmlns:p14="http://schemas.microsoft.com/office/powerpoint/2010/main" val="2271923094"/>
+      </p:ext>
+    </p:extLst>
+  </p:cSld>
+  <p:clrMapOvr>
+    <a:masterClrMapping/>
+  </p:clrMapOvr>
+  <p:timing>
+    <p:tnLst>
+      <p:par>
+        <p:cTn id="1" dur="indefinite" restart="never" nodeType="tmRoot"/>
+      </p:par>
+    </p:tnLst>
+  </p:timing>
+</p:sld>
+</file>
+
 <file path=ppt/slides/slide3.xml><?xml version="1.0" encoding="utf-8"?>
 <p:sld xmlns:a="http://schemas.openxmlformats.org/drawingml/2006/main" xmlns:r="http://schemas.openxmlformats.org/officeDocument/2006/relationships" xmlns:p="http://schemas.openxmlformats.org/presentationml/2006/main">
   <p:cSld>
@@ -19605,179 +18153,6 @@
     <p:extLst>
       <p:ext uri="{BB962C8B-B14F-4D97-AF65-F5344CB8AC3E}">
         <p14:creationId xmlns:p14="http://schemas.microsoft.com/office/powerpoint/2010/main" val="3903653539"/>
-      </p:ext>
-    </p:extLst>
-  </p:cSld>
-  <p:clrMapOvr>
-    <a:masterClrMapping/>
-  </p:clrMapOvr>
-  <p:timing>
-    <p:tnLst>
-      <p:par>
-        <p:cTn id="1" dur="indefinite" restart="never" nodeType="tmRoot"/>
-      </p:par>
-    </p:tnLst>
-  </p:timing>
-</p:sld>
-</file>
-
-<file path=ppt/slides/slide30.xml><?xml version="1.0" encoding="utf-8"?>
-<p:sld xmlns:a="http://schemas.openxmlformats.org/drawingml/2006/main" xmlns:r="http://schemas.openxmlformats.org/officeDocument/2006/relationships" xmlns:p="http://schemas.openxmlformats.org/presentationml/2006/main">
-  <p:cSld>
-    <p:spTree>
-      <p:nvGrpSpPr>
-        <p:cNvPr id="1" name=""/>
-        <p:cNvGrpSpPr/>
-        <p:nvPr/>
-      </p:nvGrpSpPr>
-      <p:grpSpPr>
-        <a:xfrm>
-          <a:off x="0" y="0"/>
-          <a:ext cx="0" cy="0"/>
-          <a:chOff x="0" y="0"/>
-          <a:chExt cx="0" cy="0"/>
-        </a:xfrm>
-      </p:grpSpPr>
-      <p:sp>
-        <p:nvSpPr>
-          <p:cNvPr id="2" name="標題 1"/>
-          <p:cNvSpPr>
-            <a:spLocks noGrp="1"/>
-          </p:cNvSpPr>
-          <p:nvPr>
-            <p:ph type="title"/>
-          </p:nvPr>
-        </p:nvSpPr>
-        <p:spPr/>
-        <p:txBody>
-          <a:bodyPr/>
-          <a:lstStyle/>
-          <a:p>
-            <a:r>
-              <a:rPr lang="en-US" altLang="zh-TW" dirty="0"/>
-              <a:t>references</a:t>
-            </a:r>
-            <a:endParaRPr lang="zh-TW" altLang="en-US" dirty="0"/>
-          </a:p>
-        </p:txBody>
-      </p:sp>
-      <p:sp>
-        <p:nvSpPr>
-          <p:cNvPr id="3" name="內容版面配置區 2"/>
-          <p:cNvSpPr>
-            <a:spLocks noGrp="1"/>
-          </p:cNvSpPr>
-          <p:nvPr>
-            <p:ph idx="1"/>
-          </p:nvPr>
-        </p:nvSpPr>
-        <p:spPr/>
-        <p:txBody>
-          <a:bodyPr>
-            <a:normAutofit fontScale="55000" lnSpcReduction="20000"/>
-          </a:bodyPr>
-          <a:lstStyle/>
-          <a:p>
-            <a:r>
-              <a:rPr lang="en-US" altLang="zh-TW" dirty="0"/>
-              <a:t>Hibernate ORM 5.3.7.Final User Guide</a:t>
-            </a:r>
-          </a:p>
-          <a:p>
-            <a:pPr lvl="1"/>
-            <a:r>
-              <a:rPr lang="en-US" altLang="zh-TW" dirty="0"/>
-              <a:t>http://docs.jboss.org/hibernate/orm/5.3/userguide/html_single/Hibernate_User_Guide.html</a:t>
-            </a:r>
-          </a:p>
-          <a:p>
-            <a:endParaRPr lang="en-US" altLang="zh-TW" dirty="0"/>
-          </a:p>
-          <a:p>
-            <a:r>
-              <a:rPr lang="en-US" altLang="zh-TW" dirty="0"/>
-              <a:t>JPA Tutorial</a:t>
-            </a:r>
-          </a:p>
-          <a:p>
-            <a:pPr lvl="1"/>
-            <a:r>
-              <a:rPr lang="en-US" altLang="zh-TW" dirty="0"/>
-              <a:t>https://www.tutorialspoint.com/jpa/index.htm</a:t>
-            </a:r>
-          </a:p>
-          <a:p>
-            <a:endParaRPr lang="en-US" altLang="zh-TW" dirty="0"/>
-          </a:p>
-          <a:p>
-            <a:r>
-              <a:rPr lang="en-US" altLang="zh-TW" dirty="0"/>
-              <a:t>JPA Tutorial</a:t>
-            </a:r>
-          </a:p>
-          <a:p>
-            <a:pPr lvl="1"/>
-            <a:r>
-              <a:rPr lang="en-US" altLang="zh-TW" dirty="0"/>
-              <a:t>https://www.javatpoint.com/jpa-tutorial</a:t>
-            </a:r>
-          </a:p>
-          <a:p>
-            <a:endParaRPr lang="en-US" altLang="zh-TW" dirty="0"/>
-          </a:p>
-          <a:p>
-            <a:r>
-              <a:rPr lang="en-US" altLang="zh-TW" dirty="0"/>
-              <a:t>JPA Tutorial</a:t>
-            </a:r>
-          </a:p>
-          <a:p>
-            <a:pPr lvl="1"/>
-            <a:r>
-              <a:rPr lang="en-US" altLang="zh-TW" dirty="0"/>
-              <a:t>http://www.java2s.com/Tutorials/Java/JPA/index.htm</a:t>
-            </a:r>
-          </a:p>
-          <a:p>
-            <a:endParaRPr lang="en-US" altLang="zh-TW" dirty="0"/>
-          </a:p>
-          <a:p>
-            <a:r>
-              <a:rPr lang="en-US" altLang="zh-TW" dirty="0"/>
-              <a:t>A Guide to JPA with Spring</a:t>
-            </a:r>
-          </a:p>
-          <a:p>
-            <a:pPr lvl="1"/>
-            <a:r>
-              <a:rPr lang="en-US" altLang="zh-TW" dirty="0"/>
-              <a:t>https://www.baeldung.com/the-persistence-layer-with-spring-and-jpa</a:t>
-            </a:r>
-          </a:p>
-          <a:p>
-            <a:pPr lvl="1"/>
-            <a:endParaRPr lang="en-US" altLang="zh-TW" dirty="0"/>
-          </a:p>
-          <a:p>
-            <a:r>
-              <a:rPr lang="en-US" altLang="zh-TW" dirty="0"/>
-              <a:t>Spring Framework reference</a:t>
-            </a:r>
-          </a:p>
-          <a:p>
-            <a:pPr lvl="1"/>
-            <a:r>
-              <a:rPr lang="en-US" altLang="zh-TW" dirty="0"/>
-              <a:t>https://docs.spring.io/spring/docs/4.3.x/spring-framework-reference/html/index.html</a:t>
-            </a:r>
-            <a:endParaRPr lang="zh-TW" altLang="en-US" dirty="0"/>
-          </a:p>
-        </p:txBody>
-      </p:sp>
-    </p:spTree>
-    <p:extLst>
-      <p:ext uri="{BB962C8B-B14F-4D97-AF65-F5344CB8AC3E}">
-        <p14:creationId xmlns:p14="http://schemas.microsoft.com/office/powerpoint/2010/main" val="2271923094"/>
       </p:ext>
     </p:extLst>
   </p:cSld>
@@ -19878,11 +18253,7 @@
           <a:p>
             <a:r>
               <a:rPr lang="en-US" altLang="zh-TW" dirty="0" smtClean="0"/>
-              <a:t>persist</a:t>
-            </a:r>
-            <a:r>
-              <a:rPr lang="en-US" altLang="zh-TW" dirty="0" smtClean="0"/>
-              <a:t>() </a:t>
+              <a:t>persist() </a:t>
             </a:r>
             <a:r>
               <a:rPr lang="en-US" altLang="zh-TW" dirty="0"/>

--- a/test-springmvc/doc/2.JPA Programming.pptx
+++ b/test-springmvc/doc/2.JPA Programming.pptx
@@ -33,7 +33,10 @@
     <p:sldId id="392" r:id="rId27"/>
     <p:sldId id="415" r:id="rId28"/>
     <p:sldId id="414" r:id="rId29"/>
-    <p:sldId id="259" r:id="rId30"/>
+    <p:sldId id="417" r:id="rId30"/>
+    <p:sldId id="418" r:id="rId31"/>
+    <p:sldId id="419" r:id="rId32"/>
+    <p:sldId id="259" r:id="rId33"/>
   </p:sldIdLst>
   <p:sldSz cx="12192000" cy="6858000"/>
   <p:notesSz cx="6858000" cy="9144000"/>
@@ -269,7 +272,7 @@
           <a:p>
             <a:fld id="{6E8ECDC8-BA8A-40BE-ADB5-07E1343FAE8E}" type="datetimeFigureOut">
               <a:rPr lang="zh-TW" altLang="en-US" smtClean="0"/>
-              <a:t>2018-11-15</a:t>
+              <a:t>2018-11-22</a:t>
             </a:fld>
             <a:endParaRPr lang="zh-TW" altLang="en-US"/>
           </a:p>
@@ -437,7 +440,7 @@
           <a:p>
             <a:fld id="{6E8ECDC8-BA8A-40BE-ADB5-07E1343FAE8E}" type="datetimeFigureOut">
               <a:rPr lang="zh-TW" altLang="en-US" smtClean="0"/>
-              <a:t>2018-11-15</a:t>
+              <a:t>2018-11-22</a:t>
             </a:fld>
             <a:endParaRPr lang="zh-TW" altLang="en-US"/>
           </a:p>
@@ -615,7 +618,7 @@
           <a:p>
             <a:fld id="{6E8ECDC8-BA8A-40BE-ADB5-07E1343FAE8E}" type="datetimeFigureOut">
               <a:rPr lang="zh-TW" altLang="en-US" smtClean="0"/>
-              <a:t>2018-11-15</a:t>
+              <a:t>2018-11-22</a:t>
             </a:fld>
             <a:endParaRPr lang="zh-TW" altLang="en-US"/>
           </a:p>
@@ -783,7 +786,7 @@
           <a:p>
             <a:fld id="{6E8ECDC8-BA8A-40BE-ADB5-07E1343FAE8E}" type="datetimeFigureOut">
               <a:rPr lang="zh-TW" altLang="en-US" smtClean="0"/>
-              <a:t>2018-11-15</a:t>
+              <a:t>2018-11-22</a:t>
             </a:fld>
             <a:endParaRPr lang="zh-TW" altLang="en-US"/>
           </a:p>
@@ -1028,7 +1031,7 @@
           <a:p>
             <a:fld id="{6E8ECDC8-BA8A-40BE-ADB5-07E1343FAE8E}" type="datetimeFigureOut">
               <a:rPr lang="zh-TW" altLang="en-US" smtClean="0"/>
-              <a:t>2018-11-15</a:t>
+              <a:t>2018-11-22</a:t>
             </a:fld>
             <a:endParaRPr lang="zh-TW" altLang="en-US"/>
           </a:p>
@@ -1257,7 +1260,7 @@
           <a:p>
             <a:fld id="{6E8ECDC8-BA8A-40BE-ADB5-07E1343FAE8E}" type="datetimeFigureOut">
               <a:rPr lang="zh-TW" altLang="en-US" smtClean="0"/>
-              <a:t>2018-11-15</a:t>
+              <a:t>2018-11-22</a:t>
             </a:fld>
             <a:endParaRPr lang="zh-TW" altLang="en-US"/>
           </a:p>
@@ -1621,7 +1624,7 @@
           <a:p>
             <a:fld id="{6E8ECDC8-BA8A-40BE-ADB5-07E1343FAE8E}" type="datetimeFigureOut">
               <a:rPr lang="zh-TW" altLang="en-US" smtClean="0"/>
-              <a:t>2018-11-15</a:t>
+              <a:t>2018-11-22</a:t>
             </a:fld>
             <a:endParaRPr lang="zh-TW" altLang="en-US"/>
           </a:p>
@@ -1738,7 +1741,7 @@
           <a:p>
             <a:fld id="{6E8ECDC8-BA8A-40BE-ADB5-07E1343FAE8E}" type="datetimeFigureOut">
               <a:rPr lang="zh-TW" altLang="en-US" smtClean="0"/>
-              <a:t>2018-11-15</a:t>
+              <a:t>2018-11-22</a:t>
             </a:fld>
             <a:endParaRPr lang="zh-TW" altLang="en-US"/>
           </a:p>
@@ -1833,7 +1836,7 @@
           <a:p>
             <a:fld id="{6E8ECDC8-BA8A-40BE-ADB5-07E1343FAE8E}" type="datetimeFigureOut">
               <a:rPr lang="zh-TW" altLang="en-US" smtClean="0"/>
-              <a:t>2018-11-15</a:t>
+              <a:t>2018-11-22</a:t>
             </a:fld>
             <a:endParaRPr lang="zh-TW" altLang="en-US"/>
           </a:p>
@@ -2108,7 +2111,7 @@
           <a:p>
             <a:fld id="{6E8ECDC8-BA8A-40BE-ADB5-07E1343FAE8E}" type="datetimeFigureOut">
               <a:rPr lang="zh-TW" altLang="en-US" smtClean="0"/>
-              <a:t>2018-11-15</a:t>
+              <a:t>2018-11-22</a:t>
             </a:fld>
             <a:endParaRPr lang="zh-TW" altLang="en-US"/>
           </a:p>
@@ -2360,7 +2363,7 @@
           <a:p>
             <a:fld id="{6E8ECDC8-BA8A-40BE-ADB5-07E1343FAE8E}" type="datetimeFigureOut">
               <a:rPr lang="zh-TW" altLang="en-US" smtClean="0"/>
-              <a:t>2018-11-15</a:t>
+              <a:t>2018-11-22</a:t>
             </a:fld>
             <a:endParaRPr lang="zh-TW" altLang="en-US"/>
           </a:p>
@@ -2571,7 +2574,7 @@
           <a:p>
             <a:fld id="{6E8ECDC8-BA8A-40BE-ADB5-07E1343FAE8E}" type="datetimeFigureOut">
               <a:rPr lang="zh-TW" altLang="en-US" smtClean="0"/>
-              <a:t>2018-11-15</a:t>
+              <a:t>2018-11-22</a:t>
             </a:fld>
             <a:endParaRPr lang="zh-TW" altLang="en-US"/>
           </a:p>
@@ -17892,8 +17895,8 @@
           <a:lstStyle/>
           <a:p>
             <a:r>
-              <a:rPr lang="en-US" altLang="zh-TW" dirty="0"/>
-              <a:t>references</a:t>
+              <a:rPr lang="en-US" altLang="zh-TW" dirty="0" smtClean="0"/>
+              <a:t>11. Batching</a:t>
             </a:r>
             <a:endParaRPr lang="zh-TW" altLang="en-US" dirty="0"/>
           </a:p>
@@ -17911,103 +17914,34 @@
         </p:nvSpPr>
         <p:spPr/>
         <p:txBody>
-          <a:bodyPr>
-            <a:normAutofit fontScale="55000" lnSpcReduction="20000"/>
-          </a:bodyPr>
+          <a:bodyPr/>
           <a:lstStyle/>
           <a:p>
             <a:r>
+              <a:rPr lang="en-US" altLang="zh-TW" dirty="0" smtClean="0"/>
+              <a:t>JPA has slower performance and consumes more resources compared to JDBC.</a:t>
+            </a:r>
+          </a:p>
+          <a:p>
+            <a:r>
+              <a:rPr lang="en-US" altLang="zh-TW" dirty="0" smtClean="0"/>
+              <a:t>Be careful on the number of entities loaded into persistence context, or the application may fail </a:t>
+            </a:r>
+            <a:r>
               <a:rPr lang="en-US" altLang="zh-TW" dirty="0"/>
-              <a:t>Hibernate ORM 5.3.7.Final User Guide</a:t>
-            </a:r>
-          </a:p>
-          <a:p>
-            <a:pPr lvl="1"/>
-            <a:r>
-              <a:rPr lang="en-US" altLang="zh-TW" dirty="0"/>
-              <a:t>http://docs.jboss.org/hibernate/orm/5.3/userguide/html_single/Hibernate_User_Guide.html</a:t>
-            </a:r>
-          </a:p>
-          <a:p>
+              <a:t>with an </a:t>
+            </a:r>
+            <a:r>
+              <a:rPr lang="en-US" altLang="zh-TW" dirty="0" err="1" smtClean="0"/>
+              <a:t>OutOfMemoryException</a:t>
+            </a:r>
+            <a:r>
+              <a:rPr lang="en-US" altLang="zh-TW" dirty="0" smtClean="0"/>
+              <a:t>.</a:t>
+            </a:r>
             <a:endParaRPr lang="en-US" altLang="zh-TW" dirty="0"/>
           </a:p>
           <a:p>
-            <a:r>
-              <a:rPr lang="en-US" altLang="zh-TW" dirty="0"/>
-              <a:t>JPA Tutorial</a:t>
-            </a:r>
-          </a:p>
-          <a:p>
-            <a:pPr lvl="1"/>
-            <a:r>
-              <a:rPr lang="en-US" altLang="zh-TW" dirty="0"/>
-              <a:t>https://www.tutorialspoint.com/jpa/index.htm</a:t>
-            </a:r>
-          </a:p>
-          <a:p>
-            <a:endParaRPr lang="en-US" altLang="zh-TW" dirty="0"/>
-          </a:p>
-          <a:p>
-            <a:r>
-              <a:rPr lang="en-US" altLang="zh-TW" dirty="0"/>
-              <a:t>JPA Tutorial</a:t>
-            </a:r>
-          </a:p>
-          <a:p>
-            <a:pPr lvl="1"/>
-            <a:r>
-              <a:rPr lang="en-US" altLang="zh-TW" dirty="0"/>
-              <a:t>https://www.javatpoint.com/jpa-tutorial</a:t>
-            </a:r>
-          </a:p>
-          <a:p>
-            <a:endParaRPr lang="en-US" altLang="zh-TW" dirty="0"/>
-          </a:p>
-          <a:p>
-            <a:r>
-              <a:rPr lang="en-US" altLang="zh-TW" dirty="0"/>
-              <a:t>JPA Tutorial</a:t>
-            </a:r>
-          </a:p>
-          <a:p>
-            <a:pPr lvl="1"/>
-            <a:r>
-              <a:rPr lang="en-US" altLang="zh-TW" dirty="0"/>
-              <a:t>http://www.java2s.com/Tutorials/Java/JPA/index.htm</a:t>
-            </a:r>
-          </a:p>
-          <a:p>
-            <a:endParaRPr lang="en-US" altLang="zh-TW" dirty="0"/>
-          </a:p>
-          <a:p>
-            <a:r>
-              <a:rPr lang="en-US" altLang="zh-TW" dirty="0"/>
-              <a:t>A Guide to JPA with Spring</a:t>
-            </a:r>
-          </a:p>
-          <a:p>
-            <a:pPr lvl="1"/>
-            <a:r>
-              <a:rPr lang="en-US" altLang="zh-TW" dirty="0"/>
-              <a:t>https://www.baeldung.com/the-persistence-layer-with-spring-and-jpa</a:t>
-            </a:r>
-          </a:p>
-          <a:p>
-            <a:pPr lvl="1"/>
-            <a:endParaRPr lang="en-US" altLang="zh-TW" dirty="0"/>
-          </a:p>
-          <a:p>
-            <a:r>
-              <a:rPr lang="en-US" altLang="zh-TW" dirty="0"/>
-              <a:t>Spring Framework reference</a:t>
-            </a:r>
-          </a:p>
-          <a:p>
-            <a:pPr lvl="1"/>
-            <a:r>
-              <a:rPr lang="en-US" altLang="zh-TW" dirty="0"/>
-              <a:t>https://docs.spring.io/spring/docs/4.3.x/spring-framework-reference/html/index.html</a:t>
-            </a:r>
             <a:endParaRPr lang="zh-TW" altLang="en-US" dirty="0"/>
           </a:p>
         </p:txBody>
@@ -18015,20 +17949,13 @@
     </p:spTree>
     <p:extLst>
       <p:ext uri="{BB962C8B-B14F-4D97-AF65-F5344CB8AC3E}">
-        <p14:creationId xmlns:p14="http://schemas.microsoft.com/office/powerpoint/2010/main" val="2271923094"/>
+        <p14:creationId xmlns:p14="http://schemas.microsoft.com/office/powerpoint/2010/main" val="1598344688"/>
       </p:ext>
     </p:extLst>
   </p:cSld>
   <p:clrMapOvr>
     <a:masterClrMapping/>
   </p:clrMapOvr>
-  <p:timing>
-    <p:tnLst>
-      <p:par>
-        <p:cTn id="1" dur="indefinite" restart="never" nodeType="tmRoot"/>
-      </p:par>
-    </p:tnLst>
-  </p:timing>
 </p:sld>
 </file>
 
@@ -18153,6 +18080,6873 @@
     <p:extLst>
       <p:ext uri="{BB962C8B-B14F-4D97-AF65-F5344CB8AC3E}">
         <p14:creationId xmlns:p14="http://schemas.microsoft.com/office/powerpoint/2010/main" val="3903653539"/>
+      </p:ext>
+    </p:extLst>
+  </p:cSld>
+  <p:clrMapOvr>
+    <a:masterClrMapping/>
+  </p:clrMapOvr>
+  <p:timing>
+    <p:tnLst>
+      <p:par>
+        <p:cTn id="1" dur="indefinite" restart="never" nodeType="tmRoot"/>
+      </p:par>
+    </p:tnLst>
+  </p:timing>
+</p:sld>
+</file>
+
+<file path=ppt/slides/slide30.xml><?xml version="1.0" encoding="utf-8"?>
+<p:sld xmlns:a="http://schemas.openxmlformats.org/drawingml/2006/main" xmlns:r="http://schemas.openxmlformats.org/officeDocument/2006/relationships" xmlns:p="http://schemas.openxmlformats.org/presentationml/2006/main">
+  <p:cSld>
+    <p:spTree>
+      <p:nvGrpSpPr>
+        <p:cNvPr id="1" name=""/>
+        <p:cNvGrpSpPr/>
+        <p:nvPr/>
+      </p:nvGrpSpPr>
+      <p:grpSpPr>
+        <a:xfrm>
+          <a:off x="0" y="0"/>
+          <a:ext cx="0" cy="0"/>
+          <a:chOff x="0" y="0"/>
+          <a:chExt cx="0" cy="0"/>
+        </a:xfrm>
+      </p:grpSpPr>
+      <p:sp>
+        <p:nvSpPr>
+          <p:cNvPr id="2" name="標題 1"/>
+          <p:cNvSpPr>
+            <a:spLocks noGrp="1"/>
+          </p:cNvSpPr>
+          <p:nvPr>
+            <p:ph type="title"/>
+          </p:nvPr>
+        </p:nvSpPr>
+        <p:spPr/>
+        <p:txBody>
+          <a:bodyPr/>
+          <a:lstStyle/>
+          <a:p>
+            <a:r>
+              <a:rPr lang="en-US" altLang="zh-TW" dirty="0" smtClean="0"/>
+              <a:t>naive way to insert 10,000 entities</a:t>
+            </a:r>
+            <a:endParaRPr lang="zh-TW" altLang="en-US" dirty="0"/>
+          </a:p>
+        </p:txBody>
+      </p:sp>
+      <p:sp>
+        <p:nvSpPr>
+          <p:cNvPr id="3" name="內容版面配置區 2"/>
+          <p:cNvSpPr>
+            <a:spLocks noGrp="1"/>
+          </p:cNvSpPr>
+          <p:nvPr>
+            <p:ph idx="1"/>
+          </p:nvPr>
+        </p:nvSpPr>
+        <p:spPr>
+          <a:xfrm>
+            <a:off x="6795655" y="1825625"/>
+            <a:ext cx="4558145" cy="4351338"/>
+          </a:xfrm>
+        </p:spPr>
+        <p:txBody>
+          <a:bodyPr/>
+          <a:lstStyle/>
+          <a:p>
+            <a:r>
+              <a:rPr lang="en-US" altLang="zh-TW" dirty="0" smtClean="0"/>
+              <a:t>problem</a:t>
+            </a:r>
+          </a:p>
+          <a:p>
+            <a:pPr lvl="1"/>
+            <a:r>
+              <a:rPr lang="en-US" altLang="zh-TW" dirty="0"/>
+              <a:t>when the transaction ends, 100 000 entities are managed by the persistence </a:t>
+            </a:r>
+            <a:r>
+              <a:rPr lang="en-US" altLang="zh-TW" dirty="0" smtClean="0"/>
+              <a:t>context</a:t>
+            </a:r>
+          </a:p>
+          <a:p>
+            <a:pPr lvl="1"/>
+            <a:r>
+              <a:rPr lang="en-US" altLang="zh-TW" dirty="0"/>
+              <a:t>long-running transactions</a:t>
+            </a:r>
+            <a:endParaRPr lang="zh-TW" altLang="en-US" dirty="0"/>
+          </a:p>
+        </p:txBody>
+      </p:sp>
+      <p:sp>
+        <p:nvSpPr>
+          <p:cNvPr id="4" name="Rectangle 1"/>
+          <p:cNvSpPr>
+            <a:spLocks noChangeArrowheads="1"/>
+          </p:cNvSpPr>
+          <p:nvPr/>
+        </p:nvSpPr>
+        <p:spPr bwMode="auto">
+          <a:xfrm>
+            <a:off x="838200" y="1868091"/>
+            <a:ext cx="5696153" cy="4308872"/>
+          </a:xfrm>
+          <a:prstGeom prst="rect">
+            <a:avLst/>
+          </a:prstGeom>
+          <a:solidFill>
+            <a:srgbClr val="F7F7F8"/>
+          </a:solidFill>
+          <a:ln>
+            <a:noFill/>
+          </a:ln>
+          <a:effectLst/>
+          <a:extLst>
+            <a:ext uri="{91240B29-F687-4F45-9708-019B960494DF}">
+              <a14:hiddenLine xmlns:a14="http://schemas.microsoft.com/office/drawing/2010/main" w="9525">
+                <a:solidFill>
+                  <a:schemeClr val="tx1"/>
+                </a:solidFill>
+                <a:miter lim="800000"/>
+                <a:headEnd/>
+                <a:tailEnd/>
+              </a14:hiddenLine>
+            </a:ext>
+            <a:ext uri="{AF507438-7753-43E0-B8FC-AC1667EBCBE1}">
+              <a14:hiddenEffects xmlns:a14="http://schemas.microsoft.com/office/drawing/2010/main">
+                <a:effectLst>
+                  <a:outerShdw dist="35921" dir="2700000" algn="ctr" rotWithShape="0">
+                    <a:schemeClr val="bg2"/>
+                  </a:outerShdw>
+                </a:effectLst>
+              </a14:hiddenEffects>
+            </a:ext>
+          </a:extLst>
+        </p:spPr>
+        <p:txBody>
+          <a:bodyPr vert="horz" wrap="square" lIns="0" tIns="0" rIns="0" bIns="0" numCol="1" anchor="ctr" anchorCtr="0" compatLnSpc="1">
+            <a:prstTxWarp prst="textNoShape">
+              <a:avLst/>
+            </a:prstTxWarp>
+            <a:spAutoFit/>
+          </a:bodyPr>
+          <a:lstStyle/>
+          <a:p>
+            <a:pPr marL="0" marR="0" lvl="0" indent="0" algn="l" defTabSz="914400" rtl="0" eaLnBrk="0" fontAlgn="base" latinLnBrk="0" hangingPunct="0">
+              <a:lnSpc>
+                <a:spcPct val="100000"/>
+              </a:lnSpc>
+              <a:spcBef>
+                <a:spcPct val="0"/>
+              </a:spcBef>
+              <a:spcAft>
+                <a:spcPct val="0"/>
+              </a:spcAft>
+              <a:buClrTx/>
+              <a:buSzTx/>
+              <a:buFontTx/>
+              <a:buNone/>
+              <a:tabLst/>
+            </a:pPr>
+            <a:r>
+              <a:rPr kumimoji="0" lang="zh-TW" altLang="zh-TW" sz="1400" b="0" i="0" u="none" strike="noStrike" cap="none" normalizeH="0" baseline="0" dirty="0" smtClean="0">
+                <a:ln>
+                  <a:noFill/>
+                </a:ln>
+                <a:solidFill>
+                  <a:srgbClr val="000088"/>
+                </a:solidFill>
+                <a:effectLst/>
+                <a:latin typeface="Arial Unicode MS" panose="020B0604020202020204" pitchFamily="34" charset="-120"/>
+                <a:ea typeface="Droid Sans Mono"/>
+              </a:rPr>
+              <a:t>try</a:t>
+            </a:r>
+            <a:r>
+              <a:rPr kumimoji="0" lang="zh-TW" altLang="zh-TW" sz="1400" b="0" i="0" u="none" strike="noStrike" cap="none" normalizeH="0" baseline="0" dirty="0" smtClean="0">
+                <a:ln>
+                  <a:noFill/>
+                </a:ln>
+                <a:solidFill>
+                  <a:srgbClr val="000000"/>
+                </a:solidFill>
+                <a:effectLst/>
+                <a:latin typeface="Arial Unicode MS" panose="020B0604020202020204" pitchFamily="34" charset="-120"/>
+                <a:ea typeface="Droid Sans Mono"/>
+              </a:rPr>
+              <a:t> </a:t>
+            </a:r>
+            <a:r>
+              <a:rPr kumimoji="0" lang="zh-TW" altLang="zh-TW" sz="1400" b="0" i="0" u="none" strike="noStrike" cap="none" normalizeH="0" baseline="0" dirty="0" smtClean="0">
+                <a:ln>
+                  <a:noFill/>
+                </a:ln>
+                <a:solidFill>
+                  <a:srgbClr val="666600"/>
+                </a:solidFill>
+                <a:effectLst/>
+                <a:latin typeface="Arial Unicode MS" panose="020B0604020202020204" pitchFamily="34" charset="-120"/>
+                <a:ea typeface="Droid Sans Mono"/>
+              </a:rPr>
+              <a:t>{</a:t>
+            </a:r>
+            <a:endParaRPr kumimoji="0" lang="en-US" altLang="zh-TW" sz="1400" b="0" i="0" u="none" strike="noStrike" cap="none" normalizeH="0" baseline="0" dirty="0" smtClean="0">
+              <a:ln>
+                <a:noFill/>
+              </a:ln>
+              <a:solidFill>
+                <a:srgbClr val="666600"/>
+              </a:solidFill>
+              <a:effectLst/>
+              <a:latin typeface="Arial Unicode MS" panose="020B0604020202020204" pitchFamily="34" charset="-120"/>
+              <a:ea typeface="Droid Sans Mono"/>
+            </a:endParaRPr>
+          </a:p>
+          <a:p>
+            <a:pPr marL="0" marR="0" lvl="0" indent="0" algn="l" defTabSz="914400" rtl="0" eaLnBrk="0" fontAlgn="base" latinLnBrk="0" hangingPunct="0">
+              <a:lnSpc>
+                <a:spcPct val="100000"/>
+              </a:lnSpc>
+              <a:spcBef>
+                <a:spcPct val="0"/>
+              </a:spcBef>
+              <a:spcAft>
+                <a:spcPct val="0"/>
+              </a:spcAft>
+              <a:buClrTx/>
+              <a:buSzTx/>
+              <a:buFontTx/>
+              <a:buNone/>
+              <a:tabLst/>
+            </a:pPr>
+            <a:r>
+              <a:rPr lang="en-US" altLang="zh-TW" sz="1400" dirty="0" smtClean="0">
+                <a:solidFill>
+                  <a:srgbClr val="666600"/>
+                </a:solidFill>
+                <a:latin typeface="Arial Unicode MS" panose="020B0604020202020204" pitchFamily="34" charset="-120"/>
+                <a:ea typeface="Droid Sans Mono"/>
+              </a:rPr>
+              <a:t>   </a:t>
+            </a:r>
+            <a:r>
+              <a:rPr kumimoji="0" lang="zh-TW" altLang="zh-TW" sz="1400" b="0" i="0" u="none" strike="noStrike" cap="none" normalizeH="0" baseline="0" dirty="0" smtClean="0">
+                <a:ln>
+                  <a:noFill/>
+                </a:ln>
+                <a:solidFill>
+                  <a:srgbClr val="000000"/>
+                </a:solidFill>
+                <a:effectLst/>
+                <a:latin typeface="Arial Unicode MS" panose="020B0604020202020204" pitchFamily="34" charset="-120"/>
+                <a:ea typeface="Droid Sans Mono"/>
+              </a:rPr>
+              <a:t> entityManager </a:t>
+            </a:r>
+            <a:r>
+              <a:rPr kumimoji="0" lang="zh-TW" altLang="zh-TW" sz="1400" b="0" i="0" u="none" strike="noStrike" cap="none" normalizeH="0" baseline="0" dirty="0" smtClean="0">
+                <a:ln>
+                  <a:noFill/>
+                </a:ln>
+                <a:solidFill>
+                  <a:srgbClr val="666600"/>
+                </a:solidFill>
+                <a:effectLst/>
+                <a:latin typeface="Arial Unicode MS" panose="020B0604020202020204" pitchFamily="34" charset="-120"/>
+                <a:ea typeface="Droid Sans Mono"/>
+              </a:rPr>
+              <a:t>=</a:t>
+            </a:r>
+            <a:r>
+              <a:rPr kumimoji="0" lang="zh-TW" altLang="zh-TW" sz="1400" b="0" i="0" u="none" strike="noStrike" cap="none" normalizeH="0" baseline="0" dirty="0" smtClean="0">
+                <a:ln>
+                  <a:noFill/>
+                </a:ln>
+                <a:solidFill>
+                  <a:srgbClr val="000000"/>
+                </a:solidFill>
+                <a:effectLst/>
+                <a:latin typeface="Arial Unicode MS" panose="020B0604020202020204" pitchFamily="34" charset="-120"/>
+                <a:ea typeface="Droid Sans Mono"/>
+              </a:rPr>
+              <a:t> entityManagerFactory</a:t>
+            </a:r>
+            <a:r>
+              <a:rPr kumimoji="0" lang="zh-TW" altLang="zh-TW" sz="1400" b="0" i="0" u="none" strike="noStrike" cap="none" normalizeH="0" baseline="0" dirty="0" smtClean="0">
+                <a:ln>
+                  <a:noFill/>
+                </a:ln>
+                <a:solidFill>
+                  <a:srgbClr val="666600"/>
+                </a:solidFill>
+                <a:effectLst/>
+                <a:latin typeface="Arial Unicode MS" panose="020B0604020202020204" pitchFamily="34" charset="-120"/>
+                <a:ea typeface="Droid Sans Mono"/>
+              </a:rPr>
+              <a:t>().</a:t>
+            </a:r>
+            <a:r>
+              <a:rPr kumimoji="0" lang="zh-TW" altLang="zh-TW" sz="1400" b="0" i="0" u="none" strike="noStrike" cap="none" normalizeH="0" baseline="0" dirty="0" smtClean="0">
+                <a:ln>
+                  <a:noFill/>
+                </a:ln>
+                <a:solidFill>
+                  <a:srgbClr val="000000"/>
+                </a:solidFill>
+                <a:effectLst/>
+                <a:latin typeface="Arial Unicode MS" panose="020B0604020202020204" pitchFamily="34" charset="-120"/>
+                <a:ea typeface="Droid Sans Mono"/>
+              </a:rPr>
+              <a:t>createEntityManager</a:t>
+            </a:r>
+            <a:r>
+              <a:rPr kumimoji="0" lang="zh-TW" altLang="zh-TW" sz="1400" b="0" i="0" u="none" strike="noStrike" cap="none" normalizeH="0" baseline="0" dirty="0" smtClean="0">
+                <a:ln>
+                  <a:noFill/>
+                </a:ln>
+                <a:solidFill>
+                  <a:srgbClr val="666600"/>
+                </a:solidFill>
+                <a:effectLst/>
+                <a:latin typeface="Arial Unicode MS" panose="020B0604020202020204" pitchFamily="34" charset="-120"/>
+                <a:ea typeface="Droid Sans Mono"/>
+              </a:rPr>
+              <a:t>();</a:t>
+            </a:r>
+            <a:r>
+              <a:rPr kumimoji="0" lang="zh-TW" altLang="zh-TW" sz="1400" b="0" i="0" u="none" strike="noStrike" cap="none" normalizeH="0" baseline="0" dirty="0" smtClean="0">
+                <a:ln>
+                  <a:noFill/>
+                </a:ln>
+                <a:solidFill>
+                  <a:srgbClr val="000000"/>
+                </a:solidFill>
+                <a:effectLst/>
+                <a:latin typeface="Arial Unicode MS" panose="020B0604020202020204" pitchFamily="34" charset="-120"/>
+                <a:ea typeface="Droid Sans Mono"/>
+              </a:rPr>
+              <a:t> </a:t>
+            </a:r>
+            <a:endParaRPr kumimoji="0" lang="en-US" altLang="zh-TW" sz="1400" b="0" i="0" u="none" strike="noStrike" cap="none" normalizeH="0" baseline="0" dirty="0" smtClean="0">
+              <a:ln>
+                <a:noFill/>
+              </a:ln>
+              <a:solidFill>
+                <a:srgbClr val="000000"/>
+              </a:solidFill>
+              <a:effectLst/>
+              <a:latin typeface="Arial Unicode MS" panose="020B0604020202020204" pitchFamily="34" charset="-120"/>
+              <a:ea typeface="Droid Sans Mono"/>
+            </a:endParaRPr>
+          </a:p>
+          <a:p>
+            <a:pPr marL="0" marR="0" lvl="0" indent="0" algn="l" defTabSz="914400" rtl="0" eaLnBrk="0" fontAlgn="base" latinLnBrk="0" hangingPunct="0">
+              <a:lnSpc>
+                <a:spcPct val="100000"/>
+              </a:lnSpc>
+              <a:spcBef>
+                <a:spcPct val="0"/>
+              </a:spcBef>
+              <a:spcAft>
+                <a:spcPct val="0"/>
+              </a:spcAft>
+              <a:buClrTx/>
+              <a:buSzTx/>
+              <a:buFontTx/>
+              <a:buNone/>
+              <a:tabLst/>
+            </a:pPr>
+            <a:r>
+              <a:rPr kumimoji="0" lang="en-US" altLang="zh-TW" sz="1400" b="0" i="0" u="none" strike="noStrike" cap="none" normalizeH="0" baseline="0" dirty="0" smtClean="0">
+                <a:ln>
+                  <a:noFill/>
+                </a:ln>
+                <a:solidFill>
+                  <a:srgbClr val="000000"/>
+                </a:solidFill>
+                <a:effectLst/>
+                <a:latin typeface="Arial Unicode MS" panose="020B0604020202020204" pitchFamily="34" charset="-120"/>
+                <a:ea typeface="Droid Sans Mono"/>
+              </a:rPr>
+              <a:t>    </a:t>
+            </a:r>
+            <a:r>
+              <a:rPr kumimoji="0" lang="zh-TW" altLang="zh-TW" sz="1400" b="0" i="0" u="none" strike="noStrike" cap="none" normalizeH="0" baseline="0" dirty="0" smtClean="0">
+                <a:ln>
+                  <a:noFill/>
+                </a:ln>
+                <a:solidFill>
+                  <a:srgbClr val="000000"/>
+                </a:solidFill>
+                <a:effectLst/>
+                <a:latin typeface="Arial Unicode MS" panose="020B0604020202020204" pitchFamily="34" charset="-120"/>
+                <a:ea typeface="Droid Sans Mono"/>
+              </a:rPr>
+              <a:t>txn </a:t>
+            </a:r>
+            <a:r>
+              <a:rPr kumimoji="0" lang="zh-TW" altLang="zh-TW" sz="1400" b="0" i="0" u="none" strike="noStrike" cap="none" normalizeH="0" baseline="0" dirty="0" smtClean="0">
+                <a:ln>
+                  <a:noFill/>
+                </a:ln>
+                <a:solidFill>
+                  <a:srgbClr val="666600"/>
+                </a:solidFill>
+                <a:effectLst/>
+                <a:latin typeface="Arial Unicode MS" panose="020B0604020202020204" pitchFamily="34" charset="-120"/>
+                <a:ea typeface="Droid Sans Mono"/>
+              </a:rPr>
+              <a:t>=</a:t>
+            </a:r>
+            <a:r>
+              <a:rPr kumimoji="0" lang="zh-TW" altLang="zh-TW" sz="1400" b="0" i="0" u="none" strike="noStrike" cap="none" normalizeH="0" baseline="0" dirty="0" smtClean="0">
+                <a:ln>
+                  <a:noFill/>
+                </a:ln>
+                <a:solidFill>
+                  <a:srgbClr val="000000"/>
+                </a:solidFill>
+                <a:effectLst/>
+                <a:latin typeface="Arial Unicode MS" panose="020B0604020202020204" pitchFamily="34" charset="-120"/>
+                <a:ea typeface="Droid Sans Mono"/>
+              </a:rPr>
+              <a:t> entityManager</a:t>
+            </a:r>
+            <a:r>
+              <a:rPr kumimoji="0" lang="zh-TW" altLang="zh-TW" sz="1400" b="0" i="0" u="none" strike="noStrike" cap="none" normalizeH="0" baseline="0" dirty="0" smtClean="0">
+                <a:ln>
+                  <a:noFill/>
+                </a:ln>
+                <a:solidFill>
+                  <a:srgbClr val="666600"/>
+                </a:solidFill>
+                <a:effectLst/>
+                <a:latin typeface="Arial Unicode MS" panose="020B0604020202020204" pitchFamily="34" charset="-120"/>
+                <a:ea typeface="Droid Sans Mono"/>
+              </a:rPr>
+              <a:t>.</a:t>
+            </a:r>
+            <a:r>
+              <a:rPr kumimoji="0" lang="zh-TW" altLang="zh-TW" sz="1400" b="0" i="0" u="none" strike="noStrike" cap="none" normalizeH="0" baseline="0" dirty="0" smtClean="0">
+                <a:ln>
+                  <a:noFill/>
+                </a:ln>
+                <a:solidFill>
+                  <a:srgbClr val="000000"/>
+                </a:solidFill>
+                <a:effectLst/>
+                <a:latin typeface="Arial Unicode MS" panose="020B0604020202020204" pitchFamily="34" charset="-120"/>
+                <a:ea typeface="Droid Sans Mono"/>
+              </a:rPr>
+              <a:t>getTransaction</a:t>
+            </a:r>
+            <a:r>
+              <a:rPr kumimoji="0" lang="zh-TW" altLang="zh-TW" sz="1400" b="0" i="0" u="none" strike="noStrike" cap="none" normalizeH="0" baseline="0" dirty="0" smtClean="0">
+                <a:ln>
+                  <a:noFill/>
+                </a:ln>
+                <a:solidFill>
+                  <a:srgbClr val="666600"/>
+                </a:solidFill>
+                <a:effectLst/>
+                <a:latin typeface="Arial Unicode MS" panose="020B0604020202020204" pitchFamily="34" charset="-120"/>
+                <a:ea typeface="Droid Sans Mono"/>
+              </a:rPr>
+              <a:t>();</a:t>
+            </a:r>
+            <a:r>
+              <a:rPr kumimoji="0" lang="zh-TW" altLang="zh-TW" sz="1400" b="0" i="0" u="none" strike="noStrike" cap="none" normalizeH="0" baseline="0" dirty="0" smtClean="0">
+                <a:ln>
+                  <a:noFill/>
+                </a:ln>
+                <a:solidFill>
+                  <a:srgbClr val="000000"/>
+                </a:solidFill>
+                <a:effectLst/>
+                <a:latin typeface="Arial Unicode MS" panose="020B0604020202020204" pitchFamily="34" charset="-120"/>
+                <a:ea typeface="Droid Sans Mono"/>
+              </a:rPr>
+              <a:t> </a:t>
+            </a:r>
+            <a:endParaRPr kumimoji="0" lang="en-US" altLang="zh-TW" sz="1400" b="0" i="0" u="none" strike="noStrike" cap="none" normalizeH="0" baseline="0" dirty="0" smtClean="0">
+              <a:ln>
+                <a:noFill/>
+              </a:ln>
+              <a:solidFill>
+                <a:srgbClr val="000000"/>
+              </a:solidFill>
+              <a:effectLst/>
+              <a:latin typeface="Arial Unicode MS" panose="020B0604020202020204" pitchFamily="34" charset="-120"/>
+              <a:ea typeface="Droid Sans Mono"/>
+            </a:endParaRPr>
+          </a:p>
+          <a:p>
+            <a:pPr marL="0" marR="0" lvl="0" indent="0" algn="l" defTabSz="914400" rtl="0" eaLnBrk="0" fontAlgn="base" latinLnBrk="0" hangingPunct="0">
+              <a:lnSpc>
+                <a:spcPct val="100000"/>
+              </a:lnSpc>
+              <a:spcBef>
+                <a:spcPct val="0"/>
+              </a:spcBef>
+              <a:spcAft>
+                <a:spcPct val="0"/>
+              </a:spcAft>
+              <a:buClrTx/>
+              <a:buSzTx/>
+              <a:buFontTx/>
+              <a:buNone/>
+              <a:tabLst/>
+            </a:pPr>
+            <a:r>
+              <a:rPr kumimoji="0" lang="en-US" altLang="zh-TW" sz="1400" b="0" i="0" u="none" strike="noStrike" cap="none" normalizeH="0" baseline="0" dirty="0" smtClean="0">
+                <a:ln>
+                  <a:noFill/>
+                </a:ln>
+                <a:solidFill>
+                  <a:srgbClr val="000000"/>
+                </a:solidFill>
+                <a:effectLst/>
+                <a:latin typeface="Arial Unicode MS" panose="020B0604020202020204" pitchFamily="34" charset="-120"/>
+                <a:ea typeface="Droid Sans Mono"/>
+              </a:rPr>
+              <a:t>    </a:t>
+            </a:r>
+            <a:r>
+              <a:rPr kumimoji="0" lang="zh-TW" altLang="zh-TW" sz="1400" b="0" i="0" u="none" strike="noStrike" cap="none" normalizeH="0" baseline="0" dirty="0" smtClean="0">
+                <a:ln>
+                  <a:noFill/>
+                </a:ln>
+                <a:solidFill>
+                  <a:srgbClr val="000000"/>
+                </a:solidFill>
+                <a:effectLst/>
+                <a:latin typeface="Arial Unicode MS" panose="020B0604020202020204" pitchFamily="34" charset="-120"/>
+                <a:ea typeface="Droid Sans Mono"/>
+              </a:rPr>
+              <a:t>txn</a:t>
+            </a:r>
+            <a:r>
+              <a:rPr kumimoji="0" lang="zh-TW" altLang="zh-TW" sz="1400" b="0" i="0" u="none" strike="noStrike" cap="none" normalizeH="0" baseline="0" dirty="0" smtClean="0">
+                <a:ln>
+                  <a:noFill/>
+                </a:ln>
+                <a:solidFill>
+                  <a:srgbClr val="666600"/>
+                </a:solidFill>
+                <a:effectLst/>
+                <a:latin typeface="Arial Unicode MS" panose="020B0604020202020204" pitchFamily="34" charset="-120"/>
+                <a:ea typeface="Droid Sans Mono"/>
+              </a:rPr>
+              <a:t>.</a:t>
+            </a:r>
+            <a:r>
+              <a:rPr kumimoji="0" lang="zh-TW" altLang="zh-TW" sz="1400" b="0" i="0" u="none" strike="noStrike" cap="none" normalizeH="0" baseline="0" dirty="0" smtClean="0">
+                <a:ln>
+                  <a:noFill/>
+                </a:ln>
+                <a:solidFill>
+                  <a:srgbClr val="000088"/>
+                </a:solidFill>
+                <a:effectLst/>
+                <a:latin typeface="Arial Unicode MS" panose="020B0604020202020204" pitchFamily="34" charset="-120"/>
+                <a:ea typeface="Droid Sans Mono"/>
+              </a:rPr>
+              <a:t>begin</a:t>
+            </a:r>
+            <a:r>
+              <a:rPr kumimoji="0" lang="zh-TW" altLang="zh-TW" sz="1400" b="0" i="0" u="none" strike="noStrike" cap="none" normalizeH="0" baseline="0" dirty="0" smtClean="0">
+                <a:ln>
+                  <a:noFill/>
+                </a:ln>
+                <a:solidFill>
+                  <a:srgbClr val="666600"/>
+                </a:solidFill>
+                <a:effectLst/>
+                <a:latin typeface="Arial Unicode MS" panose="020B0604020202020204" pitchFamily="34" charset="-120"/>
+                <a:ea typeface="Droid Sans Mono"/>
+              </a:rPr>
+              <a:t>();</a:t>
+            </a:r>
+            <a:r>
+              <a:rPr kumimoji="0" lang="zh-TW" altLang="zh-TW" sz="1400" b="0" i="0" u="none" strike="noStrike" cap="none" normalizeH="0" baseline="0" dirty="0" smtClean="0">
+                <a:ln>
+                  <a:noFill/>
+                </a:ln>
+                <a:solidFill>
+                  <a:srgbClr val="000000"/>
+                </a:solidFill>
+                <a:effectLst/>
+                <a:latin typeface="Arial Unicode MS" panose="020B0604020202020204" pitchFamily="34" charset="-120"/>
+                <a:ea typeface="Droid Sans Mono"/>
+              </a:rPr>
+              <a:t> </a:t>
+            </a:r>
+            <a:endParaRPr kumimoji="0" lang="en-US" altLang="zh-TW" sz="1400" b="0" i="0" u="none" strike="noStrike" cap="none" normalizeH="0" baseline="0" dirty="0" smtClean="0">
+              <a:ln>
+                <a:noFill/>
+              </a:ln>
+              <a:solidFill>
+                <a:srgbClr val="000000"/>
+              </a:solidFill>
+              <a:effectLst/>
+              <a:latin typeface="Arial Unicode MS" panose="020B0604020202020204" pitchFamily="34" charset="-120"/>
+              <a:ea typeface="Droid Sans Mono"/>
+            </a:endParaRPr>
+          </a:p>
+          <a:p>
+            <a:pPr marL="0" marR="0" lvl="0" indent="0" algn="l" defTabSz="914400" rtl="0" eaLnBrk="0" fontAlgn="base" latinLnBrk="0" hangingPunct="0">
+              <a:lnSpc>
+                <a:spcPct val="100000"/>
+              </a:lnSpc>
+              <a:spcBef>
+                <a:spcPct val="0"/>
+              </a:spcBef>
+              <a:spcAft>
+                <a:spcPct val="0"/>
+              </a:spcAft>
+              <a:buClrTx/>
+              <a:buSzTx/>
+              <a:buFontTx/>
+              <a:buNone/>
+              <a:tabLst/>
+            </a:pPr>
+            <a:r>
+              <a:rPr lang="en-US" altLang="zh-TW" sz="1400" dirty="0">
+                <a:solidFill>
+                  <a:srgbClr val="000000"/>
+                </a:solidFill>
+                <a:latin typeface="Arial Unicode MS" panose="020B0604020202020204" pitchFamily="34" charset="-120"/>
+                <a:ea typeface="Droid Sans Mono"/>
+              </a:rPr>
+              <a:t> </a:t>
+            </a:r>
+            <a:r>
+              <a:rPr lang="en-US" altLang="zh-TW" sz="1400" dirty="0" smtClean="0">
+                <a:solidFill>
+                  <a:srgbClr val="000000"/>
+                </a:solidFill>
+                <a:latin typeface="Arial Unicode MS" panose="020B0604020202020204" pitchFamily="34" charset="-120"/>
+                <a:ea typeface="Droid Sans Mono"/>
+              </a:rPr>
+              <a:t>   </a:t>
+            </a:r>
+            <a:r>
+              <a:rPr kumimoji="0" lang="zh-TW" altLang="zh-TW" sz="1400" b="0" i="0" u="none" strike="noStrike" cap="none" normalizeH="0" baseline="0" dirty="0" smtClean="0">
+                <a:ln>
+                  <a:noFill/>
+                </a:ln>
+                <a:solidFill>
+                  <a:srgbClr val="000088"/>
+                </a:solidFill>
+                <a:effectLst/>
+                <a:latin typeface="Arial Unicode MS" panose="020B0604020202020204" pitchFamily="34" charset="-120"/>
+                <a:ea typeface="Droid Sans Mono"/>
+              </a:rPr>
+              <a:t>for</a:t>
+            </a:r>
+            <a:r>
+              <a:rPr kumimoji="0" lang="zh-TW" altLang="zh-TW" sz="1400" b="0" i="0" u="none" strike="noStrike" cap="none" normalizeH="0" baseline="0" dirty="0" smtClean="0">
+                <a:ln>
+                  <a:noFill/>
+                </a:ln>
+                <a:solidFill>
+                  <a:srgbClr val="000000"/>
+                </a:solidFill>
+                <a:effectLst/>
+                <a:latin typeface="Arial Unicode MS" panose="020B0604020202020204" pitchFamily="34" charset="-120"/>
+                <a:ea typeface="Droid Sans Mono"/>
+              </a:rPr>
+              <a:t> </a:t>
+            </a:r>
+            <a:r>
+              <a:rPr kumimoji="0" lang="zh-TW" altLang="zh-TW" sz="1400" b="0" i="0" u="none" strike="noStrike" cap="none" normalizeH="0" baseline="0" dirty="0" smtClean="0">
+                <a:ln>
+                  <a:noFill/>
+                </a:ln>
+                <a:solidFill>
+                  <a:srgbClr val="666600"/>
+                </a:solidFill>
+                <a:effectLst/>
+                <a:latin typeface="Arial Unicode MS" panose="020B0604020202020204" pitchFamily="34" charset="-120"/>
+                <a:ea typeface="Droid Sans Mono"/>
+              </a:rPr>
+              <a:t>(</a:t>
+            </a:r>
+            <a:r>
+              <a:rPr kumimoji="0" lang="zh-TW" altLang="zh-TW" sz="1400" b="0" i="0" u="none" strike="noStrike" cap="none" normalizeH="0" baseline="0" dirty="0" smtClean="0">
+                <a:ln>
+                  <a:noFill/>
+                </a:ln>
+                <a:solidFill>
+                  <a:srgbClr val="000000"/>
+                </a:solidFill>
+                <a:effectLst/>
+                <a:latin typeface="Arial Unicode MS" panose="020B0604020202020204" pitchFamily="34" charset="-120"/>
+                <a:ea typeface="Droid Sans Mono"/>
+              </a:rPr>
+              <a:t> </a:t>
+            </a:r>
+            <a:r>
+              <a:rPr kumimoji="0" lang="zh-TW" altLang="zh-TW" sz="1400" b="0" i="0" u="none" strike="noStrike" cap="none" normalizeH="0" baseline="0" dirty="0" smtClean="0">
+                <a:ln>
+                  <a:noFill/>
+                </a:ln>
+                <a:solidFill>
+                  <a:srgbClr val="000088"/>
+                </a:solidFill>
+                <a:effectLst/>
+                <a:latin typeface="Arial Unicode MS" panose="020B0604020202020204" pitchFamily="34" charset="-120"/>
+                <a:ea typeface="Droid Sans Mono"/>
+              </a:rPr>
+              <a:t>int</a:t>
+            </a:r>
+            <a:r>
+              <a:rPr kumimoji="0" lang="zh-TW" altLang="zh-TW" sz="1400" b="0" i="0" u="none" strike="noStrike" cap="none" normalizeH="0" baseline="0" dirty="0" smtClean="0">
+                <a:ln>
+                  <a:noFill/>
+                </a:ln>
+                <a:solidFill>
+                  <a:srgbClr val="000000"/>
+                </a:solidFill>
+                <a:effectLst/>
+                <a:latin typeface="Arial Unicode MS" panose="020B0604020202020204" pitchFamily="34" charset="-120"/>
+                <a:ea typeface="Droid Sans Mono"/>
+              </a:rPr>
+              <a:t> i </a:t>
+            </a:r>
+            <a:r>
+              <a:rPr kumimoji="0" lang="zh-TW" altLang="zh-TW" sz="1400" b="0" i="0" u="none" strike="noStrike" cap="none" normalizeH="0" baseline="0" dirty="0" smtClean="0">
+                <a:ln>
+                  <a:noFill/>
+                </a:ln>
+                <a:solidFill>
+                  <a:srgbClr val="666600"/>
+                </a:solidFill>
+                <a:effectLst/>
+                <a:latin typeface="Arial Unicode MS" panose="020B0604020202020204" pitchFamily="34" charset="-120"/>
+                <a:ea typeface="Droid Sans Mono"/>
+              </a:rPr>
+              <a:t>=</a:t>
+            </a:r>
+            <a:r>
+              <a:rPr kumimoji="0" lang="zh-TW" altLang="zh-TW" sz="1400" b="0" i="0" u="none" strike="noStrike" cap="none" normalizeH="0" baseline="0" dirty="0" smtClean="0">
+                <a:ln>
+                  <a:noFill/>
+                </a:ln>
+                <a:solidFill>
+                  <a:srgbClr val="000000"/>
+                </a:solidFill>
+                <a:effectLst/>
+                <a:latin typeface="Arial Unicode MS" panose="020B0604020202020204" pitchFamily="34" charset="-120"/>
+                <a:ea typeface="Droid Sans Mono"/>
+              </a:rPr>
+              <a:t> </a:t>
+            </a:r>
+            <a:r>
+              <a:rPr kumimoji="0" lang="zh-TW" altLang="zh-TW" sz="1400" b="0" i="0" u="none" strike="noStrike" cap="none" normalizeH="0" baseline="0" dirty="0" smtClean="0">
+                <a:ln>
+                  <a:noFill/>
+                </a:ln>
+                <a:solidFill>
+                  <a:srgbClr val="006666"/>
+                </a:solidFill>
+                <a:effectLst/>
+                <a:latin typeface="Arial Unicode MS" panose="020B0604020202020204" pitchFamily="34" charset="-120"/>
+                <a:ea typeface="Droid Sans Mono"/>
+              </a:rPr>
+              <a:t>0</a:t>
+            </a:r>
+            <a:r>
+              <a:rPr kumimoji="0" lang="zh-TW" altLang="zh-TW" sz="1400" b="0" i="0" u="none" strike="noStrike" cap="none" normalizeH="0" baseline="0" dirty="0" smtClean="0">
+                <a:ln>
+                  <a:noFill/>
+                </a:ln>
+                <a:solidFill>
+                  <a:srgbClr val="666600"/>
+                </a:solidFill>
+                <a:effectLst/>
+                <a:latin typeface="Arial Unicode MS" panose="020B0604020202020204" pitchFamily="34" charset="-120"/>
+                <a:ea typeface="Droid Sans Mono"/>
+              </a:rPr>
+              <a:t>;</a:t>
+            </a:r>
+            <a:r>
+              <a:rPr kumimoji="0" lang="zh-TW" altLang="zh-TW" sz="1400" b="0" i="0" u="none" strike="noStrike" cap="none" normalizeH="0" baseline="0" dirty="0" smtClean="0">
+                <a:ln>
+                  <a:noFill/>
+                </a:ln>
+                <a:solidFill>
+                  <a:srgbClr val="000000"/>
+                </a:solidFill>
+                <a:effectLst/>
+                <a:latin typeface="Arial Unicode MS" panose="020B0604020202020204" pitchFamily="34" charset="-120"/>
+                <a:ea typeface="Droid Sans Mono"/>
+              </a:rPr>
+              <a:t> i </a:t>
+            </a:r>
+            <a:r>
+              <a:rPr kumimoji="0" lang="zh-TW" altLang="zh-TW" sz="1400" b="0" i="0" u="none" strike="noStrike" cap="none" normalizeH="0" baseline="0" dirty="0" smtClean="0">
+                <a:ln>
+                  <a:noFill/>
+                </a:ln>
+                <a:solidFill>
+                  <a:srgbClr val="666600"/>
+                </a:solidFill>
+                <a:effectLst/>
+                <a:latin typeface="Arial Unicode MS" panose="020B0604020202020204" pitchFamily="34" charset="-120"/>
+                <a:ea typeface="Droid Sans Mono"/>
+              </a:rPr>
+              <a:t>&lt;</a:t>
+            </a:r>
+            <a:r>
+              <a:rPr kumimoji="0" lang="zh-TW" altLang="zh-TW" sz="1400" b="0" i="0" u="none" strike="noStrike" cap="none" normalizeH="0" baseline="0" dirty="0" smtClean="0">
+                <a:ln>
+                  <a:noFill/>
+                </a:ln>
+                <a:solidFill>
+                  <a:srgbClr val="000000"/>
+                </a:solidFill>
+                <a:effectLst/>
+                <a:latin typeface="Arial Unicode MS" panose="020B0604020202020204" pitchFamily="34" charset="-120"/>
+                <a:ea typeface="Droid Sans Mono"/>
+              </a:rPr>
+              <a:t> </a:t>
+            </a:r>
+            <a:r>
+              <a:rPr kumimoji="0" lang="zh-TW" altLang="zh-TW" sz="1400" b="0" i="0" u="none" strike="noStrike" cap="none" normalizeH="0" baseline="0" dirty="0" smtClean="0">
+                <a:ln>
+                  <a:noFill/>
+                </a:ln>
+                <a:effectLst/>
+                <a:latin typeface="Arial Unicode MS" panose="020B0604020202020204" pitchFamily="34" charset="-120"/>
+                <a:ea typeface="Droid Sans Mono"/>
+              </a:rPr>
+              <a:t>100000</a:t>
+            </a:r>
+            <a:r>
+              <a:rPr kumimoji="0" lang="zh-TW" altLang="zh-TW" sz="1400" b="0" i="0" u="none" strike="noStrike" cap="none" normalizeH="0" baseline="0" dirty="0" smtClean="0">
+                <a:ln>
+                  <a:noFill/>
+                </a:ln>
+                <a:solidFill>
+                  <a:srgbClr val="666600"/>
+                </a:solidFill>
+                <a:effectLst/>
+                <a:latin typeface="Arial Unicode MS" panose="020B0604020202020204" pitchFamily="34" charset="-120"/>
+                <a:ea typeface="Droid Sans Mono"/>
+              </a:rPr>
+              <a:t>;</a:t>
+            </a:r>
+            <a:r>
+              <a:rPr kumimoji="0" lang="zh-TW" altLang="zh-TW" sz="1400" b="0" i="0" u="none" strike="noStrike" cap="none" normalizeH="0" baseline="0" dirty="0" smtClean="0">
+                <a:ln>
+                  <a:noFill/>
+                </a:ln>
+                <a:solidFill>
+                  <a:srgbClr val="000000"/>
+                </a:solidFill>
+                <a:effectLst/>
+                <a:latin typeface="Arial Unicode MS" panose="020B0604020202020204" pitchFamily="34" charset="-120"/>
+                <a:ea typeface="Droid Sans Mono"/>
+              </a:rPr>
+              <a:t> i</a:t>
+            </a:r>
+            <a:r>
+              <a:rPr kumimoji="0" lang="zh-TW" altLang="zh-TW" sz="1400" b="0" i="0" u="none" strike="noStrike" cap="none" normalizeH="0" baseline="0" dirty="0" smtClean="0">
+                <a:ln>
+                  <a:noFill/>
+                </a:ln>
+                <a:solidFill>
+                  <a:srgbClr val="666600"/>
+                </a:solidFill>
+                <a:effectLst/>
+                <a:latin typeface="Arial Unicode MS" panose="020B0604020202020204" pitchFamily="34" charset="-120"/>
+                <a:ea typeface="Droid Sans Mono"/>
+              </a:rPr>
+              <a:t>++</a:t>
+            </a:r>
+            <a:r>
+              <a:rPr kumimoji="0" lang="zh-TW" altLang="zh-TW" sz="1400" b="0" i="0" u="none" strike="noStrike" cap="none" normalizeH="0" baseline="0" dirty="0" smtClean="0">
+                <a:ln>
+                  <a:noFill/>
+                </a:ln>
+                <a:solidFill>
+                  <a:srgbClr val="000000"/>
+                </a:solidFill>
+                <a:effectLst/>
+                <a:latin typeface="Arial Unicode MS" panose="020B0604020202020204" pitchFamily="34" charset="-120"/>
+                <a:ea typeface="Droid Sans Mono"/>
+              </a:rPr>
+              <a:t> </a:t>
+            </a:r>
+            <a:r>
+              <a:rPr kumimoji="0" lang="zh-TW" altLang="zh-TW" sz="1400" b="0" i="0" u="none" strike="noStrike" cap="none" normalizeH="0" baseline="0" dirty="0" smtClean="0">
+                <a:ln>
+                  <a:noFill/>
+                </a:ln>
+                <a:solidFill>
+                  <a:srgbClr val="666600"/>
+                </a:solidFill>
+                <a:effectLst/>
+                <a:latin typeface="Arial Unicode MS" panose="020B0604020202020204" pitchFamily="34" charset="-120"/>
+                <a:ea typeface="Droid Sans Mono"/>
+              </a:rPr>
+              <a:t>)</a:t>
+            </a:r>
+            <a:r>
+              <a:rPr kumimoji="0" lang="zh-TW" altLang="zh-TW" sz="1400" b="0" i="0" u="none" strike="noStrike" cap="none" normalizeH="0" baseline="0" dirty="0" smtClean="0">
+                <a:ln>
+                  <a:noFill/>
+                </a:ln>
+                <a:solidFill>
+                  <a:srgbClr val="000000"/>
+                </a:solidFill>
+                <a:effectLst/>
+                <a:latin typeface="Arial Unicode MS" panose="020B0604020202020204" pitchFamily="34" charset="-120"/>
+                <a:ea typeface="Droid Sans Mono"/>
+              </a:rPr>
+              <a:t> </a:t>
+            </a:r>
+            <a:r>
+              <a:rPr kumimoji="0" lang="zh-TW" altLang="zh-TW" sz="1400" b="0" i="0" u="none" strike="noStrike" cap="none" normalizeH="0" baseline="0" dirty="0" smtClean="0">
+                <a:ln>
+                  <a:noFill/>
+                </a:ln>
+                <a:solidFill>
+                  <a:srgbClr val="666600"/>
+                </a:solidFill>
+                <a:effectLst/>
+                <a:latin typeface="Arial Unicode MS" panose="020B0604020202020204" pitchFamily="34" charset="-120"/>
+                <a:ea typeface="Droid Sans Mono"/>
+              </a:rPr>
+              <a:t>{</a:t>
+            </a:r>
+            <a:r>
+              <a:rPr kumimoji="0" lang="zh-TW" altLang="zh-TW" sz="1400" b="0" i="0" u="none" strike="noStrike" cap="none" normalizeH="0" baseline="0" dirty="0" smtClean="0">
+                <a:ln>
+                  <a:noFill/>
+                </a:ln>
+                <a:solidFill>
+                  <a:srgbClr val="000000"/>
+                </a:solidFill>
+                <a:effectLst/>
+                <a:latin typeface="Arial Unicode MS" panose="020B0604020202020204" pitchFamily="34" charset="-120"/>
+                <a:ea typeface="Droid Sans Mono"/>
+              </a:rPr>
+              <a:t> </a:t>
+            </a:r>
+            <a:endParaRPr kumimoji="0" lang="en-US" altLang="zh-TW" sz="1400" b="0" i="0" u="none" strike="noStrike" cap="none" normalizeH="0" baseline="0" dirty="0" smtClean="0">
+              <a:ln>
+                <a:noFill/>
+              </a:ln>
+              <a:solidFill>
+                <a:srgbClr val="000000"/>
+              </a:solidFill>
+              <a:effectLst/>
+              <a:latin typeface="Arial Unicode MS" panose="020B0604020202020204" pitchFamily="34" charset="-120"/>
+              <a:ea typeface="Droid Sans Mono"/>
+            </a:endParaRPr>
+          </a:p>
+          <a:p>
+            <a:pPr marL="0" marR="0" lvl="0" indent="0" algn="l" defTabSz="914400" rtl="0" eaLnBrk="0" fontAlgn="base" latinLnBrk="0" hangingPunct="0">
+              <a:lnSpc>
+                <a:spcPct val="100000"/>
+              </a:lnSpc>
+              <a:spcBef>
+                <a:spcPct val="0"/>
+              </a:spcBef>
+              <a:spcAft>
+                <a:spcPct val="0"/>
+              </a:spcAft>
+              <a:buClrTx/>
+              <a:buSzTx/>
+              <a:buFontTx/>
+              <a:buNone/>
+              <a:tabLst/>
+            </a:pPr>
+            <a:r>
+              <a:rPr kumimoji="0" lang="en-US" altLang="zh-TW" sz="1400" b="0" i="0" u="none" strike="noStrike" cap="none" normalizeH="0" baseline="0" dirty="0" smtClean="0">
+                <a:ln>
+                  <a:noFill/>
+                </a:ln>
+                <a:solidFill>
+                  <a:srgbClr val="660066"/>
+                </a:solidFill>
+                <a:effectLst/>
+                <a:latin typeface="Arial Unicode MS" panose="020B0604020202020204" pitchFamily="34" charset="-120"/>
+                <a:ea typeface="Droid Sans Mono"/>
+              </a:rPr>
+              <a:t>        </a:t>
+            </a:r>
+            <a:r>
+              <a:rPr kumimoji="0" lang="zh-TW" altLang="zh-TW" sz="1400" b="0" i="0" u="none" strike="noStrike" cap="none" normalizeH="0" baseline="0" dirty="0" smtClean="0">
+                <a:ln>
+                  <a:noFill/>
+                </a:ln>
+                <a:solidFill>
+                  <a:srgbClr val="660066"/>
+                </a:solidFill>
+                <a:effectLst/>
+                <a:latin typeface="Arial Unicode MS" panose="020B0604020202020204" pitchFamily="34" charset="-120"/>
+                <a:ea typeface="Droid Sans Mono"/>
+              </a:rPr>
+              <a:t>Person</a:t>
+            </a:r>
+            <a:r>
+              <a:rPr kumimoji="0" lang="zh-TW" altLang="zh-TW" sz="1400" b="0" i="0" u="none" strike="noStrike" cap="none" normalizeH="0" baseline="0" dirty="0" smtClean="0">
+                <a:ln>
+                  <a:noFill/>
+                </a:ln>
+                <a:solidFill>
+                  <a:srgbClr val="000000"/>
+                </a:solidFill>
+                <a:effectLst/>
+                <a:latin typeface="Arial Unicode MS" panose="020B0604020202020204" pitchFamily="34" charset="-120"/>
+                <a:ea typeface="Droid Sans Mono"/>
+              </a:rPr>
+              <a:t> </a:t>
+            </a:r>
+            <a:r>
+              <a:rPr kumimoji="0" lang="zh-TW" altLang="zh-TW" sz="1400" b="0" i="0" u="none" strike="noStrike" cap="none" normalizeH="0" baseline="0" dirty="0" smtClean="0">
+                <a:ln>
+                  <a:noFill/>
+                </a:ln>
+                <a:solidFill>
+                  <a:srgbClr val="660066"/>
+                </a:solidFill>
+                <a:effectLst/>
+                <a:latin typeface="Arial Unicode MS" panose="020B0604020202020204" pitchFamily="34" charset="-120"/>
+                <a:ea typeface="Droid Sans Mono"/>
+              </a:rPr>
+              <a:t>Person</a:t>
+            </a:r>
+            <a:r>
+              <a:rPr kumimoji="0" lang="zh-TW" altLang="zh-TW" sz="1400" b="0" i="0" u="none" strike="noStrike" cap="none" normalizeH="0" baseline="0" dirty="0" smtClean="0">
+                <a:ln>
+                  <a:noFill/>
+                </a:ln>
+                <a:solidFill>
+                  <a:srgbClr val="000000"/>
+                </a:solidFill>
+                <a:effectLst/>
+                <a:latin typeface="Arial Unicode MS" panose="020B0604020202020204" pitchFamily="34" charset="-120"/>
+                <a:ea typeface="Droid Sans Mono"/>
+              </a:rPr>
+              <a:t> </a:t>
+            </a:r>
+            <a:r>
+              <a:rPr kumimoji="0" lang="zh-TW" altLang="zh-TW" sz="1400" b="0" i="0" u="none" strike="noStrike" cap="none" normalizeH="0" baseline="0" dirty="0" smtClean="0">
+                <a:ln>
+                  <a:noFill/>
+                </a:ln>
+                <a:solidFill>
+                  <a:srgbClr val="666600"/>
+                </a:solidFill>
+                <a:effectLst/>
+                <a:latin typeface="Arial Unicode MS" panose="020B0604020202020204" pitchFamily="34" charset="-120"/>
+                <a:ea typeface="Droid Sans Mono"/>
+              </a:rPr>
+              <a:t>=</a:t>
+            </a:r>
+            <a:r>
+              <a:rPr kumimoji="0" lang="zh-TW" altLang="zh-TW" sz="1400" b="0" i="0" u="none" strike="noStrike" cap="none" normalizeH="0" baseline="0" dirty="0" smtClean="0">
+                <a:ln>
+                  <a:noFill/>
+                </a:ln>
+                <a:solidFill>
+                  <a:srgbClr val="000000"/>
+                </a:solidFill>
+                <a:effectLst/>
+                <a:latin typeface="Arial Unicode MS" panose="020B0604020202020204" pitchFamily="34" charset="-120"/>
+                <a:ea typeface="Droid Sans Mono"/>
+              </a:rPr>
+              <a:t> </a:t>
+            </a:r>
+            <a:r>
+              <a:rPr kumimoji="0" lang="zh-TW" altLang="zh-TW" sz="1400" b="0" i="0" u="none" strike="noStrike" cap="none" normalizeH="0" baseline="0" dirty="0" smtClean="0">
+                <a:ln>
+                  <a:noFill/>
+                </a:ln>
+                <a:solidFill>
+                  <a:srgbClr val="000088"/>
+                </a:solidFill>
+                <a:effectLst/>
+                <a:latin typeface="Arial Unicode MS" panose="020B0604020202020204" pitchFamily="34" charset="-120"/>
+                <a:ea typeface="Droid Sans Mono"/>
+              </a:rPr>
+              <a:t>new</a:t>
+            </a:r>
+            <a:r>
+              <a:rPr kumimoji="0" lang="zh-TW" altLang="zh-TW" sz="1400" b="0" i="0" u="none" strike="noStrike" cap="none" normalizeH="0" baseline="0" dirty="0" smtClean="0">
+                <a:ln>
+                  <a:noFill/>
+                </a:ln>
+                <a:solidFill>
+                  <a:srgbClr val="000000"/>
+                </a:solidFill>
+                <a:effectLst/>
+                <a:latin typeface="Arial Unicode MS" panose="020B0604020202020204" pitchFamily="34" charset="-120"/>
+                <a:ea typeface="Droid Sans Mono"/>
+              </a:rPr>
+              <a:t> </a:t>
+            </a:r>
+            <a:r>
+              <a:rPr kumimoji="0" lang="zh-TW" altLang="zh-TW" sz="1400" b="0" i="0" u="none" strike="noStrike" cap="none" normalizeH="0" baseline="0" dirty="0" smtClean="0">
+                <a:ln>
+                  <a:noFill/>
+                </a:ln>
+                <a:solidFill>
+                  <a:srgbClr val="660066"/>
+                </a:solidFill>
+                <a:effectLst/>
+                <a:latin typeface="Arial Unicode MS" panose="020B0604020202020204" pitchFamily="34" charset="-120"/>
+                <a:ea typeface="Droid Sans Mono"/>
+              </a:rPr>
+              <a:t>Person</a:t>
+            </a:r>
+            <a:r>
+              <a:rPr kumimoji="0" lang="zh-TW" altLang="zh-TW" sz="1400" b="0" i="0" u="none" strike="noStrike" cap="none" normalizeH="0" baseline="0" dirty="0" smtClean="0">
+                <a:ln>
+                  <a:noFill/>
+                </a:ln>
+                <a:solidFill>
+                  <a:srgbClr val="666600"/>
+                </a:solidFill>
+                <a:effectLst/>
+                <a:latin typeface="Arial Unicode MS" panose="020B0604020202020204" pitchFamily="34" charset="-120"/>
+                <a:ea typeface="Droid Sans Mono"/>
+              </a:rPr>
+              <a:t>(</a:t>
+            </a:r>
+            <a:r>
+              <a:rPr kumimoji="0" lang="zh-TW" altLang="zh-TW" sz="1400" b="0" i="0" u="none" strike="noStrike" cap="none" normalizeH="0" baseline="0" dirty="0" smtClean="0">
+                <a:ln>
+                  <a:noFill/>
+                </a:ln>
+                <a:solidFill>
+                  <a:srgbClr val="000000"/>
+                </a:solidFill>
+                <a:effectLst/>
+                <a:latin typeface="Arial Unicode MS" panose="020B0604020202020204" pitchFamily="34" charset="-120"/>
+                <a:ea typeface="Droid Sans Mono"/>
+              </a:rPr>
+              <a:t> </a:t>
+            </a:r>
+            <a:r>
+              <a:rPr kumimoji="0" lang="zh-TW" altLang="zh-TW" sz="1400" b="0" i="0" u="none" strike="noStrike" cap="none" normalizeH="0" baseline="0" dirty="0" smtClean="0">
+                <a:ln>
+                  <a:noFill/>
+                </a:ln>
+                <a:solidFill>
+                  <a:srgbClr val="660066"/>
+                </a:solidFill>
+                <a:effectLst/>
+                <a:latin typeface="Arial Unicode MS" panose="020B0604020202020204" pitchFamily="34" charset="-120"/>
+                <a:ea typeface="Droid Sans Mono"/>
+              </a:rPr>
+              <a:t>String</a:t>
+            </a:r>
+            <a:r>
+              <a:rPr kumimoji="0" lang="zh-TW" altLang="zh-TW" sz="1400" b="0" i="0" u="none" strike="noStrike" cap="none" normalizeH="0" baseline="0" dirty="0" smtClean="0">
+                <a:ln>
+                  <a:noFill/>
+                </a:ln>
+                <a:solidFill>
+                  <a:srgbClr val="666600"/>
+                </a:solidFill>
+                <a:effectLst/>
+                <a:latin typeface="Arial Unicode MS" panose="020B0604020202020204" pitchFamily="34" charset="-120"/>
+                <a:ea typeface="Droid Sans Mono"/>
+              </a:rPr>
+              <a:t>.</a:t>
+            </a:r>
+            <a:r>
+              <a:rPr kumimoji="0" lang="zh-TW" altLang="zh-TW" sz="1400" b="0" i="0" u="none" strike="noStrike" cap="none" normalizeH="0" baseline="0" dirty="0" smtClean="0">
+                <a:ln>
+                  <a:noFill/>
+                </a:ln>
+                <a:solidFill>
+                  <a:srgbClr val="000000"/>
+                </a:solidFill>
+                <a:effectLst/>
+                <a:latin typeface="Arial Unicode MS" panose="020B0604020202020204" pitchFamily="34" charset="-120"/>
+                <a:ea typeface="Droid Sans Mono"/>
+              </a:rPr>
+              <a:t>format</a:t>
+            </a:r>
+            <a:r>
+              <a:rPr kumimoji="0" lang="zh-TW" altLang="zh-TW" sz="1400" b="0" i="0" u="none" strike="noStrike" cap="none" normalizeH="0" baseline="0" dirty="0" smtClean="0">
+                <a:ln>
+                  <a:noFill/>
+                </a:ln>
+                <a:solidFill>
+                  <a:srgbClr val="666600"/>
+                </a:solidFill>
+                <a:effectLst/>
+                <a:latin typeface="Arial Unicode MS" panose="020B0604020202020204" pitchFamily="34" charset="-120"/>
+                <a:ea typeface="Droid Sans Mono"/>
+              </a:rPr>
+              <a:t>(</a:t>
+            </a:r>
+            <a:r>
+              <a:rPr kumimoji="0" lang="zh-TW" altLang="zh-TW" sz="1400" b="0" i="0" u="none" strike="noStrike" cap="none" normalizeH="0" baseline="0" dirty="0" smtClean="0">
+                <a:ln>
+                  <a:noFill/>
+                </a:ln>
+                <a:solidFill>
+                  <a:srgbClr val="000000"/>
+                </a:solidFill>
+                <a:effectLst/>
+                <a:latin typeface="Arial Unicode MS" panose="020B0604020202020204" pitchFamily="34" charset="-120"/>
+                <a:ea typeface="Droid Sans Mono"/>
+              </a:rPr>
+              <a:t> </a:t>
+            </a:r>
+            <a:r>
+              <a:rPr kumimoji="0" lang="zh-TW" altLang="zh-TW" sz="1400" b="0" i="0" u="none" strike="noStrike" cap="none" normalizeH="0" baseline="0" dirty="0" smtClean="0">
+                <a:ln>
+                  <a:noFill/>
+                </a:ln>
+                <a:solidFill>
+                  <a:srgbClr val="008800"/>
+                </a:solidFill>
+                <a:effectLst/>
+                <a:latin typeface="Arial Unicode MS" panose="020B0604020202020204" pitchFamily="34" charset="-120"/>
+                <a:ea typeface="Droid Sans Mono"/>
+              </a:rPr>
+              <a:t>"Person %d"</a:t>
+            </a:r>
+            <a:r>
+              <a:rPr kumimoji="0" lang="zh-TW" altLang="zh-TW" sz="1400" b="0" i="0" u="none" strike="noStrike" cap="none" normalizeH="0" baseline="0" dirty="0" smtClean="0">
+                <a:ln>
+                  <a:noFill/>
+                </a:ln>
+                <a:solidFill>
+                  <a:srgbClr val="666600"/>
+                </a:solidFill>
+                <a:effectLst/>
+                <a:latin typeface="Arial Unicode MS" panose="020B0604020202020204" pitchFamily="34" charset="-120"/>
+                <a:ea typeface="Droid Sans Mono"/>
+              </a:rPr>
+              <a:t>,</a:t>
+            </a:r>
+            <a:r>
+              <a:rPr kumimoji="0" lang="zh-TW" altLang="zh-TW" sz="1400" b="0" i="0" u="none" strike="noStrike" cap="none" normalizeH="0" baseline="0" dirty="0" smtClean="0">
+                <a:ln>
+                  <a:noFill/>
+                </a:ln>
+                <a:solidFill>
+                  <a:srgbClr val="000000"/>
+                </a:solidFill>
+                <a:effectLst/>
+                <a:latin typeface="Arial Unicode MS" panose="020B0604020202020204" pitchFamily="34" charset="-120"/>
+                <a:ea typeface="Droid Sans Mono"/>
+              </a:rPr>
+              <a:t> i </a:t>
+            </a:r>
+            <a:r>
+              <a:rPr kumimoji="0" lang="zh-TW" altLang="zh-TW" sz="1400" b="0" i="0" u="none" strike="noStrike" cap="none" normalizeH="0" baseline="0" dirty="0" smtClean="0">
+                <a:ln>
+                  <a:noFill/>
+                </a:ln>
+                <a:solidFill>
+                  <a:srgbClr val="666600"/>
+                </a:solidFill>
+                <a:effectLst/>
+                <a:latin typeface="Arial Unicode MS" panose="020B0604020202020204" pitchFamily="34" charset="-120"/>
+                <a:ea typeface="Droid Sans Mono"/>
+              </a:rPr>
+              <a:t>)</a:t>
+            </a:r>
+            <a:r>
+              <a:rPr kumimoji="0" lang="zh-TW" altLang="zh-TW" sz="1400" b="0" i="0" u="none" strike="noStrike" cap="none" normalizeH="0" baseline="0" dirty="0" smtClean="0">
+                <a:ln>
+                  <a:noFill/>
+                </a:ln>
+                <a:solidFill>
+                  <a:srgbClr val="000000"/>
+                </a:solidFill>
+                <a:effectLst/>
+                <a:latin typeface="Arial Unicode MS" panose="020B0604020202020204" pitchFamily="34" charset="-120"/>
+                <a:ea typeface="Droid Sans Mono"/>
+              </a:rPr>
+              <a:t> </a:t>
+            </a:r>
+            <a:r>
+              <a:rPr kumimoji="0" lang="zh-TW" altLang="zh-TW" sz="1400" b="0" i="0" u="none" strike="noStrike" cap="none" normalizeH="0" baseline="0" dirty="0" smtClean="0">
+                <a:ln>
+                  <a:noFill/>
+                </a:ln>
+                <a:solidFill>
+                  <a:srgbClr val="666600"/>
+                </a:solidFill>
+                <a:effectLst/>
+                <a:latin typeface="Arial Unicode MS" panose="020B0604020202020204" pitchFamily="34" charset="-120"/>
+                <a:ea typeface="Droid Sans Mono"/>
+              </a:rPr>
+              <a:t>);</a:t>
+            </a:r>
+            <a:r>
+              <a:rPr kumimoji="0" lang="zh-TW" altLang="zh-TW" sz="1400" b="0" i="0" u="none" strike="noStrike" cap="none" normalizeH="0" baseline="0" dirty="0" smtClean="0">
+                <a:ln>
+                  <a:noFill/>
+                </a:ln>
+                <a:solidFill>
+                  <a:srgbClr val="000000"/>
+                </a:solidFill>
+                <a:effectLst/>
+                <a:latin typeface="Arial Unicode MS" panose="020B0604020202020204" pitchFamily="34" charset="-120"/>
+                <a:ea typeface="Droid Sans Mono"/>
+              </a:rPr>
+              <a:t> </a:t>
+            </a:r>
+            <a:endParaRPr kumimoji="0" lang="en-US" altLang="zh-TW" sz="1400" b="0" i="0" u="none" strike="noStrike" cap="none" normalizeH="0" baseline="0" dirty="0" smtClean="0">
+              <a:ln>
+                <a:noFill/>
+              </a:ln>
+              <a:solidFill>
+                <a:srgbClr val="000000"/>
+              </a:solidFill>
+              <a:effectLst/>
+              <a:latin typeface="Arial Unicode MS" panose="020B0604020202020204" pitchFamily="34" charset="-120"/>
+              <a:ea typeface="Droid Sans Mono"/>
+            </a:endParaRPr>
+          </a:p>
+          <a:p>
+            <a:pPr marL="0" marR="0" lvl="0" indent="0" algn="l" defTabSz="914400" rtl="0" eaLnBrk="0" fontAlgn="base" latinLnBrk="0" hangingPunct="0">
+              <a:lnSpc>
+                <a:spcPct val="100000"/>
+              </a:lnSpc>
+              <a:spcBef>
+                <a:spcPct val="0"/>
+              </a:spcBef>
+              <a:spcAft>
+                <a:spcPct val="0"/>
+              </a:spcAft>
+              <a:buClrTx/>
+              <a:buSzTx/>
+              <a:buFontTx/>
+              <a:buNone/>
+              <a:tabLst/>
+            </a:pPr>
+            <a:r>
+              <a:rPr kumimoji="0" lang="en-US" altLang="zh-TW" sz="1400" b="0" i="0" u="none" strike="noStrike" cap="none" normalizeH="0" baseline="0" dirty="0" smtClean="0">
+                <a:ln>
+                  <a:noFill/>
+                </a:ln>
+                <a:solidFill>
+                  <a:srgbClr val="000000"/>
+                </a:solidFill>
+                <a:effectLst/>
+                <a:latin typeface="Arial Unicode MS" panose="020B0604020202020204" pitchFamily="34" charset="-120"/>
+                <a:ea typeface="Droid Sans Mono"/>
+              </a:rPr>
+              <a:t>        </a:t>
+            </a:r>
+            <a:r>
+              <a:rPr kumimoji="0" lang="zh-TW" altLang="zh-TW" sz="1400" b="0" i="0" u="none" strike="noStrike" cap="none" normalizeH="0" baseline="0" dirty="0" smtClean="0">
+                <a:ln>
+                  <a:noFill/>
+                </a:ln>
+                <a:solidFill>
+                  <a:srgbClr val="000000"/>
+                </a:solidFill>
+                <a:effectLst/>
+                <a:latin typeface="Arial Unicode MS" panose="020B0604020202020204" pitchFamily="34" charset="-120"/>
+                <a:ea typeface="Droid Sans Mono"/>
+              </a:rPr>
+              <a:t>entityManager</a:t>
+            </a:r>
+            <a:r>
+              <a:rPr kumimoji="0" lang="zh-TW" altLang="zh-TW" sz="1400" b="0" i="0" u="none" strike="noStrike" cap="none" normalizeH="0" baseline="0" dirty="0" smtClean="0">
+                <a:ln>
+                  <a:noFill/>
+                </a:ln>
+                <a:solidFill>
+                  <a:srgbClr val="666600"/>
+                </a:solidFill>
+                <a:effectLst/>
+                <a:latin typeface="Arial Unicode MS" panose="020B0604020202020204" pitchFamily="34" charset="-120"/>
+                <a:ea typeface="Droid Sans Mono"/>
+              </a:rPr>
+              <a:t>.</a:t>
+            </a:r>
+            <a:r>
+              <a:rPr kumimoji="0" lang="zh-TW" altLang="zh-TW" sz="1400" b="0" i="0" u="none" strike="noStrike" cap="none" normalizeH="0" baseline="0" dirty="0" smtClean="0">
+                <a:ln>
+                  <a:noFill/>
+                </a:ln>
+                <a:solidFill>
+                  <a:srgbClr val="000000"/>
+                </a:solidFill>
+                <a:effectLst/>
+                <a:latin typeface="Arial Unicode MS" panose="020B0604020202020204" pitchFamily="34" charset="-120"/>
+                <a:ea typeface="Droid Sans Mono"/>
+              </a:rPr>
+              <a:t>persist</a:t>
+            </a:r>
+            <a:r>
+              <a:rPr kumimoji="0" lang="zh-TW" altLang="zh-TW" sz="1400" b="0" i="0" u="none" strike="noStrike" cap="none" normalizeH="0" baseline="0" dirty="0" smtClean="0">
+                <a:ln>
+                  <a:noFill/>
+                </a:ln>
+                <a:solidFill>
+                  <a:srgbClr val="666600"/>
+                </a:solidFill>
+                <a:effectLst/>
+                <a:latin typeface="Arial Unicode MS" panose="020B0604020202020204" pitchFamily="34" charset="-120"/>
+                <a:ea typeface="Droid Sans Mono"/>
+              </a:rPr>
+              <a:t>(</a:t>
+            </a:r>
+            <a:r>
+              <a:rPr kumimoji="0" lang="zh-TW" altLang="zh-TW" sz="1400" b="0" i="0" u="none" strike="noStrike" cap="none" normalizeH="0" baseline="0" dirty="0" smtClean="0">
+                <a:ln>
+                  <a:noFill/>
+                </a:ln>
+                <a:solidFill>
+                  <a:srgbClr val="000000"/>
+                </a:solidFill>
+                <a:effectLst/>
+                <a:latin typeface="Arial Unicode MS" panose="020B0604020202020204" pitchFamily="34" charset="-120"/>
+                <a:ea typeface="Droid Sans Mono"/>
+              </a:rPr>
+              <a:t> </a:t>
+            </a:r>
+            <a:r>
+              <a:rPr kumimoji="0" lang="zh-TW" altLang="zh-TW" sz="1400" b="0" i="0" u="none" strike="noStrike" cap="none" normalizeH="0" baseline="0" dirty="0" smtClean="0">
+                <a:ln>
+                  <a:noFill/>
+                </a:ln>
+                <a:solidFill>
+                  <a:srgbClr val="660066"/>
+                </a:solidFill>
+                <a:effectLst/>
+                <a:latin typeface="Arial Unicode MS" panose="020B0604020202020204" pitchFamily="34" charset="-120"/>
+                <a:ea typeface="Droid Sans Mono"/>
+              </a:rPr>
+              <a:t>Person</a:t>
+            </a:r>
+            <a:r>
+              <a:rPr kumimoji="0" lang="zh-TW" altLang="zh-TW" sz="1400" b="0" i="0" u="none" strike="noStrike" cap="none" normalizeH="0" baseline="0" dirty="0" smtClean="0">
+                <a:ln>
+                  <a:noFill/>
+                </a:ln>
+                <a:solidFill>
+                  <a:srgbClr val="000000"/>
+                </a:solidFill>
+                <a:effectLst/>
+                <a:latin typeface="Arial Unicode MS" panose="020B0604020202020204" pitchFamily="34" charset="-120"/>
+                <a:ea typeface="Droid Sans Mono"/>
+              </a:rPr>
+              <a:t> </a:t>
+            </a:r>
+            <a:r>
+              <a:rPr kumimoji="0" lang="zh-TW" altLang="zh-TW" sz="1400" b="0" i="0" u="none" strike="noStrike" cap="none" normalizeH="0" baseline="0" dirty="0" smtClean="0">
+                <a:ln>
+                  <a:noFill/>
+                </a:ln>
+                <a:solidFill>
+                  <a:srgbClr val="666600"/>
+                </a:solidFill>
+                <a:effectLst/>
+                <a:latin typeface="Arial Unicode MS" panose="020B0604020202020204" pitchFamily="34" charset="-120"/>
+                <a:ea typeface="Droid Sans Mono"/>
+              </a:rPr>
+              <a:t>);</a:t>
+            </a:r>
+            <a:r>
+              <a:rPr kumimoji="0" lang="zh-TW" altLang="zh-TW" sz="1400" b="0" i="0" u="none" strike="noStrike" cap="none" normalizeH="0" baseline="0" dirty="0" smtClean="0">
+                <a:ln>
+                  <a:noFill/>
+                </a:ln>
+                <a:solidFill>
+                  <a:srgbClr val="000000"/>
+                </a:solidFill>
+                <a:effectLst/>
+                <a:latin typeface="Arial Unicode MS" panose="020B0604020202020204" pitchFamily="34" charset="-120"/>
+                <a:ea typeface="Droid Sans Mono"/>
+              </a:rPr>
+              <a:t> </a:t>
+            </a:r>
+            <a:endParaRPr kumimoji="0" lang="en-US" altLang="zh-TW" sz="1400" b="0" i="0" u="none" strike="noStrike" cap="none" normalizeH="0" baseline="0" dirty="0" smtClean="0">
+              <a:ln>
+                <a:noFill/>
+              </a:ln>
+              <a:solidFill>
+                <a:srgbClr val="000000"/>
+              </a:solidFill>
+              <a:effectLst/>
+              <a:latin typeface="Arial Unicode MS" panose="020B0604020202020204" pitchFamily="34" charset="-120"/>
+              <a:ea typeface="Droid Sans Mono"/>
+            </a:endParaRPr>
+          </a:p>
+          <a:p>
+            <a:pPr marL="0" marR="0" lvl="0" indent="0" algn="l" defTabSz="914400" rtl="0" eaLnBrk="0" fontAlgn="base" latinLnBrk="0" hangingPunct="0">
+              <a:lnSpc>
+                <a:spcPct val="100000"/>
+              </a:lnSpc>
+              <a:spcBef>
+                <a:spcPct val="0"/>
+              </a:spcBef>
+              <a:spcAft>
+                <a:spcPct val="0"/>
+              </a:spcAft>
+              <a:buClrTx/>
+              <a:buSzTx/>
+              <a:buFontTx/>
+              <a:buNone/>
+              <a:tabLst/>
+            </a:pPr>
+            <a:r>
+              <a:rPr lang="en-US" altLang="zh-TW" sz="1400" dirty="0">
+                <a:solidFill>
+                  <a:srgbClr val="000000"/>
+                </a:solidFill>
+                <a:latin typeface="Arial Unicode MS" panose="020B0604020202020204" pitchFamily="34" charset="-120"/>
+                <a:ea typeface="Droid Sans Mono"/>
+              </a:rPr>
+              <a:t> </a:t>
+            </a:r>
+            <a:r>
+              <a:rPr lang="en-US" altLang="zh-TW" sz="1400" dirty="0" smtClean="0">
+                <a:solidFill>
+                  <a:srgbClr val="000000"/>
+                </a:solidFill>
+                <a:latin typeface="Arial Unicode MS" panose="020B0604020202020204" pitchFamily="34" charset="-120"/>
+                <a:ea typeface="Droid Sans Mono"/>
+              </a:rPr>
+              <a:t>   </a:t>
+            </a:r>
+            <a:r>
+              <a:rPr kumimoji="0" lang="zh-TW" altLang="zh-TW" sz="1400" b="0" i="0" u="none" strike="noStrike" cap="none" normalizeH="0" baseline="0" dirty="0" smtClean="0">
+                <a:ln>
+                  <a:noFill/>
+                </a:ln>
+                <a:solidFill>
+                  <a:srgbClr val="666600"/>
+                </a:solidFill>
+                <a:effectLst/>
+                <a:latin typeface="Arial Unicode MS" panose="020B0604020202020204" pitchFamily="34" charset="-120"/>
+                <a:ea typeface="Droid Sans Mono"/>
+              </a:rPr>
+              <a:t>}</a:t>
+            </a:r>
+            <a:r>
+              <a:rPr kumimoji="0" lang="zh-TW" altLang="zh-TW" sz="1400" b="0" i="0" u="none" strike="noStrike" cap="none" normalizeH="0" baseline="0" dirty="0" smtClean="0">
+                <a:ln>
+                  <a:noFill/>
+                </a:ln>
+                <a:solidFill>
+                  <a:srgbClr val="000000"/>
+                </a:solidFill>
+                <a:effectLst/>
+                <a:latin typeface="Arial Unicode MS" panose="020B0604020202020204" pitchFamily="34" charset="-120"/>
+                <a:ea typeface="Droid Sans Mono"/>
+              </a:rPr>
+              <a:t> </a:t>
+            </a:r>
+            <a:endParaRPr kumimoji="0" lang="en-US" altLang="zh-TW" sz="1400" b="0" i="0" u="none" strike="noStrike" cap="none" normalizeH="0" baseline="0" dirty="0" smtClean="0">
+              <a:ln>
+                <a:noFill/>
+              </a:ln>
+              <a:solidFill>
+                <a:srgbClr val="000000"/>
+              </a:solidFill>
+              <a:effectLst/>
+              <a:latin typeface="Arial Unicode MS" panose="020B0604020202020204" pitchFamily="34" charset="-120"/>
+              <a:ea typeface="Droid Sans Mono"/>
+            </a:endParaRPr>
+          </a:p>
+          <a:p>
+            <a:pPr marL="0" marR="0" lvl="0" indent="0" algn="l" defTabSz="914400" rtl="0" eaLnBrk="0" fontAlgn="base" latinLnBrk="0" hangingPunct="0">
+              <a:lnSpc>
+                <a:spcPct val="100000"/>
+              </a:lnSpc>
+              <a:spcBef>
+                <a:spcPct val="0"/>
+              </a:spcBef>
+              <a:spcAft>
+                <a:spcPct val="0"/>
+              </a:spcAft>
+              <a:buClrTx/>
+              <a:buSzTx/>
+              <a:buFontTx/>
+              <a:buNone/>
+              <a:tabLst/>
+            </a:pPr>
+            <a:r>
+              <a:rPr kumimoji="0" lang="en-US" altLang="zh-TW" sz="1400" b="0" i="0" u="none" strike="noStrike" cap="none" normalizeH="0" baseline="0" dirty="0" smtClean="0">
+                <a:ln>
+                  <a:noFill/>
+                </a:ln>
+                <a:solidFill>
+                  <a:srgbClr val="000000"/>
+                </a:solidFill>
+                <a:effectLst/>
+                <a:latin typeface="Arial Unicode MS" panose="020B0604020202020204" pitchFamily="34" charset="-120"/>
+                <a:ea typeface="Droid Sans Mono"/>
+              </a:rPr>
+              <a:t>    </a:t>
+            </a:r>
+            <a:r>
+              <a:rPr kumimoji="0" lang="zh-TW" altLang="zh-TW" sz="1400" b="0" i="0" u="none" strike="noStrike" cap="none" normalizeH="0" baseline="0" dirty="0" smtClean="0">
+                <a:ln>
+                  <a:noFill/>
+                </a:ln>
+                <a:solidFill>
+                  <a:srgbClr val="000000"/>
+                </a:solidFill>
+                <a:effectLst/>
+                <a:latin typeface="Arial Unicode MS" panose="020B0604020202020204" pitchFamily="34" charset="-120"/>
+                <a:ea typeface="Droid Sans Mono"/>
+              </a:rPr>
+              <a:t>txn</a:t>
+            </a:r>
+            <a:r>
+              <a:rPr kumimoji="0" lang="zh-TW" altLang="zh-TW" sz="1400" b="0" i="0" u="none" strike="noStrike" cap="none" normalizeH="0" baseline="0" dirty="0" smtClean="0">
+                <a:ln>
+                  <a:noFill/>
+                </a:ln>
+                <a:solidFill>
+                  <a:srgbClr val="666600"/>
+                </a:solidFill>
+                <a:effectLst/>
+                <a:latin typeface="Arial Unicode MS" panose="020B0604020202020204" pitchFamily="34" charset="-120"/>
+                <a:ea typeface="Droid Sans Mono"/>
+              </a:rPr>
+              <a:t>.</a:t>
+            </a:r>
+            <a:r>
+              <a:rPr kumimoji="0" lang="zh-TW" altLang="zh-TW" sz="1400" b="0" i="0" u="none" strike="noStrike" cap="none" normalizeH="0" baseline="0" dirty="0" smtClean="0">
+                <a:ln>
+                  <a:noFill/>
+                </a:ln>
+                <a:solidFill>
+                  <a:srgbClr val="000000"/>
+                </a:solidFill>
+                <a:effectLst/>
+                <a:latin typeface="Arial Unicode MS" panose="020B0604020202020204" pitchFamily="34" charset="-120"/>
+                <a:ea typeface="Droid Sans Mono"/>
+              </a:rPr>
+              <a:t>commit</a:t>
+            </a:r>
+            <a:r>
+              <a:rPr kumimoji="0" lang="zh-TW" altLang="zh-TW" sz="1400" b="0" i="0" u="none" strike="noStrike" cap="none" normalizeH="0" baseline="0" dirty="0" smtClean="0">
+                <a:ln>
+                  <a:noFill/>
+                </a:ln>
+                <a:solidFill>
+                  <a:srgbClr val="666600"/>
+                </a:solidFill>
+                <a:effectLst/>
+                <a:latin typeface="Arial Unicode MS" panose="020B0604020202020204" pitchFamily="34" charset="-120"/>
+                <a:ea typeface="Droid Sans Mono"/>
+              </a:rPr>
+              <a:t>();</a:t>
+            </a:r>
+            <a:r>
+              <a:rPr kumimoji="0" lang="zh-TW" altLang="zh-TW" sz="1400" b="0" i="0" u="none" strike="noStrike" cap="none" normalizeH="0" baseline="0" dirty="0" smtClean="0">
+                <a:ln>
+                  <a:noFill/>
+                </a:ln>
+                <a:solidFill>
+                  <a:srgbClr val="000000"/>
+                </a:solidFill>
+                <a:effectLst/>
+                <a:latin typeface="Arial Unicode MS" panose="020B0604020202020204" pitchFamily="34" charset="-120"/>
+                <a:ea typeface="Droid Sans Mono"/>
+              </a:rPr>
+              <a:t> </a:t>
+            </a:r>
+            <a:endParaRPr kumimoji="0" lang="en-US" altLang="zh-TW" sz="1400" b="0" i="0" u="none" strike="noStrike" cap="none" normalizeH="0" baseline="0" dirty="0" smtClean="0">
+              <a:ln>
+                <a:noFill/>
+              </a:ln>
+              <a:solidFill>
+                <a:srgbClr val="000000"/>
+              </a:solidFill>
+              <a:effectLst/>
+              <a:latin typeface="Arial Unicode MS" panose="020B0604020202020204" pitchFamily="34" charset="-120"/>
+              <a:ea typeface="Droid Sans Mono"/>
+            </a:endParaRPr>
+          </a:p>
+          <a:p>
+            <a:pPr marL="0" marR="0" lvl="0" indent="0" algn="l" defTabSz="914400" rtl="0" eaLnBrk="0" fontAlgn="base" latinLnBrk="0" hangingPunct="0">
+              <a:lnSpc>
+                <a:spcPct val="100000"/>
+              </a:lnSpc>
+              <a:spcBef>
+                <a:spcPct val="0"/>
+              </a:spcBef>
+              <a:spcAft>
+                <a:spcPct val="0"/>
+              </a:spcAft>
+              <a:buClrTx/>
+              <a:buSzTx/>
+              <a:buFontTx/>
+              <a:buNone/>
+              <a:tabLst/>
+            </a:pPr>
+            <a:r>
+              <a:rPr lang="en-US" altLang="zh-TW" sz="1400" dirty="0">
+                <a:solidFill>
+                  <a:srgbClr val="000000"/>
+                </a:solidFill>
+                <a:latin typeface="Arial Unicode MS" panose="020B0604020202020204" pitchFamily="34" charset="-120"/>
+                <a:ea typeface="Droid Sans Mono"/>
+              </a:rPr>
+              <a:t> </a:t>
+            </a:r>
+            <a:r>
+              <a:rPr kumimoji="0" lang="zh-TW" altLang="zh-TW" sz="1400" b="0" i="0" u="none" strike="noStrike" cap="none" normalizeH="0" baseline="0" dirty="0" smtClean="0">
+                <a:ln>
+                  <a:noFill/>
+                </a:ln>
+                <a:solidFill>
+                  <a:srgbClr val="666600"/>
+                </a:solidFill>
+                <a:effectLst/>
+                <a:latin typeface="Arial Unicode MS" panose="020B0604020202020204" pitchFamily="34" charset="-120"/>
+                <a:ea typeface="Droid Sans Mono"/>
+              </a:rPr>
+              <a:t>}</a:t>
+            </a:r>
+            <a:r>
+              <a:rPr kumimoji="0" lang="zh-TW" altLang="zh-TW" sz="1400" b="0" i="0" u="none" strike="noStrike" cap="none" normalizeH="0" baseline="0" dirty="0" smtClean="0">
+                <a:ln>
+                  <a:noFill/>
+                </a:ln>
+                <a:solidFill>
+                  <a:srgbClr val="000000"/>
+                </a:solidFill>
+                <a:effectLst/>
+                <a:latin typeface="Arial Unicode MS" panose="020B0604020202020204" pitchFamily="34" charset="-120"/>
+                <a:ea typeface="Droid Sans Mono"/>
+              </a:rPr>
+              <a:t> </a:t>
+            </a:r>
+            <a:endParaRPr kumimoji="0" lang="en-US" altLang="zh-TW" sz="1400" b="0" i="0" u="none" strike="noStrike" cap="none" normalizeH="0" baseline="0" dirty="0" smtClean="0">
+              <a:ln>
+                <a:noFill/>
+              </a:ln>
+              <a:solidFill>
+                <a:srgbClr val="000000"/>
+              </a:solidFill>
+              <a:effectLst/>
+              <a:latin typeface="Arial Unicode MS" panose="020B0604020202020204" pitchFamily="34" charset="-120"/>
+              <a:ea typeface="Droid Sans Mono"/>
+            </a:endParaRPr>
+          </a:p>
+          <a:p>
+            <a:pPr marL="0" marR="0" lvl="0" indent="0" algn="l" defTabSz="914400" rtl="0" eaLnBrk="0" fontAlgn="base" latinLnBrk="0" hangingPunct="0">
+              <a:lnSpc>
+                <a:spcPct val="100000"/>
+              </a:lnSpc>
+              <a:spcBef>
+                <a:spcPct val="0"/>
+              </a:spcBef>
+              <a:spcAft>
+                <a:spcPct val="0"/>
+              </a:spcAft>
+              <a:buClrTx/>
+              <a:buSzTx/>
+              <a:buFontTx/>
+              <a:buNone/>
+              <a:tabLst/>
+            </a:pPr>
+            <a:r>
+              <a:rPr kumimoji="0" lang="en-US" altLang="zh-TW" sz="1400" b="0" i="0" u="none" strike="noStrike" cap="none" normalizeH="0" baseline="0" dirty="0" smtClean="0">
+                <a:ln>
+                  <a:noFill/>
+                </a:ln>
+                <a:solidFill>
+                  <a:srgbClr val="000088"/>
+                </a:solidFill>
+                <a:effectLst/>
+                <a:latin typeface="Arial Unicode MS" panose="020B0604020202020204" pitchFamily="34" charset="-120"/>
+                <a:ea typeface="Droid Sans Mono"/>
+              </a:rPr>
+              <a:t> </a:t>
+            </a:r>
+            <a:r>
+              <a:rPr kumimoji="0" lang="zh-TW" altLang="zh-TW" sz="1400" b="0" i="0" u="none" strike="noStrike" cap="none" normalizeH="0" baseline="0" dirty="0" smtClean="0">
+                <a:ln>
+                  <a:noFill/>
+                </a:ln>
+                <a:solidFill>
+                  <a:srgbClr val="000088"/>
+                </a:solidFill>
+                <a:effectLst/>
+                <a:latin typeface="Arial Unicode MS" panose="020B0604020202020204" pitchFamily="34" charset="-120"/>
+                <a:ea typeface="Droid Sans Mono"/>
+              </a:rPr>
+              <a:t>catch</a:t>
+            </a:r>
+            <a:r>
+              <a:rPr kumimoji="0" lang="zh-TW" altLang="zh-TW" sz="1400" b="0" i="0" u="none" strike="noStrike" cap="none" normalizeH="0" baseline="0" dirty="0" smtClean="0">
+                <a:ln>
+                  <a:noFill/>
+                </a:ln>
+                <a:solidFill>
+                  <a:srgbClr val="000000"/>
+                </a:solidFill>
+                <a:effectLst/>
+                <a:latin typeface="Arial Unicode MS" panose="020B0604020202020204" pitchFamily="34" charset="-120"/>
+                <a:ea typeface="Droid Sans Mono"/>
+              </a:rPr>
+              <a:t> </a:t>
+            </a:r>
+            <a:r>
+              <a:rPr kumimoji="0" lang="zh-TW" altLang="zh-TW" sz="1400" b="0" i="0" u="none" strike="noStrike" cap="none" normalizeH="0" baseline="0" dirty="0" smtClean="0">
+                <a:ln>
+                  <a:noFill/>
+                </a:ln>
+                <a:solidFill>
+                  <a:srgbClr val="666600"/>
+                </a:solidFill>
+                <a:effectLst/>
+                <a:latin typeface="Arial Unicode MS" panose="020B0604020202020204" pitchFamily="34" charset="-120"/>
+                <a:ea typeface="Droid Sans Mono"/>
+              </a:rPr>
+              <a:t>(</a:t>
+            </a:r>
+            <a:r>
+              <a:rPr kumimoji="0" lang="zh-TW" altLang="zh-TW" sz="1400" b="0" i="0" u="none" strike="noStrike" cap="none" normalizeH="0" baseline="0" dirty="0" smtClean="0">
+                <a:ln>
+                  <a:noFill/>
+                </a:ln>
+                <a:solidFill>
+                  <a:srgbClr val="660066"/>
+                </a:solidFill>
+                <a:effectLst/>
+                <a:latin typeface="Arial Unicode MS" panose="020B0604020202020204" pitchFamily="34" charset="-120"/>
+                <a:ea typeface="Droid Sans Mono"/>
+              </a:rPr>
+              <a:t>RuntimeException</a:t>
+            </a:r>
+            <a:r>
+              <a:rPr kumimoji="0" lang="zh-TW" altLang="zh-TW" sz="1400" b="0" i="0" u="none" strike="noStrike" cap="none" normalizeH="0" baseline="0" dirty="0" smtClean="0">
+                <a:ln>
+                  <a:noFill/>
+                </a:ln>
+                <a:solidFill>
+                  <a:srgbClr val="000000"/>
+                </a:solidFill>
+                <a:effectLst/>
+                <a:latin typeface="Arial Unicode MS" panose="020B0604020202020204" pitchFamily="34" charset="-120"/>
+                <a:ea typeface="Droid Sans Mono"/>
+              </a:rPr>
+              <a:t> e</a:t>
+            </a:r>
+            <a:r>
+              <a:rPr kumimoji="0" lang="zh-TW" altLang="zh-TW" sz="1400" b="0" i="0" u="none" strike="noStrike" cap="none" normalizeH="0" baseline="0" dirty="0" smtClean="0">
+                <a:ln>
+                  <a:noFill/>
+                </a:ln>
+                <a:solidFill>
+                  <a:srgbClr val="666600"/>
+                </a:solidFill>
+                <a:effectLst/>
+                <a:latin typeface="Arial Unicode MS" panose="020B0604020202020204" pitchFamily="34" charset="-120"/>
+                <a:ea typeface="Droid Sans Mono"/>
+              </a:rPr>
+              <a:t>)</a:t>
+            </a:r>
+            <a:r>
+              <a:rPr kumimoji="0" lang="zh-TW" altLang="zh-TW" sz="1400" b="0" i="0" u="none" strike="noStrike" cap="none" normalizeH="0" baseline="0" dirty="0" smtClean="0">
+                <a:ln>
+                  <a:noFill/>
+                </a:ln>
+                <a:solidFill>
+                  <a:srgbClr val="000000"/>
+                </a:solidFill>
+                <a:effectLst/>
+                <a:latin typeface="Arial Unicode MS" panose="020B0604020202020204" pitchFamily="34" charset="-120"/>
+                <a:ea typeface="Droid Sans Mono"/>
+              </a:rPr>
+              <a:t> </a:t>
+            </a:r>
+            <a:r>
+              <a:rPr kumimoji="0" lang="zh-TW" altLang="zh-TW" sz="1400" b="0" i="0" u="none" strike="noStrike" cap="none" normalizeH="0" baseline="0" dirty="0" smtClean="0">
+                <a:ln>
+                  <a:noFill/>
+                </a:ln>
+                <a:solidFill>
+                  <a:srgbClr val="666600"/>
+                </a:solidFill>
+                <a:effectLst/>
+                <a:latin typeface="Arial Unicode MS" panose="020B0604020202020204" pitchFamily="34" charset="-120"/>
+                <a:ea typeface="Droid Sans Mono"/>
+              </a:rPr>
+              <a:t>{</a:t>
+            </a:r>
+            <a:r>
+              <a:rPr kumimoji="0" lang="zh-TW" altLang="zh-TW" sz="1400" b="0" i="0" u="none" strike="noStrike" cap="none" normalizeH="0" baseline="0" dirty="0" smtClean="0">
+                <a:ln>
+                  <a:noFill/>
+                </a:ln>
+                <a:solidFill>
+                  <a:srgbClr val="000000"/>
+                </a:solidFill>
+                <a:effectLst/>
+                <a:latin typeface="Arial Unicode MS" panose="020B0604020202020204" pitchFamily="34" charset="-120"/>
+                <a:ea typeface="Droid Sans Mono"/>
+              </a:rPr>
+              <a:t> </a:t>
+            </a:r>
+            <a:endParaRPr kumimoji="0" lang="en-US" altLang="zh-TW" sz="1400" b="0" i="0" u="none" strike="noStrike" cap="none" normalizeH="0" baseline="0" dirty="0" smtClean="0">
+              <a:ln>
+                <a:noFill/>
+              </a:ln>
+              <a:solidFill>
+                <a:srgbClr val="000000"/>
+              </a:solidFill>
+              <a:effectLst/>
+              <a:latin typeface="Arial Unicode MS" panose="020B0604020202020204" pitchFamily="34" charset="-120"/>
+              <a:ea typeface="Droid Sans Mono"/>
+            </a:endParaRPr>
+          </a:p>
+          <a:p>
+            <a:pPr marL="0" marR="0" lvl="0" indent="0" algn="l" defTabSz="914400" rtl="0" eaLnBrk="0" fontAlgn="base" latinLnBrk="0" hangingPunct="0">
+              <a:lnSpc>
+                <a:spcPct val="100000"/>
+              </a:lnSpc>
+              <a:spcBef>
+                <a:spcPct val="0"/>
+              </a:spcBef>
+              <a:spcAft>
+                <a:spcPct val="0"/>
+              </a:spcAft>
+              <a:buClrTx/>
+              <a:buSzTx/>
+              <a:buFontTx/>
+              <a:buNone/>
+              <a:tabLst/>
+            </a:pPr>
+            <a:r>
+              <a:rPr kumimoji="0" lang="en-US" altLang="zh-TW" sz="1400" b="0" i="0" u="none" strike="noStrike" cap="none" normalizeH="0" baseline="0" dirty="0" smtClean="0">
+                <a:ln>
+                  <a:noFill/>
+                </a:ln>
+                <a:solidFill>
+                  <a:srgbClr val="000088"/>
+                </a:solidFill>
+                <a:effectLst/>
+                <a:latin typeface="Arial Unicode MS" panose="020B0604020202020204" pitchFamily="34" charset="-120"/>
+                <a:ea typeface="Droid Sans Mono"/>
+              </a:rPr>
+              <a:t>    </a:t>
+            </a:r>
+            <a:r>
+              <a:rPr kumimoji="0" lang="zh-TW" altLang="zh-TW" sz="1400" b="0" i="0" u="none" strike="noStrike" cap="none" normalizeH="0" baseline="0" dirty="0" smtClean="0">
+                <a:ln>
+                  <a:noFill/>
+                </a:ln>
+                <a:solidFill>
+                  <a:srgbClr val="000088"/>
+                </a:solidFill>
+                <a:effectLst/>
+                <a:latin typeface="Arial Unicode MS" panose="020B0604020202020204" pitchFamily="34" charset="-120"/>
+                <a:ea typeface="Droid Sans Mono"/>
+              </a:rPr>
+              <a:t>if</a:t>
+            </a:r>
+            <a:r>
+              <a:rPr kumimoji="0" lang="zh-TW" altLang="zh-TW" sz="1400" b="0" i="0" u="none" strike="noStrike" cap="none" normalizeH="0" baseline="0" dirty="0" smtClean="0">
+                <a:ln>
+                  <a:noFill/>
+                </a:ln>
+                <a:solidFill>
+                  <a:srgbClr val="000000"/>
+                </a:solidFill>
+                <a:effectLst/>
+                <a:latin typeface="Arial Unicode MS" panose="020B0604020202020204" pitchFamily="34" charset="-120"/>
+                <a:ea typeface="Droid Sans Mono"/>
+              </a:rPr>
+              <a:t> </a:t>
+            </a:r>
+            <a:r>
+              <a:rPr kumimoji="0" lang="zh-TW" altLang="zh-TW" sz="1400" b="0" i="0" u="none" strike="noStrike" cap="none" normalizeH="0" baseline="0" dirty="0" smtClean="0">
+                <a:ln>
+                  <a:noFill/>
+                </a:ln>
+                <a:solidFill>
+                  <a:srgbClr val="666600"/>
+                </a:solidFill>
+                <a:effectLst/>
+                <a:latin typeface="Arial Unicode MS" panose="020B0604020202020204" pitchFamily="34" charset="-120"/>
+                <a:ea typeface="Droid Sans Mono"/>
+              </a:rPr>
+              <a:t>(</a:t>
+            </a:r>
+            <a:r>
+              <a:rPr kumimoji="0" lang="zh-TW" altLang="zh-TW" sz="1400" b="0" i="0" u="none" strike="noStrike" cap="none" normalizeH="0" baseline="0" dirty="0" smtClean="0">
+                <a:ln>
+                  <a:noFill/>
+                </a:ln>
+                <a:solidFill>
+                  <a:srgbClr val="000000"/>
+                </a:solidFill>
+                <a:effectLst/>
+                <a:latin typeface="Arial Unicode MS" panose="020B0604020202020204" pitchFamily="34" charset="-120"/>
+                <a:ea typeface="Droid Sans Mono"/>
+              </a:rPr>
+              <a:t> txn </a:t>
+            </a:r>
+            <a:r>
+              <a:rPr kumimoji="0" lang="zh-TW" altLang="zh-TW" sz="1400" b="0" i="0" u="none" strike="noStrike" cap="none" normalizeH="0" baseline="0" dirty="0" smtClean="0">
+                <a:ln>
+                  <a:noFill/>
+                </a:ln>
+                <a:solidFill>
+                  <a:srgbClr val="666600"/>
+                </a:solidFill>
+                <a:effectLst/>
+                <a:latin typeface="Arial Unicode MS" panose="020B0604020202020204" pitchFamily="34" charset="-120"/>
+                <a:ea typeface="Droid Sans Mono"/>
+              </a:rPr>
+              <a:t>!=</a:t>
+            </a:r>
+            <a:r>
+              <a:rPr kumimoji="0" lang="zh-TW" altLang="zh-TW" sz="1400" b="0" i="0" u="none" strike="noStrike" cap="none" normalizeH="0" baseline="0" dirty="0" smtClean="0">
+                <a:ln>
+                  <a:noFill/>
+                </a:ln>
+                <a:solidFill>
+                  <a:srgbClr val="000000"/>
+                </a:solidFill>
+                <a:effectLst/>
+                <a:latin typeface="Arial Unicode MS" panose="020B0604020202020204" pitchFamily="34" charset="-120"/>
+                <a:ea typeface="Droid Sans Mono"/>
+              </a:rPr>
+              <a:t> </a:t>
+            </a:r>
+            <a:r>
+              <a:rPr kumimoji="0" lang="zh-TW" altLang="zh-TW" sz="1400" b="0" i="0" u="none" strike="noStrike" cap="none" normalizeH="0" baseline="0" dirty="0" smtClean="0">
+                <a:ln>
+                  <a:noFill/>
+                </a:ln>
+                <a:solidFill>
+                  <a:srgbClr val="000088"/>
+                </a:solidFill>
+                <a:effectLst/>
+                <a:latin typeface="Arial Unicode MS" panose="020B0604020202020204" pitchFamily="34" charset="-120"/>
+                <a:ea typeface="Droid Sans Mono"/>
+              </a:rPr>
+              <a:t>null</a:t>
+            </a:r>
+            <a:r>
+              <a:rPr kumimoji="0" lang="zh-TW" altLang="zh-TW" sz="1400" b="0" i="0" u="none" strike="noStrike" cap="none" normalizeH="0" baseline="0" dirty="0" smtClean="0">
+                <a:ln>
+                  <a:noFill/>
+                </a:ln>
+                <a:solidFill>
+                  <a:srgbClr val="000000"/>
+                </a:solidFill>
+                <a:effectLst/>
+                <a:latin typeface="Arial Unicode MS" panose="020B0604020202020204" pitchFamily="34" charset="-120"/>
+                <a:ea typeface="Droid Sans Mono"/>
+              </a:rPr>
+              <a:t> </a:t>
+            </a:r>
+            <a:r>
+              <a:rPr kumimoji="0" lang="zh-TW" altLang="zh-TW" sz="1400" b="0" i="0" u="none" strike="noStrike" cap="none" normalizeH="0" baseline="0" dirty="0" smtClean="0">
+                <a:ln>
+                  <a:noFill/>
+                </a:ln>
+                <a:solidFill>
+                  <a:srgbClr val="666600"/>
+                </a:solidFill>
+                <a:effectLst/>
+                <a:latin typeface="Arial Unicode MS" panose="020B0604020202020204" pitchFamily="34" charset="-120"/>
+                <a:ea typeface="Droid Sans Mono"/>
+              </a:rPr>
+              <a:t>&amp;&amp;</a:t>
+            </a:r>
+            <a:r>
+              <a:rPr kumimoji="0" lang="zh-TW" altLang="zh-TW" sz="1400" b="0" i="0" u="none" strike="noStrike" cap="none" normalizeH="0" baseline="0" dirty="0" smtClean="0">
+                <a:ln>
+                  <a:noFill/>
+                </a:ln>
+                <a:solidFill>
+                  <a:srgbClr val="000000"/>
+                </a:solidFill>
+                <a:effectLst/>
+                <a:latin typeface="Arial Unicode MS" panose="020B0604020202020204" pitchFamily="34" charset="-120"/>
+                <a:ea typeface="Droid Sans Mono"/>
+              </a:rPr>
+              <a:t> txn</a:t>
+            </a:r>
+            <a:r>
+              <a:rPr kumimoji="0" lang="zh-TW" altLang="zh-TW" sz="1400" b="0" i="0" u="none" strike="noStrike" cap="none" normalizeH="0" baseline="0" dirty="0" smtClean="0">
+                <a:ln>
+                  <a:noFill/>
+                </a:ln>
+                <a:solidFill>
+                  <a:srgbClr val="666600"/>
+                </a:solidFill>
+                <a:effectLst/>
+                <a:latin typeface="Arial Unicode MS" panose="020B0604020202020204" pitchFamily="34" charset="-120"/>
+                <a:ea typeface="Droid Sans Mono"/>
+              </a:rPr>
+              <a:t>.</a:t>
+            </a:r>
+            <a:r>
+              <a:rPr kumimoji="0" lang="zh-TW" altLang="zh-TW" sz="1400" b="0" i="0" u="none" strike="noStrike" cap="none" normalizeH="0" baseline="0" dirty="0" smtClean="0">
+                <a:ln>
+                  <a:noFill/>
+                </a:ln>
+                <a:solidFill>
+                  <a:srgbClr val="000000"/>
+                </a:solidFill>
+                <a:effectLst/>
+                <a:latin typeface="Arial Unicode MS" panose="020B0604020202020204" pitchFamily="34" charset="-120"/>
+                <a:ea typeface="Droid Sans Mono"/>
+              </a:rPr>
+              <a:t>isActive</a:t>
+            </a:r>
+            <a:r>
+              <a:rPr kumimoji="0" lang="zh-TW" altLang="zh-TW" sz="1400" b="0" i="0" u="none" strike="noStrike" cap="none" normalizeH="0" baseline="0" dirty="0" smtClean="0">
+                <a:ln>
+                  <a:noFill/>
+                </a:ln>
+                <a:solidFill>
+                  <a:srgbClr val="666600"/>
+                </a:solidFill>
+                <a:effectLst/>
+                <a:latin typeface="Arial Unicode MS" panose="020B0604020202020204" pitchFamily="34" charset="-120"/>
+                <a:ea typeface="Droid Sans Mono"/>
+              </a:rPr>
+              <a:t>())</a:t>
+            </a:r>
+            <a:r>
+              <a:rPr kumimoji="0" lang="zh-TW" altLang="zh-TW" sz="1400" b="0" i="0" u="none" strike="noStrike" cap="none" normalizeH="0" baseline="0" dirty="0" smtClean="0">
+                <a:ln>
+                  <a:noFill/>
+                </a:ln>
+                <a:solidFill>
+                  <a:srgbClr val="000000"/>
+                </a:solidFill>
+                <a:effectLst/>
+                <a:latin typeface="Arial Unicode MS" panose="020B0604020202020204" pitchFamily="34" charset="-120"/>
+                <a:ea typeface="Droid Sans Mono"/>
+              </a:rPr>
+              <a:t> </a:t>
+            </a:r>
+            <a:endParaRPr kumimoji="0" lang="en-US" altLang="zh-TW" sz="1400" b="0" i="0" u="none" strike="noStrike" cap="none" normalizeH="0" baseline="0" dirty="0" smtClean="0">
+              <a:ln>
+                <a:noFill/>
+              </a:ln>
+              <a:solidFill>
+                <a:srgbClr val="000000"/>
+              </a:solidFill>
+              <a:effectLst/>
+              <a:latin typeface="Arial Unicode MS" panose="020B0604020202020204" pitchFamily="34" charset="-120"/>
+              <a:ea typeface="Droid Sans Mono"/>
+            </a:endParaRPr>
+          </a:p>
+          <a:p>
+            <a:pPr marL="0" marR="0" lvl="0" indent="0" algn="l" defTabSz="914400" rtl="0" eaLnBrk="0" fontAlgn="base" latinLnBrk="0" hangingPunct="0">
+              <a:lnSpc>
+                <a:spcPct val="100000"/>
+              </a:lnSpc>
+              <a:spcBef>
+                <a:spcPct val="0"/>
+              </a:spcBef>
+              <a:spcAft>
+                <a:spcPct val="0"/>
+              </a:spcAft>
+              <a:buClrTx/>
+              <a:buSzTx/>
+              <a:buFontTx/>
+              <a:buNone/>
+              <a:tabLst/>
+            </a:pPr>
+            <a:r>
+              <a:rPr lang="en-US" altLang="zh-TW" sz="1400" dirty="0">
+                <a:solidFill>
+                  <a:srgbClr val="000000"/>
+                </a:solidFill>
+                <a:latin typeface="Arial Unicode MS" panose="020B0604020202020204" pitchFamily="34" charset="-120"/>
+                <a:ea typeface="Droid Sans Mono"/>
+              </a:rPr>
+              <a:t> </a:t>
+            </a:r>
+            <a:r>
+              <a:rPr lang="en-US" altLang="zh-TW" sz="1400" dirty="0" smtClean="0">
+                <a:solidFill>
+                  <a:srgbClr val="000000"/>
+                </a:solidFill>
+                <a:latin typeface="Arial Unicode MS" panose="020B0604020202020204" pitchFamily="34" charset="-120"/>
+                <a:ea typeface="Droid Sans Mono"/>
+              </a:rPr>
+              <a:t>       </a:t>
+            </a:r>
+            <a:r>
+              <a:rPr kumimoji="0" lang="zh-TW" altLang="zh-TW" sz="1400" b="0" i="0" u="none" strike="noStrike" cap="none" normalizeH="0" baseline="0" dirty="0" smtClean="0">
+                <a:ln>
+                  <a:noFill/>
+                </a:ln>
+                <a:solidFill>
+                  <a:srgbClr val="000000"/>
+                </a:solidFill>
+                <a:effectLst/>
+                <a:latin typeface="Arial Unicode MS" panose="020B0604020202020204" pitchFamily="34" charset="-120"/>
+                <a:ea typeface="Droid Sans Mono"/>
+              </a:rPr>
+              <a:t>txn</a:t>
+            </a:r>
+            <a:r>
+              <a:rPr kumimoji="0" lang="zh-TW" altLang="zh-TW" sz="1400" b="0" i="0" u="none" strike="noStrike" cap="none" normalizeH="0" baseline="0" dirty="0" smtClean="0">
+                <a:ln>
+                  <a:noFill/>
+                </a:ln>
+                <a:solidFill>
+                  <a:srgbClr val="666600"/>
+                </a:solidFill>
+                <a:effectLst/>
+                <a:latin typeface="Arial Unicode MS" panose="020B0604020202020204" pitchFamily="34" charset="-120"/>
+                <a:ea typeface="Droid Sans Mono"/>
+              </a:rPr>
+              <a:t>.</a:t>
+            </a:r>
+            <a:r>
+              <a:rPr kumimoji="0" lang="zh-TW" altLang="zh-TW" sz="1400" b="0" i="0" u="none" strike="noStrike" cap="none" normalizeH="0" baseline="0" dirty="0" smtClean="0">
+                <a:ln>
+                  <a:noFill/>
+                </a:ln>
+                <a:solidFill>
+                  <a:srgbClr val="000000"/>
+                </a:solidFill>
+                <a:effectLst/>
+                <a:latin typeface="Arial Unicode MS" panose="020B0604020202020204" pitchFamily="34" charset="-120"/>
+                <a:ea typeface="Droid Sans Mono"/>
+              </a:rPr>
+              <a:t>rollback</a:t>
+            </a:r>
+            <a:r>
+              <a:rPr kumimoji="0" lang="zh-TW" altLang="zh-TW" sz="1400" b="0" i="0" u="none" strike="noStrike" cap="none" normalizeH="0" baseline="0" dirty="0" smtClean="0">
+                <a:ln>
+                  <a:noFill/>
+                </a:ln>
+                <a:solidFill>
+                  <a:srgbClr val="666600"/>
+                </a:solidFill>
+                <a:effectLst/>
+                <a:latin typeface="Arial Unicode MS" panose="020B0604020202020204" pitchFamily="34" charset="-120"/>
+                <a:ea typeface="Droid Sans Mono"/>
+              </a:rPr>
+              <a:t>();</a:t>
+            </a:r>
+            <a:r>
+              <a:rPr kumimoji="0" lang="zh-TW" altLang="zh-TW" sz="1400" b="0" i="0" u="none" strike="noStrike" cap="none" normalizeH="0" baseline="0" dirty="0" smtClean="0">
+                <a:ln>
+                  <a:noFill/>
+                </a:ln>
+                <a:solidFill>
+                  <a:srgbClr val="000000"/>
+                </a:solidFill>
+                <a:effectLst/>
+                <a:latin typeface="Arial Unicode MS" panose="020B0604020202020204" pitchFamily="34" charset="-120"/>
+                <a:ea typeface="Droid Sans Mono"/>
+              </a:rPr>
+              <a:t> </a:t>
+            </a:r>
+            <a:endParaRPr kumimoji="0" lang="en-US" altLang="zh-TW" sz="1400" b="0" i="0" u="none" strike="noStrike" cap="none" normalizeH="0" baseline="0" dirty="0" smtClean="0">
+              <a:ln>
+                <a:noFill/>
+              </a:ln>
+              <a:solidFill>
+                <a:srgbClr val="000000"/>
+              </a:solidFill>
+              <a:effectLst/>
+              <a:latin typeface="Arial Unicode MS" panose="020B0604020202020204" pitchFamily="34" charset="-120"/>
+              <a:ea typeface="Droid Sans Mono"/>
+            </a:endParaRPr>
+          </a:p>
+          <a:p>
+            <a:pPr marL="0" marR="0" lvl="0" indent="0" algn="l" defTabSz="914400" rtl="0" eaLnBrk="0" fontAlgn="base" latinLnBrk="0" hangingPunct="0">
+              <a:lnSpc>
+                <a:spcPct val="100000"/>
+              </a:lnSpc>
+              <a:spcBef>
+                <a:spcPct val="0"/>
+              </a:spcBef>
+              <a:spcAft>
+                <a:spcPct val="0"/>
+              </a:spcAft>
+              <a:buClrTx/>
+              <a:buSzTx/>
+              <a:buFontTx/>
+              <a:buNone/>
+              <a:tabLst/>
+            </a:pPr>
+            <a:r>
+              <a:rPr lang="en-US" altLang="zh-TW" sz="1400" dirty="0" smtClean="0">
+                <a:solidFill>
+                  <a:srgbClr val="000000"/>
+                </a:solidFill>
+                <a:latin typeface="Arial Unicode MS" panose="020B0604020202020204" pitchFamily="34" charset="-120"/>
+                <a:ea typeface="Droid Sans Mono"/>
+              </a:rPr>
+              <a:t>    </a:t>
+            </a:r>
+            <a:r>
+              <a:rPr kumimoji="0" lang="zh-TW" altLang="zh-TW" sz="1400" b="0" i="0" u="none" strike="noStrike" cap="none" normalizeH="0" baseline="0" dirty="0" smtClean="0">
+                <a:ln>
+                  <a:noFill/>
+                </a:ln>
+                <a:solidFill>
+                  <a:srgbClr val="000088"/>
+                </a:solidFill>
+                <a:effectLst/>
+                <a:latin typeface="Arial Unicode MS" panose="020B0604020202020204" pitchFamily="34" charset="-120"/>
+                <a:ea typeface="Droid Sans Mono"/>
+              </a:rPr>
+              <a:t>throw</a:t>
+            </a:r>
+            <a:r>
+              <a:rPr kumimoji="0" lang="zh-TW" altLang="zh-TW" sz="1400" b="0" i="0" u="none" strike="noStrike" cap="none" normalizeH="0" baseline="0" dirty="0" smtClean="0">
+                <a:ln>
+                  <a:noFill/>
+                </a:ln>
+                <a:solidFill>
+                  <a:srgbClr val="000000"/>
+                </a:solidFill>
+                <a:effectLst/>
+                <a:latin typeface="Arial Unicode MS" panose="020B0604020202020204" pitchFamily="34" charset="-120"/>
+                <a:ea typeface="Droid Sans Mono"/>
+              </a:rPr>
+              <a:t> e</a:t>
+            </a:r>
+            <a:r>
+              <a:rPr kumimoji="0" lang="zh-TW" altLang="zh-TW" sz="1400" b="0" i="0" u="none" strike="noStrike" cap="none" normalizeH="0" baseline="0" dirty="0" smtClean="0">
+                <a:ln>
+                  <a:noFill/>
+                </a:ln>
+                <a:solidFill>
+                  <a:srgbClr val="666600"/>
+                </a:solidFill>
+                <a:effectLst/>
+                <a:latin typeface="Arial Unicode MS" panose="020B0604020202020204" pitchFamily="34" charset="-120"/>
+                <a:ea typeface="Droid Sans Mono"/>
+              </a:rPr>
+              <a:t>;</a:t>
+            </a:r>
+            <a:r>
+              <a:rPr kumimoji="0" lang="zh-TW" altLang="zh-TW" sz="1400" b="0" i="0" u="none" strike="noStrike" cap="none" normalizeH="0" baseline="0" dirty="0" smtClean="0">
+                <a:ln>
+                  <a:noFill/>
+                </a:ln>
+                <a:solidFill>
+                  <a:srgbClr val="000000"/>
+                </a:solidFill>
+                <a:effectLst/>
+                <a:latin typeface="Arial Unicode MS" panose="020B0604020202020204" pitchFamily="34" charset="-120"/>
+                <a:ea typeface="Droid Sans Mono"/>
+              </a:rPr>
+              <a:t> </a:t>
+            </a:r>
+            <a:endParaRPr kumimoji="0" lang="en-US" altLang="zh-TW" sz="1400" b="0" i="0" u="none" strike="noStrike" cap="none" normalizeH="0" baseline="0" dirty="0" smtClean="0">
+              <a:ln>
+                <a:noFill/>
+              </a:ln>
+              <a:solidFill>
+                <a:srgbClr val="000000"/>
+              </a:solidFill>
+              <a:effectLst/>
+              <a:latin typeface="Arial Unicode MS" panose="020B0604020202020204" pitchFamily="34" charset="-120"/>
+              <a:ea typeface="Droid Sans Mono"/>
+            </a:endParaRPr>
+          </a:p>
+          <a:p>
+            <a:pPr marL="0" marR="0" lvl="0" indent="0" algn="l" defTabSz="914400" rtl="0" eaLnBrk="0" fontAlgn="base" latinLnBrk="0" hangingPunct="0">
+              <a:lnSpc>
+                <a:spcPct val="100000"/>
+              </a:lnSpc>
+              <a:spcBef>
+                <a:spcPct val="0"/>
+              </a:spcBef>
+              <a:spcAft>
+                <a:spcPct val="0"/>
+              </a:spcAft>
+              <a:buClrTx/>
+              <a:buSzTx/>
+              <a:buFontTx/>
+              <a:buNone/>
+              <a:tabLst/>
+            </a:pPr>
+            <a:r>
+              <a:rPr kumimoji="0" lang="zh-TW" altLang="zh-TW" sz="1400" b="0" i="0" u="none" strike="noStrike" cap="none" normalizeH="0" baseline="0" dirty="0" smtClean="0">
+                <a:ln>
+                  <a:noFill/>
+                </a:ln>
+                <a:solidFill>
+                  <a:srgbClr val="666600"/>
+                </a:solidFill>
+                <a:effectLst/>
+                <a:latin typeface="Arial Unicode MS" panose="020B0604020202020204" pitchFamily="34" charset="-120"/>
+                <a:ea typeface="Droid Sans Mono"/>
+              </a:rPr>
+              <a:t>}</a:t>
+            </a:r>
+            <a:r>
+              <a:rPr kumimoji="0" lang="zh-TW" altLang="zh-TW" sz="1400" b="0" i="0" u="none" strike="noStrike" cap="none" normalizeH="0" baseline="0" dirty="0" smtClean="0">
+                <a:ln>
+                  <a:noFill/>
+                </a:ln>
+                <a:solidFill>
+                  <a:srgbClr val="000000"/>
+                </a:solidFill>
+                <a:effectLst/>
+                <a:latin typeface="Arial Unicode MS" panose="020B0604020202020204" pitchFamily="34" charset="-120"/>
+                <a:ea typeface="Droid Sans Mono"/>
+              </a:rPr>
+              <a:t> </a:t>
+            </a:r>
+            <a:endParaRPr kumimoji="0" lang="en-US" altLang="zh-TW" sz="1400" b="0" i="0" u="none" strike="noStrike" cap="none" normalizeH="0" baseline="0" dirty="0" smtClean="0">
+              <a:ln>
+                <a:noFill/>
+              </a:ln>
+              <a:solidFill>
+                <a:srgbClr val="000000"/>
+              </a:solidFill>
+              <a:effectLst/>
+              <a:latin typeface="Arial Unicode MS" panose="020B0604020202020204" pitchFamily="34" charset="-120"/>
+              <a:ea typeface="Droid Sans Mono"/>
+            </a:endParaRPr>
+          </a:p>
+          <a:p>
+            <a:pPr marL="0" marR="0" lvl="0" indent="0" algn="l" defTabSz="914400" rtl="0" eaLnBrk="0" fontAlgn="base" latinLnBrk="0" hangingPunct="0">
+              <a:lnSpc>
+                <a:spcPct val="100000"/>
+              </a:lnSpc>
+              <a:spcBef>
+                <a:spcPct val="0"/>
+              </a:spcBef>
+              <a:spcAft>
+                <a:spcPct val="0"/>
+              </a:spcAft>
+              <a:buClrTx/>
+              <a:buSzTx/>
+              <a:buFontTx/>
+              <a:buNone/>
+              <a:tabLst/>
+            </a:pPr>
+            <a:r>
+              <a:rPr kumimoji="0" lang="zh-TW" altLang="zh-TW" sz="1400" b="0" i="0" u="none" strike="noStrike" cap="none" normalizeH="0" baseline="0" dirty="0" smtClean="0">
+                <a:ln>
+                  <a:noFill/>
+                </a:ln>
+                <a:solidFill>
+                  <a:srgbClr val="000088"/>
+                </a:solidFill>
+                <a:effectLst/>
+                <a:latin typeface="Arial Unicode MS" panose="020B0604020202020204" pitchFamily="34" charset="-120"/>
+                <a:ea typeface="Droid Sans Mono"/>
+              </a:rPr>
+              <a:t>finally</a:t>
+            </a:r>
+            <a:r>
+              <a:rPr kumimoji="0" lang="zh-TW" altLang="zh-TW" sz="1400" b="0" i="0" u="none" strike="noStrike" cap="none" normalizeH="0" baseline="0" dirty="0" smtClean="0">
+                <a:ln>
+                  <a:noFill/>
+                </a:ln>
+                <a:solidFill>
+                  <a:srgbClr val="000000"/>
+                </a:solidFill>
+                <a:effectLst/>
+                <a:latin typeface="Arial Unicode MS" panose="020B0604020202020204" pitchFamily="34" charset="-120"/>
+                <a:ea typeface="Droid Sans Mono"/>
+              </a:rPr>
+              <a:t> </a:t>
+            </a:r>
+            <a:r>
+              <a:rPr kumimoji="0" lang="zh-TW" altLang="zh-TW" sz="1400" b="0" i="0" u="none" strike="noStrike" cap="none" normalizeH="0" baseline="0" dirty="0" smtClean="0">
+                <a:ln>
+                  <a:noFill/>
+                </a:ln>
+                <a:solidFill>
+                  <a:srgbClr val="666600"/>
+                </a:solidFill>
+                <a:effectLst/>
+                <a:latin typeface="Arial Unicode MS" panose="020B0604020202020204" pitchFamily="34" charset="-120"/>
+                <a:ea typeface="Droid Sans Mono"/>
+              </a:rPr>
+              <a:t>{</a:t>
+            </a:r>
+            <a:r>
+              <a:rPr kumimoji="0" lang="zh-TW" altLang="zh-TW" sz="1400" b="0" i="0" u="none" strike="noStrike" cap="none" normalizeH="0" baseline="0" dirty="0" smtClean="0">
+                <a:ln>
+                  <a:noFill/>
+                </a:ln>
+                <a:solidFill>
+                  <a:srgbClr val="000000"/>
+                </a:solidFill>
+                <a:effectLst/>
+                <a:latin typeface="Arial Unicode MS" panose="020B0604020202020204" pitchFamily="34" charset="-120"/>
+                <a:ea typeface="Droid Sans Mono"/>
+              </a:rPr>
+              <a:t> </a:t>
+            </a:r>
+            <a:endParaRPr kumimoji="0" lang="en-US" altLang="zh-TW" sz="1400" b="0" i="0" u="none" strike="noStrike" cap="none" normalizeH="0" baseline="0" dirty="0" smtClean="0">
+              <a:ln>
+                <a:noFill/>
+              </a:ln>
+              <a:solidFill>
+                <a:srgbClr val="000000"/>
+              </a:solidFill>
+              <a:effectLst/>
+              <a:latin typeface="Arial Unicode MS" panose="020B0604020202020204" pitchFamily="34" charset="-120"/>
+              <a:ea typeface="Droid Sans Mono"/>
+            </a:endParaRPr>
+          </a:p>
+          <a:p>
+            <a:pPr marL="0" marR="0" lvl="0" indent="0" algn="l" defTabSz="914400" rtl="0" eaLnBrk="0" fontAlgn="base" latinLnBrk="0" hangingPunct="0">
+              <a:lnSpc>
+                <a:spcPct val="100000"/>
+              </a:lnSpc>
+              <a:spcBef>
+                <a:spcPct val="0"/>
+              </a:spcBef>
+              <a:spcAft>
+                <a:spcPct val="0"/>
+              </a:spcAft>
+              <a:buClrTx/>
+              <a:buSzTx/>
+              <a:buFontTx/>
+              <a:buNone/>
+              <a:tabLst/>
+            </a:pPr>
+            <a:r>
+              <a:rPr lang="en-US" altLang="zh-TW" sz="1400" dirty="0">
+                <a:solidFill>
+                  <a:srgbClr val="000000"/>
+                </a:solidFill>
+                <a:latin typeface="Arial Unicode MS" panose="020B0604020202020204" pitchFamily="34" charset="-120"/>
+                <a:ea typeface="Droid Sans Mono"/>
+              </a:rPr>
+              <a:t> </a:t>
+            </a:r>
+            <a:r>
+              <a:rPr lang="en-US" altLang="zh-TW" sz="1400" dirty="0" smtClean="0">
+                <a:solidFill>
+                  <a:srgbClr val="000000"/>
+                </a:solidFill>
+                <a:latin typeface="Arial Unicode MS" panose="020B0604020202020204" pitchFamily="34" charset="-120"/>
+                <a:ea typeface="Droid Sans Mono"/>
+              </a:rPr>
+              <a:t>   </a:t>
+            </a:r>
+            <a:r>
+              <a:rPr kumimoji="0" lang="zh-TW" altLang="zh-TW" sz="1400" b="0" i="0" u="none" strike="noStrike" cap="none" normalizeH="0" baseline="0" dirty="0" smtClean="0">
+                <a:ln>
+                  <a:noFill/>
+                </a:ln>
+                <a:solidFill>
+                  <a:srgbClr val="000088"/>
+                </a:solidFill>
+                <a:effectLst/>
+                <a:latin typeface="Arial Unicode MS" panose="020B0604020202020204" pitchFamily="34" charset="-120"/>
+                <a:ea typeface="Droid Sans Mono"/>
+              </a:rPr>
+              <a:t>if</a:t>
+            </a:r>
+            <a:r>
+              <a:rPr kumimoji="0" lang="zh-TW" altLang="zh-TW" sz="1400" b="0" i="0" u="none" strike="noStrike" cap="none" normalizeH="0" baseline="0" dirty="0" smtClean="0">
+                <a:ln>
+                  <a:noFill/>
+                </a:ln>
+                <a:solidFill>
+                  <a:srgbClr val="000000"/>
+                </a:solidFill>
+                <a:effectLst/>
+                <a:latin typeface="Arial Unicode MS" panose="020B0604020202020204" pitchFamily="34" charset="-120"/>
+                <a:ea typeface="Droid Sans Mono"/>
+              </a:rPr>
+              <a:t> </a:t>
+            </a:r>
+            <a:r>
+              <a:rPr kumimoji="0" lang="zh-TW" altLang="zh-TW" sz="1400" b="0" i="0" u="none" strike="noStrike" cap="none" normalizeH="0" baseline="0" dirty="0" smtClean="0">
+                <a:ln>
+                  <a:noFill/>
+                </a:ln>
+                <a:solidFill>
+                  <a:srgbClr val="666600"/>
+                </a:solidFill>
+                <a:effectLst/>
+                <a:latin typeface="Arial Unicode MS" panose="020B0604020202020204" pitchFamily="34" charset="-120"/>
+                <a:ea typeface="Droid Sans Mono"/>
+              </a:rPr>
+              <a:t>(</a:t>
+            </a:r>
+            <a:r>
+              <a:rPr kumimoji="0" lang="zh-TW" altLang="zh-TW" sz="1400" b="0" i="0" u="none" strike="noStrike" cap="none" normalizeH="0" baseline="0" dirty="0" smtClean="0">
+                <a:ln>
+                  <a:noFill/>
+                </a:ln>
+                <a:solidFill>
+                  <a:srgbClr val="000000"/>
+                </a:solidFill>
+                <a:effectLst/>
+                <a:latin typeface="Arial Unicode MS" panose="020B0604020202020204" pitchFamily="34" charset="-120"/>
+                <a:ea typeface="Droid Sans Mono"/>
+              </a:rPr>
+              <a:t>entityManager </a:t>
+            </a:r>
+            <a:r>
+              <a:rPr kumimoji="0" lang="zh-TW" altLang="zh-TW" sz="1400" b="0" i="0" u="none" strike="noStrike" cap="none" normalizeH="0" baseline="0" dirty="0" smtClean="0">
+                <a:ln>
+                  <a:noFill/>
+                </a:ln>
+                <a:solidFill>
+                  <a:srgbClr val="666600"/>
+                </a:solidFill>
+                <a:effectLst/>
+                <a:latin typeface="Arial Unicode MS" panose="020B0604020202020204" pitchFamily="34" charset="-120"/>
+                <a:ea typeface="Droid Sans Mono"/>
+              </a:rPr>
+              <a:t>!=</a:t>
+            </a:r>
+            <a:r>
+              <a:rPr kumimoji="0" lang="zh-TW" altLang="zh-TW" sz="1400" b="0" i="0" u="none" strike="noStrike" cap="none" normalizeH="0" baseline="0" dirty="0" smtClean="0">
+                <a:ln>
+                  <a:noFill/>
+                </a:ln>
+                <a:solidFill>
+                  <a:srgbClr val="000000"/>
+                </a:solidFill>
+                <a:effectLst/>
+                <a:latin typeface="Arial Unicode MS" panose="020B0604020202020204" pitchFamily="34" charset="-120"/>
+                <a:ea typeface="Droid Sans Mono"/>
+              </a:rPr>
+              <a:t> </a:t>
+            </a:r>
+            <a:r>
+              <a:rPr kumimoji="0" lang="zh-TW" altLang="zh-TW" sz="1400" b="0" i="0" u="none" strike="noStrike" cap="none" normalizeH="0" baseline="0" dirty="0" smtClean="0">
+                <a:ln>
+                  <a:noFill/>
+                </a:ln>
+                <a:solidFill>
+                  <a:srgbClr val="000088"/>
+                </a:solidFill>
+                <a:effectLst/>
+                <a:latin typeface="Arial Unicode MS" panose="020B0604020202020204" pitchFamily="34" charset="-120"/>
+                <a:ea typeface="Droid Sans Mono"/>
+              </a:rPr>
+              <a:t>null</a:t>
+            </a:r>
+            <a:r>
+              <a:rPr kumimoji="0" lang="zh-TW" altLang="zh-TW" sz="1400" b="0" i="0" u="none" strike="noStrike" cap="none" normalizeH="0" baseline="0" dirty="0" smtClean="0">
+                <a:ln>
+                  <a:noFill/>
+                </a:ln>
+                <a:solidFill>
+                  <a:srgbClr val="666600"/>
+                </a:solidFill>
+                <a:effectLst/>
+                <a:latin typeface="Arial Unicode MS" panose="020B0604020202020204" pitchFamily="34" charset="-120"/>
+                <a:ea typeface="Droid Sans Mono"/>
+              </a:rPr>
+              <a:t>)</a:t>
+            </a:r>
+            <a:r>
+              <a:rPr kumimoji="0" lang="zh-TW" altLang="zh-TW" sz="1400" b="0" i="0" u="none" strike="noStrike" cap="none" normalizeH="0" baseline="0" dirty="0" smtClean="0">
+                <a:ln>
+                  <a:noFill/>
+                </a:ln>
+                <a:solidFill>
+                  <a:srgbClr val="000000"/>
+                </a:solidFill>
+                <a:effectLst/>
+                <a:latin typeface="Arial Unicode MS" panose="020B0604020202020204" pitchFamily="34" charset="-120"/>
+                <a:ea typeface="Droid Sans Mono"/>
+              </a:rPr>
+              <a:t> </a:t>
+            </a:r>
+            <a:r>
+              <a:rPr kumimoji="0" lang="zh-TW" altLang="zh-TW" sz="1400" b="0" i="0" u="none" strike="noStrike" cap="none" normalizeH="0" baseline="0" dirty="0" smtClean="0">
+                <a:ln>
+                  <a:noFill/>
+                </a:ln>
+                <a:solidFill>
+                  <a:srgbClr val="666600"/>
+                </a:solidFill>
+                <a:effectLst/>
+                <a:latin typeface="Arial Unicode MS" panose="020B0604020202020204" pitchFamily="34" charset="-120"/>
+                <a:ea typeface="Droid Sans Mono"/>
+              </a:rPr>
+              <a:t>{</a:t>
+            </a:r>
+            <a:r>
+              <a:rPr kumimoji="0" lang="zh-TW" altLang="zh-TW" sz="1400" b="0" i="0" u="none" strike="noStrike" cap="none" normalizeH="0" baseline="0" dirty="0" smtClean="0">
+                <a:ln>
+                  <a:noFill/>
+                </a:ln>
+                <a:solidFill>
+                  <a:srgbClr val="000000"/>
+                </a:solidFill>
+                <a:effectLst/>
+                <a:latin typeface="Arial Unicode MS" panose="020B0604020202020204" pitchFamily="34" charset="-120"/>
+                <a:ea typeface="Droid Sans Mono"/>
+              </a:rPr>
+              <a:t> </a:t>
+            </a:r>
+            <a:endParaRPr kumimoji="0" lang="en-US" altLang="zh-TW" sz="1400" b="0" i="0" u="none" strike="noStrike" cap="none" normalizeH="0" baseline="0" dirty="0" smtClean="0">
+              <a:ln>
+                <a:noFill/>
+              </a:ln>
+              <a:solidFill>
+                <a:srgbClr val="000000"/>
+              </a:solidFill>
+              <a:effectLst/>
+              <a:latin typeface="Arial Unicode MS" panose="020B0604020202020204" pitchFamily="34" charset="-120"/>
+              <a:ea typeface="Droid Sans Mono"/>
+            </a:endParaRPr>
+          </a:p>
+          <a:p>
+            <a:pPr marL="0" marR="0" lvl="0" indent="0" algn="l" defTabSz="914400" rtl="0" eaLnBrk="0" fontAlgn="base" latinLnBrk="0" hangingPunct="0">
+              <a:lnSpc>
+                <a:spcPct val="100000"/>
+              </a:lnSpc>
+              <a:spcBef>
+                <a:spcPct val="0"/>
+              </a:spcBef>
+              <a:spcAft>
+                <a:spcPct val="0"/>
+              </a:spcAft>
+              <a:buClrTx/>
+              <a:buSzTx/>
+              <a:buFontTx/>
+              <a:buNone/>
+              <a:tabLst/>
+            </a:pPr>
+            <a:r>
+              <a:rPr lang="en-US" altLang="zh-TW" sz="1400" dirty="0">
+                <a:solidFill>
+                  <a:srgbClr val="000000"/>
+                </a:solidFill>
+                <a:latin typeface="Arial Unicode MS" panose="020B0604020202020204" pitchFamily="34" charset="-120"/>
+                <a:ea typeface="Droid Sans Mono"/>
+              </a:rPr>
+              <a:t> </a:t>
+            </a:r>
+            <a:r>
+              <a:rPr lang="en-US" altLang="zh-TW" sz="1400" dirty="0" smtClean="0">
+                <a:solidFill>
+                  <a:srgbClr val="000000"/>
+                </a:solidFill>
+                <a:latin typeface="Arial Unicode MS" panose="020B0604020202020204" pitchFamily="34" charset="-120"/>
+                <a:ea typeface="Droid Sans Mono"/>
+              </a:rPr>
+              <a:t>       </a:t>
+            </a:r>
+            <a:r>
+              <a:rPr kumimoji="0" lang="zh-TW" altLang="zh-TW" sz="1400" b="0" i="0" u="none" strike="noStrike" cap="none" normalizeH="0" baseline="0" dirty="0" smtClean="0">
+                <a:ln>
+                  <a:noFill/>
+                </a:ln>
+                <a:solidFill>
+                  <a:srgbClr val="000000"/>
+                </a:solidFill>
+                <a:effectLst/>
+                <a:latin typeface="Arial Unicode MS" panose="020B0604020202020204" pitchFamily="34" charset="-120"/>
+                <a:ea typeface="Droid Sans Mono"/>
+              </a:rPr>
+              <a:t>entityManager</a:t>
+            </a:r>
+            <a:r>
+              <a:rPr kumimoji="0" lang="zh-TW" altLang="zh-TW" sz="1400" b="0" i="0" u="none" strike="noStrike" cap="none" normalizeH="0" baseline="0" dirty="0" smtClean="0">
+                <a:ln>
+                  <a:noFill/>
+                </a:ln>
+                <a:solidFill>
+                  <a:srgbClr val="666600"/>
+                </a:solidFill>
+                <a:effectLst/>
+                <a:latin typeface="Arial Unicode MS" panose="020B0604020202020204" pitchFamily="34" charset="-120"/>
+                <a:ea typeface="Droid Sans Mono"/>
+              </a:rPr>
+              <a:t>.</a:t>
+            </a:r>
+            <a:r>
+              <a:rPr kumimoji="0" lang="zh-TW" altLang="zh-TW" sz="1400" b="0" i="0" u="none" strike="noStrike" cap="none" normalizeH="0" baseline="0" dirty="0" smtClean="0">
+                <a:ln>
+                  <a:noFill/>
+                </a:ln>
+                <a:solidFill>
+                  <a:srgbClr val="000000"/>
+                </a:solidFill>
+                <a:effectLst/>
+                <a:latin typeface="Arial Unicode MS" panose="020B0604020202020204" pitchFamily="34" charset="-120"/>
+                <a:ea typeface="Droid Sans Mono"/>
+              </a:rPr>
+              <a:t>close</a:t>
+            </a:r>
+            <a:r>
+              <a:rPr kumimoji="0" lang="zh-TW" altLang="zh-TW" sz="1400" b="0" i="0" u="none" strike="noStrike" cap="none" normalizeH="0" baseline="0" dirty="0" smtClean="0">
+                <a:ln>
+                  <a:noFill/>
+                </a:ln>
+                <a:solidFill>
+                  <a:srgbClr val="666600"/>
+                </a:solidFill>
+                <a:effectLst/>
+                <a:latin typeface="Arial Unicode MS" panose="020B0604020202020204" pitchFamily="34" charset="-120"/>
+                <a:ea typeface="Droid Sans Mono"/>
+              </a:rPr>
+              <a:t>();</a:t>
+            </a:r>
+            <a:r>
+              <a:rPr kumimoji="0" lang="zh-TW" altLang="zh-TW" sz="1400" b="0" i="0" u="none" strike="noStrike" cap="none" normalizeH="0" baseline="0" dirty="0" smtClean="0">
+                <a:ln>
+                  <a:noFill/>
+                </a:ln>
+                <a:solidFill>
+                  <a:srgbClr val="000000"/>
+                </a:solidFill>
+                <a:effectLst/>
+                <a:latin typeface="Arial Unicode MS" panose="020B0604020202020204" pitchFamily="34" charset="-120"/>
+                <a:ea typeface="Droid Sans Mono"/>
+              </a:rPr>
+              <a:t> </a:t>
+            </a:r>
+            <a:endParaRPr kumimoji="0" lang="en-US" altLang="zh-TW" sz="1400" b="0" i="0" u="none" strike="noStrike" cap="none" normalizeH="0" baseline="0" dirty="0" smtClean="0">
+              <a:ln>
+                <a:noFill/>
+              </a:ln>
+              <a:solidFill>
+                <a:srgbClr val="000000"/>
+              </a:solidFill>
+              <a:effectLst/>
+              <a:latin typeface="Arial Unicode MS" panose="020B0604020202020204" pitchFamily="34" charset="-120"/>
+              <a:ea typeface="Droid Sans Mono"/>
+            </a:endParaRPr>
+          </a:p>
+          <a:p>
+            <a:pPr marL="0" marR="0" lvl="0" indent="0" algn="l" defTabSz="914400" rtl="0" eaLnBrk="0" fontAlgn="base" latinLnBrk="0" hangingPunct="0">
+              <a:lnSpc>
+                <a:spcPct val="100000"/>
+              </a:lnSpc>
+              <a:spcBef>
+                <a:spcPct val="0"/>
+              </a:spcBef>
+              <a:spcAft>
+                <a:spcPct val="0"/>
+              </a:spcAft>
+              <a:buClrTx/>
+              <a:buSzTx/>
+              <a:buFontTx/>
+              <a:buNone/>
+              <a:tabLst/>
+            </a:pPr>
+            <a:r>
+              <a:rPr lang="en-US" altLang="zh-TW" sz="1400" dirty="0">
+                <a:solidFill>
+                  <a:srgbClr val="000000"/>
+                </a:solidFill>
+                <a:latin typeface="Arial Unicode MS" panose="020B0604020202020204" pitchFamily="34" charset="-120"/>
+                <a:ea typeface="Droid Sans Mono"/>
+              </a:rPr>
+              <a:t> </a:t>
+            </a:r>
+            <a:r>
+              <a:rPr lang="en-US" altLang="zh-TW" sz="1400" dirty="0" smtClean="0">
+                <a:solidFill>
+                  <a:srgbClr val="000000"/>
+                </a:solidFill>
+                <a:latin typeface="Arial Unicode MS" panose="020B0604020202020204" pitchFamily="34" charset="-120"/>
+                <a:ea typeface="Droid Sans Mono"/>
+              </a:rPr>
+              <a:t>   </a:t>
+            </a:r>
+            <a:r>
+              <a:rPr kumimoji="0" lang="zh-TW" altLang="zh-TW" sz="1400" b="0" i="0" u="none" strike="noStrike" cap="none" normalizeH="0" baseline="0" dirty="0" smtClean="0">
+                <a:ln>
+                  <a:noFill/>
+                </a:ln>
+                <a:solidFill>
+                  <a:srgbClr val="666600"/>
+                </a:solidFill>
+                <a:effectLst/>
+                <a:latin typeface="Arial Unicode MS" panose="020B0604020202020204" pitchFamily="34" charset="-120"/>
+                <a:ea typeface="Droid Sans Mono"/>
+              </a:rPr>
+              <a:t>}</a:t>
+            </a:r>
+            <a:r>
+              <a:rPr kumimoji="0" lang="zh-TW" altLang="zh-TW" sz="1400" b="0" i="0" u="none" strike="noStrike" cap="none" normalizeH="0" baseline="0" dirty="0" smtClean="0">
+                <a:ln>
+                  <a:noFill/>
+                </a:ln>
+                <a:solidFill>
+                  <a:srgbClr val="000000"/>
+                </a:solidFill>
+                <a:effectLst/>
+                <a:latin typeface="Arial Unicode MS" panose="020B0604020202020204" pitchFamily="34" charset="-120"/>
+                <a:ea typeface="Droid Sans Mono"/>
+              </a:rPr>
+              <a:t> </a:t>
+            </a:r>
+            <a:endParaRPr kumimoji="0" lang="en-US" altLang="zh-TW" sz="1400" b="0" i="0" u="none" strike="noStrike" cap="none" normalizeH="0" baseline="0" dirty="0" smtClean="0">
+              <a:ln>
+                <a:noFill/>
+              </a:ln>
+              <a:solidFill>
+                <a:srgbClr val="000000"/>
+              </a:solidFill>
+              <a:effectLst/>
+              <a:latin typeface="Arial Unicode MS" panose="020B0604020202020204" pitchFamily="34" charset="-120"/>
+              <a:ea typeface="Droid Sans Mono"/>
+            </a:endParaRPr>
+          </a:p>
+          <a:p>
+            <a:pPr marL="0" marR="0" lvl="0" indent="0" algn="l" defTabSz="914400" rtl="0" eaLnBrk="0" fontAlgn="base" latinLnBrk="0" hangingPunct="0">
+              <a:lnSpc>
+                <a:spcPct val="100000"/>
+              </a:lnSpc>
+              <a:spcBef>
+                <a:spcPct val="0"/>
+              </a:spcBef>
+              <a:spcAft>
+                <a:spcPct val="0"/>
+              </a:spcAft>
+              <a:buClrTx/>
+              <a:buSzTx/>
+              <a:buFontTx/>
+              <a:buNone/>
+              <a:tabLst/>
+            </a:pPr>
+            <a:r>
+              <a:rPr kumimoji="0" lang="zh-TW" altLang="zh-TW" sz="1400" b="0" i="0" u="none" strike="noStrike" cap="none" normalizeH="0" baseline="0" dirty="0" smtClean="0">
+                <a:ln>
+                  <a:noFill/>
+                </a:ln>
+                <a:solidFill>
+                  <a:srgbClr val="666600"/>
+                </a:solidFill>
+                <a:effectLst/>
+                <a:latin typeface="Arial Unicode MS" panose="020B0604020202020204" pitchFamily="34" charset="-120"/>
+                <a:ea typeface="Droid Sans Mono"/>
+              </a:rPr>
+              <a:t>}</a:t>
+            </a:r>
+            <a:r>
+              <a:rPr kumimoji="0" lang="zh-TW" altLang="zh-TW" sz="1400" b="0" i="0" u="none" strike="noStrike" cap="none" normalizeH="0" baseline="0" dirty="0" smtClean="0">
+                <a:ln>
+                  <a:noFill/>
+                </a:ln>
+                <a:solidFill>
+                  <a:schemeClr val="tx1"/>
+                </a:solidFill>
+                <a:effectLst/>
+              </a:rPr>
+              <a:t> </a:t>
+            </a:r>
+            <a:endParaRPr kumimoji="0" lang="zh-TW" altLang="zh-TW" sz="1400" b="0" i="0" u="none" strike="noStrike" cap="none" normalizeH="0" baseline="0" dirty="0" smtClean="0">
+              <a:ln>
+                <a:noFill/>
+              </a:ln>
+              <a:solidFill>
+                <a:schemeClr val="tx1"/>
+              </a:solidFill>
+              <a:effectLst/>
+              <a:latin typeface="Arial" panose="020B0604020202020204" pitchFamily="34" charset="0"/>
+            </a:endParaRPr>
+          </a:p>
+        </p:txBody>
+      </p:sp>
+    </p:spTree>
+    <p:extLst>
+      <p:ext uri="{BB962C8B-B14F-4D97-AF65-F5344CB8AC3E}">
+        <p14:creationId xmlns:p14="http://schemas.microsoft.com/office/powerpoint/2010/main" val="151463765"/>
+      </p:ext>
+    </p:extLst>
+  </p:cSld>
+  <p:clrMapOvr>
+    <a:masterClrMapping/>
+  </p:clrMapOvr>
+</p:sld>
+</file>
+
+<file path=ppt/slides/slide31.xml><?xml version="1.0" encoding="utf-8"?>
+<p:sld xmlns:a="http://schemas.openxmlformats.org/drawingml/2006/main" xmlns:r="http://schemas.openxmlformats.org/officeDocument/2006/relationships" xmlns:p="http://schemas.openxmlformats.org/presentationml/2006/main">
+  <p:cSld>
+    <p:spTree>
+      <p:nvGrpSpPr>
+        <p:cNvPr id="1" name=""/>
+        <p:cNvGrpSpPr/>
+        <p:nvPr/>
+      </p:nvGrpSpPr>
+      <p:grpSpPr>
+        <a:xfrm>
+          <a:off x="0" y="0"/>
+          <a:ext cx="0" cy="0"/>
+          <a:chOff x="0" y="0"/>
+          <a:chExt cx="0" cy="0"/>
+        </a:xfrm>
+      </p:grpSpPr>
+      <p:sp>
+        <p:nvSpPr>
+          <p:cNvPr id="2" name="標題 1"/>
+          <p:cNvSpPr>
+            <a:spLocks noGrp="1"/>
+          </p:cNvSpPr>
+          <p:nvPr>
+            <p:ph type="title"/>
+          </p:nvPr>
+        </p:nvSpPr>
+        <p:spPr/>
+        <p:txBody>
+          <a:bodyPr/>
+          <a:lstStyle/>
+          <a:p>
+            <a:r>
+              <a:rPr lang="en-US" altLang="zh-TW" dirty="0" smtClean="0"/>
+              <a:t>Better way  </a:t>
+            </a:r>
+            <a:endParaRPr lang="zh-TW" altLang="en-US" dirty="0"/>
+          </a:p>
+        </p:txBody>
+      </p:sp>
+      <p:sp>
+        <p:nvSpPr>
+          <p:cNvPr id="3" name="內容版面配置區 2"/>
+          <p:cNvSpPr>
+            <a:spLocks noGrp="1"/>
+          </p:cNvSpPr>
+          <p:nvPr>
+            <p:ph idx="1"/>
+          </p:nvPr>
+        </p:nvSpPr>
+        <p:spPr>
+          <a:xfrm>
+            <a:off x="6821234" y="1825625"/>
+            <a:ext cx="4532565" cy="4351338"/>
+          </a:xfrm>
+        </p:spPr>
+        <p:txBody>
+          <a:bodyPr/>
+          <a:lstStyle/>
+          <a:p>
+            <a:r>
+              <a:rPr lang="en-US" altLang="zh-TW" dirty="0"/>
+              <a:t>employ methods flush() and clear</a:t>
+            </a:r>
+            <a:r>
+              <a:rPr lang="en-US" altLang="zh-TW"/>
+              <a:t>() </a:t>
+            </a:r>
+            <a:r>
+              <a:rPr lang="en-US" altLang="zh-TW" smtClean="0"/>
+              <a:t>regularly</a:t>
+            </a:r>
+            <a:r>
+              <a:rPr lang="en-US" altLang="zh-TW" dirty="0"/>
+              <a:t>, to control the size of </a:t>
+            </a:r>
+            <a:r>
+              <a:rPr lang="en-US" altLang="zh-TW" dirty="0" smtClean="0"/>
+              <a:t>the persistence context</a:t>
+            </a:r>
+            <a:endParaRPr lang="zh-TW" altLang="en-US" dirty="0"/>
+          </a:p>
+        </p:txBody>
+      </p:sp>
+      <p:sp>
+        <p:nvSpPr>
+          <p:cNvPr id="4" name="Rectangle 1"/>
+          <p:cNvSpPr>
+            <a:spLocks noChangeArrowheads="1"/>
+          </p:cNvSpPr>
+          <p:nvPr/>
+        </p:nvSpPr>
+        <p:spPr bwMode="auto">
+          <a:xfrm>
+            <a:off x="976744" y="1523692"/>
+            <a:ext cx="5435783" cy="4955203"/>
+          </a:xfrm>
+          <a:prstGeom prst="rect">
+            <a:avLst/>
+          </a:prstGeom>
+          <a:solidFill>
+            <a:srgbClr val="F7F7F8"/>
+          </a:solidFill>
+          <a:ln>
+            <a:noFill/>
+          </a:ln>
+          <a:effectLst/>
+          <a:extLst>
+            <a:ext uri="{91240B29-F687-4F45-9708-019B960494DF}">
+              <a14:hiddenLine xmlns:a14="http://schemas.microsoft.com/office/drawing/2010/main" w="9525">
+                <a:solidFill>
+                  <a:schemeClr val="tx1"/>
+                </a:solidFill>
+                <a:miter lim="800000"/>
+                <a:headEnd/>
+                <a:tailEnd/>
+              </a14:hiddenLine>
+            </a:ext>
+            <a:ext uri="{AF507438-7753-43E0-B8FC-AC1667EBCBE1}">
+              <a14:hiddenEffects xmlns:a14="http://schemas.microsoft.com/office/drawing/2010/main">
+                <a:effectLst>
+                  <a:outerShdw dist="35921" dir="2700000" algn="ctr" rotWithShape="0">
+                    <a:schemeClr val="bg2"/>
+                  </a:outerShdw>
+                </a:effectLst>
+              </a14:hiddenEffects>
+            </a:ext>
+          </a:extLst>
+        </p:spPr>
+        <p:txBody>
+          <a:bodyPr vert="horz" wrap="none" lIns="0" tIns="0" rIns="0" bIns="0" numCol="1" anchor="ctr" anchorCtr="0" compatLnSpc="1">
+            <a:prstTxWarp prst="textNoShape">
+              <a:avLst/>
+            </a:prstTxWarp>
+            <a:spAutoFit/>
+          </a:bodyPr>
+          <a:lstStyle/>
+          <a:p>
+            <a:pPr marL="0" marR="0" lvl="0" indent="0" algn="l" defTabSz="914400" rtl="0" eaLnBrk="0" fontAlgn="base" latinLnBrk="0" hangingPunct="0">
+              <a:lnSpc>
+                <a:spcPct val="100000"/>
+              </a:lnSpc>
+              <a:spcBef>
+                <a:spcPct val="0"/>
+              </a:spcBef>
+              <a:spcAft>
+                <a:spcPct val="0"/>
+              </a:spcAft>
+              <a:buClrTx/>
+              <a:buSzTx/>
+              <a:buFontTx/>
+              <a:buNone/>
+              <a:tabLst/>
+            </a:pPr>
+            <a:r>
+              <a:rPr kumimoji="0" lang="zh-TW" altLang="zh-TW" sz="1400" b="0" i="0" u="none" strike="noStrike" cap="none" normalizeH="0" baseline="0" dirty="0" smtClean="0">
+                <a:ln>
+                  <a:noFill/>
+                </a:ln>
+                <a:solidFill>
+                  <a:srgbClr val="000088"/>
+                </a:solidFill>
+                <a:effectLst/>
+                <a:latin typeface="Arial Unicode MS" panose="020B0604020202020204" pitchFamily="34" charset="-120"/>
+                <a:ea typeface="Droid Sans Mono"/>
+              </a:rPr>
+              <a:t>try</a:t>
+            </a:r>
+            <a:r>
+              <a:rPr kumimoji="0" lang="zh-TW" altLang="zh-TW" sz="1400" b="0" i="0" u="none" strike="noStrike" cap="none" normalizeH="0" baseline="0" dirty="0" smtClean="0">
+                <a:ln>
+                  <a:noFill/>
+                </a:ln>
+                <a:solidFill>
+                  <a:srgbClr val="000000"/>
+                </a:solidFill>
+                <a:effectLst/>
+                <a:latin typeface="Arial Unicode MS" panose="020B0604020202020204" pitchFamily="34" charset="-120"/>
+                <a:ea typeface="Droid Sans Mono"/>
+              </a:rPr>
+              <a:t> </a:t>
+            </a:r>
+            <a:r>
+              <a:rPr kumimoji="0" lang="zh-TW" altLang="zh-TW" sz="1400" b="0" i="0" u="none" strike="noStrike" cap="none" normalizeH="0" baseline="0" dirty="0" smtClean="0">
+                <a:ln>
+                  <a:noFill/>
+                </a:ln>
+                <a:solidFill>
+                  <a:srgbClr val="666600"/>
+                </a:solidFill>
+                <a:effectLst/>
+                <a:latin typeface="Arial Unicode MS" panose="020B0604020202020204" pitchFamily="34" charset="-120"/>
+                <a:ea typeface="Droid Sans Mono"/>
+              </a:rPr>
+              <a:t>{</a:t>
+            </a:r>
+            <a:r>
+              <a:rPr kumimoji="0" lang="zh-TW" altLang="zh-TW" sz="1400" b="0" i="0" u="none" strike="noStrike" cap="none" normalizeH="0" baseline="0" dirty="0" smtClean="0">
+                <a:ln>
+                  <a:noFill/>
+                </a:ln>
+                <a:solidFill>
+                  <a:srgbClr val="000000"/>
+                </a:solidFill>
+                <a:effectLst/>
+                <a:latin typeface="Arial Unicode MS" panose="020B0604020202020204" pitchFamily="34" charset="-120"/>
+                <a:ea typeface="Droid Sans Mono"/>
+              </a:rPr>
+              <a:t> </a:t>
+            </a:r>
+            <a:endParaRPr kumimoji="0" lang="en-US" altLang="zh-TW" sz="1400" b="0" i="0" u="none" strike="noStrike" cap="none" normalizeH="0" baseline="0" dirty="0" smtClean="0">
+              <a:ln>
+                <a:noFill/>
+              </a:ln>
+              <a:solidFill>
+                <a:srgbClr val="000000"/>
+              </a:solidFill>
+              <a:effectLst/>
+              <a:latin typeface="Arial Unicode MS" panose="020B0604020202020204" pitchFamily="34" charset="-120"/>
+              <a:ea typeface="Droid Sans Mono"/>
+            </a:endParaRPr>
+          </a:p>
+          <a:p>
+            <a:pPr marL="0" marR="0" lvl="0" indent="0" algn="l" defTabSz="914400" rtl="0" eaLnBrk="0" fontAlgn="base" latinLnBrk="0" hangingPunct="0">
+              <a:lnSpc>
+                <a:spcPct val="100000"/>
+              </a:lnSpc>
+              <a:spcBef>
+                <a:spcPct val="0"/>
+              </a:spcBef>
+              <a:spcAft>
+                <a:spcPct val="0"/>
+              </a:spcAft>
+              <a:buClrTx/>
+              <a:buSzTx/>
+              <a:buFontTx/>
+              <a:buNone/>
+              <a:tabLst/>
+            </a:pPr>
+            <a:r>
+              <a:rPr lang="en-US" altLang="zh-TW" sz="1400" dirty="0">
+                <a:solidFill>
+                  <a:srgbClr val="000000"/>
+                </a:solidFill>
+                <a:latin typeface="Arial Unicode MS" panose="020B0604020202020204" pitchFamily="34" charset="-120"/>
+                <a:ea typeface="Droid Sans Mono"/>
+              </a:rPr>
+              <a:t> </a:t>
+            </a:r>
+            <a:r>
+              <a:rPr lang="en-US" altLang="zh-TW" sz="1400" dirty="0" smtClean="0">
+                <a:solidFill>
+                  <a:srgbClr val="000000"/>
+                </a:solidFill>
+                <a:latin typeface="Arial Unicode MS" panose="020B0604020202020204" pitchFamily="34" charset="-120"/>
+                <a:ea typeface="Droid Sans Mono"/>
+              </a:rPr>
+              <a:t>   </a:t>
+            </a:r>
+            <a:r>
+              <a:rPr kumimoji="0" lang="zh-TW" altLang="zh-TW" sz="1400" b="0" i="0" u="none" strike="noStrike" cap="none" normalizeH="0" baseline="0" dirty="0" smtClean="0">
+                <a:ln>
+                  <a:noFill/>
+                </a:ln>
+                <a:solidFill>
+                  <a:srgbClr val="000000"/>
+                </a:solidFill>
+                <a:effectLst/>
+                <a:latin typeface="Arial Unicode MS" panose="020B0604020202020204" pitchFamily="34" charset="-120"/>
+                <a:ea typeface="Droid Sans Mono"/>
+              </a:rPr>
+              <a:t>entityManager </a:t>
+            </a:r>
+            <a:r>
+              <a:rPr kumimoji="0" lang="zh-TW" altLang="zh-TW" sz="1400" b="0" i="0" u="none" strike="noStrike" cap="none" normalizeH="0" baseline="0" dirty="0" smtClean="0">
+                <a:ln>
+                  <a:noFill/>
+                </a:ln>
+                <a:solidFill>
+                  <a:srgbClr val="666600"/>
+                </a:solidFill>
+                <a:effectLst/>
+                <a:latin typeface="Arial Unicode MS" panose="020B0604020202020204" pitchFamily="34" charset="-120"/>
+                <a:ea typeface="Droid Sans Mono"/>
+              </a:rPr>
+              <a:t>=</a:t>
+            </a:r>
+            <a:r>
+              <a:rPr kumimoji="0" lang="zh-TW" altLang="zh-TW" sz="1400" b="0" i="0" u="none" strike="noStrike" cap="none" normalizeH="0" baseline="0" dirty="0" smtClean="0">
+                <a:ln>
+                  <a:noFill/>
+                </a:ln>
+                <a:solidFill>
+                  <a:srgbClr val="000000"/>
+                </a:solidFill>
+                <a:effectLst/>
+                <a:latin typeface="Arial Unicode MS" panose="020B0604020202020204" pitchFamily="34" charset="-120"/>
+                <a:ea typeface="Droid Sans Mono"/>
+              </a:rPr>
+              <a:t> entityManagerFactory</a:t>
+            </a:r>
+            <a:r>
+              <a:rPr kumimoji="0" lang="zh-TW" altLang="zh-TW" sz="1400" b="0" i="0" u="none" strike="noStrike" cap="none" normalizeH="0" baseline="0" dirty="0" smtClean="0">
+                <a:ln>
+                  <a:noFill/>
+                </a:ln>
+                <a:solidFill>
+                  <a:srgbClr val="666600"/>
+                </a:solidFill>
+                <a:effectLst/>
+                <a:latin typeface="Arial Unicode MS" panose="020B0604020202020204" pitchFamily="34" charset="-120"/>
+                <a:ea typeface="Droid Sans Mono"/>
+              </a:rPr>
+              <a:t>().</a:t>
+            </a:r>
+            <a:r>
+              <a:rPr kumimoji="0" lang="zh-TW" altLang="zh-TW" sz="1400" b="0" i="0" u="none" strike="noStrike" cap="none" normalizeH="0" baseline="0" dirty="0" smtClean="0">
+                <a:ln>
+                  <a:noFill/>
+                </a:ln>
+                <a:solidFill>
+                  <a:srgbClr val="000000"/>
+                </a:solidFill>
+                <a:effectLst/>
+                <a:latin typeface="Arial Unicode MS" panose="020B0604020202020204" pitchFamily="34" charset="-120"/>
+                <a:ea typeface="Droid Sans Mono"/>
+              </a:rPr>
+              <a:t>createEntityManager</a:t>
+            </a:r>
+            <a:r>
+              <a:rPr kumimoji="0" lang="zh-TW" altLang="zh-TW" sz="1400" b="0" i="0" u="none" strike="noStrike" cap="none" normalizeH="0" baseline="0" dirty="0" smtClean="0">
+                <a:ln>
+                  <a:noFill/>
+                </a:ln>
+                <a:solidFill>
+                  <a:srgbClr val="666600"/>
+                </a:solidFill>
+                <a:effectLst/>
+                <a:latin typeface="Arial Unicode MS" panose="020B0604020202020204" pitchFamily="34" charset="-120"/>
+                <a:ea typeface="Droid Sans Mono"/>
+              </a:rPr>
+              <a:t>();</a:t>
+            </a:r>
+            <a:r>
+              <a:rPr kumimoji="0" lang="zh-TW" altLang="zh-TW" sz="1400" b="0" i="0" u="none" strike="noStrike" cap="none" normalizeH="0" baseline="0" dirty="0" smtClean="0">
+                <a:ln>
+                  <a:noFill/>
+                </a:ln>
+                <a:solidFill>
+                  <a:srgbClr val="000000"/>
+                </a:solidFill>
+                <a:effectLst/>
+                <a:latin typeface="Arial Unicode MS" panose="020B0604020202020204" pitchFamily="34" charset="-120"/>
+                <a:ea typeface="Droid Sans Mono"/>
+              </a:rPr>
+              <a:t> </a:t>
+            </a:r>
+            <a:endParaRPr kumimoji="0" lang="en-US" altLang="zh-TW" sz="1400" b="0" i="0" u="none" strike="noStrike" cap="none" normalizeH="0" baseline="0" dirty="0" smtClean="0">
+              <a:ln>
+                <a:noFill/>
+              </a:ln>
+              <a:solidFill>
+                <a:srgbClr val="000000"/>
+              </a:solidFill>
+              <a:effectLst/>
+              <a:latin typeface="Arial Unicode MS" panose="020B0604020202020204" pitchFamily="34" charset="-120"/>
+              <a:ea typeface="Droid Sans Mono"/>
+            </a:endParaRPr>
+          </a:p>
+          <a:p>
+            <a:pPr marL="0" marR="0" lvl="0" indent="0" algn="l" defTabSz="914400" rtl="0" eaLnBrk="0" fontAlgn="base" latinLnBrk="0" hangingPunct="0">
+              <a:lnSpc>
+                <a:spcPct val="100000"/>
+              </a:lnSpc>
+              <a:spcBef>
+                <a:spcPct val="0"/>
+              </a:spcBef>
+              <a:spcAft>
+                <a:spcPct val="0"/>
+              </a:spcAft>
+              <a:buClrTx/>
+              <a:buSzTx/>
+              <a:buFontTx/>
+              <a:buNone/>
+              <a:tabLst/>
+            </a:pPr>
+            <a:r>
+              <a:rPr kumimoji="0" lang="en-US" altLang="zh-TW" sz="1400" b="0" i="0" u="none" strike="noStrike" cap="none" normalizeH="0" baseline="0" dirty="0" smtClean="0">
+                <a:ln>
+                  <a:noFill/>
+                </a:ln>
+                <a:solidFill>
+                  <a:srgbClr val="000000"/>
+                </a:solidFill>
+                <a:effectLst/>
+                <a:latin typeface="Arial Unicode MS" panose="020B0604020202020204" pitchFamily="34" charset="-120"/>
+                <a:ea typeface="Droid Sans Mono"/>
+              </a:rPr>
+              <a:t>    </a:t>
+            </a:r>
+            <a:r>
+              <a:rPr kumimoji="0" lang="zh-TW" altLang="zh-TW" sz="1400" b="0" i="0" u="none" strike="noStrike" cap="none" normalizeH="0" baseline="0" dirty="0" smtClean="0">
+                <a:ln>
+                  <a:noFill/>
+                </a:ln>
+                <a:solidFill>
+                  <a:srgbClr val="000000"/>
+                </a:solidFill>
+                <a:effectLst/>
+                <a:latin typeface="Arial Unicode MS" panose="020B0604020202020204" pitchFamily="34" charset="-120"/>
+                <a:ea typeface="Droid Sans Mono"/>
+              </a:rPr>
+              <a:t>txn </a:t>
+            </a:r>
+            <a:r>
+              <a:rPr kumimoji="0" lang="zh-TW" altLang="zh-TW" sz="1400" b="0" i="0" u="none" strike="noStrike" cap="none" normalizeH="0" baseline="0" dirty="0" smtClean="0">
+                <a:ln>
+                  <a:noFill/>
+                </a:ln>
+                <a:solidFill>
+                  <a:srgbClr val="666600"/>
+                </a:solidFill>
+                <a:effectLst/>
+                <a:latin typeface="Arial Unicode MS" panose="020B0604020202020204" pitchFamily="34" charset="-120"/>
+                <a:ea typeface="Droid Sans Mono"/>
+              </a:rPr>
+              <a:t>=</a:t>
+            </a:r>
+            <a:r>
+              <a:rPr kumimoji="0" lang="zh-TW" altLang="zh-TW" sz="1400" b="0" i="0" u="none" strike="noStrike" cap="none" normalizeH="0" baseline="0" dirty="0" smtClean="0">
+                <a:ln>
+                  <a:noFill/>
+                </a:ln>
+                <a:solidFill>
+                  <a:srgbClr val="000000"/>
+                </a:solidFill>
+                <a:effectLst/>
+                <a:latin typeface="Arial Unicode MS" panose="020B0604020202020204" pitchFamily="34" charset="-120"/>
+                <a:ea typeface="Droid Sans Mono"/>
+              </a:rPr>
+              <a:t> entityManager</a:t>
+            </a:r>
+            <a:r>
+              <a:rPr kumimoji="0" lang="zh-TW" altLang="zh-TW" sz="1400" b="0" i="0" u="none" strike="noStrike" cap="none" normalizeH="0" baseline="0" dirty="0" smtClean="0">
+                <a:ln>
+                  <a:noFill/>
+                </a:ln>
+                <a:solidFill>
+                  <a:srgbClr val="666600"/>
+                </a:solidFill>
+                <a:effectLst/>
+                <a:latin typeface="Arial Unicode MS" panose="020B0604020202020204" pitchFamily="34" charset="-120"/>
+                <a:ea typeface="Droid Sans Mono"/>
+              </a:rPr>
+              <a:t>.</a:t>
+            </a:r>
+            <a:r>
+              <a:rPr kumimoji="0" lang="zh-TW" altLang="zh-TW" sz="1400" b="0" i="0" u="none" strike="noStrike" cap="none" normalizeH="0" baseline="0" dirty="0" smtClean="0">
+                <a:ln>
+                  <a:noFill/>
+                </a:ln>
+                <a:solidFill>
+                  <a:srgbClr val="000000"/>
+                </a:solidFill>
+                <a:effectLst/>
+                <a:latin typeface="Arial Unicode MS" panose="020B0604020202020204" pitchFamily="34" charset="-120"/>
+                <a:ea typeface="Droid Sans Mono"/>
+              </a:rPr>
+              <a:t>getTransaction</a:t>
+            </a:r>
+            <a:r>
+              <a:rPr kumimoji="0" lang="zh-TW" altLang="zh-TW" sz="1400" b="0" i="0" u="none" strike="noStrike" cap="none" normalizeH="0" baseline="0" dirty="0" smtClean="0">
+                <a:ln>
+                  <a:noFill/>
+                </a:ln>
+                <a:solidFill>
+                  <a:srgbClr val="666600"/>
+                </a:solidFill>
+                <a:effectLst/>
+                <a:latin typeface="Arial Unicode MS" panose="020B0604020202020204" pitchFamily="34" charset="-120"/>
+                <a:ea typeface="Droid Sans Mono"/>
+              </a:rPr>
+              <a:t>();</a:t>
+            </a:r>
+            <a:r>
+              <a:rPr kumimoji="0" lang="zh-TW" altLang="zh-TW" sz="1400" b="0" i="0" u="none" strike="noStrike" cap="none" normalizeH="0" baseline="0" dirty="0" smtClean="0">
+                <a:ln>
+                  <a:noFill/>
+                </a:ln>
+                <a:solidFill>
+                  <a:srgbClr val="000000"/>
+                </a:solidFill>
+                <a:effectLst/>
+                <a:latin typeface="Arial Unicode MS" panose="020B0604020202020204" pitchFamily="34" charset="-120"/>
+                <a:ea typeface="Droid Sans Mono"/>
+              </a:rPr>
+              <a:t> </a:t>
+            </a:r>
+            <a:endParaRPr kumimoji="0" lang="en-US" altLang="zh-TW" sz="1400" b="0" i="0" u="none" strike="noStrike" cap="none" normalizeH="0" baseline="0" dirty="0" smtClean="0">
+              <a:ln>
+                <a:noFill/>
+              </a:ln>
+              <a:solidFill>
+                <a:srgbClr val="000000"/>
+              </a:solidFill>
+              <a:effectLst/>
+              <a:latin typeface="Arial Unicode MS" panose="020B0604020202020204" pitchFamily="34" charset="-120"/>
+              <a:ea typeface="Droid Sans Mono"/>
+            </a:endParaRPr>
+          </a:p>
+          <a:p>
+            <a:pPr marL="0" marR="0" lvl="0" indent="0" algn="l" defTabSz="914400" rtl="0" eaLnBrk="0" fontAlgn="base" latinLnBrk="0" hangingPunct="0">
+              <a:lnSpc>
+                <a:spcPct val="100000"/>
+              </a:lnSpc>
+              <a:spcBef>
+                <a:spcPct val="0"/>
+              </a:spcBef>
+              <a:spcAft>
+                <a:spcPct val="0"/>
+              </a:spcAft>
+              <a:buClrTx/>
+              <a:buSzTx/>
+              <a:buFontTx/>
+              <a:buNone/>
+              <a:tabLst/>
+            </a:pPr>
+            <a:r>
+              <a:rPr lang="en-US" altLang="zh-TW" sz="1400" dirty="0">
+                <a:solidFill>
+                  <a:srgbClr val="000000"/>
+                </a:solidFill>
+                <a:latin typeface="Arial Unicode MS" panose="020B0604020202020204" pitchFamily="34" charset="-120"/>
+                <a:ea typeface="Droid Sans Mono"/>
+              </a:rPr>
+              <a:t> </a:t>
+            </a:r>
+            <a:r>
+              <a:rPr lang="en-US" altLang="zh-TW" sz="1400" dirty="0" smtClean="0">
+                <a:solidFill>
+                  <a:srgbClr val="000000"/>
+                </a:solidFill>
+                <a:latin typeface="Arial Unicode MS" panose="020B0604020202020204" pitchFamily="34" charset="-120"/>
+                <a:ea typeface="Droid Sans Mono"/>
+              </a:rPr>
+              <a:t>   </a:t>
+            </a:r>
+            <a:r>
+              <a:rPr kumimoji="0" lang="zh-TW" altLang="zh-TW" sz="1400" b="0" i="0" u="none" strike="noStrike" cap="none" normalizeH="0" baseline="0" dirty="0" smtClean="0">
+                <a:ln>
+                  <a:noFill/>
+                </a:ln>
+                <a:solidFill>
+                  <a:srgbClr val="000000"/>
+                </a:solidFill>
+                <a:effectLst/>
+                <a:latin typeface="Arial Unicode MS" panose="020B0604020202020204" pitchFamily="34" charset="-120"/>
+                <a:ea typeface="Droid Sans Mono"/>
+              </a:rPr>
+              <a:t>txn</a:t>
+            </a:r>
+            <a:r>
+              <a:rPr kumimoji="0" lang="zh-TW" altLang="zh-TW" sz="1400" b="0" i="0" u="none" strike="noStrike" cap="none" normalizeH="0" baseline="0" dirty="0" smtClean="0">
+                <a:ln>
+                  <a:noFill/>
+                </a:ln>
+                <a:solidFill>
+                  <a:srgbClr val="666600"/>
+                </a:solidFill>
+                <a:effectLst/>
+                <a:latin typeface="Arial Unicode MS" panose="020B0604020202020204" pitchFamily="34" charset="-120"/>
+                <a:ea typeface="Droid Sans Mono"/>
+              </a:rPr>
+              <a:t>.</a:t>
+            </a:r>
+            <a:r>
+              <a:rPr kumimoji="0" lang="zh-TW" altLang="zh-TW" sz="1400" b="0" i="0" u="none" strike="noStrike" cap="none" normalizeH="0" baseline="0" dirty="0" smtClean="0">
+                <a:ln>
+                  <a:noFill/>
+                </a:ln>
+                <a:solidFill>
+                  <a:srgbClr val="000088"/>
+                </a:solidFill>
+                <a:effectLst/>
+                <a:latin typeface="Arial Unicode MS" panose="020B0604020202020204" pitchFamily="34" charset="-120"/>
+                <a:ea typeface="Droid Sans Mono"/>
+              </a:rPr>
+              <a:t>begin</a:t>
+            </a:r>
+            <a:r>
+              <a:rPr kumimoji="0" lang="zh-TW" altLang="zh-TW" sz="1400" b="0" i="0" u="none" strike="noStrike" cap="none" normalizeH="0" baseline="0" dirty="0" smtClean="0">
+                <a:ln>
+                  <a:noFill/>
+                </a:ln>
+                <a:solidFill>
+                  <a:srgbClr val="666600"/>
+                </a:solidFill>
+                <a:effectLst/>
+                <a:latin typeface="Arial Unicode MS" panose="020B0604020202020204" pitchFamily="34" charset="-120"/>
+                <a:ea typeface="Droid Sans Mono"/>
+              </a:rPr>
+              <a:t>();</a:t>
+            </a:r>
+            <a:r>
+              <a:rPr kumimoji="0" lang="zh-TW" altLang="zh-TW" sz="1400" b="0" i="0" u="none" strike="noStrike" cap="none" normalizeH="0" baseline="0" dirty="0" smtClean="0">
+                <a:ln>
+                  <a:noFill/>
+                </a:ln>
+                <a:solidFill>
+                  <a:srgbClr val="000000"/>
+                </a:solidFill>
+                <a:effectLst/>
+                <a:latin typeface="Arial Unicode MS" panose="020B0604020202020204" pitchFamily="34" charset="-120"/>
+                <a:ea typeface="Droid Sans Mono"/>
+              </a:rPr>
+              <a:t> </a:t>
+            </a:r>
+            <a:endParaRPr kumimoji="0" lang="en-US" altLang="zh-TW" sz="1400" b="0" i="0" u="none" strike="noStrike" cap="none" normalizeH="0" baseline="0" dirty="0" smtClean="0">
+              <a:ln>
+                <a:noFill/>
+              </a:ln>
+              <a:solidFill>
+                <a:srgbClr val="000000"/>
+              </a:solidFill>
+              <a:effectLst/>
+              <a:latin typeface="Arial Unicode MS" panose="020B0604020202020204" pitchFamily="34" charset="-120"/>
+              <a:ea typeface="Droid Sans Mono"/>
+            </a:endParaRPr>
+          </a:p>
+          <a:p>
+            <a:pPr marL="0" marR="0" lvl="0" indent="0" algn="l" defTabSz="914400" rtl="0" eaLnBrk="0" fontAlgn="base" latinLnBrk="0" hangingPunct="0">
+              <a:lnSpc>
+                <a:spcPct val="100000"/>
+              </a:lnSpc>
+              <a:spcBef>
+                <a:spcPct val="0"/>
+              </a:spcBef>
+              <a:spcAft>
+                <a:spcPct val="0"/>
+              </a:spcAft>
+              <a:buClrTx/>
+              <a:buSzTx/>
+              <a:buFontTx/>
+              <a:buNone/>
+              <a:tabLst/>
+            </a:pPr>
+            <a:r>
+              <a:rPr lang="en-US" altLang="zh-TW" sz="1400" dirty="0">
+                <a:solidFill>
+                  <a:srgbClr val="000000"/>
+                </a:solidFill>
+                <a:latin typeface="Arial Unicode MS" panose="020B0604020202020204" pitchFamily="34" charset="-120"/>
+                <a:ea typeface="Droid Sans Mono"/>
+              </a:rPr>
+              <a:t> </a:t>
+            </a:r>
+            <a:r>
+              <a:rPr lang="en-US" altLang="zh-TW" sz="1400" dirty="0" smtClean="0">
+                <a:solidFill>
+                  <a:srgbClr val="000000"/>
+                </a:solidFill>
+                <a:latin typeface="Arial Unicode MS" panose="020B0604020202020204" pitchFamily="34" charset="-120"/>
+                <a:ea typeface="Droid Sans Mono"/>
+              </a:rPr>
+              <a:t>   </a:t>
+            </a:r>
+            <a:r>
+              <a:rPr kumimoji="0" lang="zh-TW" altLang="zh-TW" sz="1400" b="0" i="0" u="none" strike="noStrike" cap="none" normalizeH="0" baseline="0" dirty="0" smtClean="0">
+                <a:ln>
+                  <a:noFill/>
+                </a:ln>
+                <a:solidFill>
+                  <a:srgbClr val="000088"/>
+                </a:solidFill>
+                <a:effectLst/>
+                <a:latin typeface="Arial Unicode MS" panose="020B0604020202020204" pitchFamily="34" charset="-120"/>
+                <a:ea typeface="Droid Sans Mono"/>
+              </a:rPr>
+              <a:t>int</a:t>
+            </a:r>
+            <a:r>
+              <a:rPr kumimoji="0" lang="zh-TW" altLang="zh-TW" sz="1400" b="0" i="0" u="none" strike="noStrike" cap="none" normalizeH="0" baseline="0" dirty="0" smtClean="0">
+                <a:ln>
+                  <a:noFill/>
+                </a:ln>
+                <a:solidFill>
+                  <a:srgbClr val="000000"/>
+                </a:solidFill>
+                <a:effectLst/>
+                <a:latin typeface="Arial Unicode MS" panose="020B0604020202020204" pitchFamily="34" charset="-120"/>
+                <a:ea typeface="Droid Sans Mono"/>
+              </a:rPr>
+              <a:t> batchSize </a:t>
+            </a:r>
+            <a:r>
+              <a:rPr kumimoji="0" lang="zh-TW" altLang="zh-TW" sz="1400" b="0" i="0" u="none" strike="noStrike" cap="none" normalizeH="0" baseline="0" dirty="0" smtClean="0">
+                <a:ln>
+                  <a:noFill/>
+                </a:ln>
+                <a:solidFill>
+                  <a:srgbClr val="666600"/>
+                </a:solidFill>
+                <a:effectLst/>
+                <a:latin typeface="Arial Unicode MS" panose="020B0604020202020204" pitchFamily="34" charset="-120"/>
+                <a:ea typeface="Droid Sans Mono"/>
+              </a:rPr>
+              <a:t>=</a:t>
+            </a:r>
+            <a:r>
+              <a:rPr kumimoji="0" lang="zh-TW" altLang="zh-TW" sz="1400" b="0" i="0" u="none" strike="noStrike" cap="none" normalizeH="0" baseline="0" dirty="0" smtClean="0">
+                <a:ln>
+                  <a:noFill/>
+                </a:ln>
+                <a:solidFill>
+                  <a:srgbClr val="000000"/>
+                </a:solidFill>
+                <a:effectLst/>
+                <a:latin typeface="Arial Unicode MS" panose="020B0604020202020204" pitchFamily="34" charset="-120"/>
+                <a:ea typeface="Droid Sans Mono"/>
+              </a:rPr>
+              <a:t> </a:t>
+            </a:r>
+            <a:r>
+              <a:rPr kumimoji="0" lang="en-US" altLang="zh-TW" sz="1400" b="0" i="0" u="none" strike="noStrike" cap="none" normalizeH="0" baseline="0" dirty="0" smtClean="0">
+                <a:ln>
+                  <a:noFill/>
+                </a:ln>
+                <a:solidFill>
+                  <a:srgbClr val="000000"/>
+                </a:solidFill>
+                <a:effectLst/>
+                <a:latin typeface="Arial Unicode MS" panose="020B0604020202020204" pitchFamily="34" charset="-120"/>
+                <a:ea typeface="Droid Sans Mono"/>
+              </a:rPr>
+              <a:t>50</a:t>
+            </a:r>
+            <a:r>
+              <a:rPr kumimoji="0" lang="zh-TW" altLang="zh-TW" sz="1400" b="0" i="0" u="none" strike="noStrike" cap="none" normalizeH="0" baseline="0" dirty="0" smtClean="0">
+                <a:ln>
+                  <a:noFill/>
+                </a:ln>
+                <a:solidFill>
+                  <a:srgbClr val="666600"/>
+                </a:solidFill>
+                <a:effectLst/>
+                <a:latin typeface="Arial Unicode MS" panose="020B0604020202020204" pitchFamily="34" charset="-120"/>
+                <a:ea typeface="Droid Sans Mono"/>
+              </a:rPr>
+              <a:t>;</a:t>
+            </a:r>
+            <a:r>
+              <a:rPr kumimoji="0" lang="zh-TW" altLang="zh-TW" sz="1400" b="0" i="0" u="none" strike="noStrike" cap="none" normalizeH="0" baseline="0" dirty="0" smtClean="0">
+                <a:ln>
+                  <a:noFill/>
+                </a:ln>
+                <a:solidFill>
+                  <a:srgbClr val="000000"/>
+                </a:solidFill>
+                <a:effectLst/>
+                <a:latin typeface="Arial Unicode MS" panose="020B0604020202020204" pitchFamily="34" charset="-120"/>
+                <a:ea typeface="Droid Sans Mono"/>
+              </a:rPr>
+              <a:t> </a:t>
+            </a:r>
+            <a:endParaRPr kumimoji="0" lang="en-US" altLang="zh-TW" sz="1400" b="0" i="0" u="none" strike="noStrike" cap="none" normalizeH="0" baseline="0" dirty="0" smtClean="0">
+              <a:ln>
+                <a:noFill/>
+              </a:ln>
+              <a:solidFill>
+                <a:srgbClr val="000000"/>
+              </a:solidFill>
+              <a:effectLst/>
+              <a:latin typeface="Arial Unicode MS" panose="020B0604020202020204" pitchFamily="34" charset="-120"/>
+              <a:ea typeface="Droid Sans Mono"/>
+            </a:endParaRPr>
+          </a:p>
+          <a:p>
+            <a:pPr marL="0" marR="0" lvl="0" indent="0" algn="l" defTabSz="914400" rtl="0" eaLnBrk="0" fontAlgn="base" latinLnBrk="0" hangingPunct="0">
+              <a:lnSpc>
+                <a:spcPct val="100000"/>
+              </a:lnSpc>
+              <a:spcBef>
+                <a:spcPct val="0"/>
+              </a:spcBef>
+              <a:spcAft>
+                <a:spcPct val="0"/>
+              </a:spcAft>
+              <a:buClrTx/>
+              <a:buSzTx/>
+              <a:buFontTx/>
+              <a:buNone/>
+              <a:tabLst/>
+            </a:pPr>
+            <a:r>
+              <a:rPr kumimoji="0" lang="en-US" altLang="zh-TW" sz="1400" b="0" i="0" u="none" strike="noStrike" cap="none" normalizeH="0" baseline="0" dirty="0" smtClean="0">
+                <a:ln>
+                  <a:noFill/>
+                </a:ln>
+                <a:solidFill>
+                  <a:srgbClr val="000088"/>
+                </a:solidFill>
+                <a:effectLst/>
+                <a:latin typeface="Arial Unicode MS" panose="020B0604020202020204" pitchFamily="34" charset="-120"/>
+                <a:ea typeface="Droid Sans Mono"/>
+              </a:rPr>
+              <a:t>    </a:t>
+            </a:r>
+            <a:r>
+              <a:rPr kumimoji="0" lang="zh-TW" altLang="zh-TW" sz="1400" b="0" i="0" u="none" strike="noStrike" cap="none" normalizeH="0" baseline="0" dirty="0" smtClean="0">
+                <a:ln>
+                  <a:noFill/>
+                </a:ln>
+                <a:solidFill>
+                  <a:srgbClr val="000088"/>
+                </a:solidFill>
+                <a:effectLst/>
+                <a:latin typeface="Arial Unicode MS" panose="020B0604020202020204" pitchFamily="34" charset="-120"/>
+                <a:ea typeface="Droid Sans Mono"/>
+              </a:rPr>
+              <a:t>for</a:t>
+            </a:r>
+            <a:r>
+              <a:rPr kumimoji="0" lang="zh-TW" altLang="zh-TW" sz="1400" b="0" i="0" u="none" strike="noStrike" cap="none" normalizeH="0" baseline="0" dirty="0" smtClean="0">
+                <a:ln>
+                  <a:noFill/>
+                </a:ln>
+                <a:solidFill>
+                  <a:srgbClr val="000000"/>
+                </a:solidFill>
+                <a:effectLst/>
+                <a:latin typeface="Arial Unicode MS" panose="020B0604020202020204" pitchFamily="34" charset="-120"/>
+                <a:ea typeface="Droid Sans Mono"/>
+              </a:rPr>
+              <a:t> </a:t>
+            </a:r>
+            <a:r>
+              <a:rPr kumimoji="0" lang="zh-TW" altLang="zh-TW" sz="1400" b="0" i="0" u="none" strike="noStrike" cap="none" normalizeH="0" baseline="0" dirty="0" smtClean="0">
+                <a:ln>
+                  <a:noFill/>
+                </a:ln>
+                <a:solidFill>
+                  <a:srgbClr val="666600"/>
+                </a:solidFill>
+                <a:effectLst/>
+                <a:latin typeface="Arial Unicode MS" panose="020B0604020202020204" pitchFamily="34" charset="-120"/>
+                <a:ea typeface="Droid Sans Mono"/>
+              </a:rPr>
+              <a:t>(</a:t>
+            </a:r>
+            <a:r>
+              <a:rPr kumimoji="0" lang="zh-TW" altLang="zh-TW" sz="1400" b="0" i="0" u="none" strike="noStrike" cap="none" normalizeH="0" baseline="0" dirty="0" smtClean="0">
+                <a:ln>
+                  <a:noFill/>
+                </a:ln>
+                <a:solidFill>
+                  <a:srgbClr val="000000"/>
+                </a:solidFill>
+                <a:effectLst/>
+                <a:latin typeface="Arial Unicode MS" panose="020B0604020202020204" pitchFamily="34" charset="-120"/>
+                <a:ea typeface="Droid Sans Mono"/>
+              </a:rPr>
+              <a:t> </a:t>
+            </a:r>
+            <a:r>
+              <a:rPr kumimoji="0" lang="zh-TW" altLang="zh-TW" sz="1400" b="0" i="0" u="none" strike="noStrike" cap="none" normalizeH="0" baseline="0" dirty="0" smtClean="0">
+                <a:ln>
+                  <a:noFill/>
+                </a:ln>
+                <a:solidFill>
+                  <a:srgbClr val="000088"/>
+                </a:solidFill>
+                <a:effectLst/>
+                <a:latin typeface="Arial Unicode MS" panose="020B0604020202020204" pitchFamily="34" charset="-120"/>
+                <a:ea typeface="Droid Sans Mono"/>
+              </a:rPr>
+              <a:t>int</a:t>
+            </a:r>
+            <a:r>
+              <a:rPr kumimoji="0" lang="zh-TW" altLang="zh-TW" sz="1400" b="0" i="0" u="none" strike="noStrike" cap="none" normalizeH="0" baseline="0" dirty="0" smtClean="0">
+                <a:ln>
+                  <a:noFill/>
+                </a:ln>
+                <a:solidFill>
+                  <a:srgbClr val="000000"/>
+                </a:solidFill>
+                <a:effectLst/>
+                <a:latin typeface="Arial Unicode MS" panose="020B0604020202020204" pitchFamily="34" charset="-120"/>
+                <a:ea typeface="Droid Sans Mono"/>
+              </a:rPr>
+              <a:t> i </a:t>
+            </a:r>
+            <a:r>
+              <a:rPr kumimoji="0" lang="zh-TW" altLang="zh-TW" sz="1400" b="0" i="0" u="none" strike="noStrike" cap="none" normalizeH="0" baseline="0" dirty="0" smtClean="0">
+                <a:ln>
+                  <a:noFill/>
+                </a:ln>
+                <a:solidFill>
+                  <a:srgbClr val="666600"/>
+                </a:solidFill>
+                <a:effectLst/>
+                <a:latin typeface="Arial Unicode MS" panose="020B0604020202020204" pitchFamily="34" charset="-120"/>
+                <a:ea typeface="Droid Sans Mono"/>
+              </a:rPr>
+              <a:t>=</a:t>
+            </a:r>
+            <a:r>
+              <a:rPr kumimoji="0" lang="zh-TW" altLang="zh-TW" sz="1400" b="0" i="0" u="none" strike="noStrike" cap="none" normalizeH="0" baseline="0" dirty="0" smtClean="0">
+                <a:ln>
+                  <a:noFill/>
+                </a:ln>
+                <a:solidFill>
+                  <a:srgbClr val="000000"/>
+                </a:solidFill>
+                <a:effectLst/>
+                <a:latin typeface="Arial Unicode MS" panose="020B0604020202020204" pitchFamily="34" charset="-120"/>
+                <a:ea typeface="Droid Sans Mono"/>
+              </a:rPr>
+              <a:t> </a:t>
+            </a:r>
+            <a:r>
+              <a:rPr kumimoji="0" lang="zh-TW" altLang="zh-TW" sz="1400" b="0" i="0" u="none" strike="noStrike" cap="none" normalizeH="0" baseline="0" dirty="0" smtClean="0">
+                <a:ln>
+                  <a:noFill/>
+                </a:ln>
+                <a:solidFill>
+                  <a:srgbClr val="006666"/>
+                </a:solidFill>
+                <a:effectLst/>
+                <a:latin typeface="Arial Unicode MS" panose="020B0604020202020204" pitchFamily="34" charset="-120"/>
+                <a:ea typeface="Droid Sans Mono"/>
+              </a:rPr>
+              <a:t>0</a:t>
+            </a:r>
+            <a:r>
+              <a:rPr kumimoji="0" lang="zh-TW" altLang="zh-TW" sz="1400" b="0" i="0" u="none" strike="noStrike" cap="none" normalizeH="0" baseline="0" dirty="0" smtClean="0">
+                <a:ln>
+                  <a:noFill/>
+                </a:ln>
+                <a:solidFill>
+                  <a:srgbClr val="666600"/>
+                </a:solidFill>
+                <a:effectLst/>
+                <a:latin typeface="Arial Unicode MS" panose="020B0604020202020204" pitchFamily="34" charset="-120"/>
+                <a:ea typeface="Droid Sans Mono"/>
+              </a:rPr>
+              <a:t>;</a:t>
+            </a:r>
+            <a:r>
+              <a:rPr kumimoji="0" lang="zh-TW" altLang="zh-TW" sz="1400" b="0" i="0" u="none" strike="noStrike" cap="none" normalizeH="0" baseline="0" dirty="0" smtClean="0">
+                <a:ln>
+                  <a:noFill/>
+                </a:ln>
+                <a:solidFill>
+                  <a:srgbClr val="000000"/>
+                </a:solidFill>
+                <a:effectLst/>
+                <a:latin typeface="Arial Unicode MS" panose="020B0604020202020204" pitchFamily="34" charset="-120"/>
+                <a:ea typeface="Droid Sans Mono"/>
+              </a:rPr>
+              <a:t> i </a:t>
+            </a:r>
+            <a:r>
+              <a:rPr kumimoji="0" lang="zh-TW" altLang="zh-TW" sz="1400" b="0" i="0" u="none" strike="noStrike" cap="none" normalizeH="0" baseline="0" dirty="0" smtClean="0">
+                <a:ln>
+                  <a:noFill/>
+                </a:ln>
+                <a:solidFill>
+                  <a:srgbClr val="666600"/>
+                </a:solidFill>
+                <a:effectLst/>
+                <a:latin typeface="Arial Unicode MS" panose="020B0604020202020204" pitchFamily="34" charset="-120"/>
+                <a:ea typeface="Droid Sans Mono"/>
+              </a:rPr>
+              <a:t>&lt;</a:t>
+            </a:r>
+            <a:r>
+              <a:rPr kumimoji="0" lang="zh-TW" altLang="zh-TW" sz="1400" b="0" i="0" u="none" strike="noStrike" cap="none" normalizeH="0" baseline="0" dirty="0" smtClean="0">
+                <a:ln>
+                  <a:noFill/>
+                </a:ln>
+                <a:solidFill>
+                  <a:srgbClr val="000000"/>
+                </a:solidFill>
+                <a:effectLst/>
+                <a:latin typeface="Arial Unicode MS" panose="020B0604020202020204" pitchFamily="34" charset="-120"/>
+                <a:ea typeface="Droid Sans Mono"/>
+              </a:rPr>
+              <a:t> entityCount</a:t>
+            </a:r>
+            <a:r>
+              <a:rPr kumimoji="0" lang="zh-TW" altLang="zh-TW" sz="1400" b="0" i="0" u="none" strike="noStrike" cap="none" normalizeH="0" baseline="0" dirty="0" smtClean="0">
+                <a:ln>
+                  <a:noFill/>
+                </a:ln>
+                <a:solidFill>
+                  <a:srgbClr val="666600"/>
+                </a:solidFill>
+                <a:effectLst/>
+                <a:latin typeface="Arial Unicode MS" panose="020B0604020202020204" pitchFamily="34" charset="-120"/>
+                <a:ea typeface="Droid Sans Mono"/>
+              </a:rPr>
+              <a:t>;</a:t>
+            </a:r>
+            <a:r>
+              <a:rPr kumimoji="0" lang="zh-TW" altLang="zh-TW" sz="1400" b="0" i="0" u="none" strike="noStrike" cap="none" normalizeH="0" baseline="0" dirty="0" smtClean="0">
+                <a:ln>
+                  <a:noFill/>
+                </a:ln>
+                <a:solidFill>
+                  <a:srgbClr val="000000"/>
+                </a:solidFill>
+                <a:effectLst/>
+                <a:latin typeface="Arial Unicode MS" panose="020B0604020202020204" pitchFamily="34" charset="-120"/>
+                <a:ea typeface="Droid Sans Mono"/>
+              </a:rPr>
+              <a:t> i</a:t>
+            </a:r>
+            <a:r>
+              <a:rPr kumimoji="0" lang="zh-TW" altLang="zh-TW" sz="1400" b="0" i="0" u="none" strike="noStrike" cap="none" normalizeH="0" baseline="0" dirty="0" smtClean="0">
+                <a:ln>
+                  <a:noFill/>
+                </a:ln>
+                <a:solidFill>
+                  <a:srgbClr val="666600"/>
+                </a:solidFill>
+                <a:effectLst/>
+                <a:latin typeface="Arial Unicode MS" panose="020B0604020202020204" pitchFamily="34" charset="-120"/>
+                <a:ea typeface="Droid Sans Mono"/>
+              </a:rPr>
+              <a:t>++</a:t>
+            </a:r>
+            <a:r>
+              <a:rPr kumimoji="0" lang="zh-TW" altLang="zh-TW" sz="1400" b="0" i="0" u="none" strike="noStrike" cap="none" normalizeH="0" baseline="0" dirty="0" smtClean="0">
+                <a:ln>
+                  <a:noFill/>
+                </a:ln>
+                <a:solidFill>
+                  <a:srgbClr val="000000"/>
+                </a:solidFill>
+                <a:effectLst/>
+                <a:latin typeface="Arial Unicode MS" panose="020B0604020202020204" pitchFamily="34" charset="-120"/>
+                <a:ea typeface="Droid Sans Mono"/>
+              </a:rPr>
+              <a:t> </a:t>
+            </a:r>
+            <a:r>
+              <a:rPr kumimoji="0" lang="zh-TW" altLang="zh-TW" sz="1400" b="0" i="0" u="none" strike="noStrike" cap="none" normalizeH="0" baseline="0" dirty="0" smtClean="0">
+                <a:ln>
+                  <a:noFill/>
+                </a:ln>
+                <a:solidFill>
+                  <a:srgbClr val="666600"/>
+                </a:solidFill>
+                <a:effectLst/>
+                <a:latin typeface="Arial Unicode MS" panose="020B0604020202020204" pitchFamily="34" charset="-120"/>
+                <a:ea typeface="Droid Sans Mono"/>
+              </a:rPr>
+              <a:t>)</a:t>
+            </a:r>
+            <a:r>
+              <a:rPr kumimoji="0" lang="zh-TW" altLang="zh-TW" sz="1400" b="0" i="0" u="none" strike="noStrike" cap="none" normalizeH="0" baseline="0" dirty="0" smtClean="0">
+                <a:ln>
+                  <a:noFill/>
+                </a:ln>
+                <a:solidFill>
+                  <a:srgbClr val="000000"/>
+                </a:solidFill>
+                <a:effectLst/>
+                <a:latin typeface="Arial Unicode MS" panose="020B0604020202020204" pitchFamily="34" charset="-120"/>
+                <a:ea typeface="Droid Sans Mono"/>
+              </a:rPr>
+              <a:t> </a:t>
+            </a:r>
+            <a:r>
+              <a:rPr kumimoji="0" lang="zh-TW" altLang="zh-TW" sz="1400" b="0" i="0" u="none" strike="noStrike" cap="none" normalizeH="0" baseline="0" dirty="0" smtClean="0">
+                <a:ln>
+                  <a:noFill/>
+                </a:ln>
+                <a:solidFill>
+                  <a:srgbClr val="666600"/>
+                </a:solidFill>
+                <a:effectLst/>
+                <a:latin typeface="Arial Unicode MS" panose="020B0604020202020204" pitchFamily="34" charset="-120"/>
+                <a:ea typeface="Droid Sans Mono"/>
+              </a:rPr>
+              <a:t>{</a:t>
+            </a:r>
+            <a:r>
+              <a:rPr kumimoji="0" lang="zh-TW" altLang="zh-TW" sz="1400" b="0" i="0" u="none" strike="noStrike" cap="none" normalizeH="0" baseline="0" dirty="0" smtClean="0">
+                <a:ln>
+                  <a:noFill/>
+                </a:ln>
+                <a:solidFill>
+                  <a:srgbClr val="000000"/>
+                </a:solidFill>
+                <a:effectLst/>
+                <a:latin typeface="Arial Unicode MS" panose="020B0604020202020204" pitchFamily="34" charset="-120"/>
+                <a:ea typeface="Droid Sans Mono"/>
+              </a:rPr>
+              <a:t> </a:t>
+            </a:r>
+            <a:endParaRPr kumimoji="0" lang="en-US" altLang="zh-TW" sz="1400" b="0" i="0" u="none" strike="noStrike" cap="none" normalizeH="0" baseline="0" dirty="0" smtClean="0">
+              <a:ln>
+                <a:noFill/>
+              </a:ln>
+              <a:solidFill>
+                <a:srgbClr val="000000"/>
+              </a:solidFill>
+              <a:effectLst/>
+              <a:latin typeface="Arial Unicode MS" panose="020B0604020202020204" pitchFamily="34" charset="-120"/>
+              <a:ea typeface="Droid Sans Mono"/>
+            </a:endParaRPr>
+          </a:p>
+          <a:p>
+            <a:pPr marL="0" marR="0" lvl="0" indent="0" algn="l" defTabSz="914400" rtl="0" eaLnBrk="0" fontAlgn="base" latinLnBrk="0" hangingPunct="0">
+              <a:lnSpc>
+                <a:spcPct val="100000"/>
+              </a:lnSpc>
+              <a:spcBef>
+                <a:spcPct val="0"/>
+              </a:spcBef>
+              <a:spcAft>
+                <a:spcPct val="0"/>
+              </a:spcAft>
+              <a:buClrTx/>
+              <a:buSzTx/>
+              <a:buFontTx/>
+              <a:buNone/>
+              <a:tabLst/>
+            </a:pPr>
+            <a:r>
+              <a:rPr lang="en-US" altLang="zh-TW" sz="1400" dirty="0">
+                <a:solidFill>
+                  <a:srgbClr val="000000"/>
+                </a:solidFill>
+                <a:latin typeface="Arial Unicode MS" panose="020B0604020202020204" pitchFamily="34" charset="-120"/>
+                <a:ea typeface="Droid Sans Mono"/>
+              </a:rPr>
+              <a:t> </a:t>
+            </a:r>
+            <a:r>
+              <a:rPr lang="en-US" altLang="zh-TW" sz="1400" dirty="0" smtClean="0">
+                <a:solidFill>
+                  <a:srgbClr val="000000"/>
+                </a:solidFill>
+                <a:latin typeface="Arial Unicode MS" panose="020B0604020202020204" pitchFamily="34" charset="-120"/>
+                <a:ea typeface="Droid Sans Mono"/>
+              </a:rPr>
+              <a:t>       </a:t>
+            </a:r>
+            <a:r>
+              <a:rPr kumimoji="0" lang="zh-TW" altLang="zh-TW" sz="1400" b="0" i="0" u="none" strike="noStrike" cap="none" normalizeH="0" baseline="0" dirty="0" smtClean="0">
+                <a:ln>
+                  <a:noFill/>
+                </a:ln>
+                <a:solidFill>
+                  <a:srgbClr val="000088"/>
+                </a:solidFill>
+                <a:effectLst/>
+                <a:latin typeface="Arial Unicode MS" panose="020B0604020202020204" pitchFamily="34" charset="-120"/>
+                <a:ea typeface="Droid Sans Mono"/>
+              </a:rPr>
+              <a:t>if</a:t>
+            </a:r>
+            <a:r>
+              <a:rPr kumimoji="0" lang="zh-TW" altLang="zh-TW" sz="1400" b="0" i="0" u="none" strike="noStrike" cap="none" normalizeH="0" baseline="0" dirty="0" smtClean="0">
+                <a:ln>
+                  <a:noFill/>
+                </a:ln>
+                <a:solidFill>
+                  <a:srgbClr val="000000"/>
+                </a:solidFill>
+                <a:effectLst/>
+                <a:latin typeface="Arial Unicode MS" panose="020B0604020202020204" pitchFamily="34" charset="-120"/>
+                <a:ea typeface="Droid Sans Mono"/>
+              </a:rPr>
+              <a:t> </a:t>
+            </a:r>
+            <a:r>
+              <a:rPr kumimoji="0" lang="zh-TW" altLang="zh-TW" sz="1400" b="0" i="0" u="none" strike="noStrike" cap="none" normalizeH="0" baseline="0" dirty="0" smtClean="0">
+                <a:ln>
+                  <a:noFill/>
+                </a:ln>
+                <a:solidFill>
+                  <a:srgbClr val="666600"/>
+                </a:solidFill>
+                <a:effectLst/>
+                <a:latin typeface="Arial Unicode MS" panose="020B0604020202020204" pitchFamily="34" charset="-120"/>
+                <a:ea typeface="Droid Sans Mono"/>
+              </a:rPr>
+              <a:t>(</a:t>
+            </a:r>
+            <a:r>
+              <a:rPr kumimoji="0" lang="zh-TW" altLang="zh-TW" sz="1400" b="0" i="0" u="none" strike="noStrike" cap="none" normalizeH="0" baseline="0" dirty="0" smtClean="0">
+                <a:ln>
+                  <a:noFill/>
+                </a:ln>
+                <a:solidFill>
+                  <a:srgbClr val="000000"/>
+                </a:solidFill>
+                <a:effectLst/>
+                <a:latin typeface="Arial Unicode MS" panose="020B0604020202020204" pitchFamily="34" charset="-120"/>
+                <a:ea typeface="Droid Sans Mono"/>
+              </a:rPr>
+              <a:t> i </a:t>
+            </a:r>
+            <a:r>
+              <a:rPr kumimoji="0" lang="zh-TW" altLang="zh-TW" sz="1400" b="0" i="0" u="none" strike="noStrike" cap="none" normalizeH="0" baseline="0" dirty="0" smtClean="0">
+                <a:ln>
+                  <a:noFill/>
+                </a:ln>
+                <a:solidFill>
+                  <a:srgbClr val="666600"/>
+                </a:solidFill>
+                <a:effectLst/>
+                <a:latin typeface="Arial Unicode MS" panose="020B0604020202020204" pitchFamily="34" charset="-120"/>
+                <a:ea typeface="Droid Sans Mono"/>
+              </a:rPr>
+              <a:t>&gt;</a:t>
+            </a:r>
+            <a:r>
+              <a:rPr kumimoji="0" lang="zh-TW" altLang="zh-TW" sz="1400" b="0" i="0" u="none" strike="noStrike" cap="none" normalizeH="0" baseline="0" dirty="0" smtClean="0">
+                <a:ln>
+                  <a:noFill/>
+                </a:ln>
+                <a:solidFill>
+                  <a:srgbClr val="000000"/>
+                </a:solidFill>
+                <a:effectLst/>
+                <a:latin typeface="Arial Unicode MS" panose="020B0604020202020204" pitchFamily="34" charset="-120"/>
+                <a:ea typeface="Droid Sans Mono"/>
+              </a:rPr>
+              <a:t> </a:t>
+            </a:r>
+            <a:r>
+              <a:rPr kumimoji="0" lang="zh-TW" altLang="zh-TW" sz="1400" b="0" i="0" u="none" strike="noStrike" cap="none" normalizeH="0" baseline="0" dirty="0" smtClean="0">
+                <a:ln>
+                  <a:noFill/>
+                </a:ln>
+                <a:solidFill>
+                  <a:srgbClr val="006666"/>
+                </a:solidFill>
+                <a:effectLst/>
+                <a:latin typeface="Arial Unicode MS" panose="020B0604020202020204" pitchFamily="34" charset="-120"/>
+                <a:ea typeface="Droid Sans Mono"/>
+              </a:rPr>
+              <a:t>0</a:t>
+            </a:r>
+            <a:r>
+              <a:rPr kumimoji="0" lang="zh-TW" altLang="zh-TW" sz="1400" b="0" i="0" u="none" strike="noStrike" cap="none" normalizeH="0" baseline="0" dirty="0" smtClean="0">
+                <a:ln>
+                  <a:noFill/>
+                </a:ln>
+                <a:solidFill>
+                  <a:srgbClr val="000000"/>
+                </a:solidFill>
+                <a:effectLst/>
+                <a:latin typeface="Arial Unicode MS" panose="020B0604020202020204" pitchFamily="34" charset="-120"/>
+                <a:ea typeface="Droid Sans Mono"/>
+              </a:rPr>
+              <a:t> </a:t>
+            </a:r>
+            <a:r>
+              <a:rPr kumimoji="0" lang="zh-TW" altLang="zh-TW" sz="1400" b="0" i="0" u="none" strike="noStrike" cap="none" normalizeH="0" baseline="0" dirty="0" smtClean="0">
+                <a:ln>
+                  <a:noFill/>
+                </a:ln>
+                <a:solidFill>
+                  <a:srgbClr val="666600"/>
+                </a:solidFill>
+                <a:effectLst/>
+                <a:latin typeface="Arial Unicode MS" panose="020B0604020202020204" pitchFamily="34" charset="-120"/>
+                <a:ea typeface="Droid Sans Mono"/>
+              </a:rPr>
+              <a:t>&amp;&amp;</a:t>
+            </a:r>
+            <a:r>
+              <a:rPr kumimoji="0" lang="zh-TW" altLang="zh-TW" sz="1400" b="0" i="0" u="none" strike="noStrike" cap="none" normalizeH="0" baseline="0" dirty="0" smtClean="0">
+                <a:ln>
+                  <a:noFill/>
+                </a:ln>
+                <a:solidFill>
+                  <a:srgbClr val="000000"/>
+                </a:solidFill>
+                <a:effectLst/>
+                <a:latin typeface="Arial Unicode MS" panose="020B0604020202020204" pitchFamily="34" charset="-120"/>
+                <a:ea typeface="Droid Sans Mono"/>
+              </a:rPr>
+              <a:t> i </a:t>
+            </a:r>
+            <a:r>
+              <a:rPr kumimoji="0" lang="zh-TW" altLang="zh-TW" sz="1400" b="0" i="0" u="none" strike="noStrike" cap="none" normalizeH="0" baseline="0" dirty="0" smtClean="0">
+                <a:ln>
+                  <a:noFill/>
+                </a:ln>
+                <a:solidFill>
+                  <a:srgbClr val="666600"/>
+                </a:solidFill>
+                <a:effectLst/>
+                <a:latin typeface="Arial Unicode MS" panose="020B0604020202020204" pitchFamily="34" charset="-120"/>
+                <a:ea typeface="Droid Sans Mono"/>
+              </a:rPr>
+              <a:t>%</a:t>
+            </a:r>
+            <a:r>
+              <a:rPr kumimoji="0" lang="zh-TW" altLang="zh-TW" sz="1400" b="0" i="0" u="none" strike="noStrike" cap="none" normalizeH="0" baseline="0" dirty="0" smtClean="0">
+                <a:ln>
+                  <a:noFill/>
+                </a:ln>
+                <a:solidFill>
+                  <a:srgbClr val="000000"/>
+                </a:solidFill>
+                <a:effectLst/>
+                <a:latin typeface="Arial Unicode MS" panose="020B0604020202020204" pitchFamily="34" charset="-120"/>
+                <a:ea typeface="Droid Sans Mono"/>
+              </a:rPr>
+              <a:t> batchSize </a:t>
+            </a:r>
+            <a:r>
+              <a:rPr kumimoji="0" lang="zh-TW" altLang="zh-TW" sz="1400" b="0" i="0" u="none" strike="noStrike" cap="none" normalizeH="0" baseline="0" dirty="0" smtClean="0">
+                <a:ln>
+                  <a:noFill/>
+                </a:ln>
+                <a:solidFill>
+                  <a:srgbClr val="666600"/>
+                </a:solidFill>
+                <a:effectLst/>
+                <a:latin typeface="Arial Unicode MS" panose="020B0604020202020204" pitchFamily="34" charset="-120"/>
+                <a:ea typeface="Droid Sans Mono"/>
+              </a:rPr>
+              <a:t>==</a:t>
+            </a:r>
+            <a:r>
+              <a:rPr kumimoji="0" lang="zh-TW" altLang="zh-TW" sz="1400" b="0" i="0" u="none" strike="noStrike" cap="none" normalizeH="0" baseline="0" dirty="0" smtClean="0">
+                <a:ln>
+                  <a:noFill/>
+                </a:ln>
+                <a:solidFill>
+                  <a:srgbClr val="000000"/>
+                </a:solidFill>
+                <a:effectLst/>
+                <a:latin typeface="Arial Unicode MS" panose="020B0604020202020204" pitchFamily="34" charset="-120"/>
+                <a:ea typeface="Droid Sans Mono"/>
+              </a:rPr>
+              <a:t> </a:t>
+            </a:r>
+            <a:r>
+              <a:rPr kumimoji="0" lang="zh-TW" altLang="zh-TW" sz="1400" b="0" i="0" u="none" strike="noStrike" cap="none" normalizeH="0" baseline="0" dirty="0" smtClean="0">
+                <a:ln>
+                  <a:noFill/>
+                </a:ln>
+                <a:solidFill>
+                  <a:srgbClr val="006666"/>
+                </a:solidFill>
+                <a:effectLst/>
+                <a:latin typeface="Arial Unicode MS" panose="020B0604020202020204" pitchFamily="34" charset="-120"/>
+                <a:ea typeface="Droid Sans Mono"/>
+              </a:rPr>
+              <a:t>0</a:t>
+            </a:r>
+            <a:r>
+              <a:rPr kumimoji="0" lang="zh-TW" altLang="zh-TW" sz="1400" b="0" i="0" u="none" strike="noStrike" cap="none" normalizeH="0" baseline="0" dirty="0" smtClean="0">
+                <a:ln>
+                  <a:noFill/>
+                </a:ln>
+                <a:solidFill>
+                  <a:srgbClr val="000000"/>
+                </a:solidFill>
+                <a:effectLst/>
+                <a:latin typeface="Arial Unicode MS" panose="020B0604020202020204" pitchFamily="34" charset="-120"/>
+                <a:ea typeface="Droid Sans Mono"/>
+              </a:rPr>
+              <a:t> </a:t>
+            </a:r>
+            <a:r>
+              <a:rPr kumimoji="0" lang="zh-TW" altLang="zh-TW" sz="1400" b="0" i="0" u="none" strike="noStrike" cap="none" normalizeH="0" baseline="0" dirty="0" smtClean="0">
+                <a:ln>
+                  <a:noFill/>
+                </a:ln>
+                <a:solidFill>
+                  <a:srgbClr val="666600"/>
+                </a:solidFill>
+                <a:effectLst/>
+                <a:latin typeface="Arial Unicode MS" panose="020B0604020202020204" pitchFamily="34" charset="-120"/>
+                <a:ea typeface="Droid Sans Mono"/>
+              </a:rPr>
+              <a:t>)</a:t>
+            </a:r>
+            <a:r>
+              <a:rPr kumimoji="0" lang="zh-TW" altLang="zh-TW" sz="1400" b="0" i="0" u="none" strike="noStrike" cap="none" normalizeH="0" baseline="0" dirty="0" smtClean="0">
+                <a:ln>
+                  <a:noFill/>
+                </a:ln>
+                <a:solidFill>
+                  <a:srgbClr val="000000"/>
+                </a:solidFill>
+                <a:effectLst/>
+                <a:latin typeface="Arial Unicode MS" panose="020B0604020202020204" pitchFamily="34" charset="-120"/>
+                <a:ea typeface="Droid Sans Mono"/>
+              </a:rPr>
+              <a:t> </a:t>
+            </a:r>
+            <a:r>
+              <a:rPr kumimoji="0" lang="zh-TW" altLang="zh-TW" sz="1400" b="0" i="0" u="none" strike="noStrike" cap="none" normalizeH="0" baseline="0" dirty="0" smtClean="0">
+                <a:ln>
+                  <a:noFill/>
+                </a:ln>
+                <a:solidFill>
+                  <a:srgbClr val="666600"/>
+                </a:solidFill>
+                <a:effectLst/>
+                <a:latin typeface="Arial Unicode MS" panose="020B0604020202020204" pitchFamily="34" charset="-120"/>
+                <a:ea typeface="Droid Sans Mono"/>
+              </a:rPr>
+              <a:t>{</a:t>
+            </a:r>
+            <a:r>
+              <a:rPr kumimoji="0" lang="zh-TW" altLang="zh-TW" sz="1400" b="0" i="0" u="none" strike="noStrike" cap="none" normalizeH="0" baseline="0" dirty="0" smtClean="0">
+                <a:ln>
+                  <a:noFill/>
+                </a:ln>
+                <a:solidFill>
+                  <a:srgbClr val="000000"/>
+                </a:solidFill>
+                <a:effectLst/>
+                <a:latin typeface="Arial Unicode MS" panose="020B0604020202020204" pitchFamily="34" charset="-120"/>
+                <a:ea typeface="Droid Sans Mono"/>
+              </a:rPr>
+              <a:t> </a:t>
+            </a:r>
+            <a:endParaRPr kumimoji="0" lang="en-US" altLang="zh-TW" sz="1400" b="0" i="0" u="none" strike="noStrike" cap="none" normalizeH="0" baseline="0" dirty="0" smtClean="0">
+              <a:ln>
+                <a:noFill/>
+              </a:ln>
+              <a:solidFill>
+                <a:srgbClr val="000000"/>
+              </a:solidFill>
+              <a:effectLst/>
+              <a:latin typeface="Arial Unicode MS" panose="020B0604020202020204" pitchFamily="34" charset="-120"/>
+              <a:ea typeface="Droid Sans Mono"/>
+            </a:endParaRPr>
+          </a:p>
+          <a:p>
+            <a:pPr marL="0" marR="0" lvl="0" indent="0" algn="l" defTabSz="914400" rtl="0" eaLnBrk="0" fontAlgn="base" latinLnBrk="0" hangingPunct="0">
+              <a:lnSpc>
+                <a:spcPct val="100000"/>
+              </a:lnSpc>
+              <a:spcBef>
+                <a:spcPct val="0"/>
+              </a:spcBef>
+              <a:spcAft>
+                <a:spcPct val="0"/>
+              </a:spcAft>
+              <a:buClrTx/>
+              <a:buSzTx/>
+              <a:buFontTx/>
+              <a:buNone/>
+              <a:tabLst/>
+            </a:pPr>
+            <a:r>
+              <a:rPr kumimoji="0" lang="en-US" altLang="zh-TW" sz="1400" b="0" i="0" u="none" strike="noStrike" cap="none" normalizeH="0" baseline="0" dirty="0" smtClean="0">
+                <a:ln>
+                  <a:noFill/>
+                </a:ln>
+                <a:solidFill>
+                  <a:srgbClr val="880000"/>
+                </a:solidFill>
+                <a:effectLst/>
+                <a:latin typeface="Arial Unicode MS" panose="020B0604020202020204" pitchFamily="34" charset="-120"/>
+                <a:ea typeface="Droid Sans Mono"/>
+              </a:rPr>
+              <a:t>            </a:t>
+            </a:r>
+            <a:r>
+              <a:rPr kumimoji="0" lang="zh-TW" altLang="zh-TW" sz="1400" b="0" i="0" u="none" strike="noStrike" cap="none" normalizeH="0" baseline="0" dirty="0" smtClean="0">
+                <a:ln>
+                  <a:noFill/>
+                </a:ln>
+                <a:solidFill>
+                  <a:srgbClr val="880000"/>
+                </a:solidFill>
+                <a:effectLst/>
+                <a:latin typeface="Arial Unicode MS" panose="020B0604020202020204" pitchFamily="34" charset="-120"/>
+                <a:ea typeface="Droid Sans Mono"/>
+              </a:rPr>
+              <a:t>//flush a batch of inserts and release memory</a:t>
+            </a:r>
+            <a:r>
+              <a:rPr kumimoji="0" lang="zh-TW" altLang="zh-TW" sz="1400" b="0" i="0" u="none" strike="noStrike" cap="none" normalizeH="0" baseline="0" dirty="0" smtClean="0">
+                <a:ln>
+                  <a:noFill/>
+                </a:ln>
+                <a:solidFill>
+                  <a:srgbClr val="000000"/>
+                </a:solidFill>
+                <a:effectLst/>
+                <a:latin typeface="Arial Unicode MS" panose="020B0604020202020204" pitchFamily="34" charset="-120"/>
+                <a:ea typeface="Droid Sans Mono"/>
+              </a:rPr>
+              <a:t> </a:t>
+            </a:r>
+            <a:endParaRPr kumimoji="0" lang="en-US" altLang="zh-TW" sz="1400" b="0" i="0" u="none" strike="noStrike" cap="none" normalizeH="0" baseline="0" dirty="0" smtClean="0">
+              <a:ln>
+                <a:noFill/>
+              </a:ln>
+              <a:solidFill>
+                <a:srgbClr val="000000"/>
+              </a:solidFill>
+              <a:effectLst/>
+              <a:latin typeface="Arial Unicode MS" panose="020B0604020202020204" pitchFamily="34" charset="-120"/>
+              <a:ea typeface="Droid Sans Mono"/>
+            </a:endParaRPr>
+          </a:p>
+          <a:p>
+            <a:pPr marL="0" marR="0" lvl="0" indent="0" algn="l" defTabSz="914400" rtl="0" eaLnBrk="0" fontAlgn="base" latinLnBrk="0" hangingPunct="0">
+              <a:lnSpc>
+                <a:spcPct val="100000"/>
+              </a:lnSpc>
+              <a:spcBef>
+                <a:spcPct val="0"/>
+              </a:spcBef>
+              <a:spcAft>
+                <a:spcPct val="0"/>
+              </a:spcAft>
+              <a:buClrTx/>
+              <a:buSzTx/>
+              <a:buFontTx/>
+              <a:buNone/>
+              <a:tabLst/>
+            </a:pPr>
+            <a:r>
+              <a:rPr lang="en-US" altLang="zh-TW" sz="1400" dirty="0">
+                <a:solidFill>
+                  <a:srgbClr val="000000"/>
+                </a:solidFill>
+                <a:latin typeface="Arial Unicode MS" panose="020B0604020202020204" pitchFamily="34" charset="-120"/>
+                <a:ea typeface="Droid Sans Mono"/>
+              </a:rPr>
+              <a:t> </a:t>
+            </a:r>
+            <a:r>
+              <a:rPr lang="en-US" altLang="zh-TW" sz="1400" dirty="0" smtClean="0">
+                <a:solidFill>
+                  <a:srgbClr val="000000"/>
+                </a:solidFill>
+                <a:latin typeface="Arial Unicode MS" panose="020B0604020202020204" pitchFamily="34" charset="-120"/>
+                <a:ea typeface="Droid Sans Mono"/>
+              </a:rPr>
+              <a:t>           </a:t>
+            </a:r>
+            <a:r>
+              <a:rPr kumimoji="0" lang="zh-TW" altLang="zh-TW" sz="1400" b="0" i="0" u="none" strike="noStrike" cap="none" normalizeH="0" baseline="0" dirty="0" smtClean="0">
+                <a:ln>
+                  <a:noFill/>
+                </a:ln>
+                <a:solidFill>
+                  <a:srgbClr val="000000"/>
+                </a:solidFill>
+                <a:effectLst/>
+                <a:latin typeface="Arial Unicode MS" panose="020B0604020202020204" pitchFamily="34" charset="-120"/>
+                <a:ea typeface="Droid Sans Mono"/>
+              </a:rPr>
+              <a:t>entityManager</a:t>
+            </a:r>
+            <a:r>
+              <a:rPr kumimoji="0" lang="zh-TW" altLang="zh-TW" sz="1400" b="0" i="0" u="none" strike="noStrike" cap="none" normalizeH="0" baseline="0" dirty="0" smtClean="0">
+                <a:ln>
+                  <a:noFill/>
+                </a:ln>
+                <a:solidFill>
+                  <a:srgbClr val="666600"/>
+                </a:solidFill>
+                <a:effectLst/>
+                <a:latin typeface="Arial Unicode MS" panose="020B0604020202020204" pitchFamily="34" charset="-120"/>
+                <a:ea typeface="Droid Sans Mono"/>
+              </a:rPr>
+              <a:t>.</a:t>
+            </a:r>
+            <a:r>
+              <a:rPr kumimoji="0" lang="zh-TW" altLang="zh-TW" sz="1400" b="0" i="0" u="none" strike="noStrike" cap="none" normalizeH="0" baseline="0" dirty="0" smtClean="0">
+                <a:ln>
+                  <a:noFill/>
+                </a:ln>
+                <a:solidFill>
+                  <a:srgbClr val="000000"/>
+                </a:solidFill>
+                <a:effectLst/>
+                <a:latin typeface="Arial Unicode MS" panose="020B0604020202020204" pitchFamily="34" charset="-120"/>
+                <a:ea typeface="Droid Sans Mono"/>
+              </a:rPr>
+              <a:t>flush</a:t>
+            </a:r>
+            <a:r>
+              <a:rPr kumimoji="0" lang="zh-TW" altLang="zh-TW" sz="1400" b="0" i="0" u="none" strike="noStrike" cap="none" normalizeH="0" baseline="0" dirty="0" smtClean="0">
+                <a:ln>
+                  <a:noFill/>
+                </a:ln>
+                <a:solidFill>
+                  <a:srgbClr val="666600"/>
+                </a:solidFill>
+                <a:effectLst/>
+                <a:latin typeface="Arial Unicode MS" panose="020B0604020202020204" pitchFamily="34" charset="-120"/>
+                <a:ea typeface="Droid Sans Mono"/>
+              </a:rPr>
+              <a:t>();</a:t>
+            </a:r>
+            <a:r>
+              <a:rPr kumimoji="0" lang="zh-TW" altLang="zh-TW" sz="1400" b="0" i="0" u="none" strike="noStrike" cap="none" normalizeH="0" baseline="0" dirty="0" smtClean="0">
+                <a:ln>
+                  <a:noFill/>
+                </a:ln>
+                <a:solidFill>
+                  <a:srgbClr val="000000"/>
+                </a:solidFill>
+                <a:effectLst/>
+                <a:latin typeface="Arial Unicode MS" panose="020B0604020202020204" pitchFamily="34" charset="-120"/>
+                <a:ea typeface="Droid Sans Mono"/>
+              </a:rPr>
+              <a:t> entityManager</a:t>
+            </a:r>
+            <a:r>
+              <a:rPr kumimoji="0" lang="zh-TW" altLang="zh-TW" sz="1400" b="0" i="0" u="none" strike="noStrike" cap="none" normalizeH="0" baseline="0" dirty="0" smtClean="0">
+                <a:ln>
+                  <a:noFill/>
+                </a:ln>
+                <a:solidFill>
+                  <a:srgbClr val="666600"/>
+                </a:solidFill>
+                <a:effectLst/>
+                <a:latin typeface="Arial Unicode MS" panose="020B0604020202020204" pitchFamily="34" charset="-120"/>
+                <a:ea typeface="Droid Sans Mono"/>
+              </a:rPr>
+              <a:t>.</a:t>
+            </a:r>
+            <a:r>
+              <a:rPr kumimoji="0" lang="zh-TW" altLang="zh-TW" sz="1400" b="0" i="0" u="none" strike="noStrike" cap="none" normalizeH="0" baseline="0" dirty="0" smtClean="0">
+                <a:ln>
+                  <a:noFill/>
+                </a:ln>
+                <a:solidFill>
+                  <a:srgbClr val="000000"/>
+                </a:solidFill>
+                <a:effectLst/>
+                <a:latin typeface="Arial Unicode MS" panose="020B0604020202020204" pitchFamily="34" charset="-120"/>
+                <a:ea typeface="Droid Sans Mono"/>
+              </a:rPr>
+              <a:t>clear</a:t>
+            </a:r>
+            <a:r>
+              <a:rPr kumimoji="0" lang="zh-TW" altLang="zh-TW" sz="1400" b="0" i="0" u="none" strike="noStrike" cap="none" normalizeH="0" baseline="0" dirty="0" smtClean="0">
+                <a:ln>
+                  <a:noFill/>
+                </a:ln>
+                <a:solidFill>
+                  <a:srgbClr val="666600"/>
+                </a:solidFill>
+                <a:effectLst/>
+                <a:latin typeface="Arial Unicode MS" panose="020B0604020202020204" pitchFamily="34" charset="-120"/>
+                <a:ea typeface="Droid Sans Mono"/>
+              </a:rPr>
+              <a:t>();</a:t>
+            </a:r>
+            <a:r>
+              <a:rPr kumimoji="0" lang="zh-TW" altLang="zh-TW" sz="1400" b="0" i="0" u="none" strike="noStrike" cap="none" normalizeH="0" baseline="0" dirty="0" smtClean="0">
+                <a:ln>
+                  <a:noFill/>
+                </a:ln>
+                <a:solidFill>
+                  <a:srgbClr val="000000"/>
+                </a:solidFill>
+                <a:effectLst/>
+                <a:latin typeface="Arial Unicode MS" panose="020B0604020202020204" pitchFamily="34" charset="-120"/>
+                <a:ea typeface="Droid Sans Mono"/>
+              </a:rPr>
+              <a:t> </a:t>
+            </a:r>
+            <a:endParaRPr kumimoji="0" lang="en-US" altLang="zh-TW" sz="1400" b="0" i="0" u="none" strike="noStrike" cap="none" normalizeH="0" baseline="0" dirty="0" smtClean="0">
+              <a:ln>
+                <a:noFill/>
+              </a:ln>
+              <a:solidFill>
+                <a:srgbClr val="000000"/>
+              </a:solidFill>
+              <a:effectLst/>
+              <a:latin typeface="Arial Unicode MS" panose="020B0604020202020204" pitchFamily="34" charset="-120"/>
+              <a:ea typeface="Droid Sans Mono"/>
+            </a:endParaRPr>
+          </a:p>
+          <a:p>
+            <a:pPr marL="0" marR="0" lvl="0" indent="0" algn="l" defTabSz="914400" rtl="0" eaLnBrk="0" fontAlgn="base" latinLnBrk="0" hangingPunct="0">
+              <a:lnSpc>
+                <a:spcPct val="100000"/>
+              </a:lnSpc>
+              <a:spcBef>
+                <a:spcPct val="0"/>
+              </a:spcBef>
+              <a:spcAft>
+                <a:spcPct val="0"/>
+              </a:spcAft>
+              <a:buClrTx/>
+              <a:buSzTx/>
+              <a:buFontTx/>
+              <a:buNone/>
+              <a:tabLst/>
+            </a:pPr>
+            <a:r>
+              <a:rPr lang="en-US" altLang="zh-TW" sz="1400" dirty="0">
+                <a:solidFill>
+                  <a:srgbClr val="000000"/>
+                </a:solidFill>
+                <a:latin typeface="Arial Unicode MS" panose="020B0604020202020204" pitchFamily="34" charset="-120"/>
+                <a:ea typeface="Droid Sans Mono"/>
+              </a:rPr>
+              <a:t> </a:t>
+            </a:r>
+            <a:r>
+              <a:rPr lang="en-US" altLang="zh-TW" sz="1400" dirty="0" smtClean="0">
+                <a:solidFill>
+                  <a:srgbClr val="000000"/>
+                </a:solidFill>
+                <a:latin typeface="Arial Unicode MS" panose="020B0604020202020204" pitchFamily="34" charset="-120"/>
+                <a:ea typeface="Droid Sans Mono"/>
+              </a:rPr>
+              <a:t>       </a:t>
+            </a:r>
+            <a:r>
+              <a:rPr kumimoji="0" lang="zh-TW" altLang="zh-TW" sz="1400" b="0" i="0" u="none" strike="noStrike" cap="none" normalizeH="0" baseline="0" dirty="0" smtClean="0">
+                <a:ln>
+                  <a:noFill/>
+                </a:ln>
+                <a:solidFill>
+                  <a:srgbClr val="666600"/>
+                </a:solidFill>
+                <a:effectLst/>
+                <a:latin typeface="Arial Unicode MS" panose="020B0604020202020204" pitchFamily="34" charset="-120"/>
+                <a:ea typeface="Droid Sans Mono"/>
+              </a:rPr>
+              <a:t>}</a:t>
+            </a:r>
+            <a:r>
+              <a:rPr kumimoji="0" lang="zh-TW" altLang="zh-TW" sz="1400" b="0" i="0" u="none" strike="noStrike" cap="none" normalizeH="0" baseline="0" dirty="0" smtClean="0">
+                <a:ln>
+                  <a:noFill/>
+                </a:ln>
+                <a:solidFill>
+                  <a:srgbClr val="000000"/>
+                </a:solidFill>
+                <a:effectLst/>
+                <a:latin typeface="Arial Unicode MS" panose="020B0604020202020204" pitchFamily="34" charset="-120"/>
+                <a:ea typeface="Droid Sans Mono"/>
+              </a:rPr>
+              <a:t> </a:t>
+            </a:r>
+            <a:endParaRPr kumimoji="0" lang="en-US" altLang="zh-TW" sz="1400" b="0" i="0" u="none" strike="noStrike" cap="none" normalizeH="0" baseline="0" dirty="0" smtClean="0">
+              <a:ln>
+                <a:noFill/>
+              </a:ln>
+              <a:solidFill>
+                <a:srgbClr val="000000"/>
+              </a:solidFill>
+              <a:effectLst/>
+              <a:latin typeface="Arial Unicode MS" panose="020B0604020202020204" pitchFamily="34" charset="-120"/>
+              <a:ea typeface="Droid Sans Mono"/>
+            </a:endParaRPr>
+          </a:p>
+          <a:p>
+            <a:pPr marL="0" marR="0" lvl="0" indent="0" algn="l" defTabSz="914400" rtl="0" eaLnBrk="0" fontAlgn="base" latinLnBrk="0" hangingPunct="0">
+              <a:lnSpc>
+                <a:spcPct val="100000"/>
+              </a:lnSpc>
+              <a:spcBef>
+                <a:spcPct val="0"/>
+              </a:spcBef>
+              <a:spcAft>
+                <a:spcPct val="0"/>
+              </a:spcAft>
+              <a:buClrTx/>
+              <a:buSzTx/>
+              <a:buFontTx/>
+              <a:buNone/>
+              <a:tabLst/>
+            </a:pPr>
+            <a:r>
+              <a:rPr kumimoji="0" lang="en-US" altLang="zh-TW" sz="1400" b="0" i="0" u="none" strike="noStrike" cap="none" normalizeH="0" baseline="0" dirty="0" smtClean="0">
+                <a:ln>
+                  <a:noFill/>
+                </a:ln>
+                <a:solidFill>
+                  <a:srgbClr val="660066"/>
+                </a:solidFill>
+                <a:effectLst/>
+                <a:latin typeface="Arial Unicode MS" panose="020B0604020202020204" pitchFamily="34" charset="-120"/>
+                <a:ea typeface="Droid Sans Mono"/>
+              </a:rPr>
+              <a:t>        </a:t>
+            </a:r>
+            <a:r>
+              <a:rPr kumimoji="0" lang="zh-TW" altLang="zh-TW" sz="1400" b="0" i="0" u="none" strike="noStrike" cap="none" normalizeH="0" baseline="0" dirty="0" smtClean="0">
+                <a:ln>
+                  <a:noFill/>
+                </a:ln>
+                <a:solidFill>
+                  <a:srgbClr val="660066"/>
+                </a:solidFill>
+                <a:effectLst/>
+                <a:latin typeface="Arial Unicode MS" panose="020B0604020202020204" pitchFamily="34" charset="-120"/>
+                <a:ea typeface="Droid Sans Mono"/>
+              </a:rPr>
+              <a:t>Person</a:t>
+            </a:r>
+            <a:r>
+              <a:rPr kumimoji="0" lang="zh-TW" altLang="zh-TW" sz="1400" b="0" i="0" u="none" strike="noStrike" cap="none" normalizeH="0" baseline="0" dirty="0" smtClean="0">
+                <a:ln>
+                  <a:noFill/>
+                </a:ln>
+                <a:solidFill>
+                  <a:srgbClr val="000000"/>
+                </a:solidFill>
+                <a:effectLst/>
+                <a:latin typeface="Arial Unicode MS" panose="020B0604020202020204" pitchFamily="34" charset="-120"/>
+                <a:ea typeface="Droid Sans Mono"/>
+              </a:rPr>
+              <a:t> </a:t>
+            </a:r>
+            <a:r>
+              <a:rPr kumimoji="0" lang="zh-TW" altLang="zh-TW" sz="1400" b="0" i="0" u="none" strike="noStrike" cap="none" normalizeH="0" baseline="0" dirty="0" smtClean="0">
+                <a:ln>
+                  <a:noFill/>
+                </a:ln>
+                <a:solidFill>
+                  <a:srgbClr val="660066"/>
+                </a:solidFill>
+                <a:effectLst/>
+                <a:latin typeface="Arial Unicode MS" panose="020B0604020202020204" pitchFamily="34" charset="-120"/>
+                <a:ea typeface="Droid Sans Mono"/>
+              </a:rPr>
+              <a:t>Person</a:t>
+            </a:r>
+            <a:r>
+              <a:rPr kumimoji="0" lang="zh-TW" altLang="zh-TW" sz="1400" b="0" i="0" u="none" strike="noStrike" cap="none" normalizeH="0" baseline="0" dirty="0" smtClean="0">
+                <a:ln>
+                  <a:noFill/>
+                </a:ln>
+                <a:solidFill>
+                  <a:srgbClr val="000000"/>
+                </a:solidFill>
+                <a:effectLst/>
+                <a:latin typeface="Arial Unicode MS" panose="020B0604020202020204" pitchFamily="34" charset="-120"/>
+                <a:ea typeface="Droid Sans Mono"/>
+              </a:rPr>
+              <a:t> </a:t>
+            </a:r>
+            <a:r>
+              <a:rPr kumimoji="0" lang="zh-TW" altLang="zh-TW" sz="1400" b="0" i="0" u="none" strike="noStrike" cap="none" normalizeH="0" baseline="0" dirty="0" smtClean="0">
+                <a:ln>
+                  <a:noFill/>
+                </a:ln>
+                <a:solidFill>
+                  <a:srgbClr val="666600"/>
+                </a:solidFill>
+                <a:effectLst/>
+                <a:latin typeface="Arial Unicode MS" panose="020B0604020202020204" pitchFamily="34" charset="-120"/>
+                <a:ea typeface="Droid Sans Mono"/>
+              </a:rPr>
+              <a:t>=</a:t>
+            </a:r>
+            <a:r>
+              <a:rPr kumimoji="0" lang="zh-TW" altLang="zh-TW" sz="1400" b="0" i="0" u="none" strike="noStrike" cap="none" normalizeH="0" baseline="0" dirty="0" smtClean="0">
+                <a:ln>
+                  <a:noFill/>
+                </a:ln>
+                <a:solidFill>
+                  <a:srgbClr val="000000"/>
+                </a:solidFill>
+                <a:effectLst/>
+                <a:latin typeface="Arial Unicode MS" panose="020B0604020202020204" pitchFamily="34" charset="-120"/>
+                <a:ea typeface="Droid Sans Mono"/>
+              </a:rPr>
+              <a:t> </a:t>
+            </a:r>
+            <a:r>
+              <a:rPr kumimoji="0" lang="zh-TW" altLang="zh-TW" sz="1400" b="0" i="0" u="none" strike="noStrike" cap="none" normalizeH="0" baseline="0" dirty="0" smtClean="0">
+                <a:ln>
+                  <a:noFill/>
+                </a:ln>
+                <a:solidFill>
+                  <a:srgbClr val="000088"/>
+                </a:solidFill>
+                <a:effectLst/>
+                <a:latin typeface="Arial Unicode MS" panose="020B0604020202020204" pitchFamily="34" charset="-120"/>
+                <a:ea typeface="Droid Sans Mono"/>
+              </a:rPr>
+              <a:t>new</a:t>
+            </a:r>
+            <a:r>
+              <a:rPr kumimoji="0" lang="zh-TW" altLang="zh-TW" sz="1400" b="0" i="0" u="none" strike="noStrike" cap="none" normalizeH="0" baseline="0" dirty="0" smtClean="0">
+                <a:ln>
+                  <a:noFill/>
+                </a:ln>
+                <a:solidFill>
+                  <a:srgbClr val="000000"/>
+                </a:solidFill>
+                <a:effectLst/>
+                <a:latin typeface="Arial Unicode MS" panose="020B0604020202020204" pitchFamily="34" charset="-120"/>
+                <a:ea typeface="Droid Sans Mono"/>
+              </a:rPr>
+              <a:t> </a:t>
+            </a:r>
+            <a:r>
+              <a:rPr kumimoji="0" lang="zh-TW" altLang="zh-TW" sz="1400" b="0" i="0" u="none" strike="noStrike" cap="none" normalizeH="0" baseline="0" dirty="0" smtClean="0">
+                <a:ln>
+                  <a:noFill/>
+                </a:ln>
+                <a:solidFill>
+                  <a:srgbClr val="660066"/>
+                </a:solidFill>
+                <a:effectLst/>
+                <a:latin typeface="Arial Unicode MS" panose="020B0604020202020204" pitchFamily="34" charset="-120"/>
+                <a:ea typeface="Droid Sans Mono"/>
+              </a:rPr>
+              <a:t>Person</a:t>
+            </a:r>
+            <a:r>
+              <a:rPr kumimoji="0" lang="zh-TW" altLang="zh-TW" sz="1400" b="0" i="0" u="none" strike="noStrike" cap="none" normalizeH="0" baseline="0" dirty="0" smtClean="0">
+                <a:ln>
+                  <a:noFill/>
+                </a:ln>
+                <a:solidFill>
+                  <a:srgbClr val="666600"/>
+                </a:solidFill>
+                <a:effectLst/>
+                <a:latin typeface="Arial Unicode MS" panose="020B0604020202020204" pitchFamily="34" charset="-120"/>
+                <a:ea typeface="Droid Sans Mono"/>
+              </a:rPr>
+              <a:t>(</a:t>
+            </a:r>
+            <a:r>
+              <a:rPr kumimoji="0" lang="zh-TW" altLang="zh-TW" sz="1400" b="0" i="0" u="none" strike="noStrike" cap="none" normalizeH="0" baseline="0" dirty="0" smtClean="0">
+                <a:ln>
+                  <a:noFill/>
+                </a:ln>
+                <a:solidFill>
+                  <a:srgbClr val="000000"/>
+                </a:solidFill>
+                <a:effectLst/>
+                <a:latin typeface="Arial Unicode MS" panose="020B0604020202020204" pitchFamily="34" charset="-120"/>
+                <a:ea typeface="Droid Sans Mono"/>
+              </a:rPr>
+              <a:t> </a:t>
+            </a:r>
+            <a:r>
+              <a:rPr kumimoji="0" lang="zh-TW" altLang="zh-TW" sz="1400" b="0" i="0" u="none" strike="noStrike" cap="none" normalizeH="0" baseline="0" dirty="0" smtClean="0">
+                <a:ln>
+                  <a:noFill/>
+                </a:ln>
+                <a:solidFill>
+                  <a:srgbClr val="660066"/>
+                </a:solidFill>
+                <a:effectLst/>
+                <a:latin typeface="Arial Unicode MS" panose="020B0604020202020204" pitchFamily="34" charset="-120"/>
+                <a:ea typeface="Droid Sans Mono"/>
+              </a:rPr>
+              <a:t>String</a:t>
+            </a:r>
+            <a:r>
+              <a:rPr kumimoji="0" lang="zh-TW" altLang="zh-TW" sz="1400" b="0" i="0" u="none" strike="noStrike" cap="none" normalizeH="0" baseline="0" dirty="0" smtClean="0">
+                <a:ln>
+                  <a:noFill/>
+                </a:ln>
+                <a:solidFill>
+                  <a:srgbClr val="666600"/>
+                </a:solidFill>
+                <a:effectLst/>
+                <a:latin typeface="Arial Unicode MS" panose="020B0604020202020204" pitchFamily="34" charset="-120"/>
+                <a:ea typeface="Droid Sans Mono"/>
+              </a:rPr>
+              <a:t>.</a:t>
+            </a:r>
+            <a:r>
+              <a:rPr kumimoji="0" lang="zh-TW" altLang="zh-TW" sz="1400" b="0" i="0" u="none" strike="noStrike" cap="none" normalizeH="0" baseline="0" dirty="0" smtClean="0">
+                <a:ln>
+                  <a:noFill/>
+                </a:ln>
+                <a:solidFill>
+                  <a:srgbClr val="000000"/>
+                </a:solidFill>
+                <a:effectLst/>
+                <a:latin typeface="Arial Unicode MS" panose="020B0604020202020204" pitchFamily="34" charset="-120"/>
+                <a:ea typeface="Droid Sans Mono"/>
+              </a:rPr>
+              <a:t>format</a:t>
+            </a:r>
+            <a:r>
+              <a:rPr kumimoji="0" lang="zh-TW" altLang="zh-TW" sz="1400" b="0" i="0" u="none" strike="noStrike" cap="none" normalizeH="0" baseline="0" dirty="0" smtClean="0">
+                <a:ln>
+                  <a:noFill/>
+                </a:ln>
+                <a:solidFill>
+                  <a:srgbClr val="666600"/>
+                </a:solidFill>
+                <a:effectLst/>
+                <a:latin typeface="Arial Unicode MS" panose="020B0604020202020204" pitchFamily="34" charset="-120"/>
+                <a:ea typeface="Droid Sans Mono"/>
+              </a:rPr>
+              <a:t>(</a:t>
+            </a:r>
+            <a:r>
+              <a:rPr kumimoji="0" lang="zh-TW" altLang="zh-TW" sz="1400" b="0" i="0" u="none" strike="noStrike" cap="none" normalizeH="0" baseline="0" dirty="0" smtClean="0">
+                <a:ln>
+                  <a:noFill/>
+                </a:ln>
+                <a:solidFill>
+                  <a:srgbClr val="000000"/>
+                </a:solidFill>
+                <a:effectLst/>
+                <a:latin typeface="Arial Unicode MS" panose="020B0604020202020204" pitchFamily="34" charset="-120"/>
+                <a:ea typeface="Droid Sans Mono"/>
+              </a:rPr>
+              <a:t> </a:t>
+            </a:r>
+            <a:r>
+              <a:rPr kumimoji="0" lang="zh-TW" altLang="zh-TW" sz="1400" b="0" i="0" u="none" strike="noStrike" cap="none" normalizeH="0" baseline="0" dirty="0" smtClean="0">
+                <a:ln>
+                  <a:noFill/>
+                </a:ln>
+                <a:solidFill>
+                  <a:srgbClr val="008800"/>
+                </a:solidFill>
+                <a:effectLst/>
+                <a:latin typeface="Arial Unicode MS" panose="020B0604020202020204" pitchFamily="34" charset="-120"/>
+                <a:ea typeface="Droid Sans Mono"/>
+              </a:rPr>
+              <a:t>"Person %d"</a:t>
+            </a:r>
+            <a:r>
+              <a:rPr kumimoji="0" lang="zh-TW" altLang="zh-TW" sz="1400" b="0" i="0" u="none" strike="noStrike" cap="none" normalizeH="0" baseline="0" dirty="0" smtClean="0">
+                <a:ln>
+                  <a:noFill/>
+                </a:ln>
+                <a:solidFill>
+                  <a:srgbClr val="666600"/>
+                </a:solidFill>
+                <a:effectLst/>
+                <a:latin typeface="Arial Unicode MS" panose="020B0604020202020204" pitchFamily="34" charset="-120"/>
+                <a:ea typeface="Droid Sans Mono"/>
+              </a:rPr>
+              <a:t>,</a:t>
+            </a:r>
+            <a:r>
+              <a:rPr kumimoji="0" lang="zh-TW" altLang="zh-TW" sz="1400" b="0" i="0" u="none" strike="noStrike" cap="none" normalizeH="0" baseline="0" dirty="0" smtClean="0">
+                <a:ln>
+                  <a:noFill/>
+                </a:ln>
+                <a:solidFill>
+                  <a:srgbClr val="000000"/>
+                </a:solidFill>
+                <a:effectLst/>
+                <a:latin typeface="Arial Unicode MS" panose="020B0604020202020204" pitchFamily="34" charset="-120"/>
+                <a:ea typeface="Droid Sans Mono"/>
+              </a:rPr>
+              <a:t> i </a:t>
+            </a:r>
+            <a:r>
+              <a:rPr kumimoji="0" lang="zh-TW" altLang="zh-TW" sz="1400" b="0" i="0" u="none" strike="noStrike" cap="none" normalizeH="0" baseline="0" dirty="0" smtClean="0">
+                <a:ln>
+                  <a:noFill/>
+                </a:ln>
+                <a:solidFill>
+                  <a:srgbClr val="666600"/>
+                </a:solidFill>
+                <a:effectLst/>
+                <a:latin typeface="Arial Unicode MS" panose="020B0604020202020204" pitchFamily="34" charset="-120"/>
+                <a:ea typeface="Droid Sans Mono"/>
+              </a:rPr>
+              <a:t>)</a:t>
+            </a:r>
+            <a:r>
+              <a:rPr kumimoji="0" lang="zh-TW" altLang="zh-TW" sz="1400" b="0" i="0" u="none" strike="noStrike" cap="none" normalizeH="0" baseline="0" dirty="0" smtClean="0">
+                <a:ln>
+                  <a:noFill/>
+                </a:ln>
+                <a:solidFill>
+                  <a:srgbClr val="000000"/>
+                </a:solidFill>
+                <a:effectLst/>
+                <a:latin typeface="Arial Unicode MS" panose="020B0604020202020204" pitchFamily="34" charset="-120"/>
+                <a:ea typeface="Droid Sans Mono"/>
+              </a:rPr>
+              <a:t> </a:t>
+            </a:r>
+            <a:r>
+              <a:rPr kumimoji="0" lang="zh-TW" altLang="zh-TW" sz="1400" b="0" i="0" u="none" strike="noStrike" cap="none" normalizeH="0" baseline="0" dirty="0" smtClean="0">
+                <a:ln>
+                  <a:noFill/>
+                </a:ln>
+                <a:solidFill>
+                  <a:srgbClr val="666600"/>
+                </a:solidFill>
+                <a:effectLst/>
+                <a:latin typeface="Arial Unicode MS" panose="020B0604020202020204" pitchFamily="34" charset="-120"/>
+                <a:ea typeface="Droid Sans Mono"/>
+              </a:rPr>
+              <a:t>);</a:t>
+            </a:r>
+            <a:r>
+              <a:rPr kumimoji="0" lang="zh-TW" altLang="zh-TW" sz="1400" b="0" i="0" u="none" strike="noStrike" cap="none" normalizeH="0" baseline="0" dirty="0" smtClean="0">
+                <a:ln>
+                  <a:noFill/>
+                </a:ln>
+                <a:solidFill>
+                  <a:srgbClr val="000000"/>
+                </a:solidFill>
+                <a:effectLst/>
+                <a:latin typeface="Arial Unicode MS" panose="020B0604020202020204" pitchFamily="34" charset="-120"/>
+                <a:ea typeface="Droid Sans Mono"/>
+              </a:rPr>
+              <a:t> </a:t>
+            </a:r>
+            <a:endParaRPr kumimoji="0" lang="en-US" altLang="zh-TW" sz="1400" b="0" i="0" u="none" strike="noStrike" cap="none" normalizeH="0" baseline="0" dirty="0" smtClean="0">
+              <a:ln>
+                <a:noFill/>
+              </a:ln>
+              <a:solidFill>
+                <a:srgbClr val="000000"/>
+              </a:solidFill>
+              <a:effectLst/>
+              <a:latin typeface="Arial Unicode MS" panose="020B0604020202020204" pitchFamily="34" charset="-120"/>
+              <a:ea typeface="Droid Sans Mono"/>
+            </a:endParaRPr>
+          </a:p>
+          <a:p>
+            <a:pPr marL="0" marR="0" lvl="0" indent="0" algn="l" defTabSz="914400" rtl="0" eaLnBrk="0" fontAlgn="base" latinLnBrk="0" hangingPunct="0">
+              <a:lnSpc>
+                <a:spcPct val="100000"/>
+              </a:lnSpc>
+              <a:spcBef>
+                <a:spcPct val="0"/>
+              </a:spcBef>
+              <a:spcAft>
+                <a:spcPct val="0"/>
+              </a:spcAft>
+              <a:buClrTx/>
+              <a:buSzTx/>
+              <a:buFontTx/>
+              <a:buNone/>
+              <a:tabLst/>
+            </a:pPr>
+            <a:r>
+              <a:rPr lang="en-US" altLang="zh-TW" sz="1400" dirty="0">
+                <a:solidFill>
+                  <a:srgbClr val="000000"/>
+                </a:solidFill>
+                <a:latin typeface="Arial Unicode MS" panose="020B0604020202020204" pitchFamily="34" charset="-120"/>
+                <a:ea typeface="Droid Sans Mono"/>
+              </a:rPr>
+              <a:t> </a:t>
+            </a:r>
+            <a:r>
+              <a:rPr lang="en-US" altLang="zh-TW" sz="1400" dirty="0" smtClean="0">
+                <a:solidFill>
+                  <a:srgbClr val="000000"/>
+                </a:solidFill>
+                <a:latin typeface="Arial Unicode MS" panose="020B0604020202020204" pitchFamily="34" charset="-120"/>
+                <a:ea typeface="Droid Sans Mono"/>
+              </a:rPr>
+              <a:t>       </a:t>
+            </a:r>
+            <a:r>
+              <a:rPr kumimoji="0" lang="zh-TW" altLang="zh-TW" sz="1400" b="0" i="0" u="none" strike="noStrike" cap="none" normalizeH="0" baseline="0" dirty="0" smtClean="0">
+                <a:ln>
+                  <a:noFill/>
+                </a:ln>
+                <a:solidFill>
+                  <a:srgbClr val="000000"/>
+                </a:solidFill>
+                <a:effectLst/>
+                <a:latin typeface="Arial Unicode MS" panose="020B0604020202020204" pitchFamily="34" charset="-120"/>
+                <a:ea typeface="Droid Sans Mono"/>
+              </a:rPr>
+              <a:t>entityManager</a:t>
+            </a:r>
+            <a:r>
+              <a:rPr kumimoji="0" lang="zh-TW" altLang="zh-TW" sz="1400" b="0" i="0" u="none" strike="noStrike" cap="none" normalizeH="0" baseline="0" dirty="0" smtClean="0">
+                <a:ln>
+                  <a:noFill/>
+                </a:ln>
+                <a:solidFill>
+                  <a:srgbClr val="666600"/>
+                </a:solidFill>
+                <a:effectLst/>
+                <a:latin typeface="Arial Unicode MS" panose="020B0604020202020204" pitchFamily="34" charset="-120"/>
+                <a:ea typeface="Droid Sans Mono"/>
+              </a:rPr>
+              <a:t>.</a:t>
+            </a:r>
+            <a:r>
+              <a:rPr kumimoji="0" lang="zh-TW" altLang="zh-TW" sz="1400" b="0" i="0" u="none" strike="noStrike" cap="none" normalizeH="0" baseline="0" dirty="0" smtClean="0">
+                <a:ln>
+                  <a:noFill/>
+                </a:ln>
+                <a:solidFill>
+                  <a:srgbClr val="000000"/>
+                </a:solidFill>
+                <a:effectLst/>
+                <a:latin typeface="Arial Unicode MS" panose="020B0604020202020204" pitchFamily="34" charset="-120"/>
+                <a:ea typeface="Droid Sans Mono"/>
+              </a:rPr>
+              <a:t>persist</a:t>
+            </a:r>
+            <a:r>
+              <a:rPr kumimoji="0" lang="zh-TW" altLang="zh-TW" sz="1400" b="0" i="0" u="none" strike="noStrike" cap="none" normalizeH="0" baseline="0" dirty="0" smtClean="0">
+                <a:ln>
+                  <a:noFill/>
+                </a:ln>
+                <a:solidFill>
+                  <a:srgbClr val="666600"/>
+                </a:solidFill>
+                <a:effectLst/>
+                <a:latin typeface="Arial Unicode MS" panose="020B0604020202020204" pitchFamily="34" charset="-120"/>
+                <a:ea typeface="Droid Sans Mono"/>
+              </a:rPr>
+              <a:t>(</a:t>
+            </a:r>
+            <a:r>
+              <a:rPr kumimoji="0" lang="zh-TW" altLang="zh-TW" sz="1400" b="0" i="0" u="none" strike="noStrike" cap="none" normalizeH="0" baseline="0" dirty="0" smtClean="0">
+                <a:ln>
+                  <a:noFill/>
+                </a:ln>
+                <a:solidFill>
+                  <a:srgbClr val="000000"/>
+                </a:solidFill>
+                <a:effectLst/>
+                <a:latin typeface="Arial Unicode MS" panose="020B0604020202020204" pitchFamily="34" charset="-120"/>
+                <a:ea typeface="Droid Sans Mono"/>
+              </a:rPr>
+              <a:t> </a:t>
+            </a:r>
+            <a:r>
+              <a:rPr kumimoji="0" lang="zh-TW" altLang="zh-TW" sz="1400" b="0" i="0" u="none" strike="noStrike" cap="none" normalizeH="0" baseline="0" dirty="0" smtClean="0">
+                <a:ln>
+                  <a:noFill/>
+                </a:ln>
+                <a:solidFill>
+                  <a:srgbClr val="660066"/>
+                </a:solidFill>
+                <a:effectLst/>
+                <a:latin typeface="Arial Unicode MS" panose="020B0604020202020204" pitchFamily="34" charset="-120"/>
+                <a:ea typeface="Droid Sans Mono"/>
+              </a:rPr>
+              <a:t>Person</a:t>
+            </a:r>
+            <a:r>
+              <a:rPr kumimoji="0" lang="zh-TW" altLang="zh-TW" sz="1400" b="0" i="0" u="none" strike="noStrike" cap="none" normalizeH="0" baseline="0" dirty="0" smtClean="0">
+                <a:ln>
+                  <a:noFill/>
+                </a:ln>
+                <a:solidFill>
+                  <a:srgbClr val="000000"/>
+                </a:solidFill>
+                <a:effectLst/>
+                <a:latin typeface="Arial Unicode MS" panose="020B0604020202020204" pitchFamily="34" charset="-120"/>
+                <a:ea typeface="Droid Sans Mono"/>
+              </a:rPr>
+              <a:t> </a:t>
+            </a:r>
+            <a:r>
+              <a:rPr kumimoji="0" lang="zh-TW" altLang="zh-TW" sz="1400" b="0" i="0" u="none" strike="noStrike" cap="none" normalizeH="0" baseline="0" dirty="0" smtClean="0">
+                <a:ln>
+                  <a:noFill/>
+                </a:ln>
+                <a:solidFill>
+                  <a:srgbClr val="666600"/>
+                </a:solidFill>
+                <a:effectLst/>
+                <a:latin typeface="Arial Unicode MS" panose="020B0604020202020204" pitchFamily="34" charset="-120"/>
+                <a:ea typeface="Droid Sans Mono"/>
+              </a:rPr>
+              <a:t>);</a:t>
+            </a:r>
+            <a:r>
+              <a:rPr kumimoji="0" lang="zh-TW" altLang="zh-TW" sz="1400" b="0" i="0" u="none" strike="noStrike" cap="none" normalizeH="0" baseline="0" dirty="0" smtClean="0">
+                <a:ln>
+                  <a:noFill/>
+                </a:ln>
+                <a:solidFill>
+                  <a:srgbClr val="000000"/>
+                </a:solidFill>
+                <a:effectLst/>
+                <a:latin typeface="Arial Unicode MS" panose="020B0604020202020204" pitchFamily="34" charset="-120"/>
+                <a:ea typeface="Droid Sans Mono"/>
+              </a:rPr>
+              <a:t> </a:t>
+            </a:r>
+            <a:endParaRPr kumimoji="0" lang="en-US" altLang="zh-TW" sz="1400" b="0" i="0" u="none" strike="noStrike" cap="none" normalizeH="0" baseline="0" dirty="0" smtClean="0">
+              <a:ln>
+                <a:noFill/>
+              </a:ln>
+              <a:solidFill>
+                <a:srgbClr val="000000"/>
+              </a:solidFill>
+              <a:effectLst/>
+              <a:latin typeface="Arial Unicode MS" panose="020B0604020202020204" pitchFamily="34" charset="-120"/>
+              <a:ea typeface="Droid Sans Mono"/>
+            </a:endParaRPr>
+          </a:p>
+          <a:p>
+            <a:pPr marL="0" marR="0" lvl="0" indent="0" algn="l" defTabSz="914400" rtl="0" eaLnBrk="0" fontAlgn="base" latinLnBrk="0" hangingPunct="0">
+              <a:lnSpc>
+                <a:spcPct val="100000"/>
+              </a:lnSpc>
+              <a:spcBef>
+                <a:spcPct val="0"/>
+              </a:spcBef>
+              <a:spcAft>
+                <a:spcPct val="0"/>
+              </a:spcAft>
+              <a:buClrTx/>
+              <a:buSzTx/>
+              <a:buFontTx/>
+              <a:buNone/>
+              <a:tabLst/>
+            </a:pPr>
+            <a:r>
+              <a:rPr lang="en-US" altLang="zh-TW" sz="1400" dirty="0">
+                <a:solidFill>
+                  <a:srgbClr val="000000"/>
+                </a:solidFill>
+                <a:latin typeface="Arial Unicode MS" panose="020B0604020202020204" pitchFamily="34" charset="-120"/>
+                <a:ea typeface="Droid Sans Mono"/>
+              </a:rPr>
+              <a:t> </a:t>
+            </a:r>
+            <a:r>
+              <a:rPr lang="en-US" altLang="zh-TW" sz="1400" dirty="0" smtClean="0">
+                <a:solidFill>
+                  <a:srgbClr val="000000"/>
+                </a:solidFill>
+                <a:latin typeface="Arial Unicode MS" panose="020B0604020202020204" pitchFamily="34" charset="-120"/>
+                <a:ea typeface="Droid Sans Mono"/>
+              </a:rPr>
+              <a:t>   </a:t>
+            </a:r>
+            <a:r>
+              <a:rPr kumimoji="0" lang="zh-TW" altLang="zh-TW" sz="1400" b="0" i="0" u="none" strike="noStrike" cap="none" normalizeH="0" baseline="0" dirty="0" smtClean="0">
+                <a:ln>
+                  <a:noFill/>
+                </a:ln>
+                <a:solidFill>
+                  <a:srgbClr val="666600"/>
+                </a:solidFill>
+                <a:effectLst/>
+                <a:latin typeface="Arial Unicode MS" panose="020B0604020202020204" pitchFamily="34" charset="-120"/>
+                <a:ea typeface="Droid Sans Mono"/>
+              </a:rPr>
+              <a:t>}</a:t>
+            </a:r>
+            <a:r>
+              <a:rPr kumimoji="0" lang="zh-TW" altLang="zh-TW" sz="1400" b="0" i="0" u="none" strike="noStrike" cap="none" normalizeH="0" baseline="0" dirty="0" smtClean="0">
+                <a:ln>
+                  <a:noFill/>
+                </a:ln>
+                <a:solidFill>
+                  <a:srgbClr val="000000"/>
+                </a:solidFill>
+                <a:effectLst/>
+                <a:latin typeface="Arial Unicode MS" panose="020B0604020202020204" pitchFamily="34" charset="-120"/>
+                <a:ea typeface="Droid Sans Mono"/>
+              </a:rPr>
+              <a:t> </a:t>
+            </a:r>
+            <a:endParaRPr kumimoji="0" lang="en-US" altLang="zh-TW" sz="1400" b="0" i="0" u="none" strike="noStrike" cap="none" normalizeH="0" baseline="0" dirty="0" smtClean="0">
+              <a:ln>
+                <a:noFill/>
+              </a:ln>
+              <a:solidFill>
+                <a:srgbClr val="000000"/>
+              </a:solidFill>
+              <a:effectLst/>
+              <a:latin typeface="Arial Unicode MS" panose="020B0604020202020204" pitchFamily="34" charset="-120"/>
+              <a:ea typeface="Droid Sans Mono"/>
+            </a:endParaRPr>
+          </a:p>
+          <a:p>
+            <a:pPr marL="0" marR="0" lvl="0" indent="0" algn="l" defTabSz="914400" rtl="0" eaLnBrk="0" fontAlgn="base" latinLnBrk="0" hangingPunct="0">
+              <a:lnSpc>
+                <a:spcPct val="100000"/>
+              </a:lnSpc>
+              <a:spcBef>
+                <a:spcPct val="0"/>
+              </a:spcBef>
+              <a:spcAft>
+                <a:spcPct val="0"/>
+              </a:spcAft>
+              <a:buClrTx/>
+              <a:buSzTx/>
+              <a:buFontTx/>
+              <a:buNone/>
+              <a:tabLst/>
+            </a:pPr>
+            <a:r>
+              <a:rPr kumimoji="0" lang="en-US" altLang="zh-TW" sz="1400" b="0" i="0" u="none" strike="noStrike" cap="none" normalizeH="0" baseline="0" dirty="0" smtClean="0">
+                <a:ln>
+                  <a:noFill/>
+                </a:ln>
+                <a:solidFill>
+                  <a:srgbClr val="000000"/>
+                </a:solidFill>
+                <a:effectLst/>
+                <a:latin typeface="Arial Unicode MS" panose="020B0604020202020204" pitchFamily="34" charset="-120"/>
+                <a:ea typeface="Droid Sans Mono"/>
+              </a:rPr>
+              <a:t>    </a:t>
+            </a:r>
+            <a:r>
+              <a:rPr kumimoji="0" lang="zh-TW" altLang="zh-TW" sz="1400" b="0" i="0" u="none" strike="noStrike" cap="none" normalizeH="0" baseline="0" dirty="0" smtClean="0">
+                <a:ln>
+                  <a:noFill/>
+                </a:ln>
+                <a:solidFill>
+                  <a:srgbClr val="000000"/>
+                </a:solidFill>
+                <a:effectLst/>
+                <a:latin typeface="Arial Unicode MS" panose="020B0604020202020204" pitchFamily="34" charset="-120"/>
+                <a:ea typeface="Droid Sans Mono"/>
+              </a:rPr>
+              <a:t>txn</a:t>
+            </a:r>
+            <a:r>
+              <a:rPr kumimoji="0" lang="zh-TW" altLang="zh-TW" sz="1400" b="0" i="0" u="none" strike="noStrike" cap="none" normalizeH="0" baseline="0" dirty="0" smtClean="0">
+                <a:ln>
+                  <a:noFill/>
+                </a:ln>
+                <a:solidFill>
+                  <a:srgbClr val="666600"/>
+                </a:solidFill>
+                <a:effectLst/>
+                <a:latin typeface="Arial Unicode MS" panose="020B0604020202020204" pitchFamily="34" charset="-120"/>
+                <a:ea typeface="Droid Sans Mono"/>
+              </a:rPr>
+              <a:t>.</a:t>
+            </a:r>
+            <a:r>
+              <a:rPr kumimoji="0" lang="zh-TW" altLang="zh-TW" sz="1400" b="0" i="0" u="none" strike="noStrike" cap="none" normalizeH="0" baseline="0" dirty="0" smtClean="0">
+                <a:ln>
+                  <a:noFill/>
+                </a:ln>
+                <a:solidFill>
+                  <a:srgbClr val="000000"/>
+                </a:solidFill>
+                <a:effectLst/>
+                <a:latin typeface="Arial Unicode MS" panose="020B0604020202020204" pitchFamily="34" charset="-120"/>
+                <a:ea typeface="Droid Sans Mono"/>
+              </a:rPr>
+              <a:t>commit</a:t>
+            </a:r>
+            <a:r>
+              <a:rPr kumimoji="0" lang="zh-TW" altLang="zh-TW" sz="1400" b="0" i="0" u="none" strike="noStrike" cap="none" normalizeH="0" baseline="0" dirty="0" smtClean="0">
+                <a:ln>
+                  <a:noFill/>
+                </a:ln>
+                <a:solidFill>
+                  <a:srgbClr val="666600"/>
+                </a:solidFill>
+                <a:effectLst/>
+                <a:latin typeface="Arial Unicode MS" panose="020B0604020202020204" pitchFamily="34" charset="-120"/>
+                <a:ea typeface="Droid Sans Mono"/>
+              </a:rPr>
+              <a:t>();</a:t>
+            </a:r>
+            <a:r>
+              <a:rPr kumimoji="0" lang="zh-TW" altLang="zh-TW" sz="1400" b="0" i="0" u="none" strike="noStrike" cap="none" normalizeH="0" baseline="0" dirty="0" smtClean="0">
+                <a:ln>
+                  <a:noFill/>
+                </a:ln>
+                <a:solidFill>
+                  <a:srgbClr val="000000"/>
+                </a:solidFill>
+                <a:effectLst/>
+                <a:latin typeface="Arial Unicode MS" panose="020B0604020202020204" pitchFamily="34" charset="-120"/>
+                <a:ea typeface="Droid Sans Mono"/>
+              </a:rPr>
+              <a:t> </a:t>
+            </a:r>
+            <a:endParaRPr kumimoji="0" lang="en-US" altLang="zh-TW" sz="1400" b="0" i="0" u="none" strike="noStrike" cap="none" normalizeH="0" baseline="0" dirty="0" smtClean="0">
+              <a:ln>
+                <a:noFill/>
+              </a:ln>
+              <a:solidFill>
+                <a:srgbClr val="000000"/>
+              </a:solidFill>
+              <a:effectLst/>
+              <a:latin typeface="Arial Unicode MS" panose="020B0604020202020204" pitchFamily="34" charset="-120"/>
+              <a:ea typeface="Droid Sans Mono"/>
+            </a:endParaRPr>
+          </a:p>
+          <a:p>
+            <a:pPr marL="0" marR="0" lvl="0" indent="0" algn="l" defTabSz="914400" rtl="0" eaLnBrk="0" fontAlgn="base" latinLnBrk="0" hangingPunct="0">
+              <a:lnSpc>
+                <a:spcPct val="100000"/>
+              </a:lnSpc>
+              <a:spcBef>
+                <a:spcPct val="0"/>
+              </a:spcBef>
+              <a:spcAft>
+                <a:spcPct val="0"/>
+              </a:spcAft>
+              <a:buClrTx/>
+              <a:buSzTx/>
+              <a:buFontTx/>
+              <a:buNone/>
+              <a:tabLst/>
+            </a:pPr>
+            <a:r>
+              <a:rPr kumimoji="0" lang="zh-TW" altLang="zh-TW" sz="1400" b="0" i="0" u="none" strike="noStrike" cap="none" normalizeH="0" baseline="0" dirty="0" smtClean="0">
+                <a:ln>
+                  <a:noFill/>
+                </a:ln>
+                <a:solidFill>
+                  <a:srgbClr val="666600"/>
+                </a:solidFill>
+                <a:effectLst/>
+                <a:latin typeface="Arial Unicode MS" panose="020B0604020202020204" pitchFamily="34" charset="-120"/>
+                <a:ea typeface="Droid Sans Mono"/>
+              </a:rPr>
+              <a:t>}</a:t>
+            </a:r>
+            <a:r>
+              <a:rPr kumimoji="0" lang="zh-TW" altLang="zh-TW" sz="1400" b="0" i="0" u="none" strike="noStrike" cap="none" normalizeH="0" baseline="0" dirty="0" smtClean="0">
+                <a:ln>
+                  <a:noFill/>
+                </a:ln>
+                <a:solidFill>
+                  <a:srgbClr val="000000"/>
+                </a:solidFill>
+                <a:effectLst/>
+                <a:latin typeface="Arial Unicode MS" panose="020B0604020202020204" pitchFamily="34" charset="-120"/>
+                <a:ea typeface="Droid Sans Mono"/>
+              </a:rPr>
+              <a:t> </a:t>
+            </a:r>
+            <a:endParaRPr kumimoji="0" lang="en-US" altLang="zh-TW" sz="1400" b="0" i="0" u="none" strike="noStrike" cap="none" normalizeH="0" baseline="0" dirty="0" smtClean="0">
+              <a:ln>
+                <a:noFill/>
+              </a:ln>
+              <a:solidFill>
+                <a:srgbClr val="000000"/>
+              </a:solidFill>
+              <a:effectLst/>
+              <a:latin typeface="Arial Unicode MS" panose="020B0604020202020204" pitchFamily="34" charset="-120"/>
+              <a:ea typeface="Droid Sans Mono"/>
+            </a:endParaRPr>
+          </a:p>
+          <a:p>
+            <a:pPr marL="0" marR="0" lvl="0" indent="0" algn="l" defTabSz="914400" rtl="0" eaLnBrk="0" fontAlgn="base" latinLnBrk="0" hangingPunct="0">
+              <a:lnSpc>
+                <a:spcPct val="100000"/>
+              </a:lnSpc>
+              <a:spcBef>
+                <a:spcPct val="0"/>
+              </a:spcBef>
+              <a:spcAft>
+                <a:spcPct val="0"/>
+              </a:spcAft>
+              <a:buClrTx/>
+              <a:buSzTx/>
+              <a:buFontTx/>
+              <a:buNone/>
+              <a:tabLst/>
+            </a:pPr>
+            <a:r>
+              <a:rPr kumimoji="0" lang="zh-TW" altLang="zh-TW" sz="1400" b="0" i="0" u="none" strike="noStrike" cap="none" normalizeH="0" baseline="0" dirty="0" smtClean="0">
+                <a:ln>
+                  <a:noFill/>
+                </a:ln>
+                <a:solidFill>
+                  <a:srgbClr val="000088"/>
+                </a:solidFill>
+                <a:effectLst/>
+                <a:latin typeface="Arial Unicode MS" panose="020B0604020202020204" pitchFamily="34" charset="-120"/>
+                <a:ea typeface="Droid Sans Mono"/>
+              </a:rPr>
+              <a:t>catch</a:t>
+            </a:r>
+            <a:r>
+              <a:rPr kumimoji="0" lang="zh-TW" altLang="zh-TW" sz="1400" b="0" i="0" u="none" strike="noStrike" cap="none" normalizeH="0" baseline="0" dirty="0" smtClean="0">
+                <a:ln>
+                  <a:noFill/>
+                </a:ln>
+                <a:solidFill>
+                  <a:srgbClr val="000000"/>
+                </a:solidFill>
+                <a:effectLst/>
+                <a:latin typeface="Arial Unicode MS" panose="020B0604020202020204" pitchFamily="34" charset="-120"/>
+                <a:ea typeface="Droid Sans Mono"/>
+              </a:rPr>
+              <a:t> </a:t>
+            </a:r>
+            <a:r>
+              <a:rPr kumimoji="0" lang="zh-TW" altLang="zh-TW" sz="1400" b="0" i="0" u="none" strike="noStrike" cap="none" normalizeH="0" baseline="0" dirty="0" smtClean="0">
+                <a:ln>
+                  <a:noFill/>
+                </a:ln>
+                <a:solidFill>
+                  <a:srgbClr val="666600"/>
+                </a:solidFill>
+                <a:effectLst/>
+                <a:latin typeface="Arial Unicode MS" panose="020B0604020202020204" pitchFamily="34" charset="-120"/>
+                <a:ea typeface="Droid Sans Mono"/>
+              </a:rPr>
+              <a:t>(</a:t>
+            </a:r>
+            <a:r>
+              <a:rPr kumimoji="0" lang="zh-TW" altLang="zh-TW" sz="1400" b="0" i="0" u="none" strike="noStrike" cap="none" normalizeH="0" baseline="0" dirty="0" smtClean="0">
+                <a:ln>
+                  <a:noFill/>
+                </a:ln>
+                <a:solidFill>
+                  <a:srgbClr val="660066"/>
+                </a:solidFill>
+                <a:effectLst/>
+                <a:latin typeface="Arial Unicode MS" panose="020B0604020202020204" pitchFamily="34" charset="-120"/>
+                <a:ea typeface="Droid Sans Mono"/>
+              </a:rPr>
+              <a:t>RuntimeException</a:t>
+            </a:r>
+            <a:r>
+              <a:rPr kumimoji="0" lang="zh-TW" altLang="zh-TW" sz="1400" b="0" i="0" u="none" strike="noStrike" cap="none" normalizeH="0" baseline="0" dirty="0" smtClean="0">
+                <a:ln>
+                  <a:noFill/>
+                </a:ln>
+                <a:solidFill>
+                  <a:srgbClr val="000000"/>
+                </a:solidFill>
+                <a:effectLst/>
+                <a:latin typeface="Arial Unicode MS" panose="020B0604020202020204" pitchFamily="34" charset="-120"/>
+                <a:ea typeface="Droid Sans Mono"/>
+              </a:rPr>
+              <a:t> e</a:t>
+            </a:r>
+            <a:r>
+              <a:rPr kumimoji="0" lang="zh-TW" altLang="zh-TW" sz="1400" b="0" i="0" u="none" strike="noStrike" cap="none" normalizeH="0" baseline="0" dirty="0" smtClean="0">
+                <a:ln>
+                  <a:noFill/>
+                </a:ln>
+                <a:solidFill>
+                  <a:srgbClr val="666600"/>
+                </a:solidFill>
+                <a:effectLst/>
+                <a:latin typeface="Arial Unicode MS" panose="020B0604020202020204" pitchFamily="34" charset="-120"/>
+                <a:ea typeface="Droid Sans Mono"/>
+              </a:rPr>
+              <a:t>)</a:t>
+            </a:r>
+            <a:r>
+              <a:rPr kumimoji="0" lang="zh-TW" altLang="zh-TW" sz="1400" b="0" i="0" u="none" strike="noStrike" cap="none" normalizeH="0" baseline="0" dirty="0" smtClean="0">
+                <a:ln>
+                  <a:noFill/>
+                </a:ln>
+                <a:solidFill>
+                  <a:srgbClr val="000000"/>
+                </a:solidFill>
+                <a:effectLst/>
+                <a:latin typeface="Arial Unicode MS" panose="020B0604020202020204" pitchFamily="34" charset="-120"/>
+                <a:ea typeface="Droid Sans Mono"/>
+              </a:rPr>
+              <a:t> </a:t>
+            </a:r>
+            <a:r>
+              <a:rPr kumimoji="0" lang="zh-TW" altLang="zh-TW" sz="1400" b="0" i="0" u="none" strike="noStrike" cap="none" normalizeH="0" baseline="0" dirty="0" smtClean="0">
+                <a:ln>
+                  <a:noFill/>
+                </a:ln>
+                <a:solidFill>
+                  <a:srgbClr val="666600"/>
+                </a:solidFill>
+                <a:effectLst/>
+                <a:latin typeface="Arial Unicode MS" panose="020B0604020202020204" pitchFamily="34" charset="-120"/>
+                <a:ea typeface="Droid Sans Mono"/>
+              </a:rPr>
+              <a:t>{</a:t>
+            </a:r>
+            <a:r>
+              <a:rPr kumimoji="0" lang="zh-TW" altLang="zh-TW" sz="1400" b="0" i="0" u="none" strike="noStrike" cap="none" normalizeH="0" baseline="0" dirty="0" smtClean="0">
+                <a:ln>
+                  <a:noFill/>
+                </a:ln>
+                <a:solidFill>
+                  <a:srgbClr val="000000"/>
+                </a:solidFill>
+                <a:effectLst/>
+                <a:latin typeface="Arial Unicode MS" panose="020B0604020202020204" pitchFamily="34" charset="-120"/>
+                <a:ea typeface="Droid Sans Mono"/>
+              </a:rPr>
+              <a:t> </a:t>
+            </a:r>
+            <a:endParaRPr kumimoji="0" lang="en-US" altLang="zh-TW" sz="1400" b="0" i="0" u="none" strike="noStrike" cap="none" normalizeH="0" baseline="0" dirty="0" smtClean="0">
+              <a:ln>
+                <a:noFill/>
+              </a:ln>
+              <a:solidFill>
+                <a:srgbClr val="000000"/>
+              </a:solidFill>
+              <a:effectLst/>
+              <a:latin typeface="Arial Unicode MS" panose="020B0604020202020204" pitchFamily="34" charset="-120"/>
+              <a:ea typeface="Droid Sans Mono"/>
+            </a:endParaRPr>
+          </a:p>
+          <a:p>
+            <a:pPr marL="0" marR="0" lvl="0" indent="0" algn="l" defTabSz="914400" rtl="0" eaLnBrk="0" fontAlgn="base" latinLnBrk="0" hangingPunct="0">
+              <a:lnSpc>
+                <a:spcPct val="100000"/>
+              </a:lnSpc>
+              <a:spcBef>
+                <a:spcPct val="0"/>
+              </a:spcBef>
+              <a:spcAft>
+                <a:spcPct val="0"/>
+              </a:spcAft>
+              <a:buClrTx/>
+              <a:buSzTx/>
+              <a:buFontTx/>
+              <a:buNone/>
+              <a:tabLst/>
+            </a:pPr>
+            <a:r>
+              <a:rPr lang="en-US" altLang="zh-TW" sz="1400" dirty="0">
+                <a:solidFill>
+                  <a:srgbClr val="000000"/>
+                </a:solidFill>
+                <a:latin typeface="Arial Unicode MS" panose="020B0604020202020204" pitchFamily="34" charset="-120"/>
+                <a:ea typeface="Droid Sans Mono"/>
+              </a:rPr>
+              <a:t> </a:t>
+            </a:r>
+            <a:r>
+              <a:rPr lang="en-US" altLang="zh-TW" sz="1400" dirty="0" smtClean="0">
+                <a:solidFill>
+                  <a:srgbClr val="000000"/>
+                </a:solidFill>
+                <a:latin typeface="Arial Unicode MS" panose="020B0604020202020204" pitchFamily="34" charset="-120"/>
+                <a:ea typeface="Droid Sans Mono"/>
+              </a:rPr>
+              <a:t>   </a:t>
+            </a:r>
+            <a:r>
+              <a:rPr kumimoji="0" lang="zh-TW" altLang="zh-TW" sz="1400" b="0" i="0" u="none" strike="noStrike" cap="none" normalizeH="0" baseline="0" dirty="0" smtClean="0">
+                <a:ln>
+                  <a:noFill/>
+                </a:ln>
+                <a:solidFill>
+                  <a:srgbClr val="000088"/>
+                </a:solidFill>
+                <a:effectLst/>
+                <a:latin typeface="Arial Unicode MS" panose="020B0604020202020204" pitchFamily="34" charset="-120"/>
+                <a:ea typeface="Droid Sans Mono"/>
+              </a:rPr>
+              <a:t>if</a:t>
+            </a:r>
+            <a:r>
+              <a:rPr kumimoji="0" lang="zh-TW" altLang="zh-TW" sz="1400" b="0" i="0" u="none" strike="noStrike" cap="none" normalizeH="0" baseline="0" dirty="0" smtClean="0">
+                <a:ln>
+                  <a:noFill/>
+                </a:ln>
+                <a:solidFill>
+                  <a:srgbClr val="000000"/>
+                </a:solidFill>
+                <a:effectLst/>
+                <a:latin typeface="Arial Unicode MS" panose="020B0604020202020204" pitchFamily="34" charset="-120"/>
+                <a:ea typeface="Droid Sans Mono"/>
+              </a:rPr>
+              <a:t> </a:t>
+            </a:r>
+            <a:r>
+              <a:rPr kumimoji="0" lang="zh-TW" altLang="zh-TW" sz="1400" b="0" i="0" u="none" strike="noStrike" cap="none" normalizeH="0" baseline="0" dirty="0" smtClean="0">
+                <a:ln>
+                  <a:noFill/>
+                </a:ln>
+                <a:solidFill>
+                  <a:srgbClr val="666600"/>
+                </a:solidFill>
+                <a:effectLst/>
+                <a:latin typeface="Arial Unicode MS" panose="020B0604020202020204" pitchFamily="34" charset="-120"/>
+                <a:ea typeface="Droid Sans Mono"/>
+              </a:rPr>
+              <a:t>(</a:t>
+            </a:r>
+            <a:r>
+              <a:rPr kumimoji="0" lang="zh-TW" altLang="zh-TW" sz="1400" b="0" i="0" u="none" strike="noStrike" cap="none" normalizeH="0" baseline="0" dirty="0" smtClean="0">
+                <a:ln>
+                  <a:noFill/>
+                </a:ln>
+                <a:solidFill>
+                  <a:srgbClr val="000000"/>
+                </a:solidFill>
+                <a:effectLst/>
+                <a:latin typeface="Arial Unicode MS" panose="020B0604020202020204" pitchFamily="34" charset="-120"/>
+                <a:ea typeface="Droid Sans Mono"/>
+              </a:rPr>
+              <a:t> txn </a:t>
+            </a:r>
+            <a:r>
+              <a:rPr kumimoji="0" lang="zh-TW" altLang="zh-TW" sz="1400" b="0" i="0" u="none" strike="noStrike" cap="none" normalizeH="0" baseline="0" dirty="0" smtClean="0">
+                <a:ln>
+                  <a:noFill/>
+                </a:ln>
+                <a:solidFill>
+                  <a:srgbClr val="666600"/>
+                </a:solidFill>
+                <a:effectLst/>
+                <a:latin typeface="Arial Unicode MS" panose="020B0604020202020204" pitchFamily="34" charset="-120"/>
+                <a:ea typeface="Droid Sans Mono"/>
+              </a:rPr>
+              <a:t>!=</a:t>
+            </a:r>
+            <a:r>
+              <a:rPr kumimoji="0" lang="zh-TW" altLang="zh-TW" sz="1400" b="0" i="0" u="none" strike="noStrike" cap="none" normalizeH="0" baseline="0" dirty="0" smtClean="0">
+                <a:ln>
+                  <a:noFill/>
+                </a:ln>
+                <a:solidFill>
+                  <a:srgbClr val="000000"/>
+                </a:solidFill>
+                <a:effectLst/>
+                <a:latin typeface="Arial Unicode MS" panose="020B0604020202020204" pitchFamily="34" charset="-120"/>
+                <a:ea typeface="Droid Sans Mono"/>
+              </a:rPr>
+              <a:t> </a:t>
+            </a:r>
+            <a:r>
+              <a:rPr kumimoji="0" lang="zh-TW" altLang="zh-TW" sz="1400" b="0" i="0" u="none" strike="noStrike" cap="none" normalizeH="0" baseline="0" dirty="0" smtClean="0">
+                <a:ln>
+                  <a:noFill/>
+                </a:ln>
+                <a:solidFill>
+                  <a:srgbClr val="000088"/>
+                </a:solidFill>
+                <a:effectLst/>
+                <a:latin typeface="Arial Unicode MS" panose="020B0604020202020204" pitchFamily="34" charset="-120"/>
+                <a:ea typeface="Droid Sans Mono"/>
+              </a:rPr>
+              <a:t>null</a:t>
+            </a:r>
+            <a:r>
+              <a:rPr kumimoji="0" lang="zh-TW" altLang="zh-TW" sz="1400" b="0" i="0" u="none" strike="noStrike" cap="none" normalizeH="0" baseline="0" dirty="0" smtClean="0">
+                <a:ln>
+                  <a:noFill/>
+                </a:ln>
+                <a:solidFill>
+                  <a:srgbClr val="000000"/>
+                </a:solidFill>
+                <a:effectLst/>
+                <a:latin typeface="Arial Unicode MS" panose="020B0604020202020204" pitchFamily="34" charset="-120"/>
+                <a:ea typeface="Droid Sans Mono"/>
+              </a:rPr>
+              <a:t> </a:t>
+            </a:r>
+            <a:r>
+              <a:rPr kumimoji="0" lang="zh-TW" altLang="zh-TW" sz="1400" b="0" i="0" u="none" strike="noStrike" cap="none" normalizeH="0" baseline="0" dirty="0" smtClean="0">
+                <a:ln>
+                  <a:noFill/>
+                </a:ln>
+                <a:solidFill>
+                  <a:srgbClr val="666600"/>
+                </a:solidFill>
+                <a:effectLst/>
+                <a:latin typeface="Arial Unicode MS" panose="020B0604020202020204" pitchFamily="34" charset="-120"/>
+                <a:ea typeface="Droid Sans Mono"/>
+              </a:rPr>
+              <a:t>&amp;&amp;</a:t>
+            </a:r>
+            <a:r>
+              <a:rPr kumimoji="0" lang="zh-TW" altLang="zh-TW" sz="1400" b="0" i="0" u="none" strike="noStrike" cap="none" normalizeH="0" baseline="0" dirty="0" smtClean="0">
+                <a:ln>
+                  <a:noFill/>
+                </a:ln>
+                <a:solidFill>
+                  <a:srgbClr val="000000"/>
+                </a:solidFill>
+                <a:effectLst/>
+                <a:latin typeface="Arial Unicode MS" panose="020B0604020202020204" pitchFamily="34" charset="-120"/>
+                <a:ea typeface="Droid Sans Mono"/>
+              </a:rPr>
+              <a:t> txn</a:t>
+            </a:r>
+            <a:r>
+              <a:rPr kumimoji="0" lang="zh-TW" altLang="zh-TW" sz="1400" b="0" i="0" u="none" strike="noStrike" cap="none" normalizeH="0" baseline="0" dirty="0" smtClean="0">
+                <a:ln>
+                  <a:noFill/>
+                </a:ln>
+                <a:solidFill>
+                  <a:srgbClr val="666600"/>
+                </a:solidFill>
+                <a:effectLst/>
+                <a:latin typeface="Arial Unicode MS" panose="020B0604020202020204" pitchFamily="34" charset="-120"/>
+                <a:ea typeface="Droid Sans Mono"/>
+              </a:rPr>
+              <a:t>.</a:t>
+            </a:r>
+            <a:r>
+              <a:rPr kumimoji="0" lang="zh-TW" altLang="zh-TW" sz="1400" b="0" i="0" u="none" strike="noStrike" cap="none" normalizeH="0" baseline="0" dirty="0" smtClean="0">
+                <a:ln>
+                  <a:noFill/>
+                </a:ln>
+                <a:solidFill>
+                  <a:srgbClr val="000000"/>
+                </a:solidFill>
+                <a:effectLst/>
+                <a:latin typeface="Arial Unicode MS" panose="020B0604020202020204" pitchFamily="34" charset="-120"/>
+                <a:ea typeface="Droid Sans Mono"/>
+              </a:rPr>
+              <a:t>isActive</a:t>
+            </a:r>
+            <a:r>
+              <a:rPr kumimoji="0" lang="zh-TW" altLang="zh-TW" sz="1400" b="0" i="0" u="none" strike="noStrike" cap="none" normalizeH="0" baseline="0" dirty="0" smtClean="0">
+                <a:ln>
+                  <a:noFill/>
+                </a:ln>
+                <a:solidFill>
+                  <a:srgbClr val="666600"/>
+                </a:solidFill>
+                <a:effectLst/>
+                <a:latin typeface="Arial Unicode MS" panose="020B0604020202020204" pitchFamily="34" charset="-120"/>
+                <a:ea typeface="Droid Sans Mono"/>
+              </a:rPr>
+              <a:t>())</a:t>
+            </a:r>
+            <a:r>
+              <a:rPr kumimoji="0" lang="zh-TW" altLang="zh-TW" sz="1400" b="0" i="0" u="none" strike="noStrike" cap="none" normalizeH="0" baseline="0" dirty="0" smtClean="0">
+                <a:ln>
+                  <a:noFill/>
+                </a:ln>
+                <a:solidFill>
+                  <a:srgbClr val="000000"/>
+                </a:solidFill>
+                <a:effectLst/>
+                <a:latin typeface="Arial Unicode MS" panose="020B0604020202020204" pitchFamily="34" charset="-120"/>
+                <a:ea typeface="Droid Sans Mono"/>
+              </a:rPr>
+              <a:t> </a:t>
+            </a:r>
+            <a:r>
+              <a:rPr kumimoji="0" lang="en-US" altLang="zh-TW" sz="1400" b="0" i="0" u="none" strike="noStrike" cap="none" normalizeH="0" baseline="0" dirty="0" smtClean="0">
+                <a:ln>
+                  <a:noFill/>
+                </a:ln>
+                <a:solidFill>
+                  <a:srgbClr val="000000"/>
+                </a:solidFill>
+                <a:effectLst/>
+                <a:latin typeface="Arial Unicode MS" panose="020B0604020202020204" pitchFamily="34" charset="-120"/>
+                <a:ea typeface="Droid Sans Mono"/>
+              </a:rPr>
+              <a:t> </a:t>
+            </a:r>
+            <a:r>
+              <a:rPr kumimoji="0" lang="zh-TW" altLang="zh-TW" sz="1400" b="0" i="0" u="none" strike="noStrike" cap="none" normalizeH="0" baseline="0" dirty="0" smtClean="0">
+                <a:ln>
+                  <a:noFill/>
+                </a:ln>
+                <a:solidFill>
+                  <a:srgbClr val="000000"/>
+                </a:solidFill>
+                <a:effectLst/>
+                <a:latin typeface="Arial Unicode MS" panose="020B0604020202020204" pitchFamily="34" charset="-120"/>
+                <a:ea typeface="Droid Sans Mono"/>
+              </a:rPr>
+              <a:t>txn</a:t>
+            </a:r>
+            <a:r>
+              <a:rPr kumimoji="0" lang="zh-TW" altLang="zh-TW" sz="1400" b="0" i="0" u="none" strike="noStrike" cap="none" normalizeH="0" baseline="0" dirty="0" smtClean="0">
+                <a:ln>
+                  <a:noFill/>
+                </a:ln>
+                <a:solidFill>
+                  <a:srgbClr val="666600"/>
+                </a:solidFill>
+                <a:effectLst/>
+                <a:latin typeface="Arial Unicode MS" panose="020B0604020202020204" pitchFamily="34" charset="-120"/>
+                <a:ea typeface="Droid Sans Mono"/>
+              </a:rPr>
+              <a:t>.</a:t>
+            </a:r>
+            <a:r>
+              <a:rPr kumimoji="0" lang="zh-TW" altLang="zh-TW" sz="1400" b="0" i="0" u="none" strike="noStrike" cap="none" normalizeH="0" baseline="0" dirty="0" smtClean="0">
+                <a:ln>
+                  <a:noFill/>
+                </a:ln>
+                <a:solidFill>
+                  <a:srgbClr val="000000"/>
+                </a:solidFill>
+                <a:effectLst/>
+                <a:latin typeface="Arial Unicode MS" panose="020B0604020202020204" pitchFamily="34" charset="-120"/>
+                <a:ea typeface="Droid Sans Mono"/>
+              </a:rPr>
+              <a:t>rollback</a:t>
+            </a:r>
+            <a:r>
+              <a:rPr kumimoji="0" lang="zh-TW" altLang="zh-TW" sz="1400" b="0" i="0" u="none" strike="noStrike" cap="none" normalizeH="0" baseline="0" dirty="0" smtClean="0">
+                <a:ln>
+                  <a:noFill/>
+                </a:ln>
+                <a:solidFill>
+                  <a:srgbClr val="666600"/>
+                </a:solidFill>
+                <a:effectLst/>
+                <a:latin typeface="Arial Unicode MS" panose="020B0604020202020204" pitchFamily="34" charset="-120"/>
+                <a:ea typeface="Droid Sans Mono"/>
+              </a:rPr>
+              <a:t>();</a:t>
+            </a:r>
+            <a:r>
+              <a:rPr kumimoji="0" lang="zh-TW" altLang="zh-TW" sz="1400" b="0" i="0" u="none" strike="noStrike" cap="none" normalizeH="0" baseline="0" dirty="0" smtClean="0">
+                <a:ln>
+                  <a:noFill/>
+                </a:ln>
+                <a:solidFill>
+                  <a:srgbClr val="000000"/>
+                </a:solidFill>
+                <a:effectLst/>
+                <a:latin typeface="Arial Unicode MS" panose="020B0604020202020204" pitchFamily="34" charset="-120"/>
+                <a:ea typeface="Droid Sans Mono"/>
+              </a:rPr>
+              <a:t> </a:t>
+            </a:r>
+            <a:endParaRPr kumimoji="0" lang="en-US" altLang="zh-TW" sz="1400" b="0" i="0" u="none" strike="noStrike" cap="none" normalizeH="0" baseline="0" dirty="0" smtClean="0">
+              <a:ln>
+                <a:noFill/>
+              </a:ln>
+              <a:solidFill>
+                <a:srgbClr val="000000"/>
+              </a:solidFill>
+              <a:effectLst/>
+              <a:latin typeface="Arial Unicode MS" panose="020B0604020202020204" pitchFamily="34" charset="-120"/>
+              <a:ea typeface="Droid Sans Mono"/>
+            </a:endParaRPr>
+          </a:p>
+          <a:p>
+            <a:pPr marL="0" marR="0" lvl="0" indent="0" algn="l" defTabSz="914400" rtl="0" eaLnBrk="0" fontAlgn="base" latinLnBrk="0" hangingPunct="0">
+              <a:lnSpc>
+                <a:spcPct val="100000"/>
+              </a:lnSpc>
+              <a:spcBef>
+                <a:spcPct val="0"/>
+              </a:spcBef>
+              <a:spcAft>
+                <a:spcPct val="0"/>
+              </a:spcAft>
+              <a:buClrTx/>
+              <a:buSzTx/>
+              <a:buFontTx/>
+              <a:buNone/>
+              <a:tabLst/>
+            </a:pPr>
+            <a:r>
+              <a:rPr lang="en-US" altLang="zh-TW" sz="1400" dirty="0">
+                <a:solidFill>
+                  <a:srgbClr val="000000"/>
+                </a:solidFill>
+                <a:latin typeface="Arial Unicode MS" panose="020B0604020202020204" pitchFamily="34" charset="-120"/>
+                <a:ea typeface="Droid Sans Mono"/>
+              </a:rPr>
+              <a:t> </a:t>
+            </a:r>
+            <a:r>
+              <a:rPr lang="en-US" altLang="zh-TW" sz="1400" dirty="0" smtClean="0">
+                <a:solidFill>
+                  <a:srgbClr val="000000"/>
+                </a:solidFill>
+                <a:latin typeface="Arial Unicode MS" panose="020B0604020202020204" pitchFamily="34" charset="-120"/>
+                <a:ea typeface="Droid Sans Mono"/>
+              </a:rPr>
+              <a:t>   </a:t>
+            </a:r>
+            <a:r>
+              <a:rPr kumimoji="0" lang="zh-TW" altLang="zh-TW" sz="1400" b="0" i="0" u="none" strike="noStrike" cap="none" normalizeH="0" baseline="0" dirty="0" smtClean="0">
+                <a:ln>
+                  <a:noFill/>
+                </a:ln>
+                <a:solidFill>
+                  <a:srgbClr val="000088"/>
+                </a:solidFill>
+                <a:effectLst/>
+                <a:latin typeface="Arial Unicode MS" panose="020B0604020202020204" pitchFamily="34" charset="-120"/>
+                <a:ea typeface="Droid Sans Mono"/>
+              </a:rPr>
+              <a:t>throw</a:t>
+            </a:r>
+            <a:r>
+              <a:rPr kumimoji="0" lang="zh-TW" altLang="zh-TW" sz="1400" b="0" i="0" u="none" strike="noStrike" cap="none" normalizeH="0" baseline="0" dirty="0" smtClean="0">
+                <a:ln>
+                  <a:noFill/>
+                </a:ln>
+                <a:solidFill>
+                  <a:srgbClr val="000000"/>
+                </a:solidFill>
+                <a:effectLst/>
+                <a:latin typeface="Arial Unicode MS" panose="020B0604020202020204" pitchFamily="34" charset="-120"/>
+                <a:ea typeface="Droid Sans Mono"/>
+              </a:rPr>
+              <a:t> e</a:t>
+            </a:r>
+            <a:r>
+              <a:rPr kumimoji="0" lang="zh-TW" altLang="zh-TW" sz="1400" b="0" i="0" u="none" strike="noStrike" cap="none" normalizeH="0" baseline="0" dirty="0" smtClean="0">
+                <a:ln>
+                  <a:noFill/>
+                </a:ln>
+                <a:solidFill>
+                  <a:srgbClr val="666600"/>
+                </a:solidFill>
+                <a:effectLst/>
+                <a:latin typeface="Arial Unicode MS" panose="020B0604020202020204" pitchFamily="34" charset="-120"/>
+                <a:ea typeface="Droid Sans Mono"/>
+              </a:rPr>
+              <a:t>;</a:t>
+            </a:r>
+            <a:r>
+              <a:rPr kumimoji="0" lang="zh-TW" altLang="zh-TW" sz="1400" b="0" i="0" u="none" strike="noStrike" cap="none" normalizeH="0" baseline="0" dirty="0" smtClean="0">
+                <a:ln>
+                  <a:noFill/>
+                </a:ln>
+                <a:solidFill>
+                  <a:srgbClr val="000000"/>
+                </a:solidFill>
+                <a:effectLst/>
+                <a:latin typeface="Arial Unicode MS" panose="020B0604020202020204" pitchFamily="34" charset="-120"/>
+                <a:ea typeface="Droid Sans Mono"/>
+              </a:rPr>
+              <a:t> </a:t>
+            </a:r>
+            <a:endParaRPr kumimoji="0" lang="en-US" altLang="zh-TW" sz="1400" b="0" i="0" u="none" strike="noStrike" cap="none" normalizeH="0" baseline="0" dirty="0" smtClean="0">
+              <a:ln>
+                <a:noFill/>
+              </a:ln>
+              <a:solidFill>
+                <a:srgbClr val="000000"/>
+              </a:solidFill>
+              <a:effectLst/>
+              <a:latin typeface="Arial Unicode MS" panose="020B0604020202020204" pitchFamily="34" charset="-120"/>
+              <a:ea typeface="Droid Sans Mono"/>
+            </a:endParaRPr>
+          </a:p>
+          <a:p>
+            <a:pPr marL="0" marR="0" lvl="0" indent="0" algn="l" defTabSz="914400" rtl="0" eaLnBrk="0" fontAlgn="base" latinLnBrk="0" hangingPunct="0">
+              <a:lnSpc>
+                <a:spcPct val="100000"/>
+              </a:lnSpc>
+              <a:spcBef>
+                <a:spcPct val="0"/>
+              </a:spcBef>
+              <a:spcAft>
+                <a:spcPct val="0"/>
+              </a:spcAft>
+              <a:buClrTx/>
+              <a:buSzTx/>
+              <a:buFontTx/>
+              <a:buNone/>
+              <a:tabLst/>
+            </a:pPr>
+            <a:r>
+              <a:rPr kumimoji="0" lang="zh-TW" altLang="zh-TW" sz="1400" b="0" i="0" u="none" strike="noStrike" cap="none" normalizeH="0" baseline="0" dirty="0" smtClean="0">
+                <a:ln>
+                  <a:noFill/>
+                </a:ln>
+                <a:solidFill>
+                  <a:srgbClr val="666600"/>
+                </a:solidFill>
+                <a:effectLst/>
+                <a:latin typeface="Arial Unicode MS" panose="020B0604020202020204" pitchFamily="34" charset="-120"/>
+                <a:ea typeface="Droid Sans Mono"/>
+              </a:rPr>
+              <a:t>}</a:t>
+            </a:r>
+            <a:r>
+              <a:rPr kumimoji="0" lang="zh-TW" altLang="zh-TW" sz="1400" b="0" i="0" u="none" strike="noStrike" cap="none" normalizeH="0" baseline="0" dirty="0" smtClean="0">
+                <a:ln>
+                  <a:noFill/>
+                </a:ln>
+                <a:solidFill>
+                  <a:srgbClr val="000000"/>
+                </a:solidFill>
+                <a:effectLst/>
+                <a:latin typeface="Arial Unicode MS" panose="020B0604020202020204" pitchFamily="34" charset="-120"/>
+                <a:ea typeface="Droid Sans Mono"/>
+              </a:rPr>
+              <a:t> </a:t>
+            </a:r>
+            <a:r>
+              <a:rPr kumimoji="0" lang="zh-TW" altLang="zh-TW" sz="1400" b="0" i="0" u="none" strike="noStrike" cap="none" normalizeH="0" baseline="0" dirty="0" smtClean="0">
+                <a:ln>
+                  <a:noFill/>
+                </a:ln>
+                <a:solidFill>
+                  <a:srgbClr val="000088"/>
+                </a:solidFill>
+                <a:effectLst/>
+                <a:latin typeface="Arial Unicode MS" panose="020B0604020202020204" pitchFamily="34" charset="-120"/>
+                <a:ea typeface="Droid Sans Mono"/>
+              </a:rPr>
+              <a:t>finally</a:t>
+            </a:r>
+            <a:r>
+              <a:rPr kumimoji="0" lang="zh-TW" altLang="zh-TW" sz="1400" b="0" i="0" u="none" strike="noStrike" cap="none" normalizeH="0" baseline="0" dirty="0" smtClean="0">
+                <a:ln>
+                  <a:noFill/>
+                </a:ln>
+                <a:solidFill>
+                  <a:srgbClr val="000000"/>
+                </a:solidFill>
+                <a:effectLst/>
+                <a:latin typeface="Arial Unicode MS" panose="020B0604020202020204" pitchFamily="34" charset="-120"/>
+                <a:ea typeface="Droid Sans Mono"/>
+              </a:rPr>
+              <a:t> </a:t>
+            </a:r>
+            <a:r>
+              <a:rPr kumimoji="0" lang="zh-TW" altLang="zh-TW" sz="1400" b="0" i="0" u="none" strike="noStrike" cap="none" normalizeH="0" baseline="0" dirty="0" smtClean="0">
+                <a:ln>
+                  <a:noFill/>
+                </a:ln>
+                <a:solidFill>
+                  <a:srgbClr val="666600"/>
+                </a:solidFill>
+                <a:effectLst/>
+                <a:latin typeface="Arial Unicode MS" panose="020B0604020202020204" pitchFamily="34" charset="-120"/>
+                <a:ea typeface="Droid Sans Mono"/>
+              </a:rPr>
+              <a:t>{</a:t>
+            </a:r>
+            <a:r>
+              <a:rPr kumimoji="0" lang="zh-TW" altLang="zh-TW" sz="1400" b="0" i="0" u="none" strike="noStrike" cap="none" normalizeH="0" baseline="0" dirty="0" smtClean="0">
+                <a:ln>
+                  <a:noFill/>
+                </a:ln>
+                <a:solidFill>
+                  <a:srgbClr val="000000"/>
+                </a:solidFill>
+                <a:effectLst/>
+                <a:latin typeface="Arial Unicode MS" panose="020B0604020202020204" pitchFamily="34" charset="-120"/>
+                <a:ea typeface="Droid Sans Mono"/>
+              </a:rPr>
+              <a:t> </a:t>
+            </a:r>
+            <a:endParaRPr kumimoji="0" lang="en-US" altLang="zh-TW" sz="1400" b="0" i="0" u="none" strike="noStrike" cap="none" normalizeH="0" baseline="0" dirty="0" smtClean="0">
+              <a:ln>
+                <a:noFill/>
+              </a:ln>
+              <a:solidFill>
+                <a:srgbClr val="000000"/>
+              </a:solidFill>
+              <a:effectLst/>
+              <a:latin typeface="Arial Unicode MS" panose="020B0604020202020204" pitchFamily="34" charset="-120"/>
+              <a:ea typeface="Droid Sans Mono"/>
+            </a:endParaRPr>
+          </a:p>
+          <a:p>
+            <a:pPr marL="0" marR="0" lvl="0" indent="0" algn="l" defTabSz="914400" rtl="0" eaLnBrk="0" fontAlgn="base" latinLnBrk="0" hangingPunct="0">
+              <a:lnSpc>
+                <a:spcPct val="100000"/>
+              </a:lnSpc>
+              <a:spcBef>
+                <a:spcPct val="0"/>
+              </a:spcBef>
+              <a:spcAft>
+                <a:spcPct val="0"/>
+              </a:spcAft>
+              <a:buClrTx/>
+              <a:buSzTx/>
+              <a:buFontTx/>
+              <a:buNone/>
+              <a:tabLst/>
+            </a:pPr>
+            <a:r>
+              <a:rPr lang="en-US" altLang="zh-TW" sz="1400" dirty="0">
+                <a:solidFill>
+                  <a:srgbClr val="000000"/>
+                </a:solidFill>
+                <a:latin typeface="Arial Unicode MS" panose="020B0604020202020204" pitchFamily="34" charset="-120"/>
+                <a:ea typeface="Droid Sans Mono"/>
+              </a:rPr>
+              <a:t> </a:t>
+            </a:r>
+            <a:r>
+              <a:rPr lang="en-US" altLang="zh-TW" sz="1400" dirty="0" smtClean="0">
+                <a:solidFill>
+                  <a:srgbClr val="000000"/>
+                </a:solidFill>
+                <a:latin typeface="Arial Unicode MS" panose="020B0604020202020204" pitchFamily="34" charset="-120"/>
+                <a:ea typeface="Droid Sans Mono"/>
+              </a:rPr>
+              <a:t>   </a:t>
+            </a:r>
+            <a:r>
+              <a:rPr kumimoji="0" lang="zh-TW" altLang="zh-TW" sz="1400" b="0" i="0" u="none" strike="noStrike" cap="none" normalizeH="0" baseline="0" dirty="0" smtClean="0">
+                <a:ln>
+                  <a:noFill/>
+                </a:ln>
+                <a:solidFill>
+                  <a:srgbClr val="000088"/>
+                </a:solidFill>
+                <a:effectLst/>
+                <a:latin typeface="Arial Unicode MS" panose="020B0604020202020204" pitchFamily="34" charset="-120"/>
+                <a:ea typeface="Droid Sans Mono"/>
+              </a:rPr>
+              <a:t>if</a:t>
+            </a:r>
+            <a:r>
+              <a:rPr kumimoji="0" lang="zh-TW" altLang="zh-TW" sz="1400" b="0" i="0" u="none" strike="noStrike" cap="none" normalizeH="0" baseline="0" dirty="0" smtClean="0">
+                <a:ln>
+                  <a:noFill/>
+                </a:ln>
+                <a:solidFill>
+                  <a:srgbClr val="000000"/>
+                </a:solidFill>
+                <a:effectLst/>
+                <a:latin typeface="Arial Unicode MS" panose="020B0604020202020204" pitchFamily="34" charset="-120"/>
+                <a:ea typeface="Droid Sans Mono"/>
+              </a:rPr>
+              <a:t> </a:t>
+            </a:r>
+            <a:r>
+              <a:rPr kumimoji="0" lang="zh-TW" altLang="zh-TW" sz="1400" b="0" i="0" u="none" strike="noStrike" cap="none" normalizeH="0" baseline="0" dirty="0" smtClean="0">
+                <a:ln>
+                  <a:noFill/>
+                </a:ln>
+                <a:solidFill>
+                  <a:srgbClr val="666600"/>
+                </a:solidFill>
+                <a:effectLst/>
+                <a:latin typeface="Arial Unicode MS" panose="020B0604020202020204" pitchFamily="34" charset="-120"/>
+                <a:ea typeface="Droid Sans Mono"/>
+              </a:rPr>
+              <a:t>(</a:t>
+            </a:r>
+            <a:r>
+              <a:rPr kumimoji="0" lang="zh-TW" altLang="zh-TW" sz="1400" b="0" i="0" u="none" strike="noStrike" cap="none" normalizeH="0" baseline="0" dirty="0" smtClean="0">
+                <a:ln>
+                  <a:noFill/>
+                </a:ln>
+                <a:solidFill>
+                  <a:srgbClr val="000000"/>
+                </a:solidFill>
+                <a:effectLst/>
+                <a:latin typeface="Arial Unicode MS" panose="020B0604020202020204" pitchFamily="34" charset="-120"/>
+                <a:ea typeface="Droid Sans Mono"/>
+              </a:rPr>
+              <a:t>entityManager </a:t>
+            </a:r>
+            <a:r>
+              <a:rPr kumimoji="0" lang="zh-TW" altLang="zh-TW" sz="1400" b="0" i="0" u="none" strike="noStrike" cap="none" normalizeH="0" baseline="0" dirty="0" smtClean="0">
+                <a:ln>
+                  <a:noFill/>
+                </a:ln>
+                <a:solidFill>
+                  <a:srgbClr val="666600"/>
+                </a:solidFill>
+                <a:effectLst/>
+                <a:latin typeface="Arial Unicode MS" panose="020B0604020202020204" pitchFamily="34" charset="-120"/>
+                <a:ea typeface="Droid Sans Mono"/>
+              </a:rPr>
+              <a:t>!=</a:t>
+            </a:r>
+            <a:r>
+              <a:rPr kumimoji="0" lang="zh-TW" altLang="zh-TW" sz="1400" b="0" i="0" u="none" strike="noStrike" cap="none" normalizeH="0" baseline="0" dirty="0" smtClean="0">
+                <a:ln>
+                  <a:noFill/>
+                </a:ln>
+                <a:solidFill>
+                  <a:srgbClr val="000000"/>
+                </a:solidFill>
+                <a:effectLst/>
+                <a:latin typeface="Arial Unicode MS" panose="020B0604020202020204" pitchFamily="34" charset="-120"/>
+                <a:ea typeface="Droid Sans Mono"/>
+              </a:rPr>
+              <a:t> </a:t>
+            </a:r>
+            <a:r>
+              <a:rPr kumimoji="0" lang="zh-TW" altLang="zh-TW" sz="1400" b="0" i="0" u="none" strike="noStrike" cap="none" normalizeH="0" baseline="0" dirty="0" smtClean="0">
+                <a:ln>
+                  <a:noFill/>
+                </a:ln>
+                <a:solidFill>
+                  <a:srgbClr val="000088"/>
+                </a:solidFill>
+                <a:effectLst/>
+                <a:latin typeface="Arial Unicode MS" panose="020B0604020202020204" pitchFamily="34" charset="-120"/>
+                <a:ea typeface="Droid Sans Mono"/>
+              </a:rPr>
+              <a:t>null</a:t>
+            </a:r>
+            <a:r>
+              <a:rPr kumimoji="0" lang="zh-TW" altLang="zh-TW" sz="1400" b="0" i="0" u="none" strike="noStrike" cap="none" normalizeH="0" baseline="0" dirty="0" smtClean="0">
+                <a:ln>
+                  <a:noFill/>
+                </a:ln>
+                <a:solidFill>
+                  <a:srgbClr val="666600"/>
+                </a:solidFill>
+                <a:effectLst/>
+                <a:latin typeface="Arial Unicode MS" panose="020B0604020202020204" pitchFamily="34" charset="-120"/>
+                <a:ea typeface="Droid Sans Mono"/>
+              </a:rPr>
+              <a:t>)</a:t>
+            </a:r>
+            <a:r>
+              <a:rPr kumimoji="0" lang="zh-TW" altLang="zh-TW" sz="1400" b="0" i="0" u="none" strike="noStrike" cap="none" normalizeH="0" baseline="0" dirty="0" smtClean="0">
+                <a:ln>
+                  <a:noFill/>
+                </a:ln>
+                <a:solidFill>
+                  <a:srgbClr val="000000"/>
+                </a:solidFill>
+                <a:effectLst/>
+                <a:latin typeface="Arial Unicode MS" panose="020B0604020202020204" pitchFamily="34" charset="-120"/>
+                <a:ea typeface="Droid Sans Mono"/>
+              </a:rPr>
+              <a:t> </a:t>
+            </a:r>
+            <a:r>
+              <a:rPr kumimoji="0" lang="zh-TW" altLang="zh-TW" sz="1400" b="0" i="0" u="none" strike="noStrike" cap="none" normalizeH="0" baseline="0" dirty="0" smtClean="0">
+                <a:ln>
+                  <a:noFill/>
+                </a:ln>
+                <a:solidFill>
+                  <a:srgbClr val="666600"/>
+                </a:solidFill>
+                <a:effectLst/>
+                <a:latin typeface="Arial Unicode MS" panose="020B0604020202020204" pitchFamily="34" charset="-120"/>
+                <a:ea typeface="Droid Sans Mono"/>
+              </a:rPr>
+              <a:t>{</a:t>
+            </a:r>
+            <a:r>
+              <a:rPr kumimoji="0" lang="zh-TW" altLang="zh-TW" sz="1400" b="0" i="0" u="none" strike="noStrike" cap="none" normalizeH="0" baseline="0" dirty="0" smtClean="0">
+                <a:ln>
+                  <a:noFill/>
+                </a:ln>
+                <a:solidFill>
+                  <a:srgbClr val="000000"/>
+                </a:solidFill>
+                <a:effectLst/>
+                <a:latin typeface="Arial Unicode MS" panose="020B0604020202020204" pitchFamily="34" charset="-120"/>
+                <a:ea typeface="Droid Sans Mono"/>
+              </a:rPr>
+              <a:t> </a:t>
+            </a:r>
+            <a:endParaRPr kumimoji="0" lang="en-US" altLang="zh-TW" sz="1400" b="0" i="0" u="none" strike="noStrike" cap="none" normalizeH="0" baseline="0" dirty="0" smtClean="0">
+              <a:ln>
+                <a:noFill/>
+              </a:ln>
+              <a:solidFill>
+                <a:srgbClr val="000000"/>
+              </a:solidFill>
+              <a:effectLst/>
+              <a:latin typeface="Arial Unicode MS" panose="020B0604020202020204" pitchFamily="34" charset="-120"/>
+              <a:ea typeface="Droid Sans Mono"/>
+            </a:endParaRPr>
+          </a:p>
+          <a:p>
+            <a:pPr marL="0" marR="0" lvl="0" indent="0" algn="l" defTabSz="914400" rtl="0" eaLnBrk="0" fontAlgn="base" latinLnBrk="0" hangingPunct="0">
+              <a:lnSpc>
+                <a:spcPct val="100000"/>
+              </a:lnSpc>
+              <a:spcBef>
+                <a:spcPct val="0"/>
+              </a:spcBef>
+              <a:spcAft>
+                <a:spcPct val="0"/>
+              </a:spcAft>
+              <a:buClrTx/>
+              <a:buSzTx/>
+              <a:buFontTx/>
+              <a:buNone/>
+              <a:tabLst/>
+            </a:pPr>
+            <a:r>
+              <a:rPr kumimoji="0" lang="en-US" altLang="zh-TW" sz="1400" b="0" i="0" u="none" strike="noStrike" cap="none" normalizeH="0" baseline="0" dirty="0" smtClean="0">
+                <a:ln>
+                  <a:noFill/>
+                </a:ln>
+                <a:solidFill>
+                  <a:srgbClr val="000000"/>
+                </a:solidFill>
+                <a:effectLst/>
+                <a:latin typeface="Arial Unicode MS" panose="020B0604020202020204" pitchFamily="34" charset="-120"/>
+                <a:ea typeface="Droid Sans Mono"/>
+              </a:rPr>
+              <a:t>        </a:t>
+            </a:r>
+            <a:r>
+              <a:rPr kumimoji="0" lang="zh-TW" altLang="zh-TW" sz="1400" b="0" i="0" u="none" strike="noStrike" cap="none" normalizeH="0" baseline="0" dirty="0" smtClean="0">
+                <a:ln>
+                  <a:noFill/>
+                </a:ln>
+                <a:solidFill>
+                  <a:srgbClr val="000000"/>
+                </a:solidFill>
+                <a:effectLst/>
+                <a:latin typeface="Arial Unicode MS" panose="020B0604020202020204" pitchFamily="34" charset="-120"/>
+                <a:ea typeface="Droid Sans Mono"/>
+              </a:rPr>
+              <a:t>entityManager</a:t>
+            </a:r>
+            <a:r>
+              <a:rPr kumimoji="0" lang="zh-TW" altLang="zh-TW" sz="1400" b="0" i="0" u="none" strike="noStrike" cap="none" normalizeH="0" baseline="0" dirty="0" smtClean="0">
+                <a:ln>
+                  <a:noFill/>
+                </a:ln>
+                <a:solidFill>
+                  <a:srgbClr val="666600"/>
+                </a:solidFill>
+                <a:effectLst/>
+                <a:latin typeface="Arial Unicode MS" panose="020B0604020202020204" pitchFamily="34" charset="-120"/>
+                <a:ea typeface="Droid Sans Mono"/>
+              </a:rPr>
+              <a:t>.</a:t>
+            </a:r>
+            <a:r>
+              <a:rPr kumimoji="0" lang="zh-TW" altLang="zh-TW" sz="1400" b="0" i="0" u="none" strike="noStrike" cap="none" normalizeH="0" baseline="0" dirty="0" smtClean="0">
+                <a:ln>
+                  <a:noFill/>
+                </a:ln>
+                <a:solidFill>
+                  <a:srgbClr val="000000"/>
+                </a:solidFill>
+                <a:effectLst/>
+                <a:latin typeface="Arial Unicode MS" panose="020B0604020202020204" pitchFamily="34" charset="-120"/>
+                <a:ea typeface="Droid Sans Mono"/>
+              </a:rPr>
+              <a:t>close</a:t>
+            </a:r>
+            <a:r>
+              <a:rPr kumimoji="0" lang="zh-TW" altLang="zh-TW" sz="1400" b="0" i="0" u="none" strike="noStrike" cap="none" normalizeH="0" baseline="0" dirty="0" smtClean="0">
+                <a:ln>
+                  <a:noFill/>
+                </a:ln>
+                <a:solidFill>
+                  <a:srgbClr val="666600"/>
+                </a:solidFill>
+                <a:effectLst/>
+                <a:latin typeface="Arial Unicode MS" panose="020B0604020202020204" pitchFamily="34" charset="-120"/>
+                <a:ea typeface="Droid Sans Mono"/>
+              </a:rPr>
+              <a:t>();</a:t>
+            </a:r>
+            <a:r>
+              <a:rPr kumimoji="0" lang="zh-TW" altLang="zh-TW" sz="1400" b="0" i="0" u="none" strike="noStrike" cap="none" normalizeH="0" baseline="0" dirty="0" smtClean="0">
+                <a:ln>
+                  <a:noFill/>
+                </a:ln>
+                <a:solidFill>
+                  <a:srgbClr val="000000"/>
+                </a:solidFill>
+                <a:effectLst/>
+                <a:latin typeface="Arial Unicode MS" panose="020B0604020202020204" pitchFamily="34" charset="-120"/>
+                <a:ea typeface="Droid Sans Mono"/>
+              </a:rPr>
+              <a:t> </a:t>
+            </a:r>
+            <a:endParaRPr kumimoji="0" lang="en-US" altLang="zh-TW" sz="1400" b="0" i="0" u="none" strike="noStrike" cap="none" normalizeH="0" baseline="0" dirty="0" smtClean="0">
+              <a:ln>
+                <a:noFill/>
+              </a:ln>
+              <a:solidFill>
+                <a:srgbClr val="000000"/>
+              </a:solidFill>
+              <a:effectLst/>
+              <a:latin typeface="Arial Unicode MS" panose="020B0604020202020204" pitchFamily="34" charset="-120"/>
+              <a:ea typeface="Droid Sans Mono"/>
+            </a:endParaRPr>
+          </a:p>
+          <a:p>
+            <a:pPr marL="0" marR="0" lvl="0" indent="0" algn="l" defTabSz="914400" rtl="0" eaLnBrk="0" fontAlgn="base" latinLnBrk="0" hangingPunct="0">
+              <a:lnSpc>
+                <a:spcPct val="100000"/>
+              </a:lnSpc>
+              <a:spcBef>
+                <a:spcPct val="0"/>
+              </a:spcBef>
+              <a:spcAft>
+                <a:spcPct val="0"/>
+              </a:spcAft>
+              <a:buClrTx/>
+              <a:buSzTx/>
+              <a:buFontTx/>
+              <a:buNone/>
+              <a:tabLst/>
+            </a:pPr>
+            <a:r>
+              <a:rPr lang="en-US" altLang="zh-TW" sz="1400" dirty="0">
+                <a:solidFill>
+                  <a:srgbClr val="000000"/>
+                </a:solidFill>
+                <a:latin typeface="Arial Unicode MS" panose="020B0604020202020204" pitchFamily="34" charset="-120"/>
+                <a:ea typeface="Droid Sans Mono"/>
+              </a:rPr>
+              <a:t> </a:t>
+            </a:r>
+            <a:r>
+              <a:rPr lang="en-US" altLang="zh-TW" sz="1400" dirty="0" smtClean="0">
+                <a:solidFill>
+                  <a:srgbClr val="000000"/>
+                </a:solidFill>
+                <a:latin typeface="Arial Unicode MS" panose="020B0604020202020204" pitchFamily="34" charset="-120"/>
+                <a:ea typeface="Droid Sans Mono"/>
+              </a:rPr>
+              <a:t>   </a:t>
+            </a:r>
+            <a:r>
+              <a:rPr kumimoji="0" lang="zh-TW" altLang="zh-TW" sz="1400" b="0" i="0" u="none" strike="noStrike" cap="none" normalizeH="0" baseline="0" dirty="0" smtClean="0">
+                <a:ln>
+                  <a:noFill/>
+                </a:ln>
+                <a:solidFill>
+                  <a:srgbClr val="666600"/>
+                </a:solidFill>
+                <a:effectLst/>
+                <a:latin typeface="Arial Unicode MS" panose="020B0604020202020204" pitchFamily="34" charset="-120"/>
+                <a:ea typeface="Droid Sans Mono"/>
+              </a:rPr>
+              <a:t>}</a:t>
+            </a:r>
+            <a:r>
+              <a:rPr kumimoji="0" lang="zh-TW" altLang="zh-TW" sz="1400" b="0" i="0" u="none" strike="noStrike" cap="none" normalizeH="0" baseline="0" dirty="0" smtClean="0">
+                <a:ln>
+                  <a:noFill/>
+                </a:ln>
+                <a:solidFill>
+                  <a:srgbClr val="000000"/>
+                </a:solidFill>
+                <a:effectLst/>
+                <a:latin typeface="Arial Unicode MS" panose="020B0604020202020204" pitchFamily="34" charset="-120"/>
+                <a:ea typeface="Droid Sans Mono"/>
+              </a:rPr>
+              <a:t> </a:t>
+            </a:r>
+            <a:endParaRPr kumimoji="0" lang="en-US" altLang="zh-TW" sz="1400" b="0" i="0" u="none" strike="noStrike" cap="none" normalizeH="0" baseline="0" dirty="0" smtClean="0">
+              <a:ln>
+                <a:noFill/>
+              </a:ln>
+              <a:solidFill>
+                <a:srgbClr val="000000"/>
+              </a:solidFill>
+              <a:effectLst/>
+              <a:latin typeface="Arial Unicode MS" panose="020B0604020202020204" pitchFamily="34" charset="-120"/>
+              <a:ea typeface="Droid Sans Mono"/>
+            </a:endParaRPr>
+          </a:p>
+          <a:p>
+            <a:pPr marL="0" marR="0" lvl="0" indent="0" algn="l" defTabSz="914400" rtl="0" eaLnBrk="0" fontAlgn="base" latinLnBrk="0" hangingPunct="0">
+              <a:lnSpc>
+                <a:spcPct val="100000"/>
+              </a:lnSpc>
+              <a:spcBef>
+                <a:spcPct val="0"/>
+              </a:spcBef>
+              <a:spcAft>
+                <a:spcPct val="0"/>
+              </a:spcAft>
+              <a:buClrTx/>
+              <a:buSzTx/>
+              <a:buFontTx/>
+              <a:buNone/>
+              <a:tabLst/>
+            </a:pPr>
+            <a:r>
+              <a:rPr kumimoji="0" lang="zh-TW" altLang="zh-TW" sz="1400" b="0" i="0" u="none" strike="noStrike" cap="none" normalizeH="0" baseline="0" dirty="0" smtClean="0">
+                <a:ln>
+                  <a:noFill/>
+                </a:ln>
+                <a:solidFill>
+                  <a:srgbClr val="666600"/>
+                </a:solidFill>
+                <a:effectLst/>
+                <a:latin typeface="Arial Unicode MS" panose="020B0604020202020204" pitchFamily="34" charset="-120"/>
+                <a:ea typeface="Droid Sans Mono"/>
+              </a:rPr>
+              <a:t>}</a:t>
+            </a:r>
+            <a:r>
+              <a:rPr kumimoji="0" lang="zh-TW" altLang="zh-TW" sz="1400" b="0" i="0" u="none" strike="noStrike" cap="none" normalizeH="0" baseline="0" dirty="0" smtClean="0">
+                <a:ln>
+                  <a:noFill/>
+                </a:ln>
+                <a:solidFill>
+                  <a:schemeClr val="tx1"/>
+                </a:solidFill>
+                <a:effectLst/>
+              </a:rPr>
+              <a:t> </a:t>
+            </a:r>
+            <a:endParaRPr kumimoji="0" lang="zh-TW" altLang="zh-TW" sz="1400" b="0" i="0" u="none" strike="noStrike" cap="none" normalizeH="0" baseline="0" dirty="0" smtClean="0">
+              <a:ln>
+                <a:noFill/>
+              </a:ln>
+              <a:solidFill>
+                <a:schemeClr val="tx1"/>
+              </a:solidFill>
+              <a:effectLst/>
+              <a:latin typeface="Arial" panose="020B0604020202020204" pitchFamily="34" charset="0"/>
+            </a:endParaRPr>
+          </a:p>
+        </p:txBody>
+      </p:sp>
+    </p:spTree>
+    <p:extLst>
+      <p:ext uri="{BB962C8B-B14F-4D97-AF65-F5344CB8AC3E}">
+        <p14:creationId xmlns:p14="http://schemas.microsoft.com/office/powerpoint/2010/main" val="112336782"/>
+      </p:ext>
+    </p:extLst>
+  </p:cSld>
+  <p:clrMapOvr>
+    <a:masterClrMapping/>
+  </p:clrMapOvr>
+</p:sld>
+</file>
+
+<file path=ppt/slides/slide32.xml><?xml version="1.0" encoding="utf-8"?>
+<p:sld xmlns:a="http://schemas.openxmlformats.org/drawingml/2006/main" xmlns:r="http://schemas.openxmlformats.org/officeDocument/2006/relationships" xmlns:p="http://schemas.openxmlformats.org/presentationml/2006/main">
+  <p:cSld>
+    <p:spTree>
+      <p:nvGrpSpPr>
+        <p:cNvPr id="1" name=""/>
+        <p:cNvGrpSpPr/>
+        <p:nvPr/>
+      </p:nvGrpSpPr>
+      <p:grpSpPr>
+        <a:xfrm>
+          <a:off x="0" y="0"/>
+          <a:ext cx="0" cy="0"/>
+          <a:chOff x="0" y="0"/>
+          <a:chExt cx="0" cy="0"/>
+        </a:xfrm>
+      </p:grpSpPr>
+      <p:sp>
+        <p:nvSpPr>
+          <p:cNvPr id="2" name="標題 1"/>
+          <p:cNvSpPr>
+            <a:spLocks noGrp="1"/>
+          </p:cNvSpPr>
+          <p:nvPr>
+            <p:ph type="title"/>
+          </p:nvPr>
+        </p:nvSpPr>
+        <p:spPr/>
+        <p:txBody>
+          <a:bodyPr/>
+          <a:lstStyle/>
+          <a:p>
+            <a:r>
+              <a:rPr lang="en-US" altLang="zh-TW" dirty="0"/>
+              <a:t>references</a:t>
+            </a:r>
+            <a:endParaRPr lang="zh-TW" altLang="en-US" dirty="0"/>
+          </a:p>
+        </p:txBody>
+      </p:sp>
+      <p:sp>
+        <p:nvSpPr>
+          <p:cNvPr id="3" name="內容版面配置區 2"/>
+          <p:cNvSpPr>
+            <a:spLocks noGrp="1"/>
+          </p:cNvSpPr>
+          <p:nvPr>
+            <p:ph idx="1"/>
+          </p:nvPr>
+        </p:nvSpPr>
+        <p:spPr/>
+        <p:txBody>
+          <a:bodyPr>
+            <a:normAutofit fontScale="55000" lnSpcReduction="20000"/>
+          </a:bodyPr>
+          <a:lstStyle/>
+          <a:p>
+            <a:r>
+              <a:rPr lang="en-US" altLang="zh-TW" dirty="0"/>
+              <a:t>Hibernate ORM 5.3.7.Final User Guide</a:t>
+            </a:r>
+          </a:p>
+          <a:p>
+            <a:pPr lvl="1"/>
+            <a:r>
+              <a:rPr lang="en-US" altLang="zh-TW" dirty="0"/>
+              <a:t>http://docs.jboss.org/hibernate/orm/5.3/userguide/html_single/Hibernate_User_Guide.html</a:t>
+            </a:r>
+          </a:p>
+          <a:p>
+            <a:endParaRPr lang="en-US" altLang="zh-TW" dirty="0"/>
+          </a:p>
+          <a:p>
+            <a:r>
+              <a:rPr lang="en-US" altLang="zh-TW" dirty="0"/>
+              <a:t>JPA Tutorial</a:t>
+            </a:r>
+          </a:p>
+          <a:p>
+            <a:pPr lvl="1"/>
+            <a:r>
+              <a:rPr lang="en-US" altLang="zh-TW" dirty="0"/>
+              <a:t>https://www.tutorialspoint.com/jpa/index.htm</a:t>
+            </a:r>
+          </a:p>
+          <a:p>
+            <a:endParaRPr lang="en-US" altLang="zh-TW" dirty="0"/>
+          </a:p>
+          <a:p>
+            <a:r>
+              <a:rPr lang="en-US" altLang="zh-TW" dirty="0"/>
+              <a:t>JPA Tutorial</a:t>
+            </a:r>
+          </a:p>
+          <a:p>
+            <a:pPr lvl="1"/>
+            <a:r>
+              <a:rPr lang="en-US" altLang="zh-TW" dirty="0"/>
+              <a:t>https://www.javatpoint.com/jpa-tutorial</a:t>
+            </a:r>
+          </a:p>
+          <a:p>
+            <a:endParaRPr lang="en-US" altLang="zh-TW" dirty="0"/>
+          </a:p>
+          <a:p>
+            <a:r>
+              <a:rPr lang="en-US" altLang="zh-TW" dirty="0"/>
+              <a:t>JPA Tutorial</a:t>
+            </a:r>
+          </a:p>
+          <a:p>
+            <a:pPr lvl="1"/>
+            <a:r>
+              <a:rPr lang="en-US" altLang="zh-TW" dirty="0"/>
+              <a:t>http://www.java2s.com/Tutorials/Java/JPA/index.htm</a:t>
+            </a:r>
+          </a:p>
+          <a:p>
+            <a:endParaRPr lang="en-US" altLang="zh-TW" dirty="0"/>
+          </a:p>
+          <a:p>
+            <a:r>
+              <a:rPr lang="en-US" altLang="zh-TW" dirty="0"/>
+              <a:t>A Guide to JPA with Spring</a:t>
+            </a:r>
+          </a:p>
+          <a:p>
+            <a:pPr lvl="1"/>
+            <a:r>
+              <a:rPr lang="en-US" altLang="zh-TW" dirty="0"/>
+              <a:t>https://www.baeldung.com/the-persistence-layer-with-spring-and-jpa</a:t>
+            </a:r>
+          </a:p>
+          <a:p>
+            <a:pPr lvl="1"/>
+            <a:endParaRPr lang="en-US" altLang="zh-TW" dirty="0"/>
+          </a:p>
+          <a:p>
+            <a:r>
+              <a:rPr lang="en-US" altLang="zh-TW" dirty="0"/>
+              <a:t>Spring Framework reference</a:t>
+            </a:r>
+          </a:p>
+          <a:p>
+            <a:pPr lvl="1"/>
+            <a:r>
+              <a:rPr lang="en-US" altLang="zh-TW" dirty="0"/>
+              <a:t>https://docs.spring.io/spring/docs/4.3.x/spring-framework-reference/html/index.html</a:t>
+            </a:r>
+            <a:endParaRPr lang="zh-TW" altLang="en-US" dirty="0"/>
+          </a:p>
+        </p:txBody>
+      </p:sp>
+    </p:spTree>
+    <p:extLst>
+      <p:ext uri="{BB962C8B-B14F-4D97-AF65-F5344CB8AC3E}">
+        <p14:creationId xmlns:p14="http://schemas.microsoft.com/office/powerpoint/2010/main" val="2271923094"/>
       </p:ext>
     </p:extLst>
   </p:cSld>

--- a/test-springmvc/doc/2.JPA Programming.pptx
+++ b/test-springmvc/doc/2.JPA Programming.pptx
@@ -21136,14 +21136,10 @@
           <a:p>
             <a:r>
               <a:rPr lang="en-US" altLang="zh-TW" dirty="0"/>
-              <a:t>employ methods flush() and clear</a:t>
-            </a:r>
-            <a:r>
-              <a:rPr lang="en-US" altLang="zh-TW"/>
-              <a:t>() </a:t>
-            </a:r>
-            <a:r>
-              <a:rPr lang="en-US" altLang="zh-TW" smtClean="0"/>
+              <a:t>employ methods flush() and clear() </a:t>
+            </a:r>
+            <a:r>
+              <a:rPr lang="en-US" altLang="zh-TW" dirty="0" smtClean="0"/>
               <a:t>regularly</a:t>
             </a:r>
             <a:r>
@@ -21168,8 +21164,8 @@
         </p:nvSpPr>
         <p:spPr bwMode="auto">
           <a:xfrm>
-            <a:off x="976744" y="1523692"/>
-            <a:ext cx="5435783" cy="4955203"/>
+            <a:off x="976744" y="1415971"/>
+            <a:ext cx="5435783" cy="5170646"/>
           </a:xfrm>
           <a:prstGeom prst="rect">
             <a:avLst/>
@@ -22692,7 +22688,70 @@
                 <a:latin typeface="Arial Unicode MS" panose="020B0604020202020204" pitchFamily="34" charset="-120"/>
                 <a:ea typeface="Droid Sans Mono"/>
               </a:rPr>
-              <a:t> entityManager</a:t>
+              <a:t> </a:t>
+            </a:r>
+            <a:endParaRPr kumimoji="0" lang="en-US" altLang="zh-TW" sz="1400" b="0" i="0" u="none" strike="noStrike" cap="none" normalizeH="0" baseline="0" dirty="0" smtClean="0">
+              <a:ln>
+                <a:noFill/>
+              </a:ln>
+              <a:solidFill>
+                <a:srgbClr val="000000"/>
+              </a:solidFill>
+              <a:effectLst/>
+              <a:latin typeface="Arial Unicode MS" panose="020B0604020202020204" pitchFamily="34" charset="-120"/>
+              <a:ea typeface="Droid Sans Mono"/>
+            </a:endParaRPr>
+          </a:p>
+          <a:p>
+            <a:pPr marL="0" marR="0" lvl="0" indent="0" algn="l" defTabSz="914400" rtl="0" eaLnBrk="0" fontAlgn="base" latinLnBrk="0" hangingPunct="0">
+              <a:lnSpc>
+                <a:spcPct val="100000"/>
+              </a:lnSpc>
+              <a:spcBef>
+                <a:spcPct val="0"/>
+              </a:spcBef>
+              <a:spcAft>
+                <a:spcPct val="0"/>
+              </a:spcAft>
+              <a:buClrTx/>
+              <a:buSzTx/>
+              <a:buFontTx/>
+              <a:buNone/>
+              <a:tabLst/>
+            </a:pPr>
+            <a:r>
+              <a:rPr lang="zh-TW" altLang="en-US" sz="1400" dirty="0">
+                <a:solidFill>
+                  <a:srgbClr val="000000"/>
+                </a:solidFill>
+                <a:latin typeface="Arial Unicode MS" panose="020B0604020202020204" pitchFamily="34" charset="-120"/>
+                <a:ea typeface="Droid Sans Mono"/>
+              </a:rPr>
+              <a:t> </a:t>
+            </a:r>
+            <a:r>
+              <a:rPr lang="zh-TW" altLang="en-US" sz="1400" dirty="0" smtClean="0">
+                <a:solidFill>
+                  <a:srgbClr val="000000"/>
+                </a:solidFill>
+                <a:latin typeface="Arial Unicode MS" panose="020B0604020202020204" pitchFamily="34" charset="-120"/>
+                <a:ea typeface="Droid Sans Mono"/>
+              </a:rPr>
+              <a:t>           </a:t>
+            </a:r>
+            <a:r>
+              <a:rPr kumimoji="0" lang="zh-TW" altLang="zh-TW" sz="1400" b="0" i="0" u="none" strike="noStrike" cap="none" normalizeH="0" baseline="0" dirty="0" smtClean="0">
+                <a:ln>
+                  <a:noFill/>
+                </a:ln>
+                <a:solidFill>
+                  <a:srgbClr val="000000"/>
+                </a:solidFill>
+                <a:effectLst/>
+                <a:latin typeface="Arial Unicode MS" panose="020B0604020202020204" pitchFamily="34" charset="-120"/>
+                <a:ea typeface="Droid Sans Mono"/>
+              </a:rPr>
+              <a:t>entityManager</a:t>
             </a:r>
             <a:r>
               <a:rPr kumimoji="0" lang="zh-TW" altLang="zh-TW" sz="1400" b="0" i="0" u="none" strike="noStrike" cap="none" normalizeH="0" baseline="0" dirty="0" smtClean="0">
